--- a/cr/CR_lundi_23_09_13.pptx
+++ b/cr/CR_lundi_23_09_13.pptx
@@ -9,14 +9,17 @@
     <p:sldId id="257" r:id="rId3"/>
     <p:sldId id="260" r:id="rId4"/>
     <p:sldId id="259" r:id="rId5"/>
-    <p:sldId id="268" r:id="rId6"/>
+    <p:sldId id="273" r:id="rId6"/>
     <p:sldId id="269" r:id="rId7"/>
-    <p:sldId id="258" r:id="rId8"/>
-    <p:sldId id="270" r:id="rId9"/>
-    <p:sldId id="261" r:id="rId10"/>
-    <p:sldId id="263" r:id="rId11"/>
-    <p:sldId id="262" r:id="rId12"/>
-    <p:sldId id="264" r:id="rId13"/>
+    <p:sldId id="270" r:id="rId8"/>
+    <p:sldId id="258" r:id="rId9"/>
+    <p:sldId id="268" r:id="rId10"/>
+    <p:sldId id="261" r:id="rId11"/>
+    <p:sldId id="263" r:id="rId12"/>
+    <p:sldId id="272" r:id="rId13"/>
+    <p:sldId id="262" r:id="rId14"/>
+    <p:sldId id="264" r:id="rId15"/>
+    <p:sldId id="271" r:id="rId16"/>
   </p:sldIdLst>
   <p:sldSz cx="9144000" cy="6858000" type="screen4x3"/>
   <p:notesSz cx="6858000" cy="9144000"/>
@@ -4784,7 +4787,7 @@
           <a:p>
             <a:fld id="{7A6B8A3B-B4A8-0B47-A7EB-81B6CDAFFFC7}" type="datetimeFigureOut">
               <a:rPr lang="fr-FR" smtClean="0"/>
-              <a:t>20/09/13</a:t>
+              <a:t>21/09/13</a:t>
             </a:fld>
             <a:endParaRPr lang="fr-FR"/>
           </a:p>
@@ -5158,7 +5161,7 @@
           <a:p>
             <a:fld id="{7A6B8A3B-B4A8-0B47-A7EB-81B6CDAFFFC7}" type="datetimeFigureOut">
               <a:rPr lang="fr-FR" smtClean="0"/>
-              <a:t>20/09/13</a:t>
+              <a:t>21/09/13</a:t>
             </a:fld>
             <a:endParaRPr lang="fr-FR"/>
           </a:p>
@@ -5535,7 +5538,7 @@
           <a:p>
             <a:fld id="{7A6B8A3B-B4A8-0B47-A7EB-81B6CDAFFFC7}" type="datetimeFigureOut">
               <a:rPr lang="fr-FR" smtClean="0"/>
-              <a:t>20/09/13</a:t>
+              <a:t>21/09/13</a:t>
             </a:fld>
             <a:endParaRPr lang="fr-FR"/>
           </a:p>
@@ -6044,7 +6047,7 @@
           <a:p>
             <a:fld id="{7A6B8A3B-B4A8-0B47-A7EB-81B6CDAFFFC7}" type="datetimeFigureOut">
               <a:rPr lang="fr-FR" smtClean="0"/>
-              <a:t>20/09/13</a:t>
+              <a:t>21/09/13</a:t>
             </a:fld>
             <a:endParaRPr lang="fr-FR"/>
           </a:p>
@@ -6285,7 +6288,7 @@
           <a:p>
             <a:fld id="{7A6B8A3B-B4A8-0B47-A7EB-81B6CDAFFFC7}" type="datetimeFigureOut">
               <a:rPr lang="fr-FR" smtClean="0"/>
-              <a:t>20/09/13</a:t>
+              <a:t>21/09/13</a:t>
             </a:fld>
             <a:endParaRPr lang="fr-FR"/>
           </a:p>
@@ -6516,7 +6519,7 @@
           <a:p>
             <a:fld id="{7A6B8A3B-B4A8-0B47-A7EB-81B6CDAFFFC7}" type="datetimeFigureOut">
               <a:rPr lang="fr-FR" smtClean="0"/>
-              <a:t>20/09/13</a:t>
+              <a:t>21/09/13</a:t>
             </a:fld>
             <a:endParaRPr lang="fr-FR"/>
           </a:p>
@@ -13872,7 +13875,7 @@
           <a:p>
             <a:fld id="{7A6B8A3B-B4A8-0B47-A7EB-81B6CDAFFFC7}" type="datetimeFigureOut">
               <a:rPr lang="fr-FR" smtClean="0"/>
-              <a:t>20/09/13</a:t>
+              <a:t>21/09/13</a:t>
             </a:fld>
             <a:endParaRPr lang="fr-FR"/>
           </a:p>
@@ -14409,7 +14412,7 @@
           <a:p>
             <a:fld id="{7A6B8A3B-B4A8-0B47-A7EB-81B6CDAFFFC7}" type="datetimeFigureOut">
               <a:rPr lang="fr-FR" smtClean="0"/>
-              <a:t>20/09/13</a:t>
+              <a:t>21/09/13</a:t>
             </a:fld>
             <a:endParaRPr lang="fr-FR"/>
           </a:p>
@@ -14584,7 +14587,7 @@
           <a:p>
             <a:fld id="{7A6B8A3B-B4A8-0B47-A7EB-81B6CDAFFFC7}" type="datetimeFigureOut">
               <a:rPr lang="fr-FR" smtClean="0"/>
-              <a:t>20/09/13</a:t>
+              <a:t>21/09/13</a:t>
             </a:fld>
             <a:endParaRPr lang="fr-FR"/>
           </a:p>
@@ -14674,7 +14677,7 @@
           <a:p>
             <a:fld id="{7A6B8A3B-B4A8-0B47-A7EB-81B6CDAFFFC7}" type="datetimeFigureOut">
               <a:rPr lang="fr-FR" smtClean="0"/>
-              <a:t>20/09/13</a:t>
+              <a:t>21/09/13</a:t>
             </a:fld>
             <a:endParaRPr lang="fr-FR"/>
           </a:p>
@@ -15010,7 +15013,7 @@
           <a:p>
             <a:fld id="{7A6B8A3B-B4A8-0B47-A7EB-81B6CDAFFFC7}" type="datetimeFigureOut">
               <a:rPr lang="fr-FR" smtClean="0"/>
-              <a:t>20/09/13</a:t>
+              <a:t>21/09/13</a:t>
             </a:fld>
             <a:endParaRPr lang="fr-FR"/>
           </a:p>
@@ -16430,7 +16433,7 @@
           <a:p>
             <a:fld id="{7A6B8A3B-B4A8-0B47-A7EB-81B6CDAFFFC7}" type="datetimeFigureOut">
               <a:rPr lang="fr-FR" smtClean="0"/>
-              <a:t>20/09/13</a:t>
+              <a:t>21/09/13</a:t>
             </a:fld>
             <a:endParaRPr lang="fr-FR"/>
           </a:p>
@@ -17058,6 +17061,30 @@
           </a:sp3d>
         </p:spPr>
       </p:pic>
+      <p:pic>
+        <p:nvPicPr>
+          <p:cNvPr id="5" name="Image 4"/>
+          <p:cNvPicPr>
+            <a:picLocks noChangeAspect="1"/>
+          </p:cNvPicPr>
+          <p:nvPr/>
+        </p:nvPicPr>
+        <p:blipFill>
+          <a:blip r:embed="rId3"/>
+          <a:stretch>
+            <a:fillRect/>
+          </a:stretch>
+        </p:blipFill>
+        <p:spPr>
+          <a:xfrm>
+            <a:off x="4013200" y="6245578"/>
+            <a:ext cx="1117600" cy="393700"/>
+          </a:xfrm>
+          <a:prstGeom prst="rect">
+            <a:avLst/>
+          </a:prstGeom>
+        </p:spPr>
+      </p:pic>
     </p:spTree>
     <p:extLst>
       <p:ext uri="{BB962C8B-B14F-4D97-AF65-F5344CB8AC3E}">
@@ -17079,6 +17106,234 @@
 </file>
 
 <file path=ppt/slides/slide10.xml><?xml version="1.0" encoding="utf-8"?>
+<p:sld xmlns:a="http://schemas.openxmlformats.org/drawingml/2006/main" xmlns:r="http://schemas.openxmlformats.org/officeDocument/2006/relationships" xmlns:p="http://schemas.openxmlformats.org/presentationml/2006/main">
+  <p:cSld>
+    <p:spTree>
+      <p:nvGrpSpPr>
+        <p:cNvPr id="1" name=""/>
+        <p:cNvGrpSpPr/>
+        <p:nvPr/>
+      </p:nvGrpSpPr>
+      <p:grpSpPr>
+        <a:xfrm>
+          <a:off x="0" y="0"/>
+          <a:ext cx="0" cy="0"/>
+          <a:chOff x="0" y="0"/>
+          <a:chExt cx="0" cy="0"/>
+        </a:xfrm>
+      </p:grpSpPr>
+      <p:sp>
+        <p:nvSpPr>
+          <p:cNvPr id="2" name="Titre 1"/>
+          <p:cNvSpPr>
+            <a:spLocks noGrp="1"/>
+          </p:cNvSpPr>
+          <p:nvPr>
+            <p:ph type="title"/>
+          </p:nvPr>
+        </p:nvSpPr>
+        <p:spPr/>
+        <p:txBody>
+          <a:bodyPr/>
+          <a:lstStyle/>
+          <a:p>
+            <a:pPr algn="ctr"/>
+            <a:r>
+              <a:rPr lang="fr-FR" dirty="0" smtClean="0"/>
+              <a:t>PARTIE « BASE »</a:t>
+            </a:r>
+            <a:endParaRPr lang="fr-FR" dirty="0"/>
+          </a:p>
+        </p:txBody>
+      </p:sp>
+      <p:sp>
+        <p:nvSpPr>
+          <p:cNvPr id="3" name="Espace réservé du contenu 2"/>
+          <p:cNvSpPr>
+            <a:spLocks noGrp="1"/>
+          </p:cNvSpPr>
+          <p:nvPr>
+            <p:ph idx="1"/>
+          </p:nvPr>
+        </p:nvSpPr>
+        <p:spPr/>
+        <p:txBody>
+          <a:bodyPr>
+            <a:normAutofit fontScale="92500" lnSpcReduction="10000"/>
+          </a:bodyPr>
+          <a:lstStyle/>
+          <a:p>
+            <a:r>
+              <a:rPr lang="fr-FR" dirty="0" smtClean="0"/>
+              <a:t>IHM tactile </a:t>
+            </a:r>
+          </a:p>
+          <a:p>
+            <a:pPr lvl="2"/>
+            <a:r>
+              <a:rPr lang="fr-FR" dirty="0" smtClean="0"/>
+              <a:t>Configuration des informations pertinentes :</a:t>
+            </a:r>
+          </a:p>
+          <a:p>
+            <a:pPr lvl="3"/>
+            <a:r>
+              <a:rPr lang="fr-FR" dirty="0" smtClean="0"/>
+              <a:t>Niveau de charge batterie</a:t>
+            </a:r>
+          </a:p>
+          <a:p>
+            <a:pPr lvl="3"/>
+            <a:r>
+              <a:rPr lang="fr-FR" dirty="0" smtClean="0"/>
+              <a:t>PFD</a:t>
+            </a:r>
+          </a:p>
+          <a:p>
+            <a:pPr lvl="3"/>
+            <a:r>
+              <a:rPr lang="fr-FR" dirty="0" smtClean="0"/>
+              <a:t>…</a:t>
+            </a:r>
+          </a:p>
+          <a:p>
+            <a:r>
+              <a:rPr lang="fr-FR" dirty="0" smtClean="0"/>
+              <a:t>Gestion de vol </a:t>
+            </a:r>
+          </a:p>
+          <a:p>
+            <a:pPr lvl="2"/>
+            <a:r>
+              <a:rPr lang="fr-FR" dirty="0" smtClean="0"/>
+              <a:t>Joystick (PS3 ?)</a:t>
+            </a:r>
+          </a:p>
+          <a:p>
+            <a:pPr lvl="2"/>
+            <a:r>
+              <a:rPr lang="fr-FR" dirty="0" smtClean="0"/>
+              <a:t>« Manche à balai »</a:t>
+            </a:r>
+            <a:endParaRPr lang="fr-FR" dirty="0"/>
+          </a:p>
+        </p:txBody>
+      </p:sp>
+      <p:pic>
+        <p:nvPicPr>
+          <p:cNvPr id="4" name="Picture 1028" descr="G:\documentation\OpenGL\ES2.0\presentation\defensescreen.jpg"/>
+          <p:cNvPicPr>
+            <a:picLocks noChangeAspect="1" noChangeArrowheads="1"/>
+          </p:cNvPicPr>
+          <p:nvPr/>
+        </p:nvPicPr>
+        <p:blipFill>
+          <a:blip r:embed="rId2">
+            <a:extLst>
+              <a:ext uri="{28A0092B-C50C-407E-A947-70E740481C1C}">
+                <a14:useLocalDpi xmlns:a14="http://schemas.microsoft.com/office/drawing/2010/main" val="0"/>
+              </a:ext>
+            </a:extLst>
+          </a:blip>
+          <a:srcRect/>
+          <a:stretch>
+            <a:fillRect/>
+          </a:stretch>
+        </p:blipFill>
+        <p:spPr bwMode="auto">
+          <a:xfrm>
+            <a:off x="5387328" y="4105136"/>
+            <a:ext cx="3531602" cy="2594500"/>
+          </a:xfrm>
+          <a:prstGeom prst="rect">
+            <a:avLst/>
+          </a:prstGeom>
+          <a:noFill/>
+          <a:extLst>
+            <a:ext uri="{909E8E84-426E-40dd-AFC4-6F175D3DCCD1}">
+              <a14:hiddenFill xmlns:a14="http://schemas.microsoft.com/office/drawing/2010/main">
+                <a:solidFill>
+                  <a:srgbClr val="FFFFFF"/>
+                </a:solidFill>
+              </a14:hiddenFill>
+            </a:ext>
+          </a:extLst>
+        </p:spPr>
+      </p:pic>
+      <p:pic>
+        <p:nvPicPr>
+          <p:cNvPr id="5" name="Image 4" descr="Macintosh HD:Users:texierpierre-jean:Desktop:Capture d’écran 2011-12-16 à 14.42.02.png"/>
+          <p:cNvPicPr/>
+          <p:nvPr/>
+        </p:nvPicPr>
+        <p:blipFill>
+          <a:blip r:embed="rId3">
+            <a:extLst>
+              <a:ext uri="{28A0092B-C50C-407E-A947-70E740481C1C}">
+                <a14:useLocalDpi xmlns:a14="http://schemas.microsoft.com/office/drawing/2010/main" val="0"/>
+              </a:ext>
+            </a:extLst>
+          </a:blip>
+          <a:srcRect/>
+          <a:stretch>
+            <a:fillRect/>
+          </a:stretch>
+        </p:blipFill>
+        <p:spPr bwMode="auto">
+          <a:xfrm>
+            <a:off x="8019538" y="234160"/>
+            <a:ext cx="820176" cy="373292"/>
+          </a:xfrm>
+          <a:prstGeom prst="roundRect">
+            <a:avLst>
+              <a:gd name="adj" fmla="val 16667"/>
+            </a:avLst>
+          </a:prstGeom>
+          <a:ln>
+            <a:noFill/>
+          </a:ln>
+          <a:effectLst>
+            <a:outerShdw blurRad="76200" dist="38100" dir="7800000" algn="tl" rotWithShape="0">
+              <a:srgbClr val="000000">
+                <a:alpha val="40000"/>
+              </a:srgbClr>
+            </a:outerShdw>
+          </a:effectLst>
+          <a:scene3d>
+            <a:camera prst="orthographicFront"/>
+            <a:lightRig rig="contrasting" dir="t">
+              <a:rot lat="0" lon="0" rev="4200000"/>
+            </a:lightRig>
+          </a:scene3d>
+          <a:sp3d prstMaterial="plastic">
+            <a:bevelT w="381000" h="114300" prst="relaxedInset"/>
+            <a:contourClr>
+              <a:srgbClr val="969696"/>
+            </a:contourClr>
+          </a:sp3d>
+        </p:spPr>
+      </p:pic>
+    </p:spTree>
+    <p:extLst>
+      <p:ext uri="{BB962C8B-B14F-4D97-AF65-F5344CB8AC3E}">
+        <p14:creationId xmlns:p14="http://schemas.microsoft.com/office/powerpoint/2010/main" val="1113203639"/>
+      </p:ext>
+    </p:extLst>
+  </p:cSld>
+  <p:clrMapOvr>
+    <a:masterClrMapping/>
+  </p:clrMapOvr>
+  <p:timing>
+    <p:tnLst>
+      <p:par>
+        <p:cTn xmlns:p14="http://schemas.microsoft.com/office/powerpoint/2010/main" id="1" dur="indefinite" restart="never" nodeType="tmRoot"/>
+      </p:par>
+    </p:tnLst>
+  </p:timing>
+</p:sld>
+</file>
+
+<file path=ppt/slides/slide11.xml><?xml version="1.0" encoding="utf-8"?>
 <p:sld xmlns:a="http://schemas.openxmlformats.org/drawingml/2006/main" xmlns:r="http://schemas.openxmlformats.org/officeDocument/2006/relationships" xmlns:p="http://schemas.openxmlformats.org/presentationml/2006/main">
   <p:cSld>
     <p:spTree>
@@ -17803,7 +18058,304 @@
 </p:sld>
 </file>
 
-<file path=ppt/slides/slide11.xml><?xml version="1.0" encoding="utf-8"?>
+<file path=ppt/slides/slide12.xml><?xml version="1.0" encoding="utf-8"?>
+<p:sld xmlns:a="http://schemas.openxmlformats.org/drawingml/2006/main" xmlns:r="http://schemas.openxmlformats.org/officeDocument/2006/relationships" xmlns:p="http://schemas.openxmlformats.org/presentationml/2006/main">
+  <p:cSld>
+    <p:spTree>
+      <p:nvGrpSpPr>
+        <p:cNvPr id="1" name=""/>
+        <p:cNvGrpSpPr/>
+        <p:nvPr/>
+      </p:nvGrpSpPr>
+      <p:grpSpPr>
+        <a:xfrm>
+          <a:off x="0" y="0"/>
+          <a:ext cx="0" cy="0"/>
+          <a:chOff x="0" y="0"/>
+          <a:chExt cx="0" cy="0"/>
+        </a:xfrm>
+      </p:grpSpPr>
+      <p:sp>
+        <p:nvSpPr>
+          <p:cNvPr id="2" name="Titre 1"/>
+          <p:cNvSpPr>
+            <a:spLocks noGrp="1"/>
+          </p:cNvSpPr>
+          <p:nvPr>
+            <p:ph type="title"/>
+          </p:nvPr>
+        </p:nvSpPr>
+        <p:spPr/>
+        <p:txBody>
+          <a:bodyPr/>
+          <a:lstStyle/>
+          <a:p>
+            <a:r>
+              <a:rPr lang="fr-FR" dirty="0" smtClean="0"/>
+              <a:t>Taches - Base</a:t>
+            </a:r>
+            <a:endParaRPr lang="fr-FR" dirty="0"/>
+          </a:p>
+        </p:txBody>
+      </p:sp>
+      <p:sp>
+        <p:nvSpPr>
+          <p:cNvPr id="3" name="Espace réservé du contenu 2"/>
+          <p:cNvSpPr>
+            <a:spLocks noGrp="1"/>
+          </p:cNvSpPr>
+          <p:nvPr>
+            <p:ph idx="1"/>
+          </p:nvPr>
+        </p:nvSpPr>
+        <p:spPr>
+          <a:xfrm>
+            <a:off x="712788" y="3012142"/>
+            <a:ext cx="8246572" cy="3388658"/>
+          </a:xfrm>
+        </p:spPr>
+        <p:txBody>
+          <a:bodyPr>
+            <a:normAutofit fontScale="77500" lnSpcReduction="20000"/>
+          </a:bodyPr>
+          <a:lstStyle/>
+          <a:p>
+            <a:r>
+              <a:rPr lang="fr-FR" dirty="0" smtClean="0"/>
+              <a:t>Choix architecture</a:t>
+            </a:r>
+          </a:p>
+          <a:p>
+            <a:pPr lvl="1"/>
+            <a:r>
+              <a:rPr lang="fr-FR" dirty="0" smtClean="0"/>
+              <a:t>Cross-</a:t>
+            </a:r>
+            <a:r>
+              <a:rPr lang="fr-FR" dirty="0" err="1" smtClean="0"/>
+              <a:t>tool</a:t>
+            </a:r>
+            <a:r>
+              <a:rPr lang="fr-FR" dirty="0" smtClean="0"/>
+              <a:t> </a:t>
+            </a:r>
+            <a:r>
+              <a:rPr lang="fr-FR" dirty="0" err="1" smtClean="0"/>
+              <a:t>chain</a:t>
+            </a:r>
+            <a:r>
+              <a:rPr lang="fr-FR" dirty="0" smtClean="0"/>
+              <a:t> </a:t>
+            </a:r>
+            <a:r>
+              <a:rPr lang="fr-FR" dirty="0" smtClean="0">
+                <a:sym typeface="Wingdings"/>
+              </a:rPr>
+              <a:t> </a:t>
+            </a:r>
+            <a:r>
+              <a:rPr lang="fr-FR" dirty="0" err="1" smtClean="0">
+                <a:sym typeface="Wingdings"/>
+              </a:rPr>
+              <a:t>eGlibc</a:t>
+            </a:r>
+            <a:r>
+              <a:rPr lang="fr-FR" dirty="0" smtClean="0">
+                <a:sym typeface="Wingdings"/>
+              </a:rPr>
+              <a:t>  </a:t>
+            </a:r>
+            <a:r>
+              <a:rPr lang="fr-FR" dirty="0" err="1" smtClean="0">
+                <a:sym typeface="Wingdings"/>
+              </a:rPr>
+              <a:t>crosstool</a:t>
+            </a:r>
+            <a:r>
+              <a:rPr lang="fr-FR" dirty="0" err="1">
+                <a:sym typeface="Wingdings"/>
+              </a:rPr>
+              <a:t>-</a:t>
+            </a:r>
+            <a:r>
+              <a:rPr lang="fr-FR" dirty="0" err="1" smtClean="0">
+                <a:sym typeface="Wingdings"/>
+              </a:rPr>
+              <a:t>ng</a:t>
+            </a:r>
+            <a:endParaRPr lang="fr-FR" dirty="0" smtClean="0"/>
+          </a:p>
+          <a:p>
+            <a:pPr lvl="1"/>
+            <a:r>
+              <a:rPr lang="fr-FR" dirty="0" err="1" smtClean="0"/>
+              <a:t>Bootloader</a:t>
+            </a:r>
+            <a:r>
+              <a:rPr lang="fr-FR" dirty="0" smtClean="0"/>
+              <a:t> (u-boot/</a:t>
+            </a:r>
+            <a:r>
+              <a:rPr lang="fr-FR" dirty="0" err="1" smtClean="0"/>
+              <a:t>barebox</a:t>
+            </a:r>
+            <a:r>
+              <a:rPr lang="fr-FR" dirty="0" smtClean="0"/>
+              <a:t>) </a:t>
+            </a:r>
+            <a:r>
+              <a:rPr lang="fr-FR" dirty="0" smtClean="0">
+                <a:sym typeface="Wingdings"/>
+              </a:rPr>
+              <a:t> logo ESTEI au démarrage </a:t>
+            </a:r>
+            <a:endParaRPr lang="fr-FR" dirty="0" smtClean="0"/>
+          </a:p>
+          <a:p>
+            <a:pPr lvl="1"/>
+            <a:r>
+              <a:rPr lang="fr-FR" dirty="0" smtClean="0"/>
+              <a:t>Kernel </a:t>
+            </a:r>
+          </a:p>
+          <a:p>
+            <a:pPr lvl="3"/>
+            <a:r>
+              <a:rPr lang="fr-FR" dirty="0" smtClean="0"/>
+              <a:t>ajout des inputs = </a:t>
+            </a:r>
+            <a:r>
+              <a:rPr lang="fr-FR" dirty="0" err="1" smtClean="0"/>
+              <a:t>gamepad</a:t>
+            </a:r>
+            <a:r>
+              <a:rPr lang="fr-FR" dirty="0" smtClean="0"/>
+              <a:t> (6dof) / </a:t>
+            </a:r>
+            <a:r>
+              <a:rPr lang="fr-FR" dirty="0" err="1" smtClean="0"/>
+              <a:t>touchscreenLCD</a:t>
+            </a:r>
+            <a:r>
+              <a:rPr lang="fr-FR" dirty="0" smtClean="0"/>
+              <a:t> / </a:t>
+            </a:r>
+            <a:r>
+              <a:rPr lang="fr-FR" dirty="0" err="1" smtClean="0"/>
+              <a:t>FrameBuffer</a:t>
+            </a:r>
+            <a:endParaRPr lang="fr-FR" dirty="0" smtClean="0"/>
+          </a:p>
+          <a:p>
+            <a:pPr lvl="4"/>
+            <a:r>
+              <a:rPr lang="fr-FR" dirty="0" smtClean="0"/>
+              <a:t>Joystick interface et </a:t>
+            </a:r>
+            <a:r>
+              <a:rPr lang="fr-FR" dirty="0" err="1" smtClean="0"/>
+              <a:t>event</a:t>
+            </a:r>
+            <a:r>
+              <a:rPr lang="fr-FR" dirty="0" smtClean="0"/>
+              <a:t> interface</a:t>
+            </a:r>
+            <a:endParaRPr lang="fr-FR" dirty="0"/>
+          </a:p>
+          <a:p>
+            <a:pPr lvl="3"/>
+            <a:r>
+              <a:rPr lang="fr-FR" dirty="0" smtClean="0"/>
+              <a:t>Du support NFS </a:t>
+            </a:r>
+          </a:p>
+          <a:p>
+            <a:pPr lvl="3"/>
+            <a:r>
+              <a:rPr lang="fr-FR" dirty="0" smtClean="0"/>
+              <a:t>Du serveur TFTP</a:t>
+            </a:r>
+          </a:p>
+          <a:p>
+            <a:pPr lvl="1"/>
+            <a:r>
+              <a:rPr lang="fr-FR" dirty="0" err="1" smtClean="0"/>
+              <a:t>Rootfs</a:t>
+            </a:r>
+            <a:r>
+              <a:rPr lang="fr-FR" dirty="0" smtClean="0"/>
+              <a:t> </a:t>
+            </a:r>
+            <a:r>
+              <a:rPr lang="fr-FR" dirty="0" smtClean="0">
+                <a:sym typeface="Wingdings"/>
+              </a:rPr>
+              <a:t> (c)</a:t>
+            </a:r>
+            <a:r>
+              <a:rPr lang="fr-FR" dirty="0" err="1" smtClean="0">
+                <a:sym typeface="Wingdings"/>
+              </a:rPr>
+              <a:t>debootstrap</a:t>
+            </a:r>
+            <a:r>
+              <a:rPr lang="fr-FR" dirty="0" smtClean="0">
+                <a:sym typeface="Wingdings"/>
+              </a:rPr>
+              <a:t> = Debian</a:t>
+            </a:r>
+          </a:p>
+          <a:p>
+            <a:pPr lvl="1"/>
+            <a:r>
+              <a:rPr lang="fr-FR" dirty="0" smtClean="0">
+                <a:sym typeface="Wingdings"/>
+              </a:rPr>
+              <a:t>Cross-compilation de </a:t>
+            </a:r>
+            <a:r>
+              <a:rPr lang="fr-FR" dirty="0" err="1" smtClean="0">
+                <a:sym typeface="Wingdings"/>
+              </a:rPr>
+              <a:t>Qtembedded</a:t>
+            </a:r>
+            <a:r>
+              <a:rPr lang="fr-FR" dirty="0" smtClean="0">
+                <a:sym typeface="Wingdings"/>
+              </a:rPr>
+              <a:t> et </a:t>
+            </a:r>
+            <a:r>
+              <a:rPr lang="fr-FR" dirty="0" err="1" smtClean="0">
+                <a:sym typeface="Wingdings"/>
+              </a:rPr>
+              <a:t>tslib</a:t>
+            </a:r>
+            <a:endParaRPr lang="fr-FR" dirty="0"/>
+          </a:p>
+        </p:txBody>
+      </p:sp>
+    </p:spTree>
+    <p:extLst>
+      <p:ext uri="{BB962C8B-B14F-4D97-AF65-F5344CB8AC3E}">
+        <p14:creationId xmlns:p14="http://schemas.microsoft.com/office/powerpoint/2010/main" val="331828917"/>
+      </p:ext>
+    </p:extLst>
+  </p:cSld>
+  <p:clrMapOvr>
+    <a:masterClrMapping/>
+  </p:clrMapOvr>
+  <p:timing>
+    <p:tnLst>
+      <p:par>
+        <p:cTn xmlns:p14="http://schemas.microsoft.com/office/powerpoint/2010/main" id="1" dur="indefinite" restart="never" nodeType="tmRoot"/>
+      </p:par>
+    </p:tnLst>
+  </p:timing>
+</p:sld>
+</file>
+
+<file path=ppt/slides/slide13.xml><?xml version="1.0" encoding="utf-8"?>
 <p:sld xmlns:a="http://schemas.openxmlformats.org/drawingml/2006/main" xmlns:r="http://schemas.openxmlformats.org/officeDocument/2006/relationships" xmlns:p="http://schemas.openxmlformats.org/presentationml/2006/main">
   <p:cSld>
     <p:spTree>
@@ -18343,7 +18895,7 @@
 </p:sld>
 </file>
 
-<file path=ppt/slides/slide12.xml><?xml version="1.0" encoding="utf-8"?>
+<file path=ppt/slides/slide14.xml><?xml version="1.0" encoding="utf-8"?>
 <p:sld xmlns:a="http://schemas.openxmlformats.org/drawingml/2006/main" xmlns:r="http://schemas.openxmlformats.org/officeDocument/2006/relationships" xmlns:p="http://schemas.openxmlformats.org/presentationml/2006/main">
   <p:cSld>
     <p:spTree>
@@ -18527,6 +19079,536 @@
 </p:sld>
 </file>
 
+<file path=ppt/slides/slide15.xml><?xml version="1.0" encoding="utf-8"?>
+<p:sld xmlns:a="http://schemas.openxmlformats.org/drawingml/2006/main" xmlns:r="http://schemas.openxmlformats.org/officeDocument/2006/relationships" xmlns:p="http://schemas.openxmlformats.org/presentationml/2006/main">
+  <p:cSld>
+    <p:spTree>
+      <p:nvGrpSpPr>
+        <p:cNvPr id="1" name=""/>
+        <p:cNvGrpSpPr/>
+        <p:nvPr/>
+      </p:nvGrpSpPr>
+      <p:grpSpPr>
+        <a:xfrm>
+          <a:off x="0" y="0"/>
+          <a:ext cx="0" cy="0"/>
+          <a:chOff x="0" y="0"/>
+          <a:chExt cx="0" cy="0"/>
+        </a:xfrm>
+      </p:grpSpPr>
+      <p:sp>
+        <p:nvSpPr>
+          <p:cNvPr id="2" name="Titre 1"/>
+          <p:cNvSpPr>
+            <a:spLocks noGrp="1"/>
+          </p:cNvSpPr>
+          <p:nvPr>
+            <p:ph type="title"/>
+          </p:nvPr>
+        </p:nvSpPr>
+        <p:spPr/>
+        <p:txBody>
+          <a:bodyPr/>
+          <a:lstStyle/>
+          <a:p>
+            <a:r>
+              <a:rPr lang="fr-FR" dirty="0" smtClean="0"/>
+              <a:t>Matrice hiérarchie</a:t>
+            </a:r>
+            <a:endParaRPr lang="fr-FR" dirty="0"/>
+          </a:p>
+        </p:txBody>
+      </p:sp>
+      <p:sp>
+        <p:nvSpPr>
+          <p:cNvPr id="4" name="Autre processus 3"/>
+          <p:cNvSpPr/>
+          <p:nvPr/>
+        </p:nvSpPr>
+        <p:spPr>
+          <a:xfrm>
+            <a:off x="2948893" y="5939054"/>
+            <a:ext cx="1882033" cy="762000"/>
+          </a:xfrm>
+          <a:prstGeom prst="flowChartAlternateProcess">
+            <a:avLst/>
+          </a:prstGeom>
+          <a:solidFill>
+            <a:schemeClr val="bg2">
+              <a:lumMod val="75000"/>
+            </a:schemeClr>
+          </a:solidFill>
+        </p:spPr>
+        <p:style>
+          <a:lnRef idx="1">
+            <a:schemeClr val="accent1"/>
+          </a:lnRef>
+          <a:fillRef idx="3">
+            <a:schemeClr val="accent1"/>
+          </a:fillRef>
+          <a:effectRef idx="2">
+            <a:schemeClr val="accent1"/>
+          </a:effectRef>
+          <a:fontRef idx="minor">
+            <a:schemeClr val="lt1"/>
+          </a:fontRef>
+        </p:style>
+        <p:txBody>
+          <a:bodyPr rtlCol="0" anchor="ctr"/>
+          <a:lstStyle/>
+          <a:p>
+            <a:pPr algn="ctr"/>
+            <a:r>
+              <a:rPr lang="fr-FR" dirty="0" smtClean="0"/>
+              <a:t>Nabil</a:t>
+            </a:r>
+            <a:endParaRPr lang="fr-FR" dirty="0"/>
+          </a:p>
+        </p:txBody>
+      </p:sp>
+      <p:sp>
+        <p:nvSpPr>
+          <p:cNvPr id="5" name="Autre processus 4"/>
+          <p:cNvSpPr/>
+          <p:nvPr/>
+        </p:nvSpPr>
+        <p:spPr>
+          <a:xfrm>
+            <a:off x="5383379" y="2948770"/>
+            <a:ext cx="1882033" cy="762000"/>
+          </a:xfrm>
+          <a:prstGeom prst="flowChartAlternateProcess">
+            <a:avLst/>
+          </a:prstGeom>
+          <a:solidFill>
+            <a:schemeClr val="bg2">
+              <a:lumMod val="75000"/>
+            </a:schemeClr>
+          </a:solidFill>
+        </p:spPr>
+        <p:style>
+          <a:lnRef idx="1">
+            <a:schemeClr val="accent1"/>
+          </a:lnRef>
+          <a:fillRef idx="3">
+            <a:schemeClr val="accent1"/>
+          </a:fillRef>
+          <a:effectRef idx="2">
+            <a:schemeClr val="accent1"/>
+          </a:effectRef>
+          <a:fontRef idx="minor">
+            <a:schemeClr val="lt1"/>
+          </a:fontRef>
+        </p:style>
+        <p:txBody>
+          <a:bodyPr rtlCol="0" anchor="ctr"/>
+          <a:lstStyle/>
+          <a:p>
+            <a:pPr algn="ctr"/>
+            <a:r>
+              <a:rPr lang="fr-FR" dirty="0" smtClean="0"/>
+              <a:t>Hubert</a:t>
+            </a:r>
+            <a:endParaRPr lang="fr-FR" dirty="0"/>
+          </a:p>
+        </p:txBody>
+      </p:sp>
+      <p:sp>
+        <p:nvSpPr>
+          <p:cNvPr id="6" name="Autre processus 5"/>
+          <p:cNvSpPr/>
+          <p:nvPr/>
+        </p:nvSpPr>
+        <p:spPr>
+          <a:xfrm>
+            <a:off x="5383379" y="3945467"/>
+            <a:ext cx="1882033" cy="762000"/>
+          </a:xfrm>
+          <a:prstGeom prst="flowChartAlternateProcess">
+            <a:avLst/>
+          </a:prstGeom>
+          <a:solidFill>
+            <a:schemeClr val="bg2">
+              <a:lumMod val="75000"/>
+            </a:schemeClr>
+          </a:solidFill>
+        </p:spPr>
+        <p:style>
+          <a:lnRef idx="1">
+            <a:schemeClr val="accent1"/>
+          </a:lnRef>
+          <a:fillRef idx="3">
+            <a:schemeClr val="accent1"/>
+          </a:fillRef>
+          <a:effectRef idx="2">
+            <a:schemeClr val="accent1"/>
+          </a:effectRef>
+          <a:fontRef idx="minor">
+            <a:schemeClr val="lt1"/>
+          </a:fontRef>
+        </p:style>
+        <p:txBody>
+          <a:bodyPr rtlCol="0" anchor="ctr"/>
+          <a:lstStyle/>
+          <a:p>
+            <a:pPr algn="ctr"/>
+            <a:r>
+              <a:rPr lang="fr-FR" dirty="0" smtClean="0"/>
+              <a:t>Rémi</a:t>
+            </a:r>
+            <a:endParaRPr lang="fr-FR" dirty="0"/>
+          </a:p>
+        </p:txBody>
+      </p:sp>
+      <p:sp>
+        <p:nvSpPr>
+          <p:cNvPr id="7" name="Autre processus 6"/>
+          <p:cNvSpPr/>
+          <p:nvPr/>
+        </p:nvSpPr>
+        <p:spPr>
+          <a:xfrm>
+            <a:off x="5383379" y="4951385"/>
+            <a:ext cx="1882033" cy="762000"/>
+          </a:xfrm>
+          <a:prstGeom prst="flowChartAlternateProcess">
+            <a:avLst/>
+          </a:prstGeom>
+          <a:solidFill>
+            <a:schemeClr val="bg2">
+              <a:lumMod val="75000"/>
+            </a:schemeClr>
+          </a:solidFill>
+        </p:spPr>
+        <p:style>
+          <a:lnRef idx="1">
+            <a:schemeClr val="accent1"/>
+          </a:lnRef>
+          <a:fillRef idx="3">
+            <a:schemeClr val="accent1"/>
+          </a:fillRef>
+          <a:effectRef idx="2">
+            <a:schemeClr val="accent1"/>
+          </a:effectRef>
+          <a:fontRef idx="minor">
+            <a:schemeClr val="lt1"/>
+          </a:fontRef>
+        </p:style>
+        <p:txBody>
+          <a:bodyPr rtlCol="0" anchor="ctr"/>
+          <a:lstStyle/>
+          <a:p>
+            <a:pPr algn="ctr"/>
+            <a:r>
+              <a:rPr lang="fr-FR" dirty="0" smtClean="0"/>
+              <a:t>Guillaume</a:t>
+            </a:r>
+            <a:endParaRPr lang="fr-FR" dirty="0"/>
+          </a:p>
+        </p:txBody>
+      </p:sp>
+      <p:sp>
+        <p:nvSpPr>
+          <p:cNvPr id="8" name="Autre processus 7"/>
+          <p:cNvSpPr/>
+          <p:nvPr/>
+        </p:nvSpPr>
+        <p:spPr>
+          <a:xfrm>
+            <a:off x="2948893" y="3945467"/>
+            <a:ext cx="1882033" cy="762000"/>
+          </a:xfrm>
+          <a:prstGeom prst="flowChartAlternateProcess">
+            <a:avLst/>
+          </a:prstGeom>
+          <a:solidFill>
+            <a:schemeClr val="bg2">
+              <a:lumMod val="75000"/>
+            </a:schemeClr>
+          </a:solidFill>
+        </p:spPr>
+        <p:style>
+          <a:lnRef idx="1">
+            <a:schemeClr val="accent1"/>
+          </a:lnRef>
+          <a:fillRef idx="3">
+            <a:schemeClr val="accent1"/>
+          </a:fillRef>
+          <a:effectRef idx="2">
+            <a:schemeClr val="accent1"/>
+          </a:effectRef>
+          <a:fontRef idx="minor">
+            <a:schemeClr val="lt1"/>
+          </a:fontRef>
+        </p:style>
+        <p:txBody>
+          <a:bodyPr rtlCol="0" anchor="ctr"/>
+          <a:lstStyle/>
+          <a:p>
+            <a:pPr algn="ctr"/>
+            <a:r>
+              <a:rPr lang="fr-FR" dirty="0" smtClean="0"/>
+              <a:t>Thomas</a:t>
+            </a:r>
+            <a:endParaRPr lang="fr-FR" dirty="0"/>
+          </a:p>
+        </p:txBody>
+      </p:sp>
+      <p:sp>
+        <p:nvSpPr>
+          <p:cNvPr id="9" name="Autre processus 8"/>
+          <p:cNvSpPr/>
+          <p:nvPr/>
+        </p:nvSpPr>
+        <p:spPr>
+          <a:xfrm>
+            <a:off x="2948893" y="4951385"/>
+            <a:ext cx="1882033" cy="762000"/>
+          </a:xfrm>
+          <a:prstGeom prst="flowChartAlternateProcess">
+            <a:avLst/>
+          </a:prstGeom>
+          <a:solidFill>
+            <a:schemeClr val="bg2">
+              <a:lumMod val="75000"/>
+            </a:schemeClr>
+          </a:solidFill>
+        </p:spPr>
+        <p:style>
+          <a:lnRef idx="1">
+            <a:schemeClr val="accent1"/>
+          </a:lnRef>
+          <a:fillRef idx="3">
+            <a:schemeClr val="accent1"/>
+          </a:fillRef>
+          <a:effectRef idx="2">
+            <a:schemeClr val="accent1"/>
+          </a:effectRef>
+          <a:fontRef idx="minor">
+            <a:schemeClr val="lt1"/>
+          </a:fontRef>
+        </p:style>
+        <p:txBody>
+          <a:bodyPr rtlCol="0" anchor="ctr"/>
+          <a:lstStyle/>
+          <a:p>
+            <a:pPr algn="ctr"/>
+            <a:r>
+              <a:rPr lang="fr-FR" dirty="0" smtClean="0"/>
+              <a:t>Martin</a:t>
+            </a:r>
+            <a:endParaRPr lang="fr-FR" dirty="0"/>
+          </a:p>
+        </p:txBody>
+      </p:sp>
+      <p:sp>
+        <p:nvSpPr>
+          <p:cNvPr id="10" name="Autre processus 9"/>
+          <p:cNvSpPr/>
+          <p:nvPr/>
+        </p:nvSpPr>
+        <p:spPr>
+          <a:xfrm>
+            <a:off x="528259" y="4951385"/>
+            <a:ext cx="1882033" cy="762000"/>
+          </a:xfrm>
+          <a:prstGeom prst="flowChartAlternateProcess">
+            <a:avLst/>
+          </a:prstGeom>
+          <a:solidFill>
+            <a:schemeClr val="bg2">
+              <a:lumMod val="75000"/>
+            </a:schemeClr>
+          </a:solidFill>
+        </p:spPr>
+        <p:style>
+          <a:lnRef idx="1">
+            <a:schemeClr val="accent1"/>
+          </a:lnRef>
+          <a:fillRef idx="3">
+            <a:schemeClr val="accent1"/>
+          </a:fillRef>
+          <a:effectRef idx="2">
+            <a:schemeClr val="accent1"/>
+          </a:effectRef>
+          <a:fontRef idx="minor">
+            <a:schemeClr val="lt1"/>
+          </a:fontRef>
+        </p:style>
+        <p:txBody>
+          <a:bodyPr rtlCol="0" anchor="ctr"/>
+          <a:lstStyle/>
+          <a:p>
+            <a:pPr algn="ctr"/>
+            <a:r>
+              <a:rPr lang="fr-FR" dirty="0" smtClean="0"/>
+              <a:t>Pierre</a:t>
+            </a:r>
+            <a:endParaRPr lang="fr-FR" dirty="0"/>
+          </a:p>
+        </p:txBody>
+      </p:sp>
+      <p:sp>
+        <p:nvSpPr>
+          <p:cNvPr id="11" name="Autre processus 10"/>
+          <p:cNvSpPr/>
+          <p:nvPr/>
+        </p:nvSpPr>
+        <p:spPr>
+          <a:xfrm>
+            <a:off x="528259" y="3945467"/>
+            <a:ext cx="1882033" cy="762000"/>
+          </a:xfrm>
+          <a:prstGeom prst="flowChartAlternateProcess">
+            <a:avLst/>
+          </a:prstGeom>
+          <a:solidFill>
+            <a:schemeClr val="bg2">
+              <a:lumMod val="75000"/>
+            </a:schemeClr>
+          </a:solidFill>
+        </p:spPr>
+        <p:style>
+          <a:lnRef idx="1">
+            <a:schemeClr val="accent1"/>
+          </a:lnRef>
+          <a:fillRef idx="3">
+            <a:schemeClr val="accent1"/>
+          </a:fillRef>
+          <a:effectRef idx="2">
+            <a:schemeClr val="accent1"/>
+          </a:effectRef>
+          <a:fontRef idx="minor">
+            <a:schemeClr val="lt1"/>
+          </a:fontRef>
+        </p:style>
+        <p:txBody>
+          <a:bodyPr rtlCol="0" anchor="ctr"/>
+          <a:lstStyle/>
+          <a:p>
+            <a:pPr algn="ctr"/>
+            <a:r>
+              <a:rPr lang="fr-FR" dirty="0" smtClean="0"/>
+              <a:t>Pierre-jean</a:t>
+            </a:r>
+            <a:endParaRPr lang="fr-FR" dirty="0"/>
+          </a:p>
+        </p:txBody>
+      </p:sp>
+      <p:sp>
+        <p:nvSpPr>
+          <p:cNvPr id="12" name="Autre processus 11"/>
+          <p:cNvSpPr/>
+          <p:nvPr/>
+        </p:nvSpPr>
+        <p:spPr>
+          <a:xfrm>
+            <a:off x="2948893" y="2948770"/>
+            <a:ext cx="1882033" cy="762000"/>
+          </a:xfrm>
+          <a:prstGeom prst="flowChartAlternateProcess">
+            <a:avLst/>
+          </a:prstGeom>
+          <a:solidFill>
+            <a:schemeClr val="bg2">
+              <a:lumMod val="75000"/>
+            </a:schemeClr>
+          </a:solidFill>
+        </p:spPr>
+        <p:style>
+          <a:lnRef idx="1">
+            <a:schemeClr val="accent1"/>
+          </a:lnRef>
+          <a:fillRef idx="3">
+            <a:schemeClr val="accent1"/>
+          </a:fillRef>
+          <a:effectRef idx="2">
+            <a:schemeClr val="accent1"/>
+          </a:effectRef>
+          <a:fontRef idx="minor">
+            <a:schemeClr val="lt1"/>
+          </a:fontRef>
+        </p:style>
+        <p:txBody>
+          <a:bodyPr rtlCol="0" anchor="ctr"/>
+          <a:lstStyle/>
+          <a:p>
+            <a:pPr algn="ctr"/>
+            <a:r>
+              <a:rPr lang="fr-FR" dirty="0" smtClean="0"/>
+              <a:t>Grégory</a:t>
+            </a:r>
+            <a:endParaRPr lang="fr-FR" dirty="0"/>
+          </a:p>
+        </p:txBody>
+      </p:sp>
+      <p:sp>
+        <p:nvSpPr>
+          <p:cNvPr id="13" name="Autre processus 12"/>
+          <p:cNvSpPr/>
+          <p:nvPr/>
+        </p:nvSpPr>
+        <p:spPr>
+          <a:xfrm>
+            <a:off x="531039" y="2948770"/>
+            <a:ext cx="1882033" cy="762000"/>
+          </a:xfrm>
+          <a:prstGeom prst="flowChartAlternateProcess">
+            <a:avLst/>
+          </a:prstGeom>
+          <a:solidFill>
+            <a:schemeClr val="bg2">
+              <a:lumMod val="75000"/>
+            </a:schemeClr>
+          </a:solidFill>
+        </p:spPr>
+        <p:style>
+          <a:lnRef idx="1">
+            <a:schemeClr val="accent1"/>
+          </a:lnRef>
+          <a:fillRef idx="3">
+            <a:schemeClr val="accent1"/>
+          </a:fillRef>
+          <a:effectRef idx="2">
+            <a:schemeClr val="accent1"/>
+          </a:effectRef>
+          <a:fontRef idx="minor">
+            <a:schemeClr val="lt1"/>
+          </a:fontRef>
+        </p:style>
+        <p:txBody>
+          <a:bodyPr rtlCol="0" anchor="ctr"/>
+          <a:lstStyle/>
+          <a:p>
+            <a:pPr algn="ctr"/>
+            <a:r>
+              <a:rPr lang="fr-FR" dirty="0" smtClean="0"/>
+              <a:t>Sylvain</a:t>
+            </a:r>
+            <a:endParaRPr lang="fr-FR" dirty="0"/>
+          </a:p>
+        </p:txBody>
+      </p:sp>
+    </p:spTree>
+    <p:extLst>
+      <p:ext uri="{BB962C8B-B14F-4D97-AF65-F5344CB8AC3E}">
+        <p14:creationId xmlns:p14="http://schemas.microsoft.com/office/powerpoint/2010/main" val="1623889675"/>
+      </p:ext>
+    </p:extLst>
+  </p:cSld>
+  <p:clrMapOvr>
+    <a:masterClrMapping/>
+  </p:clrMapOvr>
+  <p:timing>
+    <p:tnLst>
+      <p:par>
+        <p:cTn xmlns:p14="http://schemas.microsoft.com/office/powerpoint/2010/main" id="1" dur="indefinite" restart="never" nodeType="tmRoot"/>
+      </p:par>
+    </p:tnLst>
+  </p:timing>
+</p:sld>
+</file>
+
 <file path=ppt/slides/slide2.xml><?xml version="1.0" encoding="utf-8"?>
 <p:sld xmlns:a="http://schemas.openxmlformats.org/drawingml/2006/main" xmlns:r="http://schemas.openxmlformats.org/officeDocument/2006/relationships" xmlns:p="http://schemas.openxmlformats.org/presentationml/2006/main">
   <p:cSld>
@@ -18570,27 +19652,7 @@
             </a:r>
             <a:r>
               <a:rPr lang="fr-FR" dirty="0" smtClean="0"/>
-              <a:t> </a:t>
-            </a:r>
-            <a:r>
-              <a:rPr lang="fr-FR" dirty="0" smtClean="0"/>
-              <a:t>COMPTE RENDU </a:t>
-            </a:r>
-            <a:r>
-              <a:rPr lang="fr-FR" dirty="0" smtClean="0"/>
-              <a:t>(</a:t>
-            </a:r>
-            <a:r>
-              <a:rPr lang="fr-FR" dirty="0" smtClean="0"/>
-              <a:t>20</a:t>
-            </a:r>
-            <a:r>
-              <a:rPr lang="fr-FR" dirty="0" smtClean="0"/>
-              <a:t>/</a:t>
-            </a:r>
-            <a:r>
-              <a:rPr lang="fr-FR" dirty="0" smtClean="0"/>
-              <a:t>09/13)</a:t>
+              <a:t> COMPTE RENDU (20/09/13)</a:t>
             </a:r>
             <a:endParaRPr lang="fr-FR" dirty="0"/>
           </a:p>
@@ -18811,11 +19873,7 @@
             <a:pPr lvl="1"/>
             <a:r>
               <a:rPr lang="fr-FR" dirty="0" smtClean="0"/>
-              <a:t>KABALANE </a:t>
-            </a:r>
-            <a:r>
-              <a:rPr lang="fr-FR" dirty="0" smtClean="0"/>
-              <a:t>Gregory</a:t>
+              <a:t>KABALANE Gregory</a:t>
             </a:r>
           </a:p>
           <a:p>
@@ -18857,11 +19915,7 @@
             <a:pPr lvl="1"/>
             <a:r>
               <a:rPr lang="fr-FR" dirty="0" smtClean="0"/>
-              <a:t>TEXIER Pierre-</a:t>
-            </a:r>
-            <a:r>
-              <a:rPr lang="fr-FR" dirty="0" smtClean="0"/>
-              <a:t>Jean</a:t>
+              <a:t>TEXIER Pierre-Jean</a:t>
             </a:r>
           </a:p>
           <a:p>
@@ -19194,6 +20248,534 @@
       </p:grpSpPr>
       <p:sp>
         <p:nvSpPr>
+          <p:cNvPr id="2" name="Titre 1"/>
+          <p:cNvSpPr>
+            <a:spLocks noGrp="1"/>
+          </p:cNvSpPr>
+          <p:nvPr>
+            <p:ph type="title"/>
+          </p:nvPr>
+        </p:nvSpPr>
+        <p:spPr/>
+        <p:txBody>
+          <a:bodyPr/>
+          <a:lstStyle/>
+          <a:p>
+            <a:r>
+              <a:rPr lang="fr-FR" dirty="0" smtClean="0"/>
+              <a:t>SUIVI DE PROJET</a:t>
+            </a:r>
+            <a:endParaRPr lang="fr-FR" dirty="0"/>
+          </a:p>
+        </p:txBody>
+      </p:sp>
+      <p:sp>
+        <p:nvSpPr>
+          <p:cNvPr id="3" name="Espace réservé du contenu 2"/>
+          <p:cNvSpPr>
+            <a:spLocks noGrp="1"/>
+          </p:cNvSpPr>
+          <p:nvPr>
+            <p:ph idx="1"/>
+          </p:nvPr>
+        </p:nvSpPr>
+        <p:spPr/>
+        <p:txBody>
+          <a:bodyPr/>
+          <a:lstStyle/>
+          <a:p>
+            <a:r>
+              <a:rPr lang="pl-PL" dirty="0">
+                <a:hlinkClick r:id="rId2"/>
+              </a:rPr>
+              <a:t>https://github.com/texierp/</a:t>
+            </a:r>
+            <a:r>
+              <a:rPr lang="pl-PL" dirty="0" smtClean="0">
+                <a:hlinkClick r:id="rId2"/>
+              </a:rPr>
+              <a:t>PROJET_Drone</a:t>
+            </a:r>
+            <a:endParaRPr lang="pl-PL" dirty="0" smtClean="0"/>
+          </a:p>
+        </p:txBody>
+      </p:sp>
+    </p:spTree>
+    <p:extLst>
+      <p:ext uri="{BB962C8B-B14F-4D97-AF65-F5344CB8AC3E}">
+        <p14:creationId xmlns:p14="http://schemas.microsoft.com/office/powerpoint/2010/main" val="1087901547"/>
+      </p:ext>
+    </p:extLst>
+  </p:cSld>
+  <p:clrMapOvr>
+    <a:masterClrMapping/>
+  </p:clrMapOvr>
+  <p:timing>
+    <p:tnLst>
+      <p:par>
+        <p:cTn xmlns:p14="http://schemas.microsoft.com/office/powerpoint/2010/main" id="1" dur="indefinite" restart="never" nodeType="tmRoot"/>
+      </p:par>
+    </p:tnLst>
+  </p:timing>
+</p:sld>
+</file>
+
+<file path=ppt/slides/slide6.xml><?xml version="1.0" encoding="utf-8"?>
+<p:sld xmlns:a="http://schemas.openxmlformats.org/drawingml/2006/main" xmlns:r="http://schemas.openxmlformats.org/officeDocument/2006/relationships" xmlns:p="http://schemas.openxmlformats.org/presentationml/2006/main">
+  <p:cSld>
+    <p:spTree>
+      <p:nvGrpSpPr>
+        <p:cNvPr id="1" name=""/>
+        <p:cNvGrpSpPr/>
+        <p:nvPr/>
+      </p:nvGrpSpPr>
+      <p:grpSpPr>
+        <a:xfrm>
+          <a:off x="0" y="0"/>
+          <a:ext cx="0" cy="0"/>
+          <a:chOff x="0" y="0"/>
+          <a:chExt cx="0" cy="0"/>
+        </a:xfrm>
+      </p:grpSpPr>
+      <p:sp>
+        <p:nvSpPr>
+          <p:cNvPr id="2" name="Titre 1"/>
+          <p:cNvSpPr>
+            <a:spLocks noGrp="1"/>
+          </p:cNvSpPr>
+          <p:nvPr>
+            <p:ph type="title"/>
+          </p:nvPr>
+        </p:nvSpPr>
+        <p:spPr/>
+        <p:txBody>
+          <a:bodyPr/>
+          <a:lstStyle/>
+          <a:p>
+            <a:pPr algn="ctr"/>
+            <a:r>
+              <a:rPr lang="fr-FR" dirty="0" smtClean="0"/>
+              <a:t>« GANTT »</a:t>
+            </a:r>
+            <a:endParaRPr lang="fr-FR" dirty="0"/>
+          </a:p>
+        </p:txBody>
+      </p:sp>
+      <p:sp>
+        <p:nvSpPr>
+          <p:cNvPr id="3" name="Espace réservé du contenu 2"/>
+          <p:cNvSpPr>
+            <a:spLocks noGrp="1"/>
+          </p:cNvSpPr>
+          <p:nvPr>
+            <p:ph idx="1"/>
+          </p:nvPr>
+        </p:nvSpPr>
+        <p:spPr/>
+        <p:txBody>
+          <a:bodyPr/>
+          <a:lstStyle/>
+          <a:p>
+            <a:r>
+              <a:rPr lang="fr-FR" dirty="0" smtClean="0"/>
+              <a:t>Via </a:t>
+            </a:r>
+            <a:r>
+              <a:rPr lang="fr-FR" dirty="0" err="1" smtClean="0"/>
+              <a:t>redmine</a:t>
+            </a:r>
+            <a:endParaRPr lang="fr-FR" dirty="0"/>
+          </a:p>
+        </p:txBody>
+      </p:sp>
+    </p:spTree>
+    <p:extLst>
+      <p:ext uri="{BB962C8B-B14F-4D97-AF65-F5344CB8AC3E}">
+        <p14:creationId xmlns:p14="http://schemas.microsoft.com/office/powerpoint/2010/main" val="2406702058"/>
+      </p:ext>
+    </p:extLst>
+  </p:cSld>
+  <p:clrMapOvr>
+    <a:masterClrMapping/>
+  </p:clrMapOvr>
+  <p:timing>
+    <p:tnLst>
+      <p:par>
+        <p:cTn xmlns:p14="http://schemas.microsoft.com/office/powerpoint/2010/main" id="1" dur="indefinite" restart="never" nodeType="tmRoot"/>
+      </p:par>
+    </p:tnLst>
+  </p:timing>
+</p:sld>
+</file>
+
+<file path=ppt/slides/slide7.xml><?xml version="1.0" encoding="utf-8"?>
+<p:sld xmlns:a="http://schemas.openxmlformats.org/drawingml/2006/main" xmlns:r="http://schemas.openxmlformats.org/officeDocument/2006/relationships" xmlns:p="http://schemas.openxmlformats.org/presentationml/2006/main">
+  <p:cSld>
+    <p:spTree>
+      <p:nvGrpSpPr>
+        <p:cNvPr id="1" name=""/>
+        <p:cNvGrpSpPr/>
+        <p:nvPr/>
+      </p:nvGrpSpPr>
+      <p:grpSpPr>
+        <a:xfrm>
+          <a:off x="0" y="0"/>
+          <a:ext cx="0" cy="0"/>
+          <a:chOff x="0" y="0"/>
+          <a:chExt cx="0" cy="0"/>
+        </a:xfrm>
+      </p:grpSpPr>
+      <p:sp>
+        <p:nvSpPr>
+          <p:cNvPr id="2" name="Titre 1"/>
+          <p:cNvSpPr>
+            <a:spLocks noGrp="1"/>
+          </p:cNvSpPr>
+          <p:nvPr>
+            <p:ph type="title"/>
+          </p:nvPr>
+        </p:nvSpPr>
+        <p:spPr/>
+        <p:txBody>
+          <a:bodyPr/>
+          <a:lstStyle/>
+          <a:p>
+            <a:pPr algn="ctr"/>
+            <a:r>
+              <a:rPr lang="fr-FR" dirty="0" smtClean="0"/>
+              <a:t>« PERT »</a:t>
+            </a:r>
+            <a:endParaRPr lang="fr-FR" dirty="0"/>
+          </a:p>
+        </p:txBody>
+      </p:sp>
+      <p:sp>
+        <p:nvSpPr>
+          <p:cNvPr id="3" name="Espace réservé du contenu 2"/>
+          <p:cNvSpPr>
+            <a:spLocks noGrp="1"/>
+          </p:cNvSpPr>
+          <p:nvPr>
+            <p:ph idx="1"/>
+          </p:nvPr>
+        </p:nvSpPr>
+        <p:spPr/>
+        <p:txBody>
+          <a:bodyPr/>
+          <a:lstStyle/>
+          <a:p>
+            <a:r>
+              <a:rPr lang="fr-FR" dirty="0" smtClean="0"/>
+              <a:t>Via GANTT</a:t>
+            </a:r>
+            <a:endParaRPr lang="fr-FR" dirty="0"/>
+          </a:p>
+        </p:txBody>
+      </p:sp>
+    </p:spTree>
+    <p:extLst>
+      <p:ext uri="{BB962C8B-B14F-4D97-AF65-F5344CB8AC3E}">
+        <p14:creationId xmlns:p14="http://schemas.microsoft.com/office/powerpoint/2010/main" val="2581129535"/>
+      </p:ext>
+    </p:extLst>
+  </p:cSld>
+  <p:clrMapOvr>
+    <a:masterClrMapping/>
+  </p:clrMapOvr>
+  <p:timing>
+    <p:tnLst>
+      <p:par>
+        <p:cTn xmlns:p14="http://schemas.microsoft.com/office/powerpoint/2010/main" id="1" dur="indefinite" restart="never" nodeType="tmRoot"/>
+      </p:par>
+    </p:tnLst>
+  </p:timing>
+</p:sld>
+</file>
+
+<file path=ppt/slides/slide8.xml><?xml version="1.0" encoding="utf-8"?>
+<p:sld xmlns:a="http://schemas.openxmlformats.org/drawingml/2006/main" xmlns:r="http://schemas.openxmlformats.org/officeDocument/2006/relationships" xmlns:p="http://schemas.openxmlformats.org/presentationml/2006/main">
+  <p:cSld>
+    <p:spTree>
+      <p:nvGrpSpPr>
+        <p:cNvPr id="1" name=""/>
+        <p:cNvGrpSpPr/>
+        <p:nvPr/>
+      </p:nvGrpSpPr>
+      <p:grpSpPr>
+        <a:xfrm>
+          <a:off x="0" y="0"/>
+          <a:ext cx="0" cy="0"/>
+          <a:chOff x="0" y="0"/>
+          <a:chExt cx="0" cy="0"/>
+        </a:xfrm>
+      </p:grpSpPr>
+      <p:sp>
+        <p:nvSpPr>
+          <p:cNvPr id="2" name="Titre 1"/>
+          <p:cNvSpPr>
+            <a:spLocks noGrp="1"/>
+          </p:cNvSpPr>
+          <p:nvPr>
+            <p:ph type="title"/>
+          </p:nvPr>
+        </p:nvSpPr>
+        <p:spPr/>
+        <p:txBody>
+          <a:bodyPr/>
+          <a:lstStyle/>
+          <a:p>
+            <a:pPr algn="ctr"/>
+            <a:r>
+              <a:rPr lang="fr-FR" dirty="0" smtClean="0"/>
+              <a:t>« WBS </a:t>
+            </a:r>
+            <a:r>
+              <a:rPr lang="fr-FR" dirty="0" smtClean="0"/>
+              <a:t>: </a:t>
+            </a:r>
+            <a:r>
+              <a:rPr lang="fr-FR" dirty="0" err="1" smtClean="0"/>
+              <a:t>Work</a:t>
+            </a:r>
+            <a:r>
+              <a:rPr lang="fr-FR" dirty="0" smtClean="0"/>
+              <a:t> </a:t>
+            </a:r>
+            <a:r>
+              <a:rPr lang="fr-FR" smtClean="0"/>
+              <a:t>breakdown structure »</a:t>
+            </a:r>
+            <a:endParaRPr lang="fr-FR" dirty="0"/>
+          </a:p>
+        </p:txBody>
+      </p:sp>
+      <p:pic>
+        <p:nvPicPr>
+          <p:cNvPr id="4" name="Image 3" descr="Macintosh HD:Users:texierpierre-jean:Desktop:Capture d’écran 2011-12-16 à 14.42.02.png"/>
+          <p:cNvPicPr/>
+          <p:nvPr/>
+        </p:nvPicPr>
+        <p:blipFill>
+          <a:blip r:embed="rId2">
+            <a:extLst>
+              <a:ext uri="{28A0092B-C50C-407E-A947-70E740481C1C}">
+                <a14:useLocalDpi xmlns:a14="http://schemas.microsoft.com/office/drawing/2010/main" val="0"/>
+              </a:ext>
+            </a:extLst>
+          </a:blip>
+          <a:srcRect/>
+          <a:stretch>
+            <a:fillRect/>
+          </a:stretch>
+        </p:blipFill>
+        <p:spPr bwMode="auto">
+          <a:xfrm>
+            <a:off x="8019538" y="234160"/>
+            <a:ext cx="820176" cy="373292"/>
+          </a:xfrm>
+          <a:prstGeom prst="roundRect">
+            <a:avLst>
+              <a:gd name="adj" fmla="val 16667"/>
+            </a:avLst>
+          </a:prstGeom>
+          <a:ln>
+            <a:noFill/>
+          </a:ln>
+          <a:effectLst>
+            <a:outerShdw blurRad="76200" dist="38100" dir="7800000" algn="tl" rotWithShape="0">
+              <a:srgbClr val="000000">
+                <a:alpha val="40000"/>
+              </a:srgbClr>
+            </a:outerShdw>
+          </a:effectLst>
+          <a:scene3d>
+            <a:camera prst="orthographicFront"/>
+            <a:lightRig rig="contrasting" dir="t">
+              <a:rot lat="0" lon="0" rev="4200000"/>
+            </a:lightRig>
+          </a:scene3d>
+          <a:sp3d prstMaterial="plastic">
+            <a:bevelT w="381000" h="114300" prst="relaxedInset"/>
+            <a:contourClr>
+              <a:srgbClr val="969696"/>
+            </a:contourClr>
+          </a:sp3d>
+        </p:spPr>
+      </p:pic>
+      <p:sp>
+        <p:nvSpPr>
+          <p:cNvPr id="6" name="Autre processus 5"/>
+          <p:cNvSpPr/>
+          <p:nvPr/>
+        </p:nvSpPr>
+        <p:spPr>
+          <a:xfrm>
+            <a:off x="3698406" y="2998432"/>
+            <a:ext cx="1882033" cy="762000"/>
+          </a:xfrm>
+          <a:prstGeom prst="flowChartAlternateProcess">
+            <a:avLst/>
+          </a:prstGeom>
+          <a:solidFill>
+            <a:srgbClr val="FF6600"/>
+          </a:solidFill>
+        </p:spPr>
+        <p:style>
+          <a:lnRef idx="1">
+            <a:schemeClr val="accent1"/>
+          </a:lnRef>
+          <a:fillRef idx="3">
+            <a:schemeClr val="accent1"/>
+          </a:fillRef>
+          <a:effectRef idx="2">
+            <a:schemeClr val="accent1"/>
+          </a:effectRef>
+          <a:fontRef idx="minor">
+            <a:schemeClr val="lt1"/>
+          </a:fontRef>
+        </p:style>
+        <p:txBody>
+          <a:bodyPr rtlCol="0" anchor="ctr"/>
+          <a:lstStyle/>
+          <a:p>
+            <a:pPr algn="ctr"/>
+            <a:r>
+              <a:rPr lang="fr-FR" dirty="0" err="1" smtClean="0"/>
+              <a:t>Drône</a:t>
+            </a:r>
+            <a:endParaRPr lang="fr-FR" dirty="0"/>
+          </a:p>
+        </p:txBody>
+      </p:sp>
+      <p:sp>
+        <p:nvSpPr>
+          <p:cNvPr id="7" name="Autre processus 6"/>
+          <p:cNvSpPr/>
+          <p:nvPr/>
+        </p:nvSpPr>
+        <p:spPr>
+          <a:xfrm>
+            <a:off x="813189" y="4061473"/>
+            <a:ext cx="1882033" cy="762000"/>
+          </a:xfrm>
+          <a:prstGeom prst="flowChartAlternateProcess">
+            <a:avLst/>
+          </a:prstGeom>
+          <a:solidFill>
+            <a:srgbClr val="FF6600"/>
+          </a:solidFill>
+        </p:spPr>
+        <p:style>
+          <a:lnRef idx="1">
+            <a:schemeClr val="accent1"/>
+          </a:lnRef>
+          <a:fillRef idx="3">
+            <a:schemeClr val="accent1"/>
+          </a:fillRef>
+          <a:effectRef idx="2">
+            <a:schemeClr val="accent1"/>
+          </a:effectRef>
+          <a:fontRef idx="minor">
+            <a:schemeClr val="lt1"/>
+          </a:fontRef>
+        </p:style>
+        <p:txBody>
+          <a:bodyPr rtlCol="0" anchor="ctr"/>
+          <a:lstStyle/>
+          <a:p>
+            <a:pPr algn="ctr"/>
+            <a:r>
+              <a:rPr lang="fr-FR" dirty="0" smtClean="0"/>
+              <a:t>BASE</a:t>
+            </a:r>
+            <a:endParaRPr lang="fr-FR" dirty="0"/>
+          </a:p>
+        </p:txBody>
+      </p:sp>
+      <p:sp>
+        <p:nvSpPr>
+          <p:cNvPr id="8" name="Autre processus 7"/>
+          <p:cNvSpPr/>
+          <p:nvPr/>
+        </p:nvSpPr>
+        <p:spPr>
+          <a:xfrm>
+            <a:off x="6547592" y="4061473"/>
+            <a:ext cx="1882033" cy="762000"/>
+          </a:xfrm>
+          <a:prstGeom prst="flowChartAlternateProcess">
+            <a:avLst/>
+          </a:prstGeom>
+          <a:solidFill>
+            <a:srgbClr val="FF6600"/>
+          </a:solidFill>
+        </p:spPr>
+        <p:style>
+          <a:lnRef idx="1">
+            <a:schemeClr val="accent1"/>
+          </a:lnRef>
+          <a:fillRef idx="3">
+            <a:schemeClr val="accent1"/>
+          </a:fillRef>
+          <a:effectRef idx="2">
+            <a:schemeClr val="accent1"/>
+          </a:effectRef>
+          <a:fontRef idx="minor">
+            <a:schemeClr val="lt1"/>
+          </a:fontRef>
+        </p:style>
+        <p:txBody>
+          <a:bodyPr rtlCol="0" anchor="ctr"/>
+          <a:lstStyle/>
+          <a:p>
+            <a:pPr algn="ctr"/>
+            <a:r>
+              <a:rPr lang="fr-FR" dirty="0" smtClean="0"/>
+              <a:t>VOL</a:t>
+            </a:r>
+            <a:endParaRPr lang="fr-FR" dirty="0"/>
+          </a:p>
+        </p:txBody>
+      </p:sp>
+    </p:spTree>
+    <p:extLst>
+      <p:ext uri="{BB962C8B-B14F-4D97-AF65-F5344CB8AC3E}">
+        <p14:creationId xmlns:p14="http://schemas.microsoft.com/office/powerpoint/2010/main" val="47302799"/>
+      </p:ext>
+    </p:extLst>
+  </p:cSld>
+  <p:clrMapOvr>
+    <a:masterClrMapping/>
+  </p:clrMapOvr>
+  <p:timing>
+    <p:tnLst>
+      <p:par>
+        <p:cTn xmlns:p14="http://schemas.microsoft.com/office/powerpoint/2010/main" id="1" dur="indefinite" restart="never" nodeType="tmRoot"/>
+      </p:par>
+    </p:tnLst>
+  </p:timing>
+</p:sld>
+</file>
+
+<file path=ppt/slides/slide9.xml><?xml version="1.0" encoding="utf-8"?>
+<p:sld xmlns:a="http://schemas.openxmlformats.org/drawingml/2006/main" xmlns:r="http://schemas.openxmlformats.org/officeDocument/2006/relationships" xmlns:p="http://schemas.openxmlformats.org/presentationml/2006/main">
+  <p:cSld>
+    <p:spTree>
+      <p:nvGrpSpPr>
+        <p:cNvPr id="1" name=""/>
+        <p:cNvGrpSpPr/>
+        <p:nvPr/>
+      </p:nvGrpSpPr>
+      <p:grpSpPr>
+        <a:xfrm>
+          <a:off x="0" y="0"/>
+          <a:ext cx="0" cy="0"/>
+          <a:chOff x="0" y="0"/>
+          <a:chExt cx="0" cy="0"/>
+        </a:xfrm>
+      </p:grpSpPr>
+      <p:sp>
+        <p:nvSpPr>
           <p:cNvPr id="22" name="Rectangle 21"/>
           <p:cNvSpPr/>
           <p:nvPr/>
@@ -19313,11 +20895,7 @@
           <a:p>
             <a:r>
               <a:rPr lang="fr-FR" dirty="0" smtClean="0"/>
-              <a:t>Cycle de vie </a:t>
-            </a:r>
-            <a:r>
-              <a:rPr lang="fr-FR" dirty="0" smtClean="0"/>
-              <a:t>« Logiciel »</a:t>
+              <a:t>Cycle de vie « Logiciel »</a:t>
             </a:r>
             <a:endParaRPr lang="fr-FR" dirty="0"/>
           </a:p>
@@ -19520,7 +21098,9 @@
             <a:avLst/>
           </a:prstGeom>
           <a:solidFill>
-            <a:srgbClr val="FF6600"/>
+            <a:schemeClr val="bg1">
+              <a:lumMod val="50000"/>
+            </a:schemeClr>
           </a:solidFill>
         </p:spPr>
         <p:style>
@@ -20063,549 +21643,6 @@
 </p:sld>
 </file>
 
-<file path=ppt/slides/slide6.xml><?xml version="1.0" encoding="utf-8"?>
-<p:sld xmlns:a="http://schemas.openxmlformats.org/drawingml/2006/main" xmlns:r="http://schemas.openxmlformats.org/officeDocument/2006/relationships" xmlns:p="http://schemas.openxmlformats.org/presentationml/2006/main">
-  <p:cSld>
-    <p:spTree>
-      <p:nvGrpSpPr>
-        <p:cNvPr id="1" name=""/>
-        <p:cNvGrpSpPr/>
-        <p:nvPr/>
-      </p:nvGrpSpPr>
-      <p:grpSpPr>
-        <a:xfrm>
-          <a:off x="0" y="0"/>
-          <a:ext cx="0" cy="0"/>
-          <a:chOff x="0" y="0"/>
-          <a:chExt cx="0" cy="0"/>
-        </a:xfrm>
-      </p:grpSpPr>
-      <p:sp>
-        <p:nvSpPr>
-          <p:cNvPr id="2" name="Titre 1"/>
-          <p:cNvSpPr>
-            <a:spLocks noGrp="1"/>
-          </p:cNvSpPr>
-          <p:nvPr>
-            <p:ph type="title"/>
-          </p:nvPr>
-        </p:nvSpPr>
-        <p:spPr/>
-        <p:txBody>
-          <a:bodyPr/>
-          <a:lstStyle/>
-          <a:p>
-            <a:pPr algn="ctr"/>
-            <a:r>
-              <a:rPr lang="fr-FR" dirty="0" smtClean="0"/>
-              <a:t>« GANTT »</a:t>
-            </a:r>
-            <a:endParaRPr lang="fr-FR" dirty="0"/>
-          </a:p>
-        </p:txBody>
-      </p:sp>
-      <p:sp>
-        <p:nvSpPr>
-          <p:cNvPr id="3" name="Espace réservé du contenu 2"/>
-          <p:cNvSpPr>
-            <a:spLocks noGrp="1"/>
-          </p:cNvSpPr>
-          <p:nvPr>
-            <p:ph idx="1"/>
-          </p:nvPr>
-        </p:nvSpPr>
-        <p:spPr/>
-        <p:txBody>
-          <a:bodyPr/>
-          <a:lstStyle/>
-          <a:p>
-            <a:r>
-              <a:rPr lang="fr-FR" dirty="0" smtClean="0"/>
-              <a:t>Via </a:t>
-            </a:r>
-            <a:r>
-              <a:rPr lang="fr-FR" dirty="0" err="1" smtClean="0"/>
-              <a:t>redmine</a:t>
-            </a:r>
-            <a:endParaRPr lang="fr-FR" dirty="0"/>
-          </a:p>
-        </p:txBody>
-      </p:sp>
-    </p:spTree>
-    <p:extLst>
-      <p:ext uri="{BB962C8B-B14F-4D97-AF65-F5344CB8AC3E}">
-        <p14:creationId xmlns:p14="http://schemas.microsoft.com/office/powerpoint/2010/main" val="2406702058"/>
-      </p:ext>
-    </p:extLst>
-  </p:cSld>
-  <p:clrMapOvr>
-    <a:masterClrMapping/>
-  </p:clrMapOvr>
-  <p:timing>
-    <p:tnLst>
-      <p:par>
-        <p:cTn xmlns:p14="http://schemas.microsoft.com/office/powerpoint/2010/main" id="1" dur="indefinite" restart="never" nodeType="tmRoot"/>
-      </p:par>
-    </p:tnLst>
-  </p:timing>
-</p:sld>
-</file>
-
-<file path=ppt/slides/slide7.xml><?xml version="1.0" encoding="utf-8"?>
-<p:sld xmlns:a="http://schemas.openxmlformats.org/drawingml/2006/main" xmlns:r="http://schemas.openxmlformats.org/officeDocument/2006/relationships" xmlns:p="http://schemas.openxmlformats.org/presentationml/2006/main">
-  <p:cSld>
-    <p:spTree>
-      <p:nvGrpSpPr>
-        <p:cNvPr id="1" name=""/>
-        <p:cNvGrpSpPr/>
-        <p:nvPr/>
-      </p:nvGrpSpPr>
-      <p:grpSpPr>
-        <a:xfrm>
-          <a:off x="0" y="0"/>
-          <a:ext cx="0" cy="0"/>
-          <a:chOff x="0" y="0"/>
-          <a:chExt cx="0" cy="0"/>
-        </a:xfrm>
-      </p:grpSpPr>
-      <p:sp>
-        <p:nvSpPr>
-          <p:cNvPr id="2" name="Titre 1"/>
-          <p:cNvSpPr>
-            <a:spLocks noGrp="1"/>
-          </p:cNvSpPr>
-          <p:nvPr>
-            <p:ph type="title"/>
-          </p:nvPr>
-        </p:nvSpPr>
-        <p:spPr/>
-        <p:txBody>
-          <a:bodyPr/>
-          <a:lstStyle/>
-          <a:p>
-            <a:pPr algn="ctr"/>
-            <a:r>
-              <a:rPr lang="fr-FR" dirty="0" smtClean="0"/>
-              <a:t>« WBS »</a:t>
-            </a:r>
-            <a:endParaRPr lang="fr-FR" dirty="0"/>
-          </a:p>
-        </p:txBody>
-      </p:sp>
-      <p:sp>
-        <p:nvSpPr>
-          <p:cNvPr id="3" name="Espace réservé du contenu 2"/>
-          <p:cNvSpPr>
-            <a:spLocks noGrp="1"/>
-          </p:cNvSpPr>
-          <p:nvPr>
-            <p:ph idx="1"/>
-          </p:nvPr>
-        </p:nvSpPr>
-        <p:spPr/>
-        <p:txBody>
-          <a:bodyPr>
-            <a:normAutofit/>
-          </a:bodyPr>
-          <a:lstStyle/>
-          <a:p>
-            <a:r>
-              <a:rPr lang="fr-FR" dirty="0" smtClean="0"/>
-              <a:t>TO DO</a:t>
-            </a:r>
-            <a:endParaRPr lang="fr-FR" dirty="0"/>
-          </a:p>
-          <a:p>
-            <a:pPr lvl="1"/>
-            <a:endParaRPr lang="fr-FR" dirty="0"/>
-          </a:p>
-        </p:txBody>
-      </p:sp>
-      <p:pic>
-        <p:nvPicPr>
-          <p:cNvPr id="4" name="Image 3" descr="Macintosh HD:Users:texierpierre-jean:Desktop:Capture d’écran 2011-12-16 à 14.42.02.png"/>
-          <p:cNvPicPr/>
-          <p:nvPr/>
-        </p:nvPicPr>
-        <p:blipFill>
-          <a:blip r:embed="rId2">
-            <a:extLst>
-              <a:ext uri="{28A0092B-C50C-407E-A947-70E740481C1C}">
-                <a14:useLocalDpi xmlns:a14="http://schemas.microsoft.com/office/drawing/2010/main" val="0"/>
-              </a:ext>
-            </a:extLst>
-          </a:blip>
-          <a:srcRect/>
-          <a:stretch>
-            <a:fillRect/>
-          </a:stretch>
-        </p:blipFill>
-        <p:spPr bwMode="auto">
-          <a:xfrm>
-            <a:off x="8019538" y="234160"/>
-            <a:ext cx="820176" cy="373292"/>
-          </a:xfrm>
-          <a:prstGeom prst="roundRect">
-            <a:avLst>
-              <a:gd name="adj" fmla="val 16667"/>
-            </a:avLst>
-          </a:prstGeom>
-          <a:ln>
-            <a:noFill/>
-          </a:ln>
-          <a:effectLst>
-            <a:outerShdw blurRad="76200" dist="38100" dir="7800000" algn="tl" rotWithShape="0">
-              <a:srgbClr val="000000">
-                <a:alpha val="40000"/>
-              </a:srgbClr>
-            </a:outerShdw>
-          </a:effectLst>
-          <a:scene3d>
-            <a:camera prst="orthographicFront"/>
-            <a:lightRig rig="contrasting" dir="t">
-              <a:rot lat="0" lon="0" rev="4200000"/>
-            </a:lightRig>
-          </a:scene3d>
-          <a:sp3d prstMaterial="plastic">
-            <a:bevelT w="381000" h="114300" prst="relaxedInset"/>
-            <a:contourClr>
-              <a:srgbClr val="969696"/>
-            </a:contourClr>
-          </a:sp3d>
-        </p:spPr>
-      </p:pic>
-    </p:spTree>
-    <p:extLst>
-      <p:ext uri="{BB962C8B-B14F-4D97-AF65-F5344CB8AC3E}">
-        <p14:creationId xmlns:p14="http://schemas.microsoft.com/office/powerpoint/2010/main" val="47302799"/>
-      </p:ext>
-    </p:extLst>
-  </p:cSld>
-  <p:clrMapOvr>
-    <a:masterClrMapping/>
-  </p:clrMapOvr>
-  <p:timing>
-    <p:tnLst>
-      <p:par>
-        <p:cTn xmlns:p14="http://schemas.microsoft.com/office/powerpoint/2010/main" id="1" dur="indefinite" restart="never" nodeType="tmRoot"/>
-      </p:par>
-    </p:tnLst>
-  </p:timing>
-</p:sld>
-</file>
-
-<file path=ppt/slides/slide8.xml><?xml version="1.0" encoding="utf-8"?>
-<p:sld xmlns:a="http://schemas.openxmlformats.org/drawingml/2006/main" xmlns:r="http://schemas.openxmlformats.org/officeDocument/2006/relationships" xmlns:p="http://schemas.openxmlformats.org/presentationml/2006/main">
-  <p:cSld>
-    <p:spTree>
-      <p:nvGrpSpPr>
-        <p:cNvPr id="1" name=""/>
-        <p:cNvGrpSpPr/>
-        <p:nvPr/>
-      </p:nvGrpSpPr>
-      <p:grpSpPr>
-        <a:xfrm>
-          <a:off x="0" y="0"/>
-          <a:ext cx="0" cy="0"/>
-          <a:chOff x="0" y="0"/>
-          <a:chExt cx="0" cy="0"/>
-        </a:xfrm>
-      </p:grpSpPr>
-      <p:sp>
-        <p:nvSpPr>
-          <p:cNvPr id="2" name="Titre 1"/>
-          <p:cNvSpPr>
-            <a:spLocks noGrp="1"/>
-          </p:cNvSpPr>
-          <p:nvPr>
-            <p:ph type="title"/>
-          </p:nvPr>
-        </p:nvSpPr>
-        <p:spPr/>
-        <p:txBody>
-          <a:bodyPr/>
-          <a:lstStyle/>
-          <a:p>
-            <a:pPr algn="ctr"/>
-            <a:r>
-              <a:rPr lang="fr-FR" dirty="0" smtClean="0"/>
-              <a:t>« PERT »</a:t>
-            </a:r>
-            <a:endParaRPr lang="fr-FR" dirty="0"/>
-          </a:p>
-        </p:txBody>
-      </p:sp>
-      <p:sp>
-        <p:nvSpPr>
-          <p:cNvPr id="3" name="Espace réservé du contenu 2"/>
-          <p:cNvSpPr>
-            <a:spLocks noGrp="1"/>
-          </p:cNvSpPr>
-          <p:nvPr>
-            <p:ph idx="1"/>
-          </p:nvPr>
-        </p:nvSpPr>
-        <p:spPr/>
-        <p:txBody>
-          <a:bodyPr/>
-          <a:lstStyle/>
-          <a:p>
-            <a:r>
-              <a:rPr lang="fr-FR" smtClean="0"/>
-              <a:t>Via GANTT</a:t>
-            </a:r>
-            <a:endParaRPr lang="fr-FR"/>
-          </a:p>
-        </p:txBody>
-      </p:sp>
-    </p:spTree>
-    <p:extLst>
-      <p:ext uri="{BB962C8B-B14F-4D97-AF65-F5344CB8AC3E}">
-        <p14:creationId xmlns:p14="http://schemas.microsoft.com/office/powerpoint/2010/main" val="2581129535"/>
-      </p:ext>
-    </p:extLst>
-  </p:cSld>
-  <p:clrMapOvr>
-    <a:masterClrMapping/>
-  </p:clrMapOvr>
-  <p:timing>
-    <p:tnLst>
-      <p:par>
-        <p:cTn xmlns:p14="http://schemas.microsoft.com/office/powerpoint/2010/main" id="1" dur="indefinite" restart="never" nodeType="tmRoot"/>
-      </p:par>
-    </p:tnLst>
-  </p:timing>
-</p:sld>
-</file>
-
-<file path=ppt/slides/slide9.xml><?xml version="1.0" encoding="utf-8"?>
-<p:sld xmlns:a="http://schemas.openxmlformats.org/drawingml/2006/main" xmlns:r="http://schemas.openxmlformats.org/officeDocument/2006/relationships" xmlns:p="http://schemas.openxmlformats.org/presentationml/2006/main">
-  <p:cSld>
-    <p:spTree>
-      <p:nvGrpSpPr>
-        <p:cNvPr id="1" name=""/>
-        <p:cNvGrpSpPr/>
-        <p:nvPr/>
-      </p:nvGrpSpPr>
-      <p:grpSpPr>
-        <a:xfrm>
-          <a:off x="0" y="0"/>
-          <a:ext cx="0" cy="0"/>
-          <a:chOff x="0" y="0"/>
-          <a:chExt cx="0" cy="0"/>
-        </a:xfrm>
-      </p:grpSpPr>
-      <p:sp>
-        <p:nvSpPr>
-          <p:cNvPr id="2" name="Titre 1"/>
-          <p:cNvSpPr>
-            <a:spLocks noGrp="1"/>
-          </p:cNvSpPr>
-          <p:nvPr>
-            <p:ph type="title"/>
-          </p:nvPr>
-        </p:nvSpPr>
-        <p:spPr/>
-        <p:txBody>
-          <a:bodyPr/>
-          <a:lstStyle/>
-          <a:p>
-            <a:pPr algn="ctr"/>
-            <a:r>
-              <a:rPr lang="fr-FR" dirty="0" smtClean="0"/>
-              <a:t>PARTIE « BASE »</a:t>
-            </a:r>
-            <a:endParaRPr lang="fr-FR" dirty="0"/>
-          </a:p>
-        </p:txBody>
-      </p:sp>
-      <p:sp>
-        <p:nvSpPr>
-          <p:cNvPr id="3" name="Espace réservé du contenu 2"/>
-          <p:cNvSpPr>
-            <a:spLocks noGrp="1"/>
-          </p:cNvSpPr>
-          <p:nvPr>
-            <p:ph idx="1"/>
-          </p:nvPr>
-        </p:nvSpPr>
-        <p:spPr/>
-        <p:txBody>
-          <a:bodyPr>
-            <a:normAutofit fontScale="92500" lnSpcReduction="10000"/>
-          </a:bodyPr>
-          <a:lstStyle/>
-          <a:p>
-            <a:r>
-              <a:rPr lang="fr-FR" dirty="0" smtClean="0"/>
-              <a:t>IHM tactile </a:t>
-            </a:r>
-          </a:p>
-          <a:p>
-            <a:pPr lvl="2"/>
-            <a:r>
-              <a:rPr lang="fr-FR" dirty="0" smtClean="0"/>
-              <a:t>Configuration des informations pertinentes :</a:t>
-            </a:r>
-          </a:p>
-          <a:p>
-            <a:pPr lvl="3"/>
-            <a:r>
-              <a:rPr lang="fr-FR" dirty="0" smtClean="0"/>
-              <a:t>Niveau de charge batterie</a:t>
-            </a:r>
-          </a:p>
-          <a:p>
-            <a:pPr lvl="3"/>
-            <a:r>
-              <a:rPr lang="fr-FR" dirty="0" smtClean="0"/>
-              <a:t>PFD</a:t>
-            </a:r>
-          </a:p>
-          <a:p>
-            <a:pPr lvl="3"/>
-            <a:r>
-              <a:rPr lang="fr-FR" dirty="0" smtClean="0"/>
-              <a:t>…</a:t>
-            </a:r>
-          </a:p>
-          <a:p>
-            <a:r>
-              <a:rPr lang="fr-FR" dirty="0" smtClean="0"/>
-              <a:t>Gestion de vol </a:t>
-            </a:r>
-          </a:p>
-          <a:p>
-            <a:pPr lvl="2"/>
-            <a:r>
-              <a:rPr lang="fr-FR" dirty="0" smtClean="0"/>
-              <a:t>Joystick (PS3 ?)</a:t>
-            </a:r>
-          </a:p>
-          <a:p>
-            <a:pPr lvl="2"/>
-            <a:r>
-              <a:rPr lang="fr-FR" dirty="0" smtClean="0"/>
-              <a:t>« Manche à balai »</a:t>
-            </a:r>
-            <a:endParaRPr lang="fr-FR" dirty="0"/>
-          </a:p>
-        </p:txBody>
-      </p:sp>
-      <p:pic>
-        <p:nvPicPr>
-          <p:cNvPr id="4" name="Picture 1028" descr="G:\documentation\OpenGL\ES2.0\presentation\defensescreen.jpg"/>
-          <p:cNvPicPr>
-            <a:picLocks noChangeAspect="1" noChangeArrowheads="1"/>
-          </p:cNvPicPr>
-          <p:nvPr/>
-        </p:nvPicPr>
-        <p:blipFill>
-          <a:blip r:embed="rId2">
-            <a:extLst>
-              <a:ext uri="{28A0092B-C50C-407E-A947-70E740481C1C}">
-                <a14:useLocalDpi xmlns:a14="http://schemas.microsoft.com/office/drawing/2010/main" val="0"/>
-              </a:ext>
-            </a:extLst>
-          </a:blip>
-          <a:srcRect/>
-          <a:stretch>
-            <a:fillRect/>
-          </a:stretch>
-        </p:blipFill>
-        <p:spPr bwMode="auto">
-          <a:xfrm>
-            <a:off x="5387328" y="4105136"/>
-            <a:ext cx="3531602" cy="2594500"/>
-          </a:xfrm>
-          <a:prstGeom prst="rect">
-            <a:avLst/>
-          </a:prstGeom>
-          <a:noFill/>
-          <a:extLst>
-            <a:ext uri="{909E8E84-426E-40dd-AFC4-6F175D3DCCD1}">
-              <a14:hiddenFill xmlns:a14="http://schemas.microsoft.com/office/drawing/2010/main">
-                <a:solidFill>
-                  <a:srgbClr val="FFFFFF"/>
-                </a:solidFill>
-              </a14:hiddenFill>
-            </a:ext>
-          </a:extLst>
-        </p:spPr>
-      </p:pic>
-      <p:pic>
-        <p:nvPicPr>
-          <p:cNvPr id="5" name="Image 4" descr="Macintosh HD:Users:texierpierre-jean:Desktop:Capture d’écran 2011-12-16 à 14.42.02.png"/>
-          <p:cNvPicPr/>
-          <p:nvPr/>
-        </p:nvPicPr>
-        <p:blipFill>
-          <a:blip r:embed="rId3">
-            <a:extLst>
-              <a:ext uri="{28A0092B-C50C-407E-A947-70E740481C1C}">
-                <a14:useLocalDpi xmlns:a14="http://schemas.microsoft.com/office/drawing/2010/main" val="0"/>
-              </a:ext>
-            </a:extLst>
-          </a:blip>
-          <a:srcRect/>
-          <a:stretch>
-            <a:fillRect/>
-          </a:stretch>
-        </p:blipFill>
-        <p:spPr bwMode="auto">
-          <a:xfrm>
-            <a:off x="8019538" y="234160"/>
-            <a:ext cx="820176" cy="373292"/>
-          </a:xfrm>
-          <a:prstGeom prst="roundRect">
-            <a:avLst>
-              <a:gd name="adj" fmla="val 16667"/>
-            </a:avLst>
-          </a:prstGeom>
-          <a:ln>
-            <a:noFill/>
-          </a:ln>
-          <a:effectLst>
-            <a:outerShdw blurRad="76200" dist="38100" dir="7800000" algn="tl" rotWithShape="0">
-              <a:srgbClr val="000000">
-                <a:alpha val="40000"/>
-              </a:srgbClr>
-            </a:outerShdw>
-          </a:effectLst>
-          <a:scene3d>
-            <a:camera prst="orthographicFront"/>
-            <a:lightRig rig="contrasting" dir="t">
-              <a:rot lat="0" lon="0" rev="4200000"/>
-            </a:lightRig>
-          </a:scene3d>
-          <a:sp3d prstMaterial="plastic">
-            <a:bevelT w="381000" h="114300" prst="relaxedInset"/>
-            <a:contourClr>
-              <a:srgbClr val="969696"/>
-            </a:contourClr>
-          </a:sp3d>
-        </p:spPr>
-      </p:pic>
-    </p:spTree>
-    <p:extLst>
-      <p:ext uri="{BB962C8B-B14F-4D97-AF65-F5344CB8AC3E}">
-        <p14:creationId xmlns:p14="http://schemas.microsoft.com/office/powerpoint/2010/main" val="1113203639"/>
-      </p:ext>
-    </p:extLst>
-  </p:cSld>
-  <p:clrMapOvr>
-    <a:masterClrMapping/>
-  </p:clrMapOvr>
-  <p:timing>
-    <p:tnLst>
-      <p:par>
-        <p:cTn xmlns:p14="http://schemas.microsoft.com/office/powerpoint/2010/main" id="1" dur="indefinite" restart="never" nodeType="tmRoot"/>
-      </p:par>
-    </p:tnLst>
-  </p:timing>
-</p:sld>
-</file>
-
 <file path=ppt/theme/theme1.xml><?xml version="1.0" encoding="utf-8"?>
 <a:theme xmlns:a="http://schemas.openxmlformats.org/drawingml/2006/main" name="Ciel">
   <a:themeElements>

--- a/cr/CR_lundi_23_09_13.pptx
+++ b/cr/CR_lundi_23_09_13.pptx
@@ -10,16 +10,31 @@
     <p:sldId id="260" r:id="rId4"/>
     <p:sldId id="259" r:id="rId5"/>
     <p:sldId id="273" r:id="rId6"/>
-    <p:sldId id="269" r:id="rId7"/>
-    <p:sldId id="270" r:id="rId8"/>
-    <p:sldId id="258" r:id="rId9"/>
-    <p:sldId id="268" r:id="rId10"/>
-    <p:sldId id="261" r:id="rId11"/>
-    <p:sldId id="263" r:id="rId12"/>
-    <p:sldId id="272" r:id="rId13"/>
-    <p:sldId id="262" r:id="rId14"/>
-    <p:sldId id="264" r:id="rId15"/>
-    <p:sldId id="271" r:id="rId16"/>
+    <p:sldId id="268" r:id="rId7"/>
+    <p:sldId id="261" r:id="rId8"/>
+    <p:sldId id="263" r:id="rId9"/>
+    <p:sldId id="272" r:id="rId10"/>
+    <p:sldId id="262" r:id="rId11"/>
+    <p:sldId id="264" r:id="rId12"/>
+    <p:sldId id="271" r:id="rId13"/>
+    <p:sldId id="274" r:id="rId14"/>
+    <p:sldId id="276" r:id="rId15"/>
+    <p:sldId id="283" r:id="rId16"/>
+    <p:sldId id="282" r:id="rId17"/>
+    <p:sldId id="287" r:id="rId18"/>
+    <p:sldId id="286" r:id="rId19"/>
+    <p:sldId id="285" r:id="rId20"/>
+    <p:sldId id="277" r:id="rId21"/>
+    <p:sldId id="278" r:id="rId22"/>
+    <p:sldId id="279" r:id="rId23"/>
+    <p:sldId id="288" r:id="rId24"/>
+    <p:sldId id="290" r:id="rId25"/>
+    <p:sldId id="291" r:id="rId26"/>
+    <p:sldId id="294" r:id="rId27"/>
+    <p:sldId id="292" r:id="rId28"/>
+    <p:sldId id="293" r:id="rId29"/>
+    <p:sldId id="295" r:id="rId30"/>
+    <p:sldId id="296" r:id="rId31"/>
   </p:sldIdLst>
   <p:sldSz cx="9144000" cy="6858000" type="screen4x3"/>
   <p:notesSz cx="6858000" cy="9144000"/>
@@ -4787,7 +4802,7 @@
           <a:p>
             <a:fld id="{7A6B8A3B-B4A8-0B47-A7EB-81B6CDAFFFC7}" type="datetimeFigureOut">
               <a:rPr lang="fr-FR" smtClean="0"/>
-              <a:t>21/09/13</a:t>
+              <a:t>30/09/13</a:t>
             </a:fld>
             <a:endParaRPr lang="fr-FR"/>
           </a:p>
@@ -5161,7 +5176,7 @@
           <a:p>
             <a:fld id="{7A6B8A3B-B4A8-0B47-A7EB-81B6CDAFFFC7}" type="datetimeFigureOut">
               <a:rPr lang="fr-FR" smtClean="0"/>
-              <a:t>21/09/13</a:t>
+              <a:t>30/09/13</a:t>
             </a:fld>
             <a:endParaRPr lang="fr-FR"/>
           </a:p>
@@ -5538,7 +5553,7 @@
           <a:p>
             <a:fld id="{7A6B8A3B-B4A8-0B47-A7EB-81B6CDAFFFC7}" type="datetimeFigureOut">
               <a:rPr lang="fr-FR" smtClean="0"/>
-              <a:t>21/09/13</a:t>
+              <a:t>30/09/13</a:t>
             </a:fld>
             <a:endParaRPr lang="fr-FR"/>
           </a:p>
@@ -6047,7 +6062,7 @@
           <a:p>
             <a:fld id="{7A6B8A3B-B4A8-0B47-A7EB-81B6CDAFFFC7}" type="datetimeFigureOut">
               <a:rPr lang="fr-FR" smtClean="0"/>
-              <a:t>21/09/13</a:t>
+              <a:t>30/09/13</a:t>
             </a:fld>
             <a:endParaRPr lang="fr-FR"/>
           </a:p>
@@ -6288,7 +6303,7 @@
           <a:p>
             <a:fld id="{7A6B8A3B-B4A8-0B47-A7EB-81B6CDAFFFC7}" type="datetimeFigureOut">
               <a:rPr lang="fr-FR" smtClean="0"/>
-              <a:t>21/09/13</a:t>
+              <a:t>30/09/13</a:t>
             </a:fld>
             <a:endParaRPr lang="fr-FR"/>
           </a:p>
@@ -6519,7 +6534,7 @@
           <a:p>
             <a:fld id="{7A6B8A3B-B4A8-0B47-A7EB-81B6CDAFFFC7}" type="datetimeFigureOut">
               <a:rPr lang="fr-FR" smtClean="0"/>
-              <a:t>21/09/13</a:t>
+              <a:t>30/09/13</a:t>
             </a:fld>
             <a:endParaRPr lang="fr-FR"/>
           </a:p>
@@ -13875,7 +13890,7 @@
           <a:p>
             <a:fld id="{7A6B8A3B-B4A8-0B47-A7EB-81B6CDAFFFC7}" type="datetimeFigureOut">
               <a:rPr lang="fr-FR" smtClean="0"/>
-              <a:t>21/09/13</a:t>
+              <a:t>30/09/13</a:t>
             </a:fld>
             <a:endParaRPr lang="fr-FR"/>
           </a:p>
@@ -14412,7 +14427,7 @@
           <a:p>
             <a:fld id="{7A6B8A3B-B4A8-0B47-A7EB-81B6CDAFFFC7}" type="datetimeFigureOut">
               <a:rPr lang="fr-FR" smtClean="0"/>
-              <a:t>21/09/13</a:t>
+              <a:t>30/09/13</a:t>
             </a:fld>
             <a:endParaRPr lang="fr-FR"/>
           </a:p>
@@ -14587,7 +14602,7 @@
           <a:p>
             <a:fld id="{7A6B8A3B-B4A8-0B47-A7EB-81B6CDAFFFC7}" type="datetimeFigureOut">
               <a:rPr lang="fr-FR" smtClean="0"/>
-              <a:t>21/09/13</a:t>
+              <a:t>30/09/13</a:t>
             </a:fld>
             <a:endParaRPr lang="fr-FR"/>
           </a:p>
@@ -14677,7 +14692,7 @@
           <a:p>
             <a:fld id="{7A6B8A3B-B4A8-0B47-A7EB-81B6CDAFFFC7}" type="datetimeFigureOut">
               <a:rPr lang="fr-FR" smtClean="0"/>
-              <a:t>21/09/13</a:t>
+              <a:t>30/09/13</a:t>
             </a:fld>
             <a:endParaRPr lang="fr-FR"/>
           </a:p>
@@ -15013,7 +15028,7 @@
           <a:p>
             <a:fld id="{7A6B8A3B-B4A8-0B47-A7EB-81B6CDAFFFC7}" type="datetimeFigureOut">
               <a:rPr lang="fr-FR" smtClean="0"/>
-              <a:t>21/09/13</a:t>
+              <a:t>30/09/13</a:t>
             </a:fld>
             <a:endParaRPr lang="fr-FR"/>
           </a:p>
@@ -16433,7 +16448,7 @@
           <a:p>
             <a:fld id="{7A6B8A3B-B4A8-0B47-A7EB-81B6CDAFFFC7}" type="datetimeFigureOut">
               <a:rPr lang="fr-FR" smtClean="0"/>
-              <a:t>21/09/13</a:t>
+              <a:t>30/09/13</a:t>
             </a:fld>
             <a:endParaRPr lang="fr-FR"/>
           </a:p>
@@ -17063,7 +17078,7 @@
       </p:pic>
       <p:pic>
         <p:nvPicPr>
-          <p:cNvPr id="5" name="Image 4"/>
+          <p:cNvPr id="7" name="Image 6"/>
           <p:cNvPicPr>
             <a:picLocks noChangeAspect="1"/>
           </p:cNvPicPr>
@@ -17077,7 +17092,7 @@
         </p:blipFill>
         <p:spPr>
           <a:xfrm>
-            <a:off x="4013200" y="6245578"/>
+            <a:off x="4013200" y="6199456"/>
             <a:ext cx="1117600" cy="393700"/>
           </a:xfrm>
           <a:prstGeom prst="rect">
@@ -17106,1256 +17121,6 @@
 </file>
 
 <file path=ppt/slides/slide10.xml><?xml version="1.0" encoding="utf-8"?>
-<p:sld xmlns:a="http://schemas.openxmlformats.org/drawingml/2006/main" xmlns:r="http://schemas.openxmlformats.org/officeDocument/2006/relationships" xmlns:p="http://schemas.openxmlformats.org/presentationml/2006/main">
-  <p:cSld>
-    <p:spTree>
-      <p:nvGrpSpPr>
-        <p:cNvPr id="1" name=""/>
-        <p:cNvGrpSpPr/>
-        <p:nvPr/>
-      </p:nvGrpSpPr>
-      <p:grpSpPr>
-        <a:xfrm>
-          <a:off x="0" y="0"/>
-          <a:ext cx="0" cy="0"/>
-          <a:chOff x="0" y="0"/>
-          <a:chExt cx="0" cy="0"/>
-        </a:xfrm>
-      </p:grpSpPr>
-      <p:sp>
-        <p:nvSpPr>
-          <p:cNvPr id="2" name="Titre 1"/>
-          <p:cNvSpPr>
-            <a:spLocks noGrp="1"/>
-          </p:cNvSpPr>
-          <p:nvPr>
-            <p:ph type="title"/>
-          </p:nvPr>
-        </p:nvSpPr>
-        <p:spPr/>
-        <p:txBody>
-          <a:bodyPr/>
-          <a:lstStyle/>
-          <a:p>
-            <a:pPr algn="ctr"/>
-            <a:r>
-              <a:rPr lang="fr-FR" dirty="0" smtClean="0"/>
-              <a:t>PARTIE « BASE »</a:t>
-            </a:r>
-            <a:endParaRPr lang="fr-FR" dirty="0"/>
-          </a:p>
-        </p:txBody>
-      </p:sp>
-      <p:sp>
-        <p:nvSpPr>
-          <p:cNvPr id="3" name="Espace réservé du contenu 2"/>
-          <p:cNvSpPr>
-            <a:spLocks noGrp="1"/>
-          </p:cNvSpPr>
-          <p:nvPr>
-            <p:ph idx="1"/>
-          </p:nvPr>
-        </p:nvSpPr>
-        <p:spPr/>
-        <p:txBody>
-          <a:bodyPr>
-            <a:normAutofit fontScale="92500" lnSpcReduction="10000"/>
-          </a:bodyPr>
-          <a:lstStyle/>
-          <a:p>
-            <a:r>
-              <a:rPr lang="fr-FR" dirty="0" smtClean="0"/>
-              <a:t>IHM tactile </a:t>
-            </a:r>
-          </a:p>
-          <a:p>
-            <a:pPr lvl="2"/>
-            <a:r>
-              <a:rPr lang="fr-FR" dirty="0" smtClean="0"/>
-              <a:t>Configuration des informations pertinentes :</a:t>
-            </a:r>
-          </a:p>
-          <a:p>
-            <a:pPr lvl="3"/>
-            <a:r>
-              <a:rPr lang="fr-FR" dirty="0" smtClean="0"/>
-              <a:t>Niveau de charge batterie</a:t>
-            </a:r>
-          </a:p>
-          <a:p>
-            <a:pPr lvl="3"/>
-            <a:r>
-              <a:rPr lang="fr-FR" dirty="0" smtClean="0"/>
-              <a:t>PFD</a:t>
-            </a:r>
-          </a:p>
-          <a:p>
-            <a:pPr lvl="3"/>
-            <a:r>
-              <a:rPr lang="fr-FR" dirty="0" smtClean="0"/>
-              <a:t>…</a:t>
-            </a:r>
-          </a:p>
-          <a:p>
-            <a:r>
-              <a:rPr lang="fr-FR" dirty="0" smtClean="0"/>
-              <a:t>Gestion de vol </a:t>
-            </a:r>
-          </a:p>
-          <a:p>
-            <a:pPr lvl="2"/>
-            <a:r>
-              <a:rPr lang="fr-FR" dirty="0" smtClean="0"/>
-              <a:t>Joystick (PS3 ?)</a:t>
-            </a:r>
-          </a:p>
-          <a:p>
-            <a:pPr lvl="2"/>
-            <a:r>
-              <a:rPr lang="fr-FR" dirty="0" smtClean="0"/>
-              <a:t>« Manche à balai »</a:t>
-            </a:r>
-            <a:endParaRPr lang="fr-FR" dirty="0"/>
-          </a:p>
-        </p:txBody>
-      </p:sp>
-      <p:pic>
-        <p:nvPicPr>
-          <p:cNvPr id="4" name="Picture 1028" descr="G:\documentation\OpenGL\ES2.0\presentation\defensescreen.jpg"/>
-          <p:cNvPicPr>
-            <a:picLocks noChangeAspect="1" noChangeArrowheads="1"/>
-          </p:cNvPicPr>
-          <p:nvPr/>
-        </p:nvPicPr>
-        <p:blipFill>
-          <a:blip r:embed="rId2">
-            <a:extLst>
-              <a:ext uri="{28A0092B-C50C-407E-A947-70E740481C1C}">
-                <a14:useLocalDpi xmlns:a14="http://schemas.microsoft.com/office/drawing/2010/main" val="0"/>
-              </a:ext>
-            </a:extLst>
-          </a:blip>
-          <a:srcRect/>
-          <a:stretch>
-            <a:fillRect/>
-          </a:stretch>
-        </p:blipFill>
-        <p:spPr bwMode="auto">
-          <a:xfrm>
-            <a:off x="5387328" y="4105136"/>
-            <a:ext cx="3531602" cy="2594500"/>
-          </a:xfrm>
-          <a:prstGeom prst="rect">
-            <a:avLst/>
-          </a:prstGeom>
-          <a:noFill/>
-          <a:extLst>
-            <a:ext uri="{909E8E84-426E-40dd-AFC4-6F175D3DCCD1}">
-              <a14:hiddenFill xmlns:a14="http://schemas.microsoft.com/office/drawing/2010/main">
-                <a:solidFill>
-                  <a:srgbClr val="FFFFFF"/>
-                </a:solidFill>
-              </a14:hiddenFill>
-            </a:ext>
-          </a:extLst>
-        </p:spPr>
-      </p:pic>
-      <p:pic>
-        <p:nvPicPr>
-          <p:cNvPr id="5" name="Image 4" descr="Macintosh HD:Users:texierpierre-jean:Desktop:Capture d’écran 2011-12-16 à 14.42.02.png"/>
-          <p:cNvPicPr/>
-          <p:nvPr/>
-        </p:nvPicPr>
-        <p:blipFill>
-          <a:blip r:embed="rId3">
-            <a:extLst>
-              <a:ext uri="{28A0092B-C50C-407E-A947-70E740481C1C}">
-                <a14:useLocalDpi xmlns:a14="http://schemas.microsoft.com/office/drawing/2010/main" val="0"/>
-              </a:ext>
-            </a:extLst>
-          </a:blip>
-          <a:srcRect/>
-          <a:stretch>
-            <a:fillRect/>
-          </a:stretch>
-        </p:blipFill>
-        <p:spPr bwMode="auto">
-          <a:xfrm>
-            <a:off x="8019538" y="234160"/>
-            <a:ext cx="820176" cy="373292"/>
-          </a:xfrm>
-          <a:prstGeom prst="roundRect">
-            <a:avLst>
-              <a:gd name="adj" fmla="val 16667"/>
-            </a:avLst>
-          </a:prstGeom>
-          <a:ln>
-            <a:noFill/>
-          </a:ln>
-          <a:effectLst>
-            <a:outerShdw blurRad="76200" dist="38100" dir="7800000" algn="tl" rotWithShape="0">
-              <a:srgbClr val="000000">
-                <a:alpha val="40000"/>
-              </a:srgbClr>
-            </a:outerShdw>
-          </a:effectLst>
-          <a:scene3d>
-            <a:camera prst="orthographicFront"/>
-            <a:lightRig rig="contrasting" dir="t">
-              <a:rot lat="0" lon="0" rev="4200000"/>
-            </a:lightRig>
-          </a:scene3d>
-          <a:sp3d prstMaterial="plastic">
-            <a:bevelT w="381000" h="114300" prst="relaxedInset"/>
-            <a:contourClr>
-              <a:srgbClr val="969696"/>
-            </a:contourClr>
-          </a:sp3d>
-        </p:spPr>
-      </p:pic>
-    </p:spTree>
-    <p:extLst>
-      <p:ext uri="{BB962C8B-B14F-4D97-AF65-F5344CB8AC3E}">
-        <p14:creationId xmlns:p14="http://schemas.microsoft.com/office/powerpoint/2010/main" val="1113203639"/>
-      </p:ext>
-    </p:extLst>
-  </p:cSld>
-  <p:clrMapOvr>
-    <a:masterClrMapping/>
-  </p:clrMapOvr>
-  <p:timing>
-    <p:tnLst>
-      <p:par>
-        <p:cTn xmlns:p14="http://schemas.microsoft.com/office/powerpoint/2010/main" id="1" dur="indefinite" restart="never" nodeType="tmRoot"/>
-      </p:par>
-    </p:tnLst>
-  </p:timing>
-</p:sld>
-</file>
-
-<file path=ppt/slides/slide11.xml><?xml version="1.0" encoding="utf-8"?>
-<p:sld xmlns:a="http://schemas.openxmlformats.org/drawingml/2006/main" xmlns:r="http://schemas.openxmlformats.org/officeDocument/2006/relationships" xmlns:p="http://schemas.openxmlformats.org/presentationml/2006/main">
-  <p:cSld>
-    <p:spTree>
-      <p:nvGrpSpPr>
-        <p:cNvPr id="1" name=""/>
-        <p:cNvGrpSpPr/>
-        <p:nvPr/>
-      </p:nvGrpSpPr>
-      <p:grpSpPr>
-        <a:xfrm>
-          <a:off x="0" y="0"/>
-          <a:ext cx="0" cy="0"/>
-          <a:chOff x="0" y="0"/>
-          <a:chExt cx="0" cy="0"/>
-        </a:xfrm>
-      </p:grpSpPr>
-      <p:sp>
-        <p:nvSpPr>
-          <p:cNvPr id="3" name="Espace réservé du contenu 2"/>
-          <p:cNvSpPr txBox="1">
-            <a:spLocks/>
-          </p:cNvSpPr>
-          <p:nvPr/>
-        </p:nvSpPr>
-        <p:spPr>
-          <a:xfrm>
-            <a:off x="712788" y="1438286"/>
-            <a:ext cx="8126926" cy="5236269"/>
-          </a:xfrm>
-          <a:prstGeom prst="rect">
-            <a:avLst/>
-          </a:prstGeom>
-        </p:spPr>
-        <p:txBody>
-          <a:bodyPr>
-            <a:normAutofit fontScale="77500" lnSpcReduction="20000"/>
-          </a:bodyPr>
-          <a:lstStyle>
-            <a:lvl1pPr marL="342900" indent="-342900" algn="l" defTabSz="914400" rtl="0" eaLnBrk="1" latinLnBrk="0" hangingPunct="1">
-              <a:spcBef>
-                <a:spcPts val="0"/>
-              </a:spcBef>
-              <a:spcAft>
-                <a:spcPts val="2000"/>
-              </a:spcAft>
-              <a:buFontTx/>
-              <a:buBlip>
-                <a:blip r:embed="rId2"/>
-              </a:buBlip>
-              <a:defRPr sz="2400" kern="1200">
-                <a:solidFill>
-                  <a:schemeClr val="bg1"/>
-                </a:solidFill>
-                <a:effectLst>
-                  <a:outerShdw blurRad="38100" dist="38100" dir="2700000" algn="tl">
-                    <a:srgbClr val="000000">
-                      <a:alpha val="43137"/>
-                    </a:srgbClr>
-                  </a:outerShdw>
-                </a:effectLst>
-                <a:latin typeface="+mn-lt"/>
-                <a:ea typeface="+mn-ea"/>
-                <a:cs typeface="+mn-cs"/>
-              </a:defRPr>
-            </a:lvl1pPr>
-            <a:lvl2pPr marL="631825" indent="-282575" algn="l" defTabSz="914400" rtl="0" eaLnBrk="1" latinLnBrk="0" hangingPunct="1">
-              <a:spcBef>
-                <a:spcPts val="0"/>
-              </a:spcBef>
-              <a:spcAft>
-                <a:spcPts val="1000"/>
-              </a:spcAft>
-              <a:buFontTx/>
-              <a:buBlip>
-                <a:blip r:embed="rId2"/>
-              </a:buBlip>
-              <a:defRPr sz="2200" kern="1200">
-                <a:solidFill>
-                  <a:schemeClr val="bg1"/>
-                </a:solidFill>
-                <a:effectLst>
-                  <a:outerShdw blurRad="38100" dist="38100" dir="2700000" algn="tl">
-                    <a:srgbClr val="000000">
-                      <a:alpha val="43137"/>
-                    </a:srgbClr>
-                  </a:outerShdw>
-                </a:effectLst>
-                <a:latin typeface="+mn-lt"/>
-                <a:ea typeface="+mn-ea"/>
-                <a:cs typeface="+mn-cs"/>
-              </a:defRPr>
-            </a:lvl2pPr>
-            <a:lvl3pPr marL="914400" indent="-282575" algn="l" defTabSz="914400" rtl="0" eaLnBrk="1" latinLnBrk="0" hangingPunct="1">
-              <a:spcBef>
-                <a:spcPts val="0"/>
-              </a:spcBef>
-              <a:spcAft>
-                <a:spcPts val="1000"/>
-              </a:spcAft>
-              <a:buFontTx/>
-              <a:buBlip>
-                <a:blip r:embed="rId2"/>
-              </a:buBlip>
-              <a:defRPr sz="2000" kern="1200">
-                <a:solidFill>
-                  <a:schemeClr val="bg1"/>
-                </a:solidFill>
-                <a:effectLst>
-                  <a:outerShdw blurRad="38100" dist="38100" dir="2700000" algn="tl">
-                    <a:srgbClr val="000000">
-                      <a:alpha val="43137"/>
-                    </a:srgbClr>
-                  </a:outerShdw>
-                </a:effectLst>
-                <a:latin typeface="+mn-lt"/>
-                <a:ea typeface="+mn-ea"/>
-                <a:cs typeface="+mn-cs"/>
-              </a:defRPr>
-            </a:lvl3pPr>
-            <a:lvl4pPr marL="1196975" indent="-282575" algn="l" defTabSz="914400" rtl="0" eaLnBrk="1" latinLnBrk="0" hangingPunct="1">
-              <a:spcBef>
-                <a:spcPts val="0"/>
-              </a:spcBef>
-              <a:spcAft>
-                <a:spcPts val="1000"/>
-              </a:spcAft>
-              <a:buFontTx/>
-              <a:buBlip>
-                <a:blip r:embed="rId2"/>
-              </a:buBlip>
-              <a:defRPr sz="1800" kern="1200">
-                <a:solidFill>
-                  <a:schemeClr val="bg1"/>
-                </a:solidFill>
-                <a:effectLst>
-                  <a:outerShdw blurRad="38100" dist="38100" dir="2700000" algn="tl">
-                    <a:srgbClr val="000000">
-                      <a:alpha val="43137"/>
-                    </a:srgbClr>
-                  </a:outerShdw>
-                </a:effectLst>
-                <a:latin typeface="+mn-lt"/>
-                <a:ea typeface="+mn-ea"/>
-                <a:cs typeface="+mn-cs"/>
-              </a:defRPr>
-            </a:lvl4pPr>
-            <a:lvl5pPr marL="1492250" indent="-295275" algn="l" defTabSz="914400" rtl="0" eaLnBrk="1" latinLnBrk="0" hangingPunct="1">
-              <a:spcBef>
-                <a:spcPts val="0"/>
-              </a:spcBef>
-              <a:spcAft>
-                <a:spcPts val="1000"/>
-              </a:spcAft>
-              <a:buFontTx/>
-              <a:buBlip>
-                <a:blip r:embed="rId2"/>
-              </a:buBlip>
-              <a:defRPr sz="1800" kern="1200">
-                <a:solidFill>
-                  <a:schemeClr val="bg1"/>
-                </a:solidFill>
-                <a:effectLst>
-                  <a:outerShdw blurRad="38100" dist="38100" dir="2700000" algn="tl">
-                    <a:srgbClr val="000000">
-                      <a:alpha val="43137"/>
-                    </a:srgbClr>
-                  </a:outerShdw>
-                </a:effectLst>
-                <a:latin typeface="+mn-lt"/>
-                <a:ea typeface="+mn-ea"/>
-                <a:cs typeface="+mn-cs"/>
-              </a:defRPr>
-            </a:lvl5pPr>
-            <a:lvl6pPr marL="1774825" indent="-288925" algn="l" defTabSz="914400" rtl="0" eaLnBrk="1" latinLnBrk="0" hangingPunct="1">
-              <a:spcBef>
-                <a:spcPts val="0"/>
-              </a:spcBef>
-              <a:spcAft>
-                <a:spcPts val="600"/>
-              </a:spcAft>
-              <a:buFontTx/>
-              <a:buBlip>
-                <a:blip r:embed="rId2"/>
-              </a:buBlip>
-              <a:defRPr lang="en-US" sz="1800" kern="1200" dirty="0" smtClean="0">
-                <a:solidFill>
-                  <a:schemeClr val="bg1"/>
-                </a:solidFill>
-                <a:effectLst>
-                  <a:outerShdw blurRad="38100" dist="38100" dir="2700000" algn="tl">
-                    <a:srgbClr val="000000">
-                      <a:alpha val="43137"/>
-                    </a:srgbClr>
-                  </a:outerShdw>
-                </a:effectLst>
-                <a:latin typeface="+mn-lt"/>
-                <a:ea typeface="+mn-ea"/>
-                <a:cs typeface="+mn-cs"/>
-              </a:defRPr>
-            </a:lvl6pPr>
-            <a:lvl7pPr marL="2055813" indent="-288925" algn="l" defTabSz="914400" rtl="0" eaLnBrk="1" latinLnBrk="0" hangingPunct="1">
-              <a:spcBef>
-                <a:spcPts val="0"/>
-              </a:spcBef>
-              <a:spcAft>
-                <a:spcPts val="600"/>
-              </a:spcAft>
-              <a:buFontTx/>
-              <a:buBlip>
-                <a:blip r:embed="rId2"/>
-              </a:buBlip>
-              <a:defRPr lang="en-US" sz="1800" kern="1200" dirty="0" smtClean="0">
-                <a:solidFill>
-                  <a:schemeClr val="bg1"/>
-                </a:solidFill>
-                <a:effectLst>
-                  <a:outerShdw blurRad="38100" dist="38100" dir="2700000" algn="tl">
-                    <a:srgbClr val="000000">
-                      <a:alpha val="43137"/>
-                    </a:srgbClr>
-                  </a:outerShdw>
-                </a:effectLst>
-                <a:latin typeface="+mn-lt"/>
-                <a:ea typeface="+mn-ea"/>
-                <a:cs typeface="+mn-cs"/>
-              </a:defRPr>
-            </a:lvl7pPr>
-            <a:lvl8pPr marL="2344738" indent="-288925" algn="l" defTabSz="914400" rtl="0" eaLnBrk="1" latinLnBrk="0" hangingPunct="1">
-              <a:spcBef>
-                <a:spcPts val="0"/>
-              </a:spcBef>
-              <a:spcAft>
-                <a:spcPts val="600"/>
-              </a:spcAft>
-              <a:buFontTx/>
-              <a:buBlip>
-                <a:blip r:embed="rId2"/>
-              </a:buBlip>
-              <a:defRPr lang="en-US" sz="1800" kern="1200" dirty="0" smtClean="0">
-                <a:solidFill>
-                  <a:schemeClr val="bg1"/>
-                </a:solidFill>
-                <a:effectLst>
-                  <a:outerShdw blurRad="38100" dist="38100" dir="2700000" algn="tl">
-                    <a:srgbClr val="000000">
-                      <a:alpha val="43137"/>
-                    </a:srgbClr>
-                  </a:outerShdw>
-                </a:effectLst>
-                <a:latin typeface="+mn-lt"/>
-                <a:ea typeface="+mn-ea"/>
-                <a:cs typeface="+mn-cs"/>
-              </a:defRPr>
-            </a:lvl8pPr>
-            <a:lvl9pPr marL="2625725" indent="-288925" algn="l" defTabSz="914400" rtl="0" eaLnBrk="1" latinLnBrk="0" hangingPunct="1">
-              <a:spcBef>
-                <a:spcPts val="0"/>
-              </a:spcBef>
-              <a:spcAft>
-                <a:spcPts val="600"/>
-              </a:spcAft>
-              <a:buFontTx/>
-              <a:buBlip>
-                <a:blip r:embed="rId2"/>
-              </a:buBlip>
-              <a:defRPr lang="en-US" sz="1800" kern="1200" dirty="0">
-                <a:solidFill>
-                  <a:schemeClr val="bg1"/>
-                </a:solidFill>
-                <a:effectLst>
-                  <a:outerShdw blurRad="38100" dist="38100" dir="2700000" algn="tl">
-                    <a:srgbClr val="000000">
-                      <a:alpha val="43137"/>
-                    </a:srgbClr>
-                  </a:outerShdw>
-                </a:effectLst>
-                <a:latin typeface="+mn-lt"/>
-                <a:ea typeface="+mn-ea"/>
-                <a:cs typeface="+mn-cs"/>
-              </a:defRPr>
-            </a:lvl9pPr>
-          </a:lstStyle>
-          <a:p>
-            <a:pPr marL="342900" lvl="1" indent="-342900">
-              <a:spcAft>
-                <a:spcPts val="2000"/>
-              </a:spcAft>
-            </a:pPr>
-            <a:r>
-              <a:rPr lang="fr-FR" dirty="0" smtClean="0"/>
-              <a:t>ARCHITECTURE : </a:t>
-            </a:r>
-            <a:r>
-              <a:rPr lang="fr-FR" b="1" i="1" dirty="0">
-                <a:solidFill>
-                  <a:schemeClr val="tx1"/>
-                </a:solidFill>
-              </a:rPr>
-              <a:t>ARM CORTEX </a:t>
-            </a:r>
-            <a:r>
-              <a:rPr lang="fr-FR" b="1" i="1" dirty="0" smtClean="0">
-                <a:solidFill>
-                  <a:schemeClr val="tx1"/>
-                </a:solidFill>
-              </a:rPr>
-              <a:t>A (8, 9 ,15)</a:t>
-            </a:r>
-          </a:p>
-          <a:p>
-            <a:pPr marL="342900" lvl="1" indent="-342900">
-              <a:spcAft>
-                <a:spcPts val="2000"/>
-              </a:spcAft>
-            </a:pPr>
-            <a:endParaRPr lang="fr-FR" b="1" i="1" dirty="0" smtClean="0">
-              <a:solidFill>
-                <a:schemeClr val="tx1"/>
-              </a:solidFill>
-            </a:endParaRPr>
-          </a:p>
-          <a:p>
-            <a:pPr marL="342900" lvl="1" indent="-342900">
-              <a:spcAft>
-                <a:spcPts val="2000"/>
-              </a:spcAft>
-            </a:pPr>
-            <a:endParaRPr lang="fr-FR" b="1" i="1" dirty="0" smtClean="0">
-              <a:solidFill>
-                <a:schemeClr val="tx1"/>
-              </a:solidFill>
-            </a:endParaRPr>
-          </a:p>
-          <a:p>
-            <a:pPr marL="0" lvl="1" indent="0">
-              <a:spcAft>
-                <a:spcPts val="2000"/>
-              </a:spcAft>
-              <a:buNone/>
-            </a:pPr>
-            <a:endParaRPr lang="fr-FR" b="1" i="1" dirty="0">
-              <a:solidFill>
-                <a:schemeClr val="tx1"/>
-              </a:solidFill>
-            </a:endParaRPr>
-          </a:p>
-          <a:p>
-            <a:pPr marL="342900" lvl="1" indent="-342900">
-              <a:spcAft>
-                <a:spcPts val="2000"/>
-              </a:spcAft>
-            </a:pPr>
-            <a:endParaRPr lang="fr-FR" b="1" i="1" dirty="0" smtClean="0">
-              <a:solidFill>
-                <a:schemeClr val="tx1"/>
-              </a:solidFill>
-            </a:endParaRPr>
-          </a:p>
-          <a:p>
-            <a:pPr marL="342900" lvl="1" indent="-342900">
-              <a:spcAft>
-                <a:spcPts val="2000"/>
-              </a:spcAft>
-            </a:pPr>
-            <a:endParaRPr lang="fr-FR" b="1" i="1" dirty="0" smtClean="0">
-              <a:solidFill>
-                <a:schemeClr val="tx1"/>
-              </a:solidFill>
-            </a:endParaRPr>
-          </a:p>
-          <a:p>
-            <a:pPr marL="342900" lvl="1" indent="-342900">
-              <a:spcAft>
-                <a:spcPts val="2000"/>
-              </a:spcAft>
-            </a:pPr>
-            <a:r>
-              <a:rPr lang="fr-FR" dirty="0" smtClean="0"/>
-              <a:t>CONSTRUCTION SYSTEME MINIMALISTE :</a:t>
-            </a:r>
-          </a:p>
-          <a:p>
-            <a:pPr marL="625475" lvl="2" indent="-342900">
-              <a:spcAft>
-                <a:spcPts val="2000"/>
-              </a:spcAft>
-            </a:pPr>
-            <a:r>
-              <a:rPr lang="fr-FR" dirty="0" smtClean="0">
-                <a:solidFill>
-                  <a:srgbClr val="FFFFFF"/>
-                </a:solidFill>
-              </a:rPr>
-              <a:t>BUILDROOT </a:t>
-            </a:r>
-            <a:r>
-              <a:rPr lang="fr-FR" dirty="0" smtClean="0">
-                <a:solidFill>
-                  <a:srgbClr val="FFFFFF"/>
-                </a:solidFill>
-                <a:sym typeface="Wingdings"/>
-              </a:rPr>
-              <a:t> TEST RAPIDE</a:t>
-            </a:r>
-          </a:p>
-          <a:p>
-            <a:pPr marL="908050" lvl="3" indent="-342900">
-              <a:spcAft>
-                <a:spcPts val="2000"/>
-              </a:spcAft>
-            </a:pPr>
-            <a:r>
-              <a:rPr lang="fr-FR" dirty="0" smtClean="0">
-                <a:solidFill>
-                  <a:srgbClr val="FFFFFF"/>
-                </a:solidFill>
-                <a:sym typeface="Wingdings"/>
-              </a:rPr>
-              <a:t>Du BOOTLOADER au ROOTFS</a:t>
-            </a:r>
-          </a:p>
-          <a:p>
-            <a:pPr marL="1203325" lvl="4" indent="-342900">
-              <a:spcAft>
-                <a:spcPts val="2000"/>
-              </a:spcAft>
-            </a:pPr>
-            <a:r>
-              <a:rPr lang="fr-FR" dirty="0" err="1" smtClean="0">
-                <a:solidFill>
-                  <a:srgbClr val="FFFFFF"/>
-                </a:solidFill>
-                <a:sym typeface="Wingdings"/>
-              </a:rPr>
-              <a:t>Qt</a:t>
-            </a:r>
-            <a:r>
-              <a:rPr lang="fr-FR" dirty="0" smtClean="0">
-                <a:solidFill>
-                  <a:srgbClr val="FFFFFF"/>
-                </a:solidFill>
-                <a:sym typeface="Wingdings"/>
-              </a:rPr>
-              <a:t> </a:t>
-            </a:r>
-            <a:r>
-              <a:rPr lang="fr-FR" dirty="0" err="1" smtClean="0">
-                <a:solidFill>
-                  <a:srgbClr val="FFFFFF"/>
-                </a:solidFill>
-                <a:sym typeface="Wingdings"/>
-              </a:rPr>
-              <a:t>embedded</a:t>
-            </a:r>
-            <a:endParaRPr lang="fr-FR" dirty="0">
-              <a:solidFill>
-                <a:srgbClr val="FFFFFF"/>
-              </a:solidFill>
-              <a:sym typeface="Wingdings"/>
-            </a:endParaRPr>
-          </a:p>
-          <a:p>
-            <a:pPr marL="625475" lvl="2" indent="-342900">
-              <a:spcAft>
-                <a:spcPts val="2000"/>
-              </a:spcAft>
-            </a:pPr>
-            <a:r>
-              <a:rPr lang="fr-FR" dirty="0" smtClean="0">
-                <a:solidFill>
-                  <a:srgbClr val="FFFFFF"/>
-                </a:solidFill>
-                <a:sym typeface="Wingdings"/>
-              </a:rPr>
-              <a:t>QEMU?</a:t>
-            </a:r>
-            <a:endParaRPr lang="fr-FR" dirty="0">
-              <a:solidFill>
-                <a:srgbClr val="FFFFFF"/>
-              </a:solidFill>
-            </a:endParaRPr>
-          </a:p>
-          <a:p>
-            <a:pPr marL="342900" lvl="1" indent="-342900">
-              <a:spcAft>
-                <a:spcPts val="2000"/>
-              </a:spcAft>
-            </a:pPr>
-            <a:endParaRPr lang="fr-FR" b="1" i="1" dirty="0">
-              <a:solidFill>
-                <a:schemeClr val="tx1"/>
-              </a:solidFill>
-            </a:endParaRPr>
-          </a:p>
-          <a:p>
-            <a:pPr marL="342900" lvl="1" indent="-342900">
-              <a:spcAft>
-                <a:spcPts val="2000"/>
-              </a:spcAft>
-            </a:pPr>
-            <a:endParaRPr lang="fr-FR" b="1" i="1" dirty="0" smtClean="0">
-              <a:solidFill>
-                <a:schemeClr val="tx1"/>
-              </a:solidFill>
-            </a:endParaRPr>
-          </a:p>
-          <a:p>
-            <a:pPr marL="0" lvl="1" indent="0">
-              <a:spcAft>
-                <a:spcPts val="2000"/>
-              </a:spcAft>
-              <a:buNone/>
-            </a:pPr>
-            <a:endParaRPr lang="fr-FR" dirty="0">
-              <a:solidFill>
-                <a:srgbClr val="FFFFFF"/>
-              </a:solidFill>
-            </a:endParaRPr>
-          </a:p>
-          <a:p>
-            <a:pPr lvl="1"/>
-            <a:endParaRPr lang="fr-FR" dirty="0" smtClean="0"/>
-          </a:p>
-        </p:txBody>
-      </p:sp>
-      <p:pic>
-        <p:nvPicPr>
-          <p:cNvPr id="4" name="Image 3"/>
-          <p:cNvPicPr>
-            <a:picLocks noChangeAspect="1"/>
-          </p:cNvPicPr>
-          <p:nvPr/>
-        </p:nvPicPr>
-        <p:blipFill>
-          <a:blip r:embed="rId3"/>
-          <a:stretch>
-            <a:fillRect/>
-          </a:stretch>
-        </p:blipFill>
-        <p:spPr>
-          <a:xfrm>
-            <a:off x="1044363" y="2350877"/>
-            <a:ext cx="1899073" cy="581445"/>
-          </a:xfrm>
-          <a:prstGeom prst="rect">
-            <a:avLst/>
-          </a:prstGeom>
-        </p:spPr>
-      </p:pic>
-      <p:pic>
-        <p:nvPicPr>
-          <p:cNvPr id="5" name="Image 4"/>
-          <p:cNvPicPr>
-            <a:picLocks noChangeAspect="1"/>
-          </p:cNvPicPr>
-          <p:nvPr/>
-        </p:nvPicPr>
-        <p:blipFill>
-          <a:blip r:embed="rId4"/>
-          <a:stretch>
-            <a:fillRect/>
-          </a:stretch>
-        </p:blipFill>
-        <p:spPr>
-          <a:xfrm>
-            <a:off x="3865360" y="2350878"/>
-            <a:ext cx="1739587" cy="575402"/>
-          </a:xfrm>
-          <a:prstGeom prst="rect">
-            <a:avLst/>
-          </a:prstGeom>
-        </p:spPr>
-      </p:pic>
-      <p:pic>
-        <p:nvPicPr>
-          <p:cNvPr id="6" name="Image 5"/>
-          <p:cNvPicPr>
-            <a:picLocks noChangeAspect="1"/>
-          </p:cNvPicPr>
-          <p:nvPr/>
-        </p:nvPicPr>
-        <p:blipFill>
-          <a:blip r:embed="rId5"/>
-          <a:stretch>
-            <a:fillRect/>
-          </a:stretch>
-        </p:blipFill>
-        <p:spPr>
-          <a:xfrm>
-            <a:off x="6568625" y="2350878"/>
-            <a:ext cx="1659077" cy="582209"/>
-          </a:xfrm>
-          <a:prstGeom prst="rect">
-            <a:avLst/>
-          </a:prstGeom>
-        </p:spPr>
-      </p:pic>
-      <p:pic>
-        <p:nvPicPr>
-          <p:cNvPr id="7" name="Image 6" descr="Macintosh HD:Users:texierpierre-jean:Desktop:Capture d’écran 2011-12-16 à 14.42.02.png"/>
-          <p:cNvPicPr/>
-          <p:nvPr/>
-        </p:nvPicPr>
-        <p:blipFill>
-          <a:blip r:embed="rId6">
-            <a:extLst>
-              <a:ext uri="{28A0092B-C50C-407E-A947-70E740481C1C}">
-                <a14:useLocalDpi xmlns:a14="http://schemas.microsoft.com/office/drawing/2010/main" val="0"/>
-              </a:ext>
-            </a:extLst>
-          </a:blip>
-          <a:srcRect/>
-          <a:stretch>
-            <a:fillRect/>
-          </a:stretch>
-        </p:blipFill>
-        <p:spPr bwMode="auto">
-          <a:xfrm>
-            <a:off x="8019538" y="234160"/>
-            <a:ext cx="820176" cy="373292"/>
-          </a:xfrm>
-          <a:prstGeom prst="roundRect">
-            <a:avLst>
-              <a:gd name="adj" fmla="val 16667"/>
-            </a:avLst>
-          </a:prstGeom>
-          <a:ln>
-            <a:noFill/>
-          </a:ln>
-          <a:effectLst>
-            <a:outerShdw blurRad="76200" dist="38100" dir="7800000" algn="tl" rotWithShape="0">
-              <a:srgbClr val="000000">
-                <a:alpha val="40000"/>
-              </a:srgbClr>
-            </a:outerShdw>
-          </a:effectLst>
-          <a:scene3d>
-            <a:camera prst="orthographicFront"/>
-            <a:lightRig rig="contrasting" dir="t">
-              <a:rot lat="0" lon="0" rev="4200000"/>
-            </a:lightRig>
-          </a:scene3d>
-          <a:sp3d prstMaterial="plastic">
-            <a:bevelT w="381000" h="114300" prst="relaxedInset"/>
-            <a:contourClr>
-              <a:srgbClr val="969696"/>
-            </a:contourClr>
-          </a:sp3d>
-        </p:spPr>
-      </p:pic>
-      <p:pic>
-        <p:nvPicPr>
-          <p:cNvPr id="8" name="Image 2"/>
-          <p:cNvPicPr>
-            <a:picLocks noChangeAspect="1"/>
-          </p:cNvPicPr>
-          <p:nvPr/>
-        </p:nvPicPr>
-        <p:blipFill>
-          <a:blip r:embed="rId7">
-            <a:extLst>
-              <a:ext uri="{28A0092B-C50C-407E-A947-70E740481C1C}">
-                <a14:useLocalDpi xmlns:a14="http://schemas.microsoft.com/office/drawing/2010/main" val="0"/>
-              </a:ext>
-            </a:extLst>
-          </a:blip>
-          <a:srcRect/>
-          <a:stretch>
-            <a:fillRect/>
-          </a:stretch>
-        </p:blipFill>
-        <p:spPr bwMode="auto">
-          <a:xfrm>
-            <a:off x="4104042" y="3148254"/>
-            <a:ext cx="873413" cy="873413"/>
-          </a:xfrm>
-          <a:prstGeom prst="rect">
-            <a:avLst/>
-          </a:prstGeom>
-          <a:noFill/>
-          <a:ln>
-            <a:noFill/>
-          </a:ln>
-          <a:extLst>
-            <a:ext uri="{909E8E84-426E-40dd-AFC4-6F175D3DCCD1}">
-              <a14:hiddenFill xmlns:a14="http://schemas.microsoft.com/office/drawing/2010/main">
-                <a:solidFill>
-                  <a:srgbClr val="FFFFFF"/>
-                </a:solidFill>
-              </a14:hiddenFill>
-            </a:ext>
-            <a:ext uri="{91240B29-F687-4f45-9708-019B960494DF}">
-              <a14:hiddenLine xmlns:a14="http://schemas.microsoft.com/office/drawing/2010/main" w="9525">
-                <a:solidFill>
-                  <a:srgbClr val="000000"/>
-                </a:solidFill>
-                <a:miter lim="800000"/>
-                <a:headEnd/>
-                <a:tailEnd/>
-              </a14:hiddenLine>
-            </a:ext>
-          </a:extLst>
-        </p:spPr>
-      </p:pic>
-    </p:spTree>
-    <p:extLst>
-      <p:ext uri="{BB962C8B-B14F-4D97-AF65-F5344CB8AC3E}">
-        <p14:creationId xmlns:p14="http://schemas.microsoft.com/office/powerpoint/2010/main" val="1994183363"/>
-      </p:ext>
-    </p:extLst>
-  </p:cSld>
-  <p:clrMapOvr>
-    <a:masterClrMapping/>
-  </p:clrMapOvr>
-  <p:timing>
-    <p:tnLst>
-      <p:par>
-        <p:cTn xmlns:p14="http://schemas.microsoft.com/office/powerpoint/2010/main" id="1" dur="indefinite" restart="never" nodeType="tmRoot"/>
-      </p:par>
-    </p:tnLst>
-  </p:timing>
-</p:sld>
-</file>
-
-<file path=ppt/slides/slide12.xml><?xml version="1.0" encoding="utf-8"?>
-<p:sld xmlns:a="http://schemas.openxmlformats.org/drawingml/2006/main" xmlns:r="http://schemas.openxmlformats.org/officeDocument/2006/relationships" xmlns:p="http://schemas.openxmlformats.org/presentationml/2006/main">
-  <p:cSld>
-    <p:spTree>
-      <p:nvGrpSpPr>
-        <p:cNvPr id="1" name=""/>
-        <p:cNvGrpSpPr/>
-        <p:nvPr/>
-      </p:nvGrpSpPr>
-      <p:grpSpPr>
-        <a:xfrm>
-          <a:off x="0" y="0"/>
-          <a:ext cx="0" cy="0"/>
-          <a:chOff x="0" y="0"/>
-          <a:chExt cx="0" cy="0"/>
-        </a:xfrm>
-      </p:grpSpPr>
-      <p:sp>
-        <p:nvSpPr>
-          <p:cNvPr id="2" name="Titre 1"/>
-          <p:cNvSpPr>
-            <a:spLocks noGrp="1"/>
-          </p:cNvSpPr>
-          <p:nvPr>
-            <p:ph type="title"/>
-          </p:nvPr>
-        </p:nvSpPr>
-        <p:spPr/>
-        <p:txBody>
-          <a:bodyPr/>
-          <a:lstStyle/>
-          <a:p>
-            <a:r>
-              <a:rPr lang="fr-FR" dirty="0" smtClean="0"/>
-              <a:t>Taches - Base</a:t>
-            </a:r>
-            <a:endParaRPr lang="fr-FR" dirty="0"/>
-          </a:p>
-        </p:txBody>
-      </p:sp>
-      <p:sp>
-        <p:nvSpPr>
-          <p:cNvPr id="3" name="Espace réservé du contenu 2"/>
-          <p:cNvSpPr>
-            <a:spLocks noGrp="1"/>
-          </p:cNvSpPr>
-          <p:nvPr>
-            <p:ph idx="1"/>
-          </p:nvPr>
-        </p:nvSpPr>
-        <p:spPr>
-          <a:xfrm>
-            <a:off x="712788" y="3012142"/>
-            <a:ext cx="8246572" cy="3388658"/>
-          </a:xfrm>
-        </p:spPr>
-        <p:txBody>
-          <a:bodyPr>
-            <a:normAutofit fontScale="77500" lnSpcReduction="20000"/>
-          </a:bodyPr>
-          <a:lstStyle/>
-          <a:p>
-            <a:r>
-              <a:rPr lang="fr-FR" dirty="0" smtClean="0"/>
-              <a:t>Choix architecture</a:t>
-            </a:r>
-          </a:p>
-          <a:p>
-            <a:pPr lvl="1"/>
-            <a:r>
-              <a:rPr lang="fr-FR" dirty="0" smtClean="0"/>
-              <a:t>Cross-</a:t>
-            </a:r>
-            <a:r>
-              <a:rPr lang="fr-FR" dirty="0" err="1" smtClean="0"/>
-              <a:t>tool</a:t>
-            </a:r>
-            <a:r>
-              <a:rPr lang="fr-FR" dirty="0" smtClean="0"/>
-              <a:t> </a:t>
-            </a:r>
-            <a:r>
-              <a:rPr lang="fr-FR" dirty="0" err="1" smtClean="0"/>
-              <a:t>chain</a:t>
-            </a:r>
-            <a:r>
-              <a:rPr lang="fr-FR" dirty="0" smtClean="0"/>
-              <a:t> </a:t>
-            </a:r>
-            <a:r>
-              <a:rPr lang="fr-FR" dirty="0" smtClean="0">
-                <a:sym typeface="Wingdings"/>
-              </a:rPr>
-              <a:t> </a:t>
-            </a:r>
-            <a:r>
-              <a:rPr lang="fr-FR" dirty="0" err="1" smtClean="0">
-                <a:sym typeface="Wingdings"/>
-              </a:rPr>
-              <a:t>eGlibc</a:t>
-            </a:r>
-            <a:r>
-              <a:rPr lang="fr-FR" dirty="0" smtClean="0">
-                <a:sym typeface="Wingdings"/>
-              </a:rPr>
-              <a:t>  </a:t>
-            </a:r>
-            <a:r>
-              <a:rPr lang="fr-FR" dirty="0" err="1" smtClean="0">
-                <a:sym typeface="Wingdings"/>
-              </a:rPr>
-              <a:t>crosstool</a:t>
-            </a:r>
-            <a:r>
-              <a:rPr lang="fr-FR" dirty="0" err="1">
-                <a:sym typeface="Wingdings"/>
-              </a:rPr>
-              <a:t>-</a:t>
-            </a:r>
-            <a:r>
-              <a:rPr lang="fr-FR" dirty="0" err="1" smtClean="0">
-                <a:sym typeface="Wingdings"/>
-              </a:rPr>
-              <a:t>ng</a:t>
-            </a:r>
-            <a:endParaRPr lang="fr-FR" dirty="0" smtClean="0"/>
-          </a:p>
-          <a:p>
-            <a:pPr lvl="1"/>
-            <a:r>
-              <a:rPr lang="fr-FR" dirty="0" err="1" smtClean="0"/>
-              <a:t>Bootloader</a:t>
-            </a:r>
-            <a:r>
-              <a:rPr lang="fr-FR" dirty="0" smtClean="0"/>
-              <a:t> (u-boot/</a:t>
-            </a:r>
-            <a:r>
-              <a:rPr lang="fr-FR" dirty="0" err="1" smtClean="0"/>
-              <a:t>barebox</a:t>
-            </a:r>
-            <a:r>
-              <a:rPr lang="fr-FR" dirty="0" smtClean="0"/>
-              <a:t>) </a:t>
-            </a:r>
-            <a:r>
-              <a:rPr lang="fr-FR" dirty="0" smtClean="0">
-                <a:sym typeface="Wingdings"/>
-              </a:rPr>
-              <a:t> logo ESTEI au démarrage </a:t>
-            </a:r>
-            <a:endParaRPr lang="fr-FR" dirty="0" smtClean="0"/>
-          </a:p>
-          <a:p>
-            <a:pPr lvl="1"/>
-            <a:r>
-              <a:rPr lang="fr-FR" dirty="0" smtClean="0"/>
-              <a:t>Kernel </a:t>
-            </a:r>
-          </a:p>
-          <a:p>
-            <a:pPr lvl="3"/>
-            <a:r>
-              <a:rPr lang="fr-FR" dirty="0" smtClean="0"/>
-              <a:t>ajout des inputs = </a:t>
-            </a:r>
-            <a:r>
-              <a:rPr lang="fr-FR" dirty="0" err="1" smtClean="0"/>
-              <a:t>gamepad</a:t>
-            </a:r>
-            <a:r>
-              <a:rPr lang="fr-FR" dirty="0" smtClean="0"/>
-              <a:t> (6dof) / </a:t>
-            </a:r>
-            <a:r>
-              <a:rPr lang="fr-FR" dirty="0" err="1" smtClean="0"/>
-              <a:t>touchscreenLCD</a:t>
-            </a:r>
-            <a:r>
-              <a:rPr lang="fr-FR" dirty="0" smtClean="0"/>
-              <a:t> / </a:t>
-            </a:r>
-            <a:r>
-              <a:rPr lang="fr-FR" dirty="0" err="1" smtClean="0"/>
-              <a:t>FrameBuffer</a:t>
-            </a:r>
-            <a:endParaRPr lang="fr-FR" dirty="0" smtClean="0"/>
-          </a:p>
-          <a:p>
-            <a:pPr lvl="4"/>
-            <a:r>
-              <a:rPr lang="fr-FR" dirty="0" smtClean="0"/>
-              <a:t>Joystick interface et </a:t>
-            </a:r>
-            <a:r>
-              <a:rPr lang="fr-FR" dirty="0" err="1" smtClean="0"/>
-              <a:t>event</a:t>
-            </a:r>
-            <a:r>
-              <a:rPr lang="fr-FR" dirty="0" smtClean="0"/>
-              <a:t> interface</a:t>
-            </a:r>
-            <a:endParaRPr lang="fr-FR" dirty="0"/>
-          </a:p>
-          <a:p>
-            <a:pPr lvl="3"/>
-            <a:r>
-              <a:rPr lang="fr-FR" dirty="0" smtClean="0"/>
-              <a:t>Du support NFS </a:t>
-            </a:r>
-          </a:p>
-          <a:p>
-            <a:pPr lvl="3"/>
-            <a:r>
-              <a:rPr lang="fr-FR" dirty="0" smtClean="0"/>
-              <a:t>Du serveur TFTP</a:t>
-            </a:r>
-          </a:p>
-          <a:p>
-            <a:pPr lvl="1"/>
-            <a:r>
-              <a:rPr lang="fr-FR" dirty="0" err="1" smtClean="0"/>
-              <a:t>Rootfs</a:t>
-            </a:r>
-            <a:r>
-              <a:rPr lang="fr-FR" dirty="0" smtClean="0"/>
-              <a:t> </a:t>
-            </a:r>
-            <a:r>
-              <a:rPr lang="fr-FR" dirty="0" smtClean="0">
-                <a:sym typeface="Wingdings"/>
-              </a:rPr>
-              <a:t> (c)</a:t>
-            </a:r>
-            <a:r>
-              <a:rPr lang="fr-FR" dirty="0" err="1" smtClean="0">
-                <a:sym typeface="Wingdings"/>
-              </a:rPr>
-              <a:t>debootstrap</a:t>
-            </a:r>
-            <a:r>
-              <a:rPr lang="fr-FR" dirty="0" smtClean="0">
-                <a:sym typeface="Wingdings"/>
-              </a:rPr>
-              <a:t> = Debian</a:t>
-            </a:r>
-          </a:p>
-          <a:p>
-            <a:pPr lvl="1"/>
-            <a:r>
-              <a:rPr lang="fr-FR" dirty="0" smtClean="0">
-                <a:sym typeface="Wingdings"/>
-              </a:rPr>
-              <a:t>Cross-compilation de </a:t>
-            </a:r>
-            <a:r>
-              <a:rPr lang="fr-FR" dirty="0" err="1" smtClean="0">
-                <a:sym typeface="Wingdings"/>
-              </a:rPr>
-              <a:t>Qtembedded</a:t>
-            </a:r>
-            <a:r>
-              <a:rPr lang="fr-FR" dirty="0" smtClean="0">
-                <a:sym typeface="Wingdings"/>
-              </a:rPr>
-              <a:t> et </a:t>
-            </a:r>
-            <a:r>
-              <a:rPr lang="fr-FR" dirty="0" err="1" smtClean="0">
-                <a:sym typeface="Wingdings"/>
-              </a:rPr>
-              <a:t>tslib</a:t>
-            </a:r>
-            <a:endParaRPr lang="fr-FR" dirty="0"/>
-          </a:p>
-        </p:txBody>
-      </p:sp>
-    </p:spTree>
-    <p:extLst>
-      <p:ext uri="{BB962C8B-B14F-4D97-AF65-F5344CB8AC3E}">
-        <p14:creationId xmlns:p14="http://schemas.microsoft.com/office/powerpoint/2010/main" val="331828917"/>
-      </p:ext>
-    </p:extLst>
-  </p:cSld>
-  <p:clrMapOvr>
-    <a:masterClrMapping/>
-  </p:clrMapOvr>
-  <p:timing>
-    <p:tnLst>
-      <p:par>
-        <p:cTn xmlns:p14="http://schemas.microsoft.com/office/powerpoint/2010/main" id="1" dur="indefinite" restart="never" nodeType="tmRoot"/>
-      </p:par>
-    </p:tnLst>
-  </p:timing>
-</p:sld>
-</file>
-
-<file path=ppt/slides/slide13.xml><?xml version="1.0" encoding="utf-8"?>
 <p:sld xmlns:a="http://schemas.openxmlformats.org/drawingml/2006/main" xmlns:r="http://schemas.openxmlformats.org/officeDocument/2006/relationships" xmlns:p="http://schemas.openxmlformats.org/presentationml/2006/main">
   <p:cSld>
     <p:spTree>
@@ -18895,7 +17660,7 @@
 </p:sld>
 </file>
 
-<file path=ppt/slides/slide14.xml><?xml version="1.0" encoding="utf-8"?>
+<file path=ppt/slides/slide11.xml><?xml version="1.0" encoding="utf-8"?>
 <p:sld xmlns:a="http://schemas.openxmlformats.org/drawingml/2006/main" xmlns:r="http://schemas.openxmlformats.org/officeDocument/2006/relationships" xmlns:p="http://schemas.openxmlformats.org/presentationml/2006/main">
   <p:cSld>
     <p:spTree>
@@ -19079,6 +17844,2436 @@
 </p:sld>
 </file>
 
+<file path=ppt/slides/slide12.xml><?xml version="1.0" encoding="utf-8"?>
+<p:sld xmlns:a="http://schemas.openxmlformats.org/drawingml/2006/main" xmlns:r="http://schemas.openxmlformats.org/officeDocument/2006/relationships" xmlns:p="http://schemas.openxmlformats.org/presentationml/2006/main">
+  <p:cSld>
+    <p:spTree>
+      <p:nvGrpSpPr>
+        <p:cNvPr id="1" name=""/>
+        <p:cNvGrpSpPr/>
+        <p:nvPr/>
+      </p:nvGrpSpPr>
+      <p:grpSpPr>
+        <a:xfrm>
+          <a:off x="0" y="0"/>
+          <a:ext cx="0" cy="0"/>
+          <a:chOff x="0" y="0"/>
+          <a:chExt cx="0" cy="0"/>
+        </a:xfrm>
+      </p:grpSpPr>
+      <p:sp>
+        <p:nvSpPr>
+          <p:cNvPr id="2" name="Titre 1"/>
+          <p:cNvSpPr>
+            <a:spLocks noGrp="1"/>
+          </p:cNvSpPr>
+          <p:nvPr>
+            <p:ph type="title"/>
+          </p:nvPr>
+        </p:nvSpPr>
+        <p:spPr>
+          <a:xfrm>
+            <a:off x="712788" y="1371600"/>
+            <a:ext cx="8039499" cy="1447800"/>
+          </a:xfrm>
+        </p:spPr>
+        <p:txBody>
+          <a:bodyPr/>
+          <a:lstStyle/>
+          <a:p>
+            <a:r>
+              <a:rPr lang="fr-FR" dirty="0" smtClean="0"/>
+              <a:t>Matrice hiérarchie PROJET</a:t>
+            </a:r>
+            <a:endParaRPr lang="fr-FR" dirty="0"/>
+          </a:p>
+        </p:txBody>
+      </p:sp>
+      <p:pic>
+        <p:nvPicPr>
+          <p:cNvPr id="19" name="Image 18" descr="Macintosh HD:Users:texierpierre-jean:Desktop:Capture d’écran 2011-12-16 à 14.42.02.png"/>
+          <p:cNvPicPr/>
+          <p:nvPr/>
+        </p:nvPicPr>
+        <p:blipFill>
+          <a:blip r:embed="rId2">
+            <a:extLst>
+              <a:ext uri="{28A0092B-C50C-407E-A947-70E740481C1C}">
+                <a14:useLocalDpi xmlns:a14="http://schemas.microsoft.com/office/drawing/2010/main" val="0"/>
+              </a:ext>
+            </a:extLst>
+          </a:blip>
+          <a:srcRect/>
+          <a:stretch>
+            <a:fillRect/>
+          </a:stretch>
+        </p:blipFill>
+        <p:spPr bwMode="auto">
+          <a:xfrm>
+            <a:off x="8019538" y="234160"/>
+            <a:ext cx="820176" cy="373292"/>
+          </a:xfrm>
+          <a:prstGeom prst="roundRect">
+            <a:avLst>
+              <a:gd name="adj" fmla="val 16667"/>
+            </a:avLst>
+          </a:prstGeom>
+          <a:ln>
+            <a:noFill/>
+          </a:ln>
+          <a:effectLst>
+            <a:outerShdw blurRad="76200" dist="38100" dir="7800000" algn="tl" rotWithShape="0">
+              <a:srgbClr val="000000">
+                <a:alpha val="40000"/>
+              </a:srgbClr>
+            </a:outerShdw>
+          </a:effectLst>
+          <a:scene3d>
+            <a:camera prst="orthographicFront"/>
+            <a:lightRig rig="contrasting" dir="t">
+              <a:rot lat="0" lon="0" rev="4200000"/>
+            </a:lightRig>
+          </a:scene3d>
+          <a:sp3d prstMaterial="plastic">
+            <a:bevelT w="381000" h="114300" prst="relaxedInset"/>
+            <a:contourClr>
+              <a:srgbClr val="969696"/>
+            </a:contourClr>
+          </a:sp3d>
+        </p:spPr>
+      </p:pic>
+      <p:sp>
+        <p:nvSpPr>
+          <p:cNvPr id="20" name="Flèche courbée vers la droite 19"/>
+          <p:cNvSpPr/>
+          <p:nvPr/>
+        </p:nvSpPr>
+        <p:spPr>
+          <a:xfrm>
+            <a:off x="2940436" y="3520463"/>
+            <a:ext cx="3948193" cy="2305558"/>
+          </a:xfrm>
+          <a:prstGeom prst="curvedRightArrow">
+            <a:avLst/>
+          </a:prstGeom>
+          <a:solidFill>
+            <a:schemeClr val="accent4">
+              <a:lumMod val="75000"/>
+            </a:schemeClr>
+          </a:solidFill>
+        </p:spPr>
+        <p:style>
+          <a:lnRef idx="1">
+            <a:schemeClr val="accent1"/>
+          </a:lnRef>
+          <a:fillRef idx="3">
+            <a:schemeClr val="accent1"/>
+          </a:fillRef>
+          <a:effectRef idx="2">
+            <a:schemeClr val="accent1"/>
+          </a:effectRef>
+          <a:fontRef idx="minor">
+            <a:schemeClr val="lt1"/>
+          </a:fontRef>
+        </p:style>
+        <p:txBody>
+          <a:bodyPr rtlCol="0" anchor="ctr"/>
+          <a:lstStyle/>
+          <a:p>
+            <a:pPr algn="ctr"/>
+            <a:endParaRPr lang="fr-FR">
+              <a:solidFill>
+                <a:schemeClr val="tx1"/>
+              </a:solidFill>
+            </a:endParaRPr>
+          </a:p>
+        </p:txBody>
+      </p:sp>
+    </p:spTree>
+    <p:extLst>
+      <p:ext uri="{BB962C8B-B14F-4D97-AF65-F5344CB8AC3E}">
+        <p14:creationId xmlns:p14="http://schemas.microsoft.com/office/powerpoint/2010/main" val="1623889675"/>
+      </p:ext>
+    </p:extLst>
+  </p:cSld>
+  <p:clrMapOvr>
+    <a:masterClrMapping/>
+  </p:clrMapOvr>
+  <p:timing>
+    <p:tnLst>
+      <p:par>
+        <p:cTn xmlns:p14="http://schemas.microsoft.com/office/powerpoint/2010/main" id="1" dur="indefinite" restart="never" nodeType="tmRoot"/>
+      </p:par>
+    </p:tnLst>
+  </p:timing>
+</p:sld>
+</file>
+
+<file path=ppt/slides/slide13.xml><?xml version="1.0" encoding="utf-8"?>
+<p:sld xmlns:a="http://schemas.openxmlformats.org/drawingml/2006/main" xmlns:r="http://schemas.openxmlformats.org/officeDocument/2006/relationships" xmlns:p="http://schemas.openxmlformats.org/presentationml/2006/main">
+  <p:cSld>
+    <p:spTree>
+      <p:nvGrpSpPr>
+        <p:cNvPr id="1" name=""/>
+        <p:cNvGrpSpPr/>
+        <p:nvPr/>
+      </p:nvGrpSpPr>
+      <p:grpSpPr>
+        <a:xfrm>
+          <a:off x="0" y="0"/>
+          <a:ext cx="0" cy="0"/>
+          <a:chOff x="0" y="0"/>
+          <a:chExt cx="0" cy="0"/>
+        </a:xfrm>
+      </p:grpSpPr>
+      <p:sp>
+        <p:nvSpPr>
+          <p:cNvPr id="2" name="Autre processus 1"/>
+          <p:cNvSpPr/>
+          <p:nvPr/>
+        </p:nvSpPr>
+        <p:spPr>
+          <a:xfrm>
+            <a:off x="5312048" y="2112084"/>
+            <a:ext cx="1882033" cy="762000"/>
+          </a:xfrm>
+          <a:prstGeom prst="flowChartAlternateProcess">
+            <a:avLst/>
+          </a:prstGeom>
+          <a:solidFill>
+            <a:srgbClr val="FF6600"/>
+          </a:solidFill>
+        </p:spPr>
+        <p:style>
+          <a:lnRef idx="1">
+            <a:schemeClr val="accent1"/>
+          </a:lnRef>
+          <a:fillRef idx="3">
+            <a:schemeClr val="accent1"/>
+          </a:fillRef>
+          <a:effectRef idx="2">
+            <a:schemeClr val="accent1"/>
+          </a:effectRef>
+          <a:fontRef idx="minor">
+            <a:schemeClr val="lt1"/>
+          </a:fontRef>
+        </p:style>
+        <p:txBody>
+          <a:bodyPr rtlCol="0" anchor="ctr"/>
+          <a:lstStyle/>
+          <a:p>
+            <a:pPr algn="ctr"/>
+            <a:r>
+              <a:rPr lang="fr-FR" dirty="0" smtClean="0"/>
+              <a:t>DRONE</a:t>
+            </a:r>
+            <a:endParaRPr lang="fr-FR" dirty="0"/>
+          </a:p>
+        </p:txBody>
+      </p:sp>
+      <p:sp>
+        <p:nvSpPr>
+          <p:cNvPr id="3" name="Autre processus 2"/>
+          <p:cNvSpPr/>
+          <p:nvPr/>
+        </p:nvSpPr>
+        <p:spPr>
+          <a:xfrm>
+            <a:off x="2969048" y="4640721"/>
+            <a:ext cx="1192284" cy="606669"/>
+          </a:xfrm>
+          <a:prstGeom prst="flowChartAlternateProcess">
+            <a:avLst/>
+          </a:prstGeom>
+          <a:solidFill>
+            <a:schemeClr val="bg2">
+              <a:lumMod val="75000"/>
+            </a:schemeClr>
+          </a:solidFill>
+        </p:spPr>
+        <p:style>
+          <a:lnRef idx="1">
+            <a:schemeClr val="accent1"/>
+          </a:lnRef>
+          <a:fillRef idx="3">
+            <a:schemeClr val="accent1"/>
+          </a:fillRef>
+          <a:effectRef idx="2">
+            <a:schemeClr val="accent1"/>
+          </a:effectRef>
+          <a:fontRef idx="minor">
+            <a:schemeClr val="lt1"/>
+          </a:fontRef>
+        </p:style>
+        <p:txBody>
+          <a:bodyPr rtlCol="0" anchor="ctr"/>
+          <a:lstStyle/>
+          <a:p>
+            <a:pPr algn="ctr"/>
+            <a:r>
+              <a:rPr lang="fr-FR" dirty="0" smtClean="0"/>
+              <a:t>Martin</a:t>
+            </a:r>
+            <a:endParaRPr lang="fr-FR" dirty="0"/>
+          </a:p>
+        </p:txBody>
+      </p:sp>
+      <p:sp>
+        <p:nvSpPr>
+          <p:cNvPr id="4" name="Autre processus 3"/>
+          <p:cNvSpPr/>
+          <p:nvPr/>
+        </p:nvSpPr>
+        <p:spPr>
+          <a:xfrm>
+            <a:off x="2933910" y="3864719"/>
+            <a:ext cx="1192283" cy="606669"/>
+          </a:xfrm>
+          <a:prstGeom prst="flowChartAlternateProcess">
+            <a:avLst/>
+          </a:prstGeom>
+          <a:solidFill>
+            <a:schemeClr val="bg2">
+              <a:lumMod val="75000"/>
+            </a:schemeClr>
+          </a:solidFill>
+        </p:spPr>
+        <p:style>
+          <a:lnRef idx="1">
+            <a:schemeClr val="accent1"/>
+          </a:lnRef>
+          <a:fillRef idx="3">
+            <a:schemeClr val="accent1"/>
+          </a:fillRef>
+          <a:effectRef idx="2">
+            <a:schemeClr val="accent1"/>
+          </a:effectRef>
+          <a:fontRef idx="minor">
+            <a:schemeClr val="lt1"/>
+          </a:fontRef>
+        </p:style>
+        <p:txBody>
+          <a:bodyPr rtlCol="0" anchor="ctr"/>
+          <a:lstStyle/>
+          <a:p>
+            <a:pPr algn="ctr"/>
+            <a:r>
+              <a:rPr lang="fr-FR" dirty="0" smtClean="0"/>
+              <a:t>Pierre</a:t>
+            </a:r>
+            <a:endParaRPr lang="fr-FR" dirty="0"/>
+          </a:p>
+        </p:txBody>
+      </p:sp>
+      <p:sp>
+        <p:nvSpPr>
+          <p:cNvPr id="5" name="Autre processus 4"/>
+          <p:cNvSpPr/>
+          <p:nvPr/>
+        </p:nvSpPr>
+        <p:spPr>
+          <a:xfrm>
+            <a:off x="1483606" y="2112084"/>
+            <a:ext cx="1882033" cy="762000"/>
+          </a:xfrm>
+          <a:prstGeom prst="flowChartAlternateProcess">
+            <a:avLst/>
+          </a:prstGeom>
+          <a:solidFill>
+            <a:srgbClr val="FF6600"/>
+          </a:solidFill>
+        </p:spPr>
+        <p:style>
+          <a:lnRef idx="1">
+            <a:schemeClr val="accent1"/>
+          </a:lnRef>
+          <a:fillRef idx="3">
+            <a:schemeClr val="accent1"/>
+          </a:fillRef>
+          <a:effectRef idx="2">
+            <a:schemeClr val="accent1"/>
+          </a:effectRef>
+          <a:fontRef idx="minor">
+            <a:schemeClr val="lt1"/>
+          </a:fontRef>
+        </p:style>
+        <p:txBody>
+          <a:bodyPr rtlCol="0" anchor="ctr"/>
+          <a:lstStyle/>
+          <a:p>
+            <a:pPr algn="ctr"/>
+            <a:r>
+              <a:rPr lang="fr-FR" dirty="0" smtClean="0"/>
+              <a:t>BASE</a:t>
+            </a:r>
+            <a:endParaRPr lang="fr-FR" dirty="0"/>
+          </a:p>
+        </p:txBody>
+      </p:sp>
+      <p:sp>
+        <p:nvSpPr>
+          <p:cNvPr id="6" name="Autre processus 5"/>
+          <p:cNvSpPr/>
+          <p:nvPr/>
+        </p:nvSpPr>
+        <p:spPr>
+          <a:xfrm>
+            <a:off x="1828481" y="3093592"/>
+            <a:ext cx="1192283" cy="606669"/>
+          </a:xfrm>
+          <a:prstGeom prst="flowChartAlternateProcess">
+            <a:avLst/>
+          </a:prstGeom>
+          <a:solidFill>
+            <a:schemeClr val="bg1">
+              <a:lumMod val="50000"/>
+            </a:schemeClr>
+          </a:solidFill>
+        </p:spPr>
+        <p:style>
+          <a:lnRef idx="1">
+            <a:schemeClr val="accent1"/>
+          </a:lnRef>
+          <a:fillRef idx="3">
+            <a:schemeClr val="accent1"/>
+          </a:fillRef>
+          <a:effectRef idx="2">
+            <a:schemeClr val="accent1"/>
+          </a:effectRef>
+          <a:fontRef idx="minor">
+            <a:schemeClr val="lt1"/>
+          </a:fontRef>
+        </p:style>
+        <p:txBody>
+          <a:bodyPr rtlCol="0" anchor="ctr"/>
+          <a:lstStyle/>
+          <a:p>
+            <a:pPr algn="ctr"/>
+            <a:r>
+              <a:rPr lang="fr-FR" dirty="0" smtClean="0"/>
+              <a:t>P-J</a:t>
+            </a:r>
+            <a:endParaRPr lang="fr-FR" dirty="0"/>
+          </a:p>
+        </p:txBody>
+      </p:sp>
+      <p:sp>
+        <p:nvSpPr>
+          <p:cNvPr id="7" name="Autre processus 6"/>
+          <p:cNvSpPr/>
+          <p:nvPr/>
+        </p:nvSpPr>
+        <p:spPr>
+          <a:xfrm>
+            <a:off x="5615870" y="3093592"/>
+            <a:ext cx="1192283" cy="606669"/>
+          </a:xfrm>
+          <a:prstGeom prst="flowChartAlternateProcess">
+            <a:avLst/>
+          </a:prstGeom>
+          <a:solidFill>
+            <a:srgbClr val="7F7F7F"/>
+          </a:solidFill>
+        </p:spPr>
+        <p:style>
+          <a:lnRef idx="1">
+            <a:schemeClr val="accent1"/>
+          </a:lnRef>
+          <a:fillRef idx="3">
+            <a:schemeClr val="accent1"/>
+          </a:fillRef>
+          <a:effectRef idx="2">
+            <a:schemeClr val="accent1"/>
+          </a:effectRef>
+          <a:fontRef idx="minor">
+            <a:schemeClr val="lt1"/>
+          </a:fontRef>
+        </p:style>
+        <p:txBody>
+          <a:bodyPr rtlCol="0" anchor="ctr"/>
+          <a:lstStyle/>
+          <a:p>
+            <a:pPr algn="ctr"/>
+            <a:r>
+              <a:rPr lang="fr-FR" dirty="0" smtClean="0"/>
+              <a:t>Nabil ?</a:t>
+            </a:r>
+            <a:endParaRPr lang="fr-FR" dirty="0"/>
+          </a:p>
+        </p:txBody>
+      </p:sp>
+      <p:sp>
+        <p:nvSpPr>
+          <p:cNvPr id="8" name="Autre processus 7"/>
+          <p:cNvSpPr/>
+          <p:nvPr/>
+        </p:nvSpPr>
+        <p:spPr>
+          <a:xfrm>
+            <a:off x="6740914" y="3864719"/>
+            <a:ext cx="1192283" cy="606669"/>
+          </a:xfrm>
+          <a:prstGeom prst="flowChartAlternateProcess">
+            <a:avLst/>
+          </a:prstGeom>
+          <a:solidFill>
+            <a:srgbClr val="BF9900"/>
+          </a:solidFill>
+        </p:spPr>
+        <p:style>
+          <a:lnRef idx="1">
+            <a:schemeClr val="accent1"/>
+          </a:lnRef>
+          <a:fillRef idx="3">
+            <a:schemeClr val="accent1"/>
+          </a:fillRef>
+          <a:effectRef idx="2">
+            <a:schemeClr val="accent1"/>
+          </a:effectRef>
+          <a:fontRef idx="minor">
+            <a:schemeClr val="lt1"/>
+          </a:fontRef>
+        </p:style>
+        <p:txBody>
+          <a:bodyPr rtlCol="0" anchor="ctr"/>
+          <a:lstStyle/>
+          <a:p>
+            <a:pPr algn="ctr"/>
+            <a:r>
+              <a:rPr lang="fr-FR" dirty="0" smtClean="0"/>
+              <a:t>Hubert</a:t>
+            </a:r>
+            <a:endParaRPr lang="fr-FR" dirty="0"/>
+          </a:p>
+        </p:txBody>
+      </p:sp>
+      <p:sp>
+        <p:nvSpPr>
+          <p:cNvPr id="9" name="Autre processus 8"/>
+          <p:cNvSpPr/>
+          <p:nvPr/>
+        </p:nvSpPr>
+        <p:spPr>
+          <a:xfrm>
+            <a:off x="6753215" y="4640721"/>
+            <a:ext cx="1192283" cy="606669"/>
+          </a:xfrm>
+          <a:prstGeom prst="flowChartAlternateProcess">
+            <a:avLst/>
+          </a:prstGeom>
+          <a:solidFill>
+            <a:schemeClr val="bg2">
+              <a:lumMod val="75000"/>
+            </a:schemeClr>
+          </a:solidFill>
+        </p:spPr>
+        <p:style>
+          <a:lnRef idx="1">
+            <a:schemeClr val="accent1"/>
+          </a:lnRef>
+          <a:fillRef idx="3">
+            <a:schemeClr val="accent1"/>
+          </a:fillRef>
+          <a:effectRef idx="2">
+            <a:schemeClr val="accent1"/>
+          </a:effectRef>
+          <a:fontRef idx="minor">
+            <a:schemeClr val="lt1"/>
+          </a:fontRef>
+        </p:style>
+        <p:txBody>
+          <a:bodyPr rtlCol="0" anchor="ctr"/>
+          <a:lstStyle/>
+          <a:p>
+            <a:pPr algn="ctr"/>
+            <a:r>
+              <a:rPr lang="fr-FR" dirty="0" smtClean="0"/>
+              <a:t>Thomas</a:t>
+            </a:r>
+            <a:endParaRPr lang="fr-FR" dirty="0"/>
+          </a:p>
+        </p:txBody>
+      </p:sp>
+      <p:sp>
+        <p:nvSpPr>
+          <p:cNvPr id="10" name="Autre processus 9"/>
+          <p:cNvSpPr/>
+          <p:nvPr/>
+        </p:nvSpPr>
+        <p:spPr>
+          <a:xfrm>
+            <a:off x="3365639" y="1173346"/>
+            <a:ext cx="1882033" cy="762000"/>
+          </a:xfrm>
+          <a:prstGeom prst="flowChartAlternateProcess">
+            <a:avLst/>
+          </a:prstGeom>
+          <a:solidFill>
+            <a:srgbClr val="008000"/>
+          </a:solidFill>
+        </p:spPr>
+        <p:style>
+          <a:lnRef idx="1">
+            <a:schemeClr val="accent1"/>
+          </a:lnRef>
+          <a:fillRef idx="3">
+            <a:schemeClr val="accent1"/>
+          </a:fillRef>
+          <a:effectRef idx="2">
+            <a:schemeClr val="accent1"/>
+          </a:effectRef>
+          <a:fontRef idx="minor">
+            <a:schemeClr val="lt1"/>
+          </a:fontRef>
+        </p:style>
+        <p:txBody>
+          <a:bodyPr rtlCol="0" anchor="ctr"/>
+          <a:lstStyle/>
+          <a:p>
+            <a:pPr algn="ctr"/>
+            <a:r>
+              <a:rPr lang="fr-FR" dirty="0" smtClean="0"/>
+              <a:t>SYSTEME</a:t>
+            </a:r>
+            <a:endParaRPr lang="fr-FR" dirty="0"/>
+          </a:p>
+        </p:txBody>
+      </p:sp>
+      <p:sp>
+        <p:nvSpPr>
+          <p:cNvPr id="11" name="Autre processus 10"/>
+          <p:cNvSpPr/>
+          <p:nvPr/>
+        </p:nvSpPr>
+        <p:spPr>
+          <a:xfrm>
+            <a:off x="6740914" y="6180884"/>
+            <a:ext cx="1192283" cy="606669"/>
+          </a:xfrm>
+          <a:prstGeom prst="flowChartAlternateProcess">
+            <a:avLst/>
+          </a:prstGeom>
+          <a:solidFill>
+            <a:schemeClr val="bg2">
+              <a:lumMod val="75000"/>
+            </a:schemeClr>
+          </a:solidFill>
+        </p:spPr>
+        <p:style>
+          <a:lnRef idx="1">
+            <a:schemeClr val="accent1"/>
+          </a:lnRef>
+          <a:fillRef idx="3">
+            <a:schemeClr val="accent1"/>
+          </a:fillRef>
+          <a:effectRef idx="2">
+            <a:schemeClr val="accent1"/>
+          </a:effectRef>
+          <a:fontRef idx="minor">
+            <a:schemeClr val="lt1"/>
+          </a:fontRef>
+        </p:style>
+        <p:txBody>
+          <a:bodyPr rtlCol="0" anchor="ctr"/>
+          <a:lstStyle/>
+          <a:p>
+            <a:pPr algn="ctr"/>
+            <a:r>
+              <a:rPr lang="fr-FR" dirty="0" smtClean="0"/>
+              <a:t>Sylvain</a:t>
+            </a:r>
+            <a:endParaRPr lang="fr-FR" dirty="0"/>
+          </a:p>
+        </p:txBody>
+      </p:sp>
+      <p:sp>
+        <p:nvSpPr>
+          <p:cNvPr id="12" name="Autre processus 11"/>
+          <p:cNvSpPr/>
+          <p:nvPr/>
+        </p:nvSpPr>
+        <p:spPr>
+          <a:xfrm>
+            <a:off x="6753215" y="5410214"/>
+            <a:ext cx="1192283" cy="606669"/>
+          </a:xfrm>
+          <a:prstGeom prst="flowChartAlternateProcess">
+            <a:avLst/>
+          </a:prstGeom>
+          <a:solidFill>
+            <a:schemeClr val="bg2">
+              <a:lumMod val="75000"/>
+            </a:schemeClr>
+          </a:solidFill>
+        </p:spPr>
+        <p:style>
+          <a:lnRef idx="1">
+            <a:schemeClr val="accent1"/>
+          </a:lnRef>
+          <a:fillRef idx="3">
+            <a:schemeClr val="accent1"/>
+          </a:fillRef>
+          <a:effectRef idx="2">
+            <a:schemeClr val="accent1"/>
+          </a:effectRef>
+          <a:fontRef idx="minor">
+            <a:schemeClr val="lt1"/>
+          </a:fontRef>
+        </p:style>
+        <p:txBody>
+          <a:bodyPr rtlCol="0" anchor="ctr"/>
+          <a:lstStyle/>
+          <a:p>
+            <a:pPr algn="ctr"/>
+            <a:r>
+              <a:rPr lang="fr-FR" dirty="0" smtClean="0"/>
+              <a:t>Gregory</a:t>
+            </a:r>
+            <a:endParaRPr lang="fr-FR" dirty="0"/>
+          </a:p>
+        </p:txBody>
+      </p:sp>
+      <p:sp>
+        <p:nvSpPr>
+          <p:cNvPr id="13" name="Autre processus 12"/>
+          <p:cNvSpPr/>
+          <p:nvPr/>
+        </p:nvSpPr>
+        <p:spPr>
+          <a:xfrm>
+            <a:off x="2969049" y="6180884"/>
+            <a:ext cx="1192283" cy="606669"/>
+          </a:xfrm>
+          <a:prstGeom prst="flowChartAlternateProcess">
+            <a:avLst/>
+          </a:prstGeom>
+          <a:solidFill>
+            <a:schemeClr val="accent3">
+              <a:lumMod val="75000"/>
+            </a:schemeClr>
+          </a:solidFill>
+        </p:spPr>
+        <p:style>
+          <a:lnRef idx="1">
+            <a:schemeClr val="accent1"/>
+          </a:lnRef>
+          <a:fillRef idx="3">
+            <a:schemeClr val="accent1"/>
+          </a:fillRef>
+          <a:effectRef idx="2">
+            <a:schemeClr val="accent1"/>
+          </a:effectRef>
+          <a:fontRef idx="minor">
+            <a:schemeClr val="lt1"/>
+          </a:fontRef>
+        </p:style>
+        <p:txBody>
+          <a:bodyPr rtlCol="0" anchor="ctr"/>
+          <a:lstStyle/>
+          <a:p>
+            <a:pPr algn="ctr"/>
+            <a:r>
+              <a:rPr lang="fr-FR" dirty="0" smtClean="0"/>
+              <a:t>Rémi</a:t>
+            </a:r>
+            <a:endParaRPr lang="fr-FR" dirty="0"/>
+          </a:p>
+        </p:txBody>
+      </p:sp>
+      <p:sp>
+        <p:nvSpPr>
+          <p:cNvPr id="14" name="Autre processus 13"/>
+          <p:cNvSpPr/>
+          <p:nvPr/>
+        </p:nvSpPr>
+        <p:spPr>
+          <a:xfrm>
+            <a:off x="2969049" y="5410214"/>
+            <a:ext cx="1192283" cy="606669"/>
+          </a:xfrm>
+          <a:prstGeom prst="flowChartAlternateProcess">
+            <a:avLst/>
+          </a:prstGeom>
+          <a:solidFill>
+            <a:srgbClr val="BF9900"/>
+          </a:solidFill>
+        </p:spPr>
+        <p:style>
+          <a:lnRef idx="1">
+            <a:schemeClr val="accent1"/>
+          </a:lnRef>
+          <a:fillRef idx="3">
+            <a:schemeClr val="accent1"/>
+          </a:fillRef>
+          <a:effectRef idx="2">
+            <a:schemeClr val="accent1"/>
+          </a:effectRef>
+          <a:fontRef idx="minor">
+            <a:schemeClr val="lt1"/>
+          </a:fontRef>
+        </p:style>
+        <p:txBody>
+          <a:bodyPr rtlCol="0" anchor="ctr"/>
+          <a:lstStyle/>
+          <a:p>
+            <a:pPr algn="ctr"/>
+            <a:r>
+              <a:rPr lang="fr-FR" sz="1400" dirty="0" smtClean="0"/>
+              <a:t>Guillaume</a:t>
+            </a:r>
+            <a:endParaRPr lang="fr-FR" sz="1400" dirty="0"/>
+          </a:p>
+        </p:txBody>
+      </p:sp>
+      <p:cxnSp>
+        <p:nvCxnSpPr>
+          <p:cNvPr id="16" name="Connecteur droit 15"/>
+          <p:cNvCxnSpPr>
+            <a:stCxn id="10" idx="1"/>
+          </p:cNvCxnSpPr>
+          <p:nvPr/>
+        </p:nvCxnSpPr>
+        <p:spPr>
+          <a:xfrm flipH="1">
+            <a:off x="2424623" y="1554346"/>
+            <a:ext cx="941016" cy="0"/>
+          </a:xfrm>
+          <a:prstGeom prst="line">
+            <a:avLst/>
+          </a:prstGeom>
+        </p:spPr>
+        <p:style>
+          <a:lnRef idx="2">
+            <a:schemeClr val="accent1"/>
+          </a:lnRef>
+          <a:fillRef idx="0">
+            <a:schemeClr val="accent1"/>
+          </a:fillRef>
+          <a:effectRef idx="1">
+            <a:schemeClr val="accent1"/>
+          </a:effectRef>
+          <a:fontRef idx="minor">
+            <a:schemeClr val="tx1"/>
+          </a:fontRef>
+        </p:style>
+      </p:cxnSp>
+      <p:cxnSp>
+        <p:nvCxnSpPr>
+          <p:cNvPr id="19" name="Connecteur droit 18"/>
+          <p:cNvCxnSpPr>
+            <a:endCxn id="5" idx="0"/>
+          </p:cNvCxnSpPr>
+          <p:nvPr/>
+        </p:nvCxnSpPr>
+        <p:spPr>
+          <a:xfrm>
+            <a:off x="2424623" y="1554346"/>
+            <a:ext cx="0" cy="557738"/>
+          </a:xfrm>
+          <a:prstGeom prst="line">
+            <a:avLst/>
+          </a:prstGeom>
+        </p:spPr>
+        <p:style>
+          <a:lnRef idx="2">
+            <a:schemeClr val="accent1"/>
+          </a:lnRef>
+          <a:fillRef idx="0">
+            <a:schemeClr val="accent1"/>
+          </a:fillRef>
+          <a:effectRef idx="1">
+            <a:schemeClr val="accent1"/>
+          </a:effectRef>
+          <a:fontRef idx="minor">
+            <a:schemeClr val="tx1"/>
+          </a:fontRef>
+        </p:style>
+      </p:cxnSp>
+      <p:cxnSp>
+        <p:nvCxnSpPr>
+          <p:cNvPr id="24" name="Connecteur droit 23"/>
+          <p:cNvCxnSpPr/>
+          <p:nvPr/>
+        </p:nvCxnSpPr>
+        <p:spPr>
+          <a:xfrm flipH="1">
+            <a:off x="5247672" y="1554346"/>
+            <a:ext cx="941016" cy="0"/>
+          </a:xfrm>
+          <a:prstGeom prst="line">
+            <a:avLst/>
+          </a:prstGeom>
+        </p:spPr>
+        <p:style>
+          <a:lnRef idx="2">
+            <a:schemeClr val="accent1"/>
+          </a:lnRef>
+          <a:fillRef idx="0">
+            <a:schemeClr val="accent1"/>
+          </a:fillRef>
+          <a:effectRef idx="1">
+            <a:schemeClr val="accent1"/>
+          </a:effectRef>
+          <a:fontRef idx="minor">
+            <a:schemeClr val="tx1"/>
+          </a:fontRef>
+        </p:style>
+      </p:cxnSp>
+      <p:cxnSp>
+        <p:nvCxnSpPr>
+          <p:cNvPr id="25" name="Connecteur droit 24"/>
+          <p:cNvCxnSpPr/>
+          <p:nvPr/>
+        </p:nvCxnSpPr>
+        <p:spPr>
+          <a:xfrm>
+            <a:off x="6188688" y="1554346"/>
+            <a:ext cx="0" cy="557738"/>
+          </a:xfrm>
+          <a:prstGeom prst="line">
+            <a:avLst/>
+          </a:prstGeom>
+        </p:spPr>
+        <p:style>
+          <a:lnRef idx="2">
+            <a:schemeClr val="accent1"/>
+          </a:lnRef>
+          <a:fillRef idx="0">
+            <a:schemeClr val="accent1"/>
+          </a:fillRef>
+          <a:effectRef idx="1">
+            <a:schemeClr val="accent1"/>
+          </a:effectRef>
+          <a:fontRef idx="minor">
+            <a:schemeClr val="tx1"/>
+          </a:fontRef>
+        </p:style>
+      </p:cxnSp>
+      <p:cxnSp>
+        <p:nvCxnSpPr>
+          <p:cNvPr id="27" name="Connecteur droit 26"/>
+          <p:cNvCxnSpPr>
+            <a:stCxn id="5" idx="2"/>
+          </p:cNvCxnSpPr>
+          <p:nvPr/>
+        </p:nvCxnSpPr>
+        <p:spPr>
+          <a:xfrm>
+            <a:off x="2424623" y="2874084"/>
+            <a:ext cx="0" cy="206734"/>
+          </a:xfrm>
+          <a:prstGeom prst="line">
+            <a:avLst/>
+          </a:prstGeom>
+        </p:spPr>
+        <p:style>
+          <a:lnRef idx="2">
+            <a:schemeClr val="accent1"/>
+          </a:lnRef>
+          <a:fillRef idx="0">
+            <a:schemeClr val="accent1"/>
+          </a:fillRef>
+          <a:effectRef idx="1">
+            <a:schemeClr val="accent1"/>
+          </a:effectRef>
+          <a:fontRef idx="minor">
+            <a:schemeClr val="tx1"/>
+          </a:fontRef>
+        </p:style>
+      </p:cxnSp>
+      <p:cxnSp>
+        <p:nvCxnSpPr>
+          <p:cNvPr id="28" name="Connecteur droit 27"/>
+          <p:cNvCxnSpPr/>
+          <p:nvPr/>
+        </p:nvCxnSpPr>
+        <p:spPr>
+          <a:xfrm>
+            <a:off x="6212012" y="2874084"/>
+            <a:ext cx="0" cy="206734"/>
+          </a:xfrm>
+          <a:prstGeom prst="line">
+            <a:avLst/>
+          </a:prstGeom>
+        </p:spPr>
+        <p:style>
+          <a:lnRef idx="2">
+            <a:schemeClr val="accent1"/>
+          </a:lnRef>
+          <a:fillRef idx="0">
+            <a:schemeClr val="accent1"/>
+          </a:fillRef>
+          <a:effectRef idx="1">
+            <a:schemeClr val="accent1"/>
+          </a:effectRef>
+          <a:fontRef idx="minor">
+            <a:schemeClr val="tx1"/>
+          </a:fontRef>
+        </p:style>
+      </p:cxnSp>
+      <p:cxnSp>
+        <p:nvCxnSpPr>
+          <p:cNvPr id="29" name="Connecteur droit 28"/>
+          <p:cNvCxnSpPr/>
+          <p:nvPr/>
+        </p:nvCxnSpPr>
+        <p:spPr>
+          <a:xfrm>
+            <a:off x="2407412" y="3700261"/>
+            <a:ext cx="0" cy="2783958"/>
+          </a:xfrm>
+          <a:prstGeom prst="line">
+            <a:avLst/>
+          </a:prstGeom>
+        </p:spPr>
+        <p:style>
+          <a:lnRef idx="2">
+            <a:schemeClr val="accent1"/>
+          </a:lnRef>
+          <a:fillRef idx="0">
+            <a:schemeClr val="accent1"/>
+          </a:fillRef>
+          <a:effectRef idx="1">
+            <a:schemeClr val="accent1"/>
+          </a:effectRef>
+          <a:fontRef idx="minor">
+            <a:schemeClr val="tx1"/>
+          </a:fontRef>
+        </p:style>
+      </p:cxnSp>
+      <p:cxnSp>
+        <p:nvCxnSpPr>
+          <p:cNvPr id="31" name="Connecteur droit 30"/>
+          <p:cNvCxnSpPr/>
+          <p:nvPr/>
+        </p:nvCxnSpPr>
+        <p:spPr>
+          <a:xfrm>
+            <a:off x="6212012" y="3700261"/>
+            <a:ext cx="0" cy="2811546"/>
+          </a:xfrm>
+          <a:prstGeom prst="line">
+            <a:avLst/>
+          </a:prstGeom>
+        </p:spPr>
+        <p:style>
+          <a:lnRef idx="2">
+            <a:schemeClr val="accent1"/>
+          </a:lnRef>
+          <a:fillRef idx="0">
+            <a:schemeClr val="accent1"/>
+          </a:fillRef>
+          <a:effectRef idx="1">
+            <a:schemeClr val="accent1"/>
+          </a:effectRef>
+          <a:fontRef idx="minor">
+            <a:schemeClr val="tx1"/>
+          </a:fontRef>
+        </p:style>
+      </p:cxnSp>
+      <p:cxnSp>
+        <p:nvCxnSpPr>
+          <p:cNvPr id="33" name="Connecteur droit avec flèche 32"/>
+          <p:cNvCxnSpPr>
+            <a:endCxn id="4" idx="1"/>
+          </p:cNvCxnSpPr>
+          <p:nvPr/>
+        </p:nvCxnSpPr>
+        <p:spPr>
+          <a:xfrm>
+            <a:off x="2407412" y="4168054"/>
+            <a:ext cx="526498" cy="0"/>
+          </a:xfrm>
+          <a:prstGeom prst="straightConnector1">
+            <a:avLst/>
+          </a:prstGeom>
+          <a:ln>
+            <a:tailEnd type="arrow"/>
+          </a:ln>
+        </p:spPr>
+        <p:style>
+          <a:lnRef idx="2">
+            <a:schemeClr val="accent1"/>
+          </a:lnRef>
+          <a:fillRef idx="0">
+            <a:schemeClr val="accent1"/>
+          </a:fillRef>
+          <a:effectRef idx="1">
+            <a:schemeClr val="accent1"/>
+          </a:effectRef>
+          <a:fontRef idx="minor">
+            <a:schemeClr val="tx1"/>
+          </a:fontRef>
+        </p:style>
+      </p:cxnSp>
+      <p:cxnSp>
+        <p:nvCxnSpPr>
+          <p:cNvPr id="35" name="Connecteur droit avec flèche 34"/>
+          <p:cNvCxnSpPr>
+            <a:endCxn id="3" idx="1"/>
+          </p:cNvCxnSpPr>
+          <p:nvPr/>
+        </p:nvCxnSpPr>
+        <p:spPr>
+          <a:xfrm>
+            <a:off x="2424623" y="4944056"/>
+            <a:ext cx="544425" cy="0"/>
+          </a:xfrm>
+          <a:prstGeom prst="straightConnector1">
+            <a:avLst/>
+          </a:prstGeom>
+          <a:ln>
+            <a:tailEnd type="arrow"/>
+          </a:ln>
+        </p:spPr>
+        <p:style>
+          <a:lnRef idx="2">
+            <a:schemeClr val="accent1"/>
+          </a:lnRef>
+          <a:fillRef idx="0">
+            <a:schemeClr val="accent1"/>
+          </a:fillRef>
+          <a:effectRef idx="1">
+            <a:schemeClr val="accent1"/>
+          </a:effectRef>
+          <a:fontRef idx="minor">
+            <a:schemeClr val="tx1"/>
+          </a:fontRef>
+        </p:style>
+      </p:cxnSp>
+      <p:cxnSp>
+        <p:nvCxnSpPr>
+          <p:cNvPr id="38" name="Connecteur droit avec flèche 37"/>
+          <p:cNvCxnSpPr>
+            <a:endCxn id="14" idx="1"/>
+          </p:cNvCxnSpPr>
+          <p:nvPr/>
+        </p:nvCxnSpPr>
+        <p:spPr>
+          <a:xfrm>
+            <a:off x="2424623" y="5713549"/>
+            <a:ext cx="544426" cy="0"/>
+          </a:xfrm>
+          <a:prstGeom prst="straightConnector1">
+            <a:avLst/>
+          </a:prstGeom>
+          <a:ln>
+            <a:tailEnd type="arrow"/>
+          </a:ln>
+        </p:spPr>
+        <p:style>
+          <a:lnRef idx="2">
+            <a:schemeClr val="accent1"/>
+          </a:lnRef>
+          <a:fillRef idx="0">
+            <a:schemeClr val="accent1"/>
+          </a:fillRef>
+          <a:effectRef idx="1">
+            <a:schemeClr val="accent1"/>
+          </a:effectRef>
+          <a:fontRef idx="minor">
+            <a:schemeClr val="tx1"/>
+          </a:fontRef>
+        </p:style>
+      </p:cxnSp>
+      <p:cxnSp>
+        <p:nvCxnSpPr>
+          <p:cNvPr id="41" name="Connecteur droit avec flèche 40"/>
+          <p:cNvCxnSpPr>
+            <a:endCxn id="13" idx="1"/>
+          </p:cNvCxnSpPr>
+          <p:nvPr/>
+        </p:nvCxnSpPr>
+        <p:spPr>
+          <a:xfrm>
+            <a:off x="2407412" y="6484219"/>
+            <a:ext cx="561637" cy="0"/>
+          </a:xfrm>
+          <a:prstGeom prst="straightConnector1">
+            <a:avLst/>
+          </a:prstGeom>
+          <a:ln>
+            <a:tailEnd type="arrow"/>
+          </a:ln>
+        </p:spPr>
+        <p:style>
+          <a:lnRef idx="2">
+            <a:schemeClr val="accent1"/>
+          </a:lnRef>
+          <a:fillRef idx="0">
+            <a:schemeClr val="accent1"/>
+          </a:fillRef>
+          <a:effectRef idx="1">
+            <a:schemeClr val="accent1"/>
+          </a:effectRef>
+          <a:fontRef idx="minor">
+            <a:schemeClr val="tx1"/>
+          </a:fontRef>
+        </p:style>
+      </p:cxnSp>
+      <p:cxnSp>
+        <p:nvCxnSpPr>
+          <p:cNvPr id="48" name="Connecteur droit avec flèche 47"/>
+          <p:cNvCxnSpPr/>
+          <p:nvPr/>
+        </p:nvCxnSpPr>
+        <p:spPr>
+          <a:xfrm>
+            <a:off x="6212012" y="6484219"/>
+            <a:ext cx="526498" cy="0"/>
+          </a:xfrm>
+          <a:prstGeom prst="straightConnector1">
+            <a:avLst/>
+          </a:prstGeom>
+          <a:ln>
+            <a:tailEnd type="arrow"/>
+          </a:ln>
+        </p:spPr>
+        <p:style>
+          <a:lnRef idx="2">
+            <a:schemeClr val="accent1"/>
+          </a:lnRef>
+          <a:fillRef idx="0">
+            <a:schemeClr val="accent1"/>
+          </a:fillRef>
+          <a:effectRef idx="1">
+            <a:schemeClr val="accent1"/>
+          </a:effectRef>
+          <a:fontRef idx="minor">
+            <a:schemeClr val="tx1"/>
+          </a:fontRef>
+        </p:style>
+      </p:cxnSp>
+      <p:cxnSp>
+        <p:nvCxnSpPr>
+          <p:cNvPr id="49" name="Connecteur droit avec flèche 48"/>
+          <p:cNvCxnSpPr/>
+          <p:nvPr/>
+        </p:nvCxnSpPr>
+        <p:spPr>
+          <a:xfrm>
+            <a:off x="6212012" y="5683140"/>
+            <a:ext cx="526498" cy="0"/>
+          </a:xfrm>
+          <a:prstGeom prst="straightConnector1">
+            <a:avLst/>
+          </a:prstGeom>
+          <a:ln>
+            <a:tailEnd type="arrow"/>
+          </a:ln>
+        </p:spPr>
+        <p:style>
+          <a:lnRef idx="2">
+            <a:schemeClr val="accent1"/>
+          </a:lnRef>
+          <a:fillRef idx="0">
+            <a:schemeClr val="accent1"/>
+          </a:fillRef>
+          <a:effectRef idx="1">
+            <a:schemeClr val="accent1"/>
+          </a:effectRef>
+          <a:fontRef idx="minor">
+            <a:schemeClr val="tx1"/>
+          </a:fontRef>
+        </p:style>
+      </p:cxnSp>
+      <p:cxnSp>
+        <p:nvCxnSpPr>
+          <p:cNvPr id="50" name="Connecteur droit avec flèche 49"/>
+          <p:cNvCxnSpPr/>
+          <p:nvPr/>
+        </p:nvCxnSpPr>
+        <p:spPr>
+          <a:xfrm>
+            <a:off x="6212012" y="4940866"/>
+            <a:ext cx="526498" cy="0"/>
+          </a:xfrm>
+          <a:prstGeom prst="straightConnector1">
+            <a:avLst/>
+          </a:prstGeom>
+          <a:ln>
+            <a:tailEnd type="arrow"/>
+          </a:ln>
+        </p:spPr>
+        <p:style>
+          <a:lnRef idx="2">
+            <a:schemeClr val="accent1"/>
+          </a:lnRef>
+          <a:fillRef idx="0">
+            <a:schemeClr val="accent1"/>
+          </a:fillRef>
+          <a:effectRef idx="1">
+            <a:schemeClr val="accent1"/>
+          </a:effectRef>
+          <a:fontRef idx="minor">
+            <a:schemeClr val="tx1"/>
+          </a:fontRef>
+        </p:style>
+      </p:cxnSp>
+      <p:cxnSp>
+        <p:nvCxnSpPr>
+          <p:cNvPr id="51" name="Connecteur droit avec flèche 50"/>
+          <p:cNvCxnSpPr/>
+          <p:nvPr/>
+        </p:nvCxnSpPr>
+        <p:spPr>
+          <a:xfrm>
+            <a:off x="6212012" y="4176152"/>
+            <a:ext cx="526498" cy="0"/>
+          </a:xfrm>
+          <a:prstGeom prst="straightConnector1">
+            <a:avLst/>
+          </a:prstGeom>
+          <a:ln>
+            <a:tailEnd type="arrow"/>
+          </a:ln>
+        </p:spPr>
+        <p:style>
+          <a:lnRef idx="2">
+            <a:schemeClr val="accent1"/>
+          </a:lnRef>
+          <a:fillRef idx="0">
+            <a:schemeClr val="accent1"/>
+          </a:fillRef>
+          <a:effectRef idx="1">
+            <a:schemeClr val="accent1"/>
+          </a:effectRef>
+          <a:fontRef idx="minor">
+            <a:schemeClr val="tx1"/>
+          </a:fontRef>
+        </p:style>
+      </p:cxnSp>
+      <p:sp>
+        <p:nvSpPr>
+          <p:cNvPr id="52" name="Autre processus 51"/>
+          <p:cNvSpPr/>
+          <p:nvPr/>
+        </p:nvSpPr>
+        <p:spPr>
+          <a:xfrm>
+            <a:off x="496591" y="3862241"/>
+            <a:ext cx="1192282" cy="606668"/>
+          </a:xfrm>
+          <a:prstGeom prst="flowChartAlternateProcess">
+            <a:avLst/>
+          </a:prstGeom>
+          <a:solidFill>
+            <a:schemeClr val="bg1">
+              <a:lumMod val="50000"/>
+            </a:schemeClr>
+          </a:solidFill>
+        </p:spPr>
+        <p:style>
+          <a:lnRef idx="1">
+            <a:schemeClr val="accent1"/>
+          </a:lnRef>
+          <a:fillRef idx="3">
+            <a:schemeClr val="accent1"/>
+          </a:fillRef>
+          <a:effectRef idx="2">
+            <a:schemeClr val="accent1"/>
+          </a:effectRef>
+          <a:fontRef idx="minor">
+            <a:schemeClr val="lt1"/>
+          </a:fontRef>
+        </p:style>
+        <p:txBody>
+          <a:bodyPr rtlCol="0" anchor="ctr"/>
+          <a:lstStyle/>
+          <a:p>
+            <a:pPr algn="ctr"/>
+            <a:r>
+              <a:rPr lang="fr-FR" dirty="0" smtClean="0"/>
+              <a:t>C D P</a:t>
+            </a:r>
+            <a:endParaRPr lang="fr-FR" dirty="0"/>
+          </a:p>
+        </p:txBody>
+      </p:sp>
+      <p:sp>
+        <p:nvSpPr>
+          <p:cNvPr id="53" name="Autre processus 52"/>
+          <p:cNvSpPr/>
+          <p:nvPr/>
+        </p:nvSpPr>
+        <p:spPr>
+          <a:xfrm>
+            <a:off x="496589" y="4633647"/>
+            <a:ext cx="1192284" cy="606669"/>
+          </a:xfrm>
+          <a:prstGeom prst="flowChartAlternateProcess">
+            <a:avLst/>
+          </a:prstGeom>
+          <a:solidFill>
+            <a:schemeClr val="bg2">
+              <a:lumMod val="75000"/>
+            </a:schemeClr>
+          </a:solidFill>
+        </p:spPr>
+        <p:style>
+          <a:lnRef idx="1">
+            <a:schemeClr val="accent1"/>
+          </a:lnRef>
+          <a:fillRef idx="3">
+            <a:schemeClr val="accent1"/>
+          </a:fillRef>
+          <a:effectRef idx="2">
+            <a:schemeClr val="accent1"/>
+          </a:effectRef>
+          <a:fontRef idx="minor">
+            <a:schemeClr val="lt1"/>
+          </a:fontRef>
+        </p:style>
+        <p:txBody>
+          <a:bodyPr rtlCol="0" anchor="ctr"/>
+          <a:lstStyle/>
+          <a:p>
+            <a:pPr algn="ctr"/>
+            <a:r>
+              <a:rPr lang="fr-FR" dirty="0" smtClean="0"/>
+              <a:t>DEV</a:t>
+            </a:r>
+            <a:endParaRPr lang="fr-FR" dirty="0"/>
+          </a:p>
+        </p:txBody>
+      </p:sp>
+      <p:sp>
+        <p:nvSpPr>
+          <p:cNvPr id="55" name="Autre processus 54"/>
+          <p:cNvSpPr/>
+          <p:nvPr/>
+        </p:nvSpPr>
+        <p:spPr>
+          <a:xfrm>
+            <a:off x="504616" y="5393308"/>
+            <a:ext cx="1192283" cy="606669"/>
+          </a:xfrm>
+          <a:prstGeom prst="flowChartAlternateProcess">
+            <a:avLst/>
+          </a:prstGeom>
+          <a:solidFill>
+            <a:srgbClr val="BF9900"/>
+          </a:solidFill>
+        </p:spPr>
+        <p:style>
+          <a:lnRef idx="1">
+            <a:schemeClr val="accent1"/>
+          </a:lnRef>
+          <a:fillRef idx="3">
+            <a:schemeClr val="accent1"/>
+          </a:fillRef>
+          <a:effectRef idx="2">
+            <a:schemeClr val="accent1"/>
+          </a:effectRef>
+          <a:fontRef idx="minor">
+            <a:schemeClr val="lt1"/>
+          </a:fontRef>
+        </p:style>
+        <p:txBody>
+          <a:bodyPr rtlCol="0" anchor="ctr"/>
+          <a:lstStyle/>
+          <a:p>
+            <a:pPr algn="ctr"/>
+            <a:r>
+              <a:rPr lang="fr-FR" dirty="0" smtClean="0"/>
+              <a:t>R </a:t>
+            </a:r>
+            <a:r>
+              <a:rPr lang="fr-FR" dirty="0" err="1" smtClean="0"/>
+              <a:t>T</a:t>
+            </a:r>
+            <a:endParaRPr lang="fr-FR" dirty="0"/>
+          </a:p>
+        </p:txBody>
+      </p:sp>
+      <p:pic>
+        <p:nvPicPr>
+          <p:cNvPr id="56" name="Image 55" descr="Macintosh HD:Users:texierpierre-jean:Desktop:Capture d’écran 2011-12-16 à 14.42.02.png"/>
+          <p:cNvPicPr/>
+          <p:nvPr/>
+        </p:nvPicPr>
+        <p:blipFill>
+          <a:blip r:embed="rId2">
+            <a:extLst>
+              <a:ext uri="{28A0092B-C50C-407E-A947-70E740481C1C}">
+                <a14:useLocalDpi xmlns:a14="http://schemas.microsoft.com/office/drawing/2010/main" val="0"/>
+              </a:ext>
+            </a:extLst>
+          </a:blip>
+          <a:srcRect/>
+          <a:stretch>
+            <a:fillRect/>
+          </a:stretch>
+        </p:blipFill>
+        <p:spPr bwMode="auto">
+          <a:xfrm>
+            <a:off x="8019538" y="234160"/>
+            <a:ext cx="820176" cy="373292"/>
+          </a:xfrm>
+          <a:prstGeom prst="roundRect">
+            <a:avLst>
+              <a:gd name="adj" fmla="val 16667"/>
+            </a:avLst>
+          </a:prstGeom>
+          <a:ln>
+            <a:noFill/>
+          </a:ln>
+          <a:effectLst>
+            <a:outerShdw blurRad="76200" dist="38100" dir="7800000" algn="tl" rotWithShape="0">
+              <a:srgbClr val="000000">
+                <a:alpha val="40000"/>
+              </a:srgbClr>
+            </a:outerShdw>
+          </a:effectLst>
+          <a:scene3d>
+            <a:camera prst="orthographicFront"/>
+            <a:lightRig rig="contrasting" dir="t">
+              <a:rot lat="0" lon="0" rev="4200000"/>
+            </a:lightRig>
+          </a:scene3d>
+          <a:sp3d prstMaterial="plastic">
+            <a:bevelT w="381000" h="114300" prst="relaxedInset"/>
+            <a:contourClr>
+              <a:srgbClr val="969696"/>
+            </a:contourClr>
+          </a:sp3d>
+        </p:spPr>
+      </p:pic>
+    </p:spTree>
+    <p:extLst>
+      <p:ext uri="{BB962C8B-B14F-4D97-AF65-F5344CB8AC3E}">
+        <p14:creationId xmlns:p14="http://schemas.microsoft.com/office/powerpoint/2010/main" val="2874148587"/>
+      </p:ext>
+    </p:extLst>
+  </p:cSld>
+  <p:clrMapOvr>
+    <a:masterClrMapping/>
+  </p:clrMapOvr>
+  <p:timing>
+    <p:tnLst>
+      <p:par>
+        <p:cTn xmlns:p14="http://schemas.microsoft.com/office/powerpoint/2010/main" id="1" dur="indefinite" restart="never" nodeType="tmRoot">
+          <p:childTnLst>
+            <p:seq concurrent="1" nextAc="seek">
+              <p:cTn id="2" dur="indefinite" nodeType="mainSeq">
+                <p:childTnLst>
+                  <p:par>
+                    <p:cTn id="3" fill="hold">
+                      <p:stCondLst>
+                        <p:cond delay="indefinite"/>
+                      </p:stCondLst>
+                      <p:childTnLst>
+                        <p:par>
+                          <p:cTn id="4" fill="hold">
+                            <p:stCondLst>
+                              <p:cond delay="0"/>
+                            </p:stCondLst>
+                            <p:childTnLst>
+                              <p:par>
+                                <p:cTn id="5" presetID="25" presetClass="entr" presetSubtype="0" fill="hold" grpId="1" nodeType="clickEffect">
+                                  <p:stCondLst>
+                                    <p:cond delay="0"/>
+                                  </p:stCondLst>
+                                  <p:childTnLst>
+                                    <p:set>
+                                      <p:cBhvr>
+                                        <p:cTn id="6" dur="1" fill="hold">
+                                          <p:stCondLst>
+                                            <p:cond delay="0"/>
+                                          </p:stCondLst>
+                                        </p:cTn>
+                                        <p:tgtEl>
+                                          <p:spTgt spid="52"/>
+                                        </p:tgtEl>
+                                        <p:attrNameLst>
+                                          <p:attrName>style.visibility</p:attrName>
+                                        </p:attrNameLst>
+                                      </p:cBhvr>
+                                      <p:to>
+                                        <p:strVal val="visible"/>
+                                      </p:to>
+                                    </p:set>
+                                    <p:anim calcmode="lin" valueType="num">
+                                      <p:cBhvr>
+                                        <p:cTn id="7" dur="500" decel="50000" fill="hold">
+                                          <p:stCondLst>
+                                            <p:cond delay="0"/>
+                                          </p:stCondLst>
+                                        </p:cTn>
+                                        <p:tgtEl>
+                                          <p:spTgt spid="52"/>
+                                        </p:tgtEl>
+                                        <p:attrNameLst>
+                                          <p:attrName>style.rotation</p:attrName>
+                                        </p:attrNameLst>
+                                      </p:cBhvr>
+                                      <p:tavLst>
+                                        <p:tav tm="0">
+                                          <p:val>
+                                            <p:fltVal val="-90"/>
+                                          </p:val>
+                                        </p:tav>
+                                        <p:tav tm="100000">
+                                          <p:val>
+                                            <p:fltVal val="0"/>
+                                          </p:val>
+                                        </p:tav>
+                                      </p:tavLst>
+                                    </p:anim>
+                                    <p:anim calcmode="lin" valueType="num">
+                                      <p:cBhvr>
+                                        <p:cTn id="8" dur="500" decel="50000" fill="hold">
+                                          <p:stCondLst>
+                                            <p:cond delay="0"/>
+                                          </p:stCondLst>
+                                        </p:cTn>
+                                        <p:tgtEl>
+                                          <p:spTgt spid="52"/>
+                                        </p:tgtEl>
+                                        <p:attrNameLst>
+                                          <p:attrName>ppt_w</p:attrName>
+                                        </p:attrNameLst>
+                                      </p:cBhvr>
+                                      <p:tavLst>
+                                        <p:tav tm="0">
+                                          <p:val>
+                                            <p:strVal val="#ppt_w"/>
+                                          </p:val>
+                                        </p:tav>
+                                        <p:tav tm="100000">
+                                          <p:val>
+                                            <p:strVal val="#ppt_w*.05"/>
+                                          </p:val>
+                                        </p:tav>
+                                      </p:tavLst>
+                                    </p:anim>
+                                    <p:anim calcmode="lin" valueType="num">
+                                      <p:cBhvr>
+                                        <p:cTn id="9" dur="500" accel="50000" fill="hold">
+                                          <p:stCondLst>
+                                            <p:cond delay="500"/>
+                                          </p:stCondLst>
+                                        </p:cTn>
+                                        <p:tgtEl>
+                                          <p:spTgt spid="52"/>
+                                        </p:tgtEl>
+                                        <p:attrNameLst>
+                                          <p:attrName>ppt_w</p:attrName>
+                                        </p:attrNameLst>
+                                      </p:cBhvr>
+                                      <p:tavLst>
+                                        <p:tav tm="0">
+                                          <p:val>
+                                            <p:strVal val="#ppt_w*.05"/>
+                                          </p:val>
+                                        </p:tav>
+                                        <p:tav tm="100000">
+                                          <p:val>
+                                            <p:strVal val="#ppt_w"/>
+                                          </p:val>
+                                        </p:tav>
+                                      </p:tavLst>
+                                    </p:anim>
+                                    <p:anim calcmode="lin" valueType="num">
+                                      <p:cBhvr>
+                                        <p:cTn id="10" dur="1000" fill="hold"/>
+                                        <p:tgtEl>
+                                          <p:spTgt spid="52"/>
+                                        </p:tgtEl>
+                                        <p:attrNameLst>
+                                          <p:attrName>ppt_h</p:attrName>
+                                        </p:attrNameLst>
+                                      </p:cBhvr>
+                                      <p:tavLst>
+                                        <p:tav tm="0">
+                                          <p:val>
+                                            <p:strVal val="#ppt_h"/>
+                                          </p:val>
+                                        </p:tav>
+                                        <p:tav tm="100000">
+                                          <p:val>
+                                            <p:strVal val="#ppt_h"/>
+                                          </p:val>
+                                        </p:tav>
+                                      </p:tavLst>
+                                    </p:anim>
+                                    <p:anim calcmode="lin" valueType="num">
+                                      <p:cBhvr>
+                                        <p:cTn id="11" dur="500" decel="50000" fill="hold">
+                                          <p:stCondLst>
+                                            <p:cond delay="0"/>
+                                          </p:stCondLst>
+                                        </p:cTn>
+                                        <p:tgtEl>
+                                          <p:spTgt spid="52"/>
+                                        </p:tgtEl>
+                                        <p:attrNameLst>
+                                          <p:attrName>ppt_x</p:attrName>
+                                        </p:attrNameLst>
+                                      </p:cBhvr>
+                                      <p:tavLst>
+                                        <p:tav tm="0">
+                                          <p:val>
+                                            <p:strVal val="#ppt_x+.4"/>
+                                          </p:val>
+                                        </p:tav>
+                                        <p:tav tm="100000">
+                                          <p:val>
+                                            <p:strVal val="#ppt_x"/>
+                                          </p:val>
+                                        </p:tav>
+                                      </p:tavLst>
+                                    </p:anim>
+                                    <p:anim calcmode="lin" valueType="num">
+                                      <p:cBhvr>
+                                        <p:cTn id="12" dur="500" decel="50000" fill="hold">
+                                          <p:stCondLst>
+                                            <p:cond delay="0"/>
+                                          </p:stCondLst>
+                                        </p:cTn>
+                                        <p:tgtEl>
+                                          <p:spTgt spid="52"/>
+                                        </p:tgtEl>
+                                        <p:attrNameLst>
+                                          <p:attrName>ppt_y</p:attrName>
+                                        </p:attrNameLst>
+                                      </p:cBhvr>
+                                      <p:tavLst>
+                                        <p:tav tm="0">
+                                          <p:val>
+                                            <p:strVal val="#ppt_y-.2"/>
+                                          </p:val>
+                                        </p:tav>
+                                        <p:tav tm="100000">
+                                          <p:val>
+                                            <p:strVal val="#ppt_y+.1"/>
+                                          </p:val>
+                                        </p:tav>
+                                      </p:tavLst>
+                                    </p:anim>
+                                    <p:anim calcmode="lin" valueType="num">
+                                      <p:cBhvr>
+                                        <p:cTn id="13" dur="500" accel="50000" fill="hold">
+                                          <p:stCondLst>
+                                            <p:cond delay="500"/>
+                                          </p:stCondLst>
+                                        </p:cTn>
+                                        <p:tgtEl>
+                                          <p:spTgt spid="52"/>
+                                        </p:tgtEl>
+                                        <p:attrNameLst>
+                                          <p:attrName>ppt_y</p:attrName>
+                                        </p:attrNameLst>
+                                      </p:cBhvr>
+                                      <p:tavLst>
+                                        <p:tav tm="0">
+                                          <p:val>
+                                            <p:strVal val="#ppt_y+.1"/>
+                                          </p:val>
+                                        </p:tav>
+                                        <p:tav tm="100000">
+                                          <p:val>
+                                            <p:strVal val="#ppt_y"/>
+                                          </p:val>
+                                        </p:tav>
+                                      </p:tavLst>
+                                    </p:anim>
+                                    <p:animEffect transition="in" filter="fade">
+                                      <p:cBhvr>
+                                        <p:cTn id="14" dur="1000" decel="50000">
+                                          <p:stCondLst>
+                                            <p:cond delay="0"/>
+                                          </p:stCondLst>
+                                        </p:cTn>
+                                        <p:tgtEl>
+                                          <p:spTgt spid="52"/>
+                                        </p:tgtEl>
+                                      </p:cBhvr>
+                                    </p:animEffect>
+                                  </p:childTnLst>
+                                </p:cTn>
+                              </p:par>
+                              <p:par>
+                                <p:cTn id="15" presetID="25" presetClass="entr" presetSubtype="0" fill="hold" grpId="1" nodeType="withEffect">
+                                  <p:stCondLst>
+                                    <p:cond delay="0"/>
+                                  </p:stCondLst>
+                                  <p:childTnLst>
+                                    <p:set>
+                                      <p:cBhvr>
+                                        <p:cTn id="16" dur="1" fill="hold">
+                                          <p:stCondLst>
+                                            <p:cond delay="0"/>
+                                          </p:stCondLst>
+                                        </p:cTn>
+                                        <p:tgtEl>
+                                          <p:spTgt spid="53"/>
+                                        </p:tgtEl>
+                                        <p:attrNameLst>
+                                          <p:attrName>style.visibility</p:attrName>
+                                        </p:attrNameLst>
+                                      </p:cBhvr>
+                                      <p:to>
+                                        <p:strVal val="visible"/>
+                                      </p:to>
+                                    </p:set>
+                                    <p:anim calcmode="lin" valueType="num">
+                                      <p:cBhvr>
+                                        <p:cTn id="17" dur="500" decel="50000" fill="hold">
+                                          <p:stCondLst>
+                                            <p:cond delay="0"/>
+                                          </p:stCondLst>
+                                        </p:cTn>
+                                        <p:tgtEl>
+                                          <p:spTgt spid="53"/>
+                                        </p:tgtEl>
+                                        <p:attrNameLst>
+                                          <p:attrName>style.rotation</p:attrName>
+                                        </p:attrNameLst>
+                                      </p:cBhvr>
+                                      <p:tavLst>
+                                        <p:tav tm="0">
+                                          <p:val>
+                                            <p:fltVal val="-90"/>
+                                          </p:val>
+                                        </p:tav>
+                                        <p:tav tm="100000">
+                                          <p:val>
+                                            <p:fltVal val="0"/>
+                                          </p:val>
+                                        </p:tav>
+                                      </p:tavLst>
+                                    </p:anim>
+                                    <p:anim calcmode="lin" valueType="num">
+                                      <p:cBhvr>
+                                        <p:cTn id="18" dur="500" decel="50000" fill="hold">
+                                          <p:stCondLst>
+                                            <p:cond delay="0"/>
+                                          </p:stCondLst>
+                                        </p:cTn>
+                                        <p:tgtEl>
+                                          <p:spTgt spid="53"/>
+                                        </p:tgtEl>
+                                        <p:attrNameLst>
+                                          <p:attrName>ppt_w</p:attrName>
+                                        </p:attrNameLst>
+                                      </p:cBhvr>
+                                      <p:tavLst>
+                                        <p:tav tm="0">
+                                          <p:val>
+                                            <p:strVal val="#ppt_w"/>
+                                          </p:val>
+                                        </p:tav>
+                                        <p:tav tm="100000">
+                                          <p:val>
+                                            <p:strVal val="#ppt_w*.05"/>
+                                          </p:val>
+                                        </p:tav>
+                                      </p:tavLst>
+                                    </p:anim>
+                                    <p:anim calcmode="lin" valueType="num">
+                                      <p:cBhvr>
+                                        <p:cTn id="19" dur="500" accel="50000" fill="hold">
+                                          <p:stCondLst>
+                                            <p:cond delay="500"/>
+                                          </p:stCondLst>
+                                        </p:cTn>
+                                        <p:tgtEl>
+                                          <p:spTgt spid="53"/>
+                                        </p:tgtEl>
+                                        <p:attrNameLst>
+                                          <p:attrName>ppt_w</p:attrName>
+                                        </p:attrNameLst>
+                                      </p:cBhvr>
+                                      <p:tavLst>
+                                        <p:tav tm="0">
+                                          <p:val>
+                                            <p:strVal val="#ppt_w*.05"/>
+                                          </p:val>
+                                        </p:tav>
+                                        <p:tav tm="100000">
+                                          <p:val>
+                                            <p:strVal val="#ppt_w"/>
+                                          </p:val>
+                                        </p:tav>
+                                      </p:tavLst>
+                                    </p:anim>
+                                    <p:anim calcmode="lin" valueType="num">
+                                      <p:cBhvr>
+                                        <p:cTn id="20" dur="1000" fill="hold"/>
+                                        <p:tgtEl>
+                                          <p:spTgt spid="53"/>
+                                        </p:tgtEl>
+                                        <p:attrNameLst>
+                                          <p:attrName>ppt_h</p:attrName>
+                                        </p:attrNameLst>
+                                      </p:cBhvr>
+                                      <p:tavLst>
+                                        <p:tav tm="0">
+                                          <p:val>
+                                            <p:strVal val="#ppt_h"/>
+                                          </p:val>
+                                        </p:tav>
+                                        <p:tav tm="100000">
+                                          <p:val>
+                                            <p:strVal val="#ppt_h"/>
+                                          </p:val>
+                                        </p:tav>
+                                      </p:tavLst>
+                                    </p:anim>
+                                    <p:anim calcmode="lin" valueType="num">
+                                      <p:cBhvr>
+                                        <p:cTn id="21" dur="500" decel="50000" fill="hold">
+                                          <p:stCondLst>
+                                            <p:cond delay="0"/>
+                                          </p:stCondLst>
+                                        </p:cTn>
+                                        <p:tgtEl>
+                                          <p:spTgt spid="53"/>
+                                        </p:tgtEl>
+                                        <p:attrNameLst>
+                                          <p:attrName>ppt_x</p:attrName>
+                                        </p:attrNameLst>
+                                      </p:cBhvr>
+                                      <p:tavLst>
+                                        <p:tav tm="0">
+                                          <p:val>
+                                            <p:strVal val="#ppt_x+.4"/>
+                                          </p:val>
+                                        </p:tav>
+                                        <p:tav tm="100000">
+                                          <p:val>
+                                            <p:strVal val="#ppt_x"/>
+                                          </p:val>
+                                        </p:tav>
+                                      </p:tavLst>
+                                    </p:anim>
+                                    <p:anim calcmode="lin" valueType="num">
+                                      <p:cBhvr>
+                                        <p:cTn id="22" dur="500" decel="50000" fill="hold">
+                                          <p:stCondLst>
+                                            <p:cond delay="0"/>
+                                          </p:stCondLst>
+                                        </p:cTn>
+                                        <p:tgtEl>
+                                          <p:spTgt spid="53"/>
+                                        </p:tgtEl>
+                                        <p:attrNameLst>
+                                          <p:attrName>ppt_y</p:attrName>
+                                        </p:attrNameLst>
+                                      </p:cBhvr>
+                                      <p:tavLst>
+                                        <p:tav tm="0">
+                                          <p:val>
+                                            <p:strVal val="#ppt_y-.2"/>
+                                          </p:val>
+                                        </p:tav>
+                                        <p:tav tm="100000">
+                                          <p:val>
+                                            <p:strVal val="#ppt_y+.1"/>
+                                          </p:val>
+                                        </p:tav>
+                                      </p:tavLst>
+                                    </p:anim>
+                                    <p:anim calcmode="lin" valueType="num">
+                                      <p:cBhvr>
+                                        <p:cTn id="23" dur="500" accel="50000" fill="hold">
+                                          <p:stCondLst>
+                                            <p:cond delay="500"/>
+                                          </p:stCondLst>
+                                        </p:cTn>
+                                        <p:tgtEl>
+                                          <p:spTgt spid="53"/>
+                                        </p:tgtEl>
+                                        <p:attrNameLst>
+                                          <p:attrName>ppt_y</p:attrName>
+                                        </p:attrNameLst>
+                                      </p:cBhvr>
+                                      <p:tavLst>
+                                        <p:tav tm="0">
+                                          <p:val>
+                                            <p:strVal val="#ppt_y+.1"/>
+                                          </p:val>
+                                        </p:tav>
+                                        <p:tav tm="100000">
+                                          <p:val>
+                                            <p:strVal val="#ppt_y"/>
+                                          </p:val>
+                                        </p:tav>
+                                      </p:tavLst>
+                                    </p:anim>
+                                    <p:animEffect transition="in" filter="fade">
+                                      <p:cBhvr>
+                                        <p:cTn id="24" dur="1000" decel="50000">
+                                          <p:stCondLst>
+                                            <p:cond delay="0"/>
+                                          </p:stCondLst>
+                                        </p:cTn>
+                                        <p:tgtEl>
+                                          <p:spTgt spid="53"/>
+                                        </p:tgtEl>
+                                      </p:cBhvr>
+                                    </p:animEffect>
+                                  </p:childTnLst>
+                                </p:cTn>
+                              </p:par>
+                              <p:par>
+                                <p:cTn id="25" presetID="25" presetClass="entr" presetSubtype="0" fill="hold" grpId="1" nodeType="withEffect">
+                                  <p:stCondLst>
+                                    <p:cond delay="0"/>
+                                  </p:stCondLst>
+                                  <p:childTnLst>
+                                    <p:set>
+                                      <p:cBhvr>
+                                        <p:cTn id="26" dur="1" fill="hold">
+                                          <p:stCondLst>
+                                            <p:cond delay="0"/>
+                                          </p:stCondLst>
+                                        </p:cTn>
+                                        <p:tgtEl>
+                                          <p:spTgt spid="55"/>
+                                        </p:tgtEl>
+                                        <p:attrNameLst>
+                                          <p:attrName>style.visibility</p:attrName>
+                                        </p:attrNameLst>
+                                      </p:cBhvr>
+                                      <p:to>
+                                        <p:strVal val="visible"/>
+                                      </p:to>
+                                    </p:set>
+                                    <p:anim calcmode="lin" valueType="num">
+                                      <p:cBhvr>
+                                        <p:cTn id="27" dur="500" decel="50000" fill="hold">
+                                          <p:stCondLst>
+                                            <p:cond delay="0"/>
+                                          </p:stCondLst>
+                                        </p:cTn>
+                                        <p:tgtEl>
+                                          <p:spTgt spid="55"/>
+                                        </p:tgtEl>
+                                        <p:attrNameLst>
+                                          <p:attrName>style.rotation</p:attrName>
+                                        </p:attrNameLst>
+                                      </p:cBhvr>
+                                      <p:tavLst>
+                                        <p:tav tm="0">
+                                          <p:val>
+                                            <p:fltVal val="-90"/>
+                                          </p:val>
+                                        </p:tav>
+                                        <p:tav tm="100000">
+                                          <p:val>
+                                            <p:fltVal val="0"/>
+                                          </p:val>
+                                        </p:tav>
+                                      </p:tavLst>
+                                    </p:anim>
+                                    <p:anim calcmode="lin" valueType="num">
+                                      <p:cBhvr>
+                                        <p:cTn id="28" dur="500" decel="50000" fill="hold">
+                                          <p:stCondLst>
+                                            <p:cond delay="0"/>
+                                          </p:stCondLst>
+                                        </p:cTn>
+                                        <p:tgtEl>
+                                          <p:spTgt spid="55"/>
+                                        </p:tgtEl>
+                                        <p:attrNameLst>
+                                          <p:attrName>ppt_w</p:attrName>
+                                        </p:attrNameLst>
+                                      </p:cBhvr>
+                                      <p:tavLst>
+                                        <p:tav tm="0">
+                                          <p:val>
+                                            <p:strVal val="#ppt_w"/>
+                                          </p:val>
+                                        </p:tav>
+                                        <p:tav tm="100000">
+                                          <p:val>
+                                            <p:strVal val="#ppt_w*.05"/>
+                                          </p:val>
+                                        </p:tav>
+                                      </p:tavLst>
+                                    </p:anim>
+                                    <p:anim calcmode="lin" valueType="num">
+                                      <p:cBhvr>
+                                        <p:cTn id="29" dur="500" accel="50000" fill="hold">
+                                          <p:stCondLst>
+                                            <p:cond delay="500"/>
+                                          </p:stCondLst>
+                                        </p:cTn>
+                                        <p:tgtEl>
+                                          <p:spTgt spid="55"/>
+                                        </p:tgtEl>
+                                        <p:attrNameLst>
+                                          <p:attrName>ppt_w</p:attrName>
+                                        </p:attrNameLst>
+                                      </p:cBhvr>
+                                      <p:tavLst>
+                                        <p:tav tm="0">
+                                          <p:val>
+                                            <p:strVal val="#ppt_w*.05"/>
+                                          </p:val>
+                                        </p:tav>
+                                        <p:tav tm="100000">
+                                          <p:val>
+                                            <p:strVal val="#ppt_w"/>
+                                          </p:val>
+                                        </p:tav>
+                                      </p:tavLst>
+                                    </p:anim>
+                                    <p:anim calcmode="lin" valueType="num">
+                                      <p:cBhvr>
+                                        <p:cTn id="30" dur="1000" fill="hold"/>
+                                        <p:tgtEl>
+                                          <p:spTgt spid="55"/>
+                                        </p:tgtEl>
+                                        <p:attrNameLst>
+                                          <p:attrName>ppt_h</p:attrName>
+                                        </p:attrNameLst>
+                                      </p:cBhvr>
+                                      <p:tavLst>
+                                        <p:tav tm="0">
+                                          <p:val>
+                                            <p:strVal val="#ppt_h"/>
+                                          </p:val>
+                                        </p:tav>
+                                        <p:tav tm="100000">
+                                          <p:val>
+                                            <p:strVal val="#ppt_h"/>
+                                          </p:val>
+                                        </p:tav>
+                                      </p:tavLst>
+                                    </p:anim>
+                                    <p:anim calcmode="lin" valueType="num">
+                                      <p:cBhvr>
+                                        <p:cTn id="31" dur="500" decel="50000" fill="hold">
+                                          <p:stCondLst>
+                                            <p:cond delay="0"/>
+                                          </p:stCondLst>
+                                        </p:cTn>
+                                        <p:tgtEl>
+                                          <p:spTgt spid="55"/>
+                                        </p:tgtEl>
+                                        <p:attrNameLst>
+                                          <p:attrName>ppt_x</p:attrName>
+                                        </p:attrNameLst>
+                                      </p:cBhvr>
+                                      <p:tavLst>
+                                        <p:tav tm="0">
+                                          <p:val>
+                                            <p:strVal val="#ppt_x+.4"/>
+                                          </p:val>
+                                        </p:tav>
+                                        <p:tav tm="100000">
+                                          <p:val>
+                                            <p:strVal val="#ppt_x"/>
+                                          </p:val>
+                                        </p:tav>
+                                      </p:tavLst>
+                                    </p:anim>
+                                    <p:anim calcmode="lin" valueType="num">
+                                      <p:cBhvr>
+                                        <p:cTn id="32" dur="500" decel="50000" fill="hold">
+                                          <p:stCondLst>
+                                            <p:cond delay="0"/>
+                                          </p:stCondLst>
+                                        </p:cTn>
+                                        <p:tgtEl>
+                                          <p:spTgt spid="55"/>
+                                        </p:tgtEl>
+                                        <p:attrNameLst>
+                                          <p:attrName>ppt_y</p:attrName>
+                                        </p:attrNameLst>
+                                      </p:cBhvr>
+                                      <p:tavLst>
+                                        <p:tav tm="0">
+                                          <p:val>
+                                            <p:strVal val="#ppt_y-.2"/>
+                                          </p:val>
+                                        </p:tav>
+                                        <p:tav tm="100000">
+                                          <p:val>
+                                            <p:strVal val="#ppt_y+.1"/>
+                                          </p:val>
+                                        </p:tav>
+                                      </p:tavLst>
+                                    </p:anim>
+                                    <p:anim calcmode="lin" valueType="num">
+                                      <p:cBhvr>
+                                        <p:cTn id="33" dur="500" accel="50000" fill="hold">
+                                          <p:stCondLst>
+                                            <p:cond delay="500"/>
+                                          </p:stCondLst>
+                                        </p:cTn>
+                                        <p:tgtEl>
+                                          <p:spTgt spid="55"/>
+                                        </p:tgtEl>
+                                        <p:attrNameLst>
+                                          <p:attrName>ppt_y</p:attrName>
+                                        </p:attrNameLst>
+                                      </p:cBhvr>
+                                      <p:tavLst>
+                                        <p:tav tm="0">
+                                          <p:val>
+                                            <p:strVal val="#ppt_y+.1"/>
+                                          </p:val>
+                                        </p:tav>
+                                        <p:tav tm="100000">
+                                          <p:val>
+                                            <p:strVal val="#ppt_y"/>
+                                          </p:val>
+                                        </p:tav>
+                                      </p:tavLst>
+                                    </p:anim>
+                                    <p:animEffect transition="in" filter="fade">
+                                      <p:cBhvr>
+                                        <p:cTn id="34" dur="1000" decel="50000">
+                                          <p:stCondLst>
+                                            <p:cond delay="0"/>
+                                          </p:stCondLst>
+                                        </p:cTn>
+                                        <p:tgtEl>
+                                          <p:spTgt spid="55"/>
+                                        </p:tgtEl>
+                                      </p:cBhvr>
+                                    </p:animEffect>
+                                  </p:childTnLst>
+                                </p:cTn>
+                              </p:par>
+                            </p:childTnLst>
+                          </p:cTn>
+                        </p:par>
+                      </p:childTnLst>
+                    </p:cTn>
+                  </p:par>
+                </p:childTnLst>
+              </p:cTn>
+              <p:prevCondLst>
+                <p:cond evt="onPrev" delay="0">
+                  <p:tgtEl>
+                    <p:sldTgt/>
+                  </p:tgtEl>
+                </p:cond>
+              </p:prevCondLst>
+              <p:nextCondLst>
+                <p:cond evt="onNext" delay="0">
+                  <p:tgtEl>
+                    <p:sldTgt/>
+                  </p:tgtEl>
+                </p:cond>
+              </p:nextCondLst>
+            </p:seq>
+          </p:childTnLst>
+        </p:cTn>
+      </p:par>
+    </p:tnLst>
+    <p:bldLst>
+      <p:bldP spid="52" grpId="1" animBg="1"/>
+      <p:bldP spid="53" grpId="1" animBg="1"/>
+      <p:bldP spid="55" grpId="1" animBg="1"/>
+    </p:bldLst>
+  </p:timing>
+</p:sld>
+</file>
+
+<file path=ppt/slides/slide14.xml><?xml version="1.0" encoding="utf-8"?>
+<p:sld xmlns:a="http://schemas.openxmlformats.org/drawingml/2006/main" xmlns:r="http://schemas.openxmlformats.org/officeDocument/2006/relationships" xmlns:p="http://schemas.openxmlformats.org/presentationml/2006/main">
+  <p:cSld>
+    <p:spTree>
+      <p:nvGrpSpPr>
+        <p:cNvPr id="1" name=""/>
+        <p:cNvGrpSpPr/>
+        <p:nvPr/>
+      </p:nvGrpSpPr>
+      <p:grpSpPr>
+        <a:xfrm>
+          <a:off x="0" y="0"/>
+          <a:ext cx="0" cy="0"/>
+          <a:chOff x="0" y="0"/>
+          <a:chExt cx="0" cy="0"/>
+        </a:xfrm>
+      </p:grpSpPr>
+      <p:sp>
+        <p:nvSpPr>
+          <p:cNvPr id="2" name="Titre 1"/>
+          <p:cNvSpPr>
+            <a:spLocks noGrp="1"/>
+          </p:cNvSpPr>
+          <p:nvPr>
+            <p:ph type="title"/>
+          </p:nvPr>
+        </p:nvSpPr>
+        <p:spPr/>
+        <p:txBody>
+          <a:bodyPr/>
+          <a:lstStyle/>
+          <a:p>
+            <a:pPr algn="ctr"/>
+            <a:r>
+              <a:rPr lang="fr-FR" dirty="0" smtClean="0"/>
+              <a:t>DIVERS</a:t>
+            </a:r>
+            <a:endParaRPr lang="fr-FR" dirty="0"/>
+          </a:p>
+        </p:txBody>
+      </p:sp>
+      <p:sp>
+        <p:nvSpPr>
+          <p:cNvPr id="3" name="Espace réservé du contenu 2"/>
+          <p:cNvSpPr>
+            <a:spLocks noGrp="1"/>
+          </p:cNvSpPr>
+          <p:nvPr>
+            <p:ph idx="1"/>
+          </p:nvPr>
+        </p:nvSpPr>
+        <p:spPr/>
+        <p:txBody>
+          <a:bodyPr>
+            <a:normAutofit fontScale="62500" lnSpcReduction="20000"/>
+          </a:bodyPr>
+          <a:lstStyle/>
+          <a:p>
+            <a:r>
+              <a:rPr lang="fr-FR" dirty="0" smtClean="0"/>
+              <a:t>Taux horaire : </a:t>
+            </a:r>
+            <a:r>
+              <a:rPr lang="fr-FR" dirty="0" smtClean="0"/>
+              <a:t>minimum (SMIC =  9,43 euros</a:t>
+            </a:r>
+            <a:r>
+              <a:rPr lang="fr-FR" dirty="0" smtClean="0"/>
+              <a:t>)</a:t>
+            </a:r>
+            <a:endParaRPr lang="fr-FR" dirty="0" smtClean="0"/>
+          </a:p>
+          <a:p>
+            <a:r>
+              <a:rPr lang="fr-FR" dirty="0" smtClean="0"/>
+              <a:t>Economique</a:t>
+            </a:r>
+          </a:p>
+          <a:p>
+            <a:r>
+              <a:rPr lang="fr-FR" dirty="0" smtClean="0"/>
+              <a:t>Horaire</a:t>
+            </a:r>
+          </a:p>
+          <a:p>
+            <a:r>
+              <a:rPr lang="fr-FR" dirty="0" smtClean="0"/>
+              <a:t>Technique</a:t>
+            </a:r>
+          </a:p>
+          <a:p>
+            <a:r>
+              <a:rPr lang="fr-FR" dirty="0" smtClean="0"/>
+              <a:t>Volume de vente</a:t>
+            </a:r>
+          </a:p>
+          <a:p>
+            <a:r>
+              <a:rPr lang="fr-FR" dirty="0" smtClean="0"/>
+              <a:t>Cœur de cible </a:t>
+            </a:r>
+            <a:r>
+              <a:rPr lang="fr-FR" dirty="0" smtClean="0">
+                <a:sym typeface="Wingdings"/>
+              </a:rPr>
+              <a:t> Utilisateur Lambda</a:t>
+            </a:r>
+            <a:endParaRPr lang="fr-FR" dirty="0" smtClean="0"/>
+          </a:p>
+          <a:p>
+            <a:r>
+              <a:rPr lang="fr-FR" dirty="0" smtClean="0"/>
+              <a:t>Date de disponibilité</a:t>
+            </a:r>
+          </a:p>
+          <a:p>
+            <a:r>
+              <a:rPr lang="fr-FR" dirty="0" smtClean="0"/>
+              <a:t>1h30 = 1 ligne de code</a:t>
+            </a:r>
+            <a:endParaRPr lang="fr-FR" dirty="0"/>
+          </a:p>
+        </p:txBody>
+      </p:sp>
+      <p:pic>
+        <p:nvPicPr>
+          <p:cNvPr id="4" name="Image 3" descr="Macintosh HD:Users:texierpierre-jean:Desktop:Capture d’écran 2011-12-16 à 14.42.02.png"/>
+          <p:cNvPicPr/>
+          <p:nvPr/>
+        </p:nvPicPr>
+        <p:blipFill>
+          <a:blip r:embed="rId2">
+            <a:extLst>
+              <a:ext uri="{28A0092B-C50C-407E-A947-70E740481C1C}">
+                <a14:useLocalDpi xmlns:a14="http://schemas.microsoft.com/office/drawing/2010/main" val="0"/>
+              </a:ext>
+            </a:extLst>
+          </a:blip>
+          <a:srcRect/>
+          <a:stretch>
+            <a:fillRect/>
+          </a:stretch>
+        </p:blipFill>
+        <p:spPr bwMode="auto">
+          <a:xfrm>
+            <a:off x="8019538" y="234160"/>
+            <a:ext cx="820176" cy="373292"/>
+          </a:xfrm>
+          <a:prstGeom prst="roundRect">
+            <a:avLst>
+              <a:gd name="adj" fmla="val 16667"/>
+            </a:avLst>
+          </a:prstGeom>
+          <a:ln>
+            <a:noFill/>
+          </a:ln>
+          <a:effectLst>
+            <a:outerShdw blurRad="76200" dist="38100" dir="7800000" algn="tl" rotWithShape="0">
+              <a:srgbClr val="000000">
+                <a:alpha val="40000"/>
+              </a:srgbClr>
+            </a:outerShdw>
+          </a:effectLst>
+          <a:scene3d>
+            <a:camera prst="orthographicFront"/>
+            <a:lightRig rig="contrasting" dir="t">
+              <a:rot lat="0" lon="0" rev="4200000"/>
+            </a:lightRig>
+          </a:scene3d>
+          <a:sp3d prstMaterial="plastic">
+            <a:bevelT w="381000" h="114300" prst="relaxedInset"/>
+            <a:contourClr>
+              <a:srgbClr val="969696"/>
+            </a:contourClr>
+          </a:sp3d>
+        </p:spPr>
+      </p:pic>
+    </p:spTree>
+    <p:extLst>
+      <p:ext uri="{BB962C8B-B14F-4D97-AF65-F5344CB8AC3E}">
+        <p14:creationId xmlns:p14="http://schemas.microsoft.com/office/powerpoint/2010/main" val="4282854528"/>
+      </p:ext>
+    </p:extLst>
+  </p:cSld>
+  <p:clrMapOvr>
+    <a:masterClrMapping/>
+  </p:clrMapOvr>
+  <p:timing>
+    <p:tnLst>
+      <p:par>
+        <p:cTn xmlns:p14="http://schemas.microsoft.com/office/powerpoint/2010/main" id="1" dur="indefinite" restart="never" nodeType="tmRoot"/>
+      </p:par>
+    </p:tnLst>
+  </p:timing>
+</p:sld>
+</file>
+
 <file path=ppt/slides/slide15.xml><?xml version="1.0" encoding="utf-8"?>
 <p:sld xmlns:a="http://schemas.openxmlformats.org/drawingml/2006/main" xmlns:r="http://schemas.openxmlformats.org/officeDocument/2006/relationships" xmlns:p="http://schemas.openxmlformats.org/presentationml/2006/main">
   <p:cSld>
@@ -19111,103 +20306,454 @@
           <a:bodyPr/>
           <a:lstStyle/>
           <a:p>
-            <a:r>
-              <a:rPr lang="fr-FR" dirty="0" smtClean="0"/>
-              <a:t>Matrice hiérarchie</a:t>
-            </a:r>
-            <a:endParaRPr lang="fr-FR" dirty="0"/>
+            <a:endParaRPr lang="fr-FR"/>
           </a:p>
         </p:txBody>
       </p:sp>
       <p:sp>
         <p:nvSpPr>
-          <p:cNvPr id="4" name="Autre processus 3"/>
-          <p:cNvSpPr/>
+          <p:cNvPr id="3" name="Espace réservé du contenu 2"/>
+          <p:cNvSpPr>
+            <a:spLocks noGrp="1"/>
+          </p:cNvSpPr>
+          <p:nvPr>
+            <p:ph idx="1"/>
+          </p:nvPr>
+        </p:nvSpPr>
+        <p:spPr/>
+        <p:txBody>
+          <a:bodyPr/>
+          <a:lstStyle/>
+          <a:p>
+            <a:r>
+              <a:rPr lang="fr-FR" dirty="0" smtClean="0"/>
+              <a:t>Volume de production : </a:t>
+            </a:r>
+          </a:p>
+          <a:p>
+            <a:pPr lvl="1"/>
+            <a:r>
+              <a:rPr lang="fr-FR" dirty="0" smtClean="0"/>
+              <a:t>1000 Pièces</a:t>
+            </a:r>
+          </a:p>
+          <a:p>
+            <a:r>
+              <a:rPr lang="fr-FR" dirty="0" smtClean="0"/>
+              <a:t>Cout </a:t>
+            </a:r>
+            <a:r>
+              <a:rPr lang="fr-FR" smtClean="0"/>
+              <a:t>du drone</a:t>
+            </a:r>
+            <a:endParaRPr lang="fr-FR" dirty="0" smtClean="0"/>
+          </a:p>
+          <a:p>
+            <a:endParaRPr lang="fr-FR" dirty="0" smtClean="0"/>
+          </a:p>
+          <a:p>
+            <a:pPr lvl="1"/>
+            <a:endParaRPr lang="fr-FR" dirty="0" smtClean="0"/>
+          </a:p>
+          <a:p>
+            <a:pPr lvl="1"/>
+            <a:endParaRPr lang="fr-FR" dirty="0"/>
+          </a:p>
+        </p:txBody>
+      </p:sp>
+      <p:pic>
+        <p:nvPicPr>
+          <p:cNvPr id="4" name="Image 3" descr="Macintosh HD:Users:texierpierre-jean:Desktop:Capture d’écran 2011-12-16 à 14.42.02.png"/>
+          <p:cNvPicPr/>
           <p:nvPr/>
+        </p:nvPicPr>
+        <p:blipFill>
+          <a:blip r:embed="rId2">
+            <a:extLst>
+              <a:ext uri="{28A0092B-C50C-407E-A947-70E740481C1C}">
+                <a14:useLocalDpi xmlns:a14="http://schemas.microsoft.com/office/drawing/2010/main" val="0"/>
+              </a:ext>
+            </a:extLst>
+          </a:blip>
+          <a:srcRect/>
+          <a:stretch>
+            <a:fillRect/>
+          </a:stretch>
+        </p:blipFill>
+        <p:spPr bwMode="auto">
+          <a:xfrm>
+            <a:off x="8019538" y="234160"/>
+            <a:ext cx="820176" cy="373292"/>
+          </a:xfrm>
+          <a:prstGeom prst="roundRect">
+            <a:avLst>
+              <a:gd name="adj" fmla="val 16667"/>
+            </a:avLst>
+          </a:prstGeom>
+          <a:ln>
+            <a:noFill/>
+          </a:ln>
+          <a:effectLst>
+            <a:outerShdw blurRad="76200" dist="38100" dir="7800000" algn="tl" rotWithShape="0">
+              <a:srgbClr val="000000">
+                <a:alpha val="40000"/>
+              </a:srgbClr>
+            </a:outerShdw>
+          </a:effectLst>
+          <a:scene3d>
+            <a:camera prst="orthographicFront"/>
+            <a:lightRig rig="contrasting" dir="t">
+              <a:rot lat="0" lon="0" rev="4200000"/>
+            </a:lightRig>
+          </a:scene3d>
+          <a:sp3d prstMaterial="plastic">
+            <a:bevelT w="381000" h="114300" prst="relaxedInset"/>
+            <a:contourClr>
+              <a:srgbClr val="969696"/>
+            </a:contourClr>
+          </a:sp3d>
+        </p:spPr>
+      </p:pic>
+    </p:spTree>
+    <p:extLst>
+      <p:ext uri="{BB962C8B-B14F-4D97-AF65-F5344CB8AC3E}">
+        <p14:creationId xmlns:p14="http://schemas.microsoft.com/office/powerpoint/2010/main" val="1151020019"/>
+      </p:ext>
+    </p:extLst>
+  </p:cSld>
+  <p:clrMapOvr>
+    <a:masterClrMapping/>
+  </p:clrMapOvr>
+  <p:timing>
+    <p:tnLst>
+      <p:par>
+        <p:cTn xmlns:p14="http://schemas.microsoft.com/office/powerpoint/2010/main" id="1" dur="indefinite" restart="never" nodeType="tmRoot"/>
+      </p:par>
+    </p:tnLst>
+  </p:timing>
+</p:sld>
+</file>
+
+<file path=ppt/slides/slide16.xml><?xml version="1.0" encoding="utf-8"?>
+<p:sld xmlns:a="http://schemas.openxmlformats.org/drawingml/2006/main" xmlns:r="http://schemas.openxmlformats.org/officeDocument/2006/relationships" xmlns:p="http://schemas.openxmlformats.org/presentationml/2006/main">
+  <p:cSld>
+    <p:spTree>
+      <p:nvGrpSpPr>
+        <p:cNvPr id="1" name=""/>
+        <p:cNvGrpSpPr/>
+        <p:nvPr/>
+      </p:nvGrpSpPr>
+      <p:grpSpPr>
+        <a:xfrm>
+          <a:off x="0" y="0"/>
+          <a:ext cx="0" cy="0"/>
+          <a:chOff x="0" y="0"/>
+          <a:chExt cx="0" cy="0"/>
+        </a:xfrm>
+      </p:grpSpPr>
+      <p:sp>
+        <p:nvSpPr>
+          <p:cNvPr id="2" name="Titre 1"/>
+          <p:cNvSpPr>
+            <a:spLocks noGrp="1"/>
+          </p:cNvSpPr>
+          <p:nvPr>
+            <p:ph type="title"/>
+          </p:nvPr>
         </p:nvSpPr>
-        <p:spPr>
-          <a:xfrm>
-            <a:off x="2948893" y="5939054"/>
-            <a:ext cx="1882033" cy="762000"/>
-          </a:xfrm>
-          <a:prstGeom prst="flowChartAlternateProcess">
-            <a:avLst/>
-          </a:prstGeom>
-          <a:solidFill>
-            <a:schemeClr val="bg2">
-              <a:lumMod val="75000"/>
-            </a:schemeClr>
-          </a:solidFill>
-        </p:spPr>
-        <p:style>
-          <a:lnRef idx="1">
-            <a:schemeClr val="accent1"/>
-          </a:lnRef>
-          <a:fillRef idx="3">
-            <a:schemeClr val="accent1"/>
-          </a:fillRef>
-          <a:effectRef idx="2">
-            <a:schemeClr val="accent1"/>
-          </a:effectRef>
-          <a:fontRef idx="minor">
-            <a:schemeClr val="lt1"/>
-          </a:fontRef>
-        </p:style>
+        <p:spPr/>
         <p:txBody>
-          <a:bodyPr rtlCol="0" anchor="ctr"/>
+          <a:bodyPr/>
           <a:lstStyle/>
           <a:p>
-            <a:pPr algn="ctr"/>
-            <a:r>
-              <a:rPr lang="fr-FR" dirty="0" smtClean="0"/>
-              <a:t>Nabil</a:t>
-            </a:r>
-            <a:endParaRPr lang="fr-FR" dirty="0"/>
+            <a:endParaRPr lang="fr-FR"/>
           </a:p>
         </p:txBody>
       </p:sp>
       <p:sp>
         <p:nvSpPr>
-          <p:cNvPr id="5" name="Autre processus 4"/>
-          <p:cNvSpPr/>
+          <p:cNvPr id="3" name="Espace réservé du contenu 2"/>
+          <p:cNvSpPr>
+            <a:spLocks noGrp="1"/>
+          </p:cNvSpPr>
+          <p:nvPr>
+            <p:ph idx="1"/>
+          </p:nvPr>
+        </p:nvSpPr>
+        <p:spPr/>
+        <p:txBody>
+          <a:bodyPr/>
+          <a:lstStyle/>
+          <a:p>
+            <a:r>
+              <a:rPr lang="fr-FR" dirty="0" smtClean="0"/>
+              <a:t>Condition de vol</a:t>
+            </a:r>
+          </a:p>
+          <a:p>
+            <a:pPr lvl="1"/>
+            <a:r>
+              <a:rPr lang="fr-FR" dirty="0" smtClean="0"/>
+              <a:t>Pas de temps de pluie</a:t>
+            </a:r>
+          </a:p>
+          <a:p>
+            <a:pPr lvl="1"/>
+            <a:r>
+              <a:rPr lang="fr-FR" dirty="0" smtClean="0"/>
+              <a:t>Pas de de vent </a:t>
+            </a:r>
+          </a:p>
+          <a:p>
+            <a:r>
+              <a:rPr lang="fr-FR" dirty="0" smtClean="0"/>
+              <a:t>Conditions optimales de VOL</a:t>
+            </a:r>
+          </a:p>
+          <a:p>
+            <a:r>
+              <a:rPr lang="fr-FR" dirty="0" smtClean="0"/>
+              <a:t>Charge utile </a:t>
+            </a:r>
+          </a:p>
+          <a:p>
+            <a:r>
+              <a:rPr lang="fr-FR" dirty="0" smtClean="0"/>
+              <a:t>Altitude max = Distance champ libre </a:t>
+            </a:r>
+            <a:r>
+              <a:rPr lang="fr-FR" dirty="0" smtClean="0">
+                <a:sym typeface="Wingdings"/>
+              </a:rPr>
+              <a:t> 150 m</a:t>
+            </a:r>
+            <a:endParaRPr lang="fr-FR" dirty="0" smtClean="0"/>
+          </a:p>
+        </p:txBody>
+      </p:sp>
+      <p:pic>
+        <p:nvPicPr>
+          <p:cNvPr id="4" name="Image 3" descr="Macintosh HD:Users:texierpierre-jean:Desktop:Capture d’écran 2011-12-16 à 14.42.02.png"/>
+          <p:cNvPicPr/>
           <p:nvPr/>
-        </p:nvSpPr>
+        </p:nvPicPr>
+        <p:blipFill>
+          <a:blip r:embed="rId2">
+            <a:extLst>
+              <a:ext uri="{28A0092B-C50C-407E-A947-70E740481C1C}">
+                <a14:useLocalDpi xmlns:a14="http://schemas.microsoft.com/office/drawing/2010/main" val="0"/>
+              </a:ext>
+            </a:extLst>
+          </a:blip>
+          <a:srcRect/>
+          <a:stretch>
+            <a:fillRect/>
+          </a:stretch>
+        </p:blipFill>
+        <p:spPr bwMode="auto">
+          <a:xfrm>
+            <a:off x="8019538" y="234160"/>
+            <a:ext cx="820176" cy="373292"/>
+          </a:xfrm>
+          <a:prstGeom prst="roundRect">
+            <a:avLst>
+              <a:gd name="adj" fmla="val 16667"/>
+            </a:avLst>
+          </a:prstGeom>
+          <a:ln>
+            <a:noFill/>
+          </a:ln>
+          <a:effectLst>
+            <a:outerShdw blurRad="76200" dist="38100" dir="7800000" algn="tl" rotWithShape="0">
+              <a:srgbClr val="000000">
+                <a:alpha val="40000"/>
+              </a:srgbClr>
+            </a:outerShdw>
+          </a:effectLst>
+          <a:scene3d>
+            <a:camera prst="orthographicFront"/>
+            <a:lightRig rig="contrasting" dir="t">
+              <a:rot lat="0" lon="0" rev="4200000"/>
+            </a:lightRig>
+          </a:scene3d>
+          <a:sp3d prstMaterial="plastic">
+            <a:bevelT w="381000" h="114300" prst="relaxedInset"/>
+            <a:contourClr>
+              <a:srgbClr val="969696"/>
+            </a:contourClr>
+          </a:sp3d>
+        </p:spPr>
+      </p:pic>
+    </p:spTree>
+    <p:extLst>
+      <p:ext uri="{BB962C8B-B14F-4D97-AF65-F5344CB8AC3E}">
+        <p14:creationId xmlns:p14="http://schemas.microsoft.com/office/powerpoint/2010/main" val="1204174477"/>
+      </p:ext>
+    </p:extLst>
+  </p:cSld>
+  <p:clrMapOvr>
+    <a:masterClrMapping/>
+  </p:clrMapOvr>
+  <p:timing>
+    <p:tnLst>
+      <p:par>
+        <p:cTn xmlns:p14="http://schemas.microsoft.com/office/powerpoint/2010/main" id="1" dur="indefinite" restart="never" nodeType="tmRoot"/>
+      </p:par>
+    </p:tnLst>
+  </p:timing>
+</p:sld>
+</file>
+
+<file path=ppt/slides/slide17.xml><?xml version="1.0" encoding="utf-8"?>
+<p:sld xmlns:a="http://schemas.openxmlformats.org/drawingml/2006/main" xmlns:r="http://schemas.openxmlformats.org/officeDocument/2006/relationships" xmlns:p="http://schemas.openxmlformats.org/presentationml/2006/main">
+  <p:cSld>
+    <p:spTree>
+      <p:nvGrpSpPr>
+        <p:cNvPr id="1" name=""/>
+        <p:cNvGrpSpPr/>
+        <p:nvPr/>
+      </p:nvGrpSpPr>
+      <p:grpSpPr>
+        <a:xfrm>
+          <a:off x="0" y="0"/>
+          <a:ext cx="0" cy="0"/>
+          <a:chOff x="0" y="0"/>
+          <a:chExt cx="0" cy="0"/>
+        </a:xfrm>
+      </p:grpSpPr>
+      <p:pic>
+        <p:nvPicPr>
+          <p:cNvPr id="2" name="Image 1"/>
+          <p:cNvPicPr>
+            <a:picLocks noChangeAspect="1"/>
+          </p:cNvPicPr>
+          <p:nvPr/>
+        </p:nvPicPr>
+        <p:blipFill>
+          <a:blip r:embed="rId2"/>
+          <a:stretch>
+            <a:fillRect/>
+          </a:stretch>
+        </p:blipFill>
         <p:spPr>
           <a:xfrm>
-            <a:off x="5383379" y="2948770"/>
-            <a:ext cx="1882033" cy="762000"/>
+            <a:off x="927658" y="1181701"/>
+            <a:ext cx="7620000" cy="5448300"/>
           </a:xfrm>
-          <a:prstGeom prst="flowChartAlternateProcess">
+          <a:prstGeom prst="rect">
             <a:avLst/>
           </a:prstGeom>
-          <a:solidFill>
-            <a:schemeClr val="bg2">
-              <a:lumMod val="75000"/>
-            </a:schemeClr>
-          </a:solidFill>
         </p:spPr>
-        <p:style>
-          <a:lnRef idx="1">
-            <a:schemeClr val="accent1"/>
-          </a:lnRef>
-          <a:fillRef idx="3">
-            <a:schemeClr val="accent1"/>
-          </a:fillRef>
-          <a:effectRef idx="2">
-            <a:schemeClr val="accent1"/>
-          </a:effectRef>
-          <a:fontRef idx="minor">
-            <a:schemeClr val="lt1"/>
-          </a:fontRef>
-        </p:style>
+      </p:pic>
+      <p:pic>
+        <p:nvPicPr>
+          <p:cNvPr id="3" name="Image 2" descr="Macintosh HD:Users:texierpierre-jean:Desktop:Capture d’écran 2011-12-16 à 14.42.02.png"/>
+          <p:cNvPicPr/>
+          <p:nvPr/>
+        </p:nvPicPr>
+        <p:blipFill>
+          <a:blip r:embed="rId3">
+            <a:extLst>
+              <a:ext uri="{28A0092B-C50C-407E-A947-70E740481C1C}">
+                <a14:useLocalDpi xmlns:a14="http://schemas.microsoft.com/office/drawing/2010/main" val="0"/>
+              </a:ext>
+            </a:extLst>
+          </a:blip>
+          <a:srcRect/>
+          <a:stretch>
+            <a:fillRect/>
+          </a:stretch>
+        </p:blipFill>
+        <p:spPr bwMode="auto">
+          <a:xfrm>
+            <a:off x="8019538" y="234160"/>
+            <a:ext cx="820176" cy="373292"/>
+          </a:xfrm>
+          <a:prstGeom prst="roundRect">
+            <a:avLst>
+              <a:gd name="adj" fmla="val 16667"/>
+            </a:avLst>
+          </a:prstGeom>
+          <a:ln>
+            <a:noFill/>
+          </a:ln>
+          <a:effectLst>
+            <a:outerShdw blurRad="76200" dist="38100" dir="7800000" algn="tl" rotWithShape="0">
+              <a:srgbClr val="000000">
+                <a:alpha val="40000"/>
+              </a:srgbClr>
+            </a:outerShdw>
+          </a:effectLst>
+          <a:scene3d>
+            <a:camera prst="orthographicFront"/>
+            <a:lightRig rig="contrasting" dir="t">
+              <a:rot lat="0" lon="0" rev="4200000"/>
+            </a:lightRig>
+          </a:scene3d>
+          <a:sp3d prstMaterial="plastic">
+            <a:bevelT w="381000" h="114300" prst="relaxedInset"/>
+            <a:contourClr>
+              <a:srgbClr val="969696"/>
+            </a:contourClr>
+          </a:sp3d>
+        </p:spPr>
+      </p:pic>
+    </p:spTree>
+    <p:extLst>
+      <p:ext uri="{BB962C8B-B14F-4D97-AF65-F5344CB8AC3E}">
+        <p14:creationId xmlns:p14="http://schemas.microsoft.com/office/powerpoint/2010/main" val="2829796830"/>
+      </p:ext>
+    </p:extLst>
+  </p:cSld>
+  <p:clrMapOvr>
+    <a:masterClrMapping/>
+  </p:clrMapOvr>
+  <p:timing>
+    <p:tnLst>
+      <p:par>
+        <p:cTn xmlns:p14="http://schemas.microsoft.com/office/powerpoint/2010/main" id="1" dur="indefinite" restart="never" nodeType="tmRoot"/>
+      </p:par>
+    </p:tnLst>
+  </p:timing>
+</p:sld>
+</file>
+
+<file path=ppt/slides/slide18.xml><?xml version="1.0" encoding="utf-8"?>
+<p:sld xmlns:a="http://schemas.openxmlformats.org/drawingml/2006/main" xmlns:r="http://schemas.openxmlformats.org/officeDocument/2006/relationships" xmlns:p="http://schemas.openxmlformats.org/presentationml/2006/main">
+  <p:cSld>
+    <p:spTree>
+      <p:nvGrpSpPr>
+        <p:cNvPr id="1" name=""/>
+        <p:cNvGrpSpPr/>
+        <p:nvPr/>
+      </p:nvGrpSpPr>
+      <p:grpSpPr>
+        <a:xfrm>
+          <a:off x="0" y="0"/>
+          <a:ext cx="0" cy="0"/>
+          <a:chOff x="0" y="0"/>
+          <a:chExt cx="0" cy="0"/>
+        </a:xfrm>
+      </p:grpSpPr>
+      <p:sp>
+        <p:nvSpPr>
+          <p:cNvPr id="2" name="Titre 1"/>
+          <p:cNvSpPr>
+            <a:spLocks noGrp="1"/>
+          </p:cNvSpPr>
+          <p:nvPr>
+            <p:ph type="title"/>
+          </p:nvPr>
+        </p:nvSpPr>
+        <p:spPr/>
         <p:txBody>
-          <a:bodyPr rtlCol="0" anchor="ctr"/>
+          <a:bodyPr/>
           <a:lstStyle/>
           <a:p>
             <a:pPr algn="ctr"/>
             <a:r>
               <a:rPr lang="fr-FR" dirty="0" smtClean="0"/>
-              <a:t>Hubert</a:t>
+              <a:t>SPEC DRONE</a:t>
             </a:r>
             <a:endParaRPr lang="fr-FR" dirty="0"/>
           </a:p>
@@ -19215,384 +20761,363 @@
       </p:sp>
       <p:sp>
         <p:nvSpPr>
-          <p:cNvPr id="6" name="Autre processus 5"/>
-          <p:cNvSpPr/>
-          <p:nvPr/>
+          <p:cNvPr id="3" name="Espace réservé du contenu 2"/>
+          <p:cNvSpPr>
+            <a:spLocks noGrp="1"/>
+          </p:cNvSpPr>
+          <p:nvPr>
+            <p:ph idx="1"/>
+          </p:nvPr>
         </p:nvSpPr>
-        <p:spPr>
-          <a:xfrm>
-            <a:off x="5383379" y="3945467"/>
-            <a:ext cx="1882033" cy="762000"/>
-          </a:xfrm>
-          <a:prstGeom prst="flowChartAlternateProcess">
-            <a:avLst/>
-          </a:prstGeom>
-          <a:solidFill>
-            <a:schemeClr val="bg2">
-              <a:lumMod val="75000"/>
-            </a:schemeClr>
-          </a:solidFill>
-        </p:spPr>
-        <p:style>
-          <a:lnRef idx="1">
-            <a:schemeClr val="accent1"/>
-          </a:lnRef>
-          <a:fillRef idx="3">
-            <a:schemeClr val="accent1"/>
-          </a:fillRef>
-          <a:effectRef idx="2">
-            <a:schemeClr val="accent1"/>
-          </a:effectRef>
-          <a:fontRef idx="minor">
-            <a:schemeClr val="lt1"/>
-          </a:fontRef>
-        </p:style>
+        <p:spPr/>
         <p:txBody>
-          <a:bodyPr rtlCol="0" anchor="ctr"/>
+          <a:bodyPr>
+            <a:normAutofit lnSpcReduction="10000"/>
+          </a:bodyPr>
           <a:lstStyle/>
           <a:p>
-            <a:pPr algn="ctr"/>
+            <a:r>
+              <a:rPr lang="fr-FR" dirty="0" smtClean="0">
+                <a:solidFill>
+                  <a:srgbClr val="FF0000"/>
+                </a:solidFill>
+              </a:rPr>
+              <a:t>FP</a:t>
+            </a:r>
             <a:r>
               <a:rPr lang="fr-FR" dirty="0" smtClean="0"/>
-              <a:t>Rémi</a:t>
+              <a:t> : VOLER</a:t>
+            </a:r>
+            <a:endParaRPr lang="fr-FR" dirty="0" smtClean="0"/>
+          </a:p>
+          <a:p>
+            <a:pPr lvl="1"/>
+            <a:r>
+              <a:rPr lang="fr-FR" dirty="0" smtClean="0">
+                <a:solidFill>
+                  <a:srgbClr val="FFFF00"/>
+                </a:solidFill>
+              </a:rPr>
+              <a:t>FC1</a:t>
+            </a:r>
+            <a:r>
+              <a:rPr lang="fr-FR" dirty="0" smtClean="0"/>
+              <a:t> : Enregistrer Vidéo</a:t>
+            </a:r>
+          </a:p>
+          <a:p>
+            <a:pPr lvl="1"/>
+            <a:r>
+              <a:rPr lang="fr-FR" dirty="0" smtClean="0">
+                <a:solidFill>
+                  <a:srgbClr val="FFFF00"/>
+                </a:solidFill>
+              </a:rPr>
+              <a:t>FC2</a:t>
+            </a:r>
+            <a:r>
+              <a:rPr lang="fr-FR" dirty="0" smtClean="0"/>
+              <a:t> : Détecter obstacles</a:t>
+            </a:r>
+          </a:p>
+          <a:p>
+            <a:pPr lvl="1"/>
+            <a:r>
+              <a:rPr lang="fr-FR" dirty="0" smtClean="0">
+                <a:solidFill>
+                  <a:srgbClr val="FFFF00"/>
+                </a:solidFill>
+              </a:rPr>
+              <a:t>FC3</a:t>
+            </a:r>
+            <a:r>
+              <a:rPr lang="fr-FR" dirty="0" smtClean="0"/>
+              <a:t> : Gérer GPS</a:t>
+            </a:r>
+          </a:p>
+          <a:p>
+            <a:pPr lvl="1"/>
+            <a:r>
+              <a:rPr lang="fr-FR" dirty="0" smtClean="0">
+                <a:solidFill>
+                  <a:srgbClr val="FFFF00"/>
+                </a:solidFill>
+              </a:rPr>
+              <a:t>FC4</a:t>
+            </a:r>
+            <a:r>
+              <a:rPr lang="fr-FR" dirty="0" smtClean="0"/>
+              <a:t> </a:t>
+            </a:r>
+            <a:r>
+              <a:rPr lang="fr-FR" dirty="0"/>
+              <a:t>: </a:t>
+            </a:r>
+            <a:r>
+              <a:rPr lang="fr-FR" dirty="0" smtClean="0"/>
+              <a:t>Gérer la stabilité</a:t>
             </a:r>
             <a:endParaRPr lang="fr-FR" dirty="0"/>
           </a:p>
-        </p:txBody>
-      </p:sp>
-      <p:sp>
-        <p:nvSpPr>
-          <p:cNvPr id="7" name="Autre processus 6"/>
-          <p:cNvSpPr/>
-          <p:nvPr/>
-        </p:nvSpPr>
-        <p:spPr>
-          <a:xfrm>
-            <a:off x="5383379" y="4951385"/>
-            <a:ext cx="1882033" cy="762000"/>
-          </a:xfrm>
-          <a:prstGeom prst="flowChartAlternateProcess">
-            <a:avLst/>
-          </a:prstGeom>
-          <a:solidFill>
-            <a:schemeClr val="bg2">
-              <a:lumMod val="75000"/>
-            </a:schemeClr>
-          </a:solidFill>
-        </p:spPr>
-        <p:style>
-          <a:lnRef idx="1">
-            <a:schemeClr val="accent1"/>
-          </a:lnRef>
-          <a:fillRef idx="3">
-            <a:schemeClr val="accent1"/>
-          </a:fillRef>
-          <a:effectRef idx="2">
-            <a:schemeClr val="accent1"/>
-          </a:effectRef>
-          <a:fontRef idx="minor">
-            <a:schemeClr val="lt1"/>
-          </a:fontRef>
-        </p:style>
-        <p:txBody>
-          <a:bodyPr rtlCol="0" anchor="ctr"/>
-          <a:lstStyle/>
-          <a:p>
-            <a:pPr algn="ctr"/>
+          <a:p>
+            <a:pPr lvl="1"/>
+            <a:r>
+              <a:rPr lang="fr-FR" dirty="0" smtClean="0">
+                <a:solidFill>
+                  <a:srgbClr val="FFFF00"/>
+                </a:solidFill>
+              </a:rPr>
+              <a:t>FC5</a:t>
+            </a:r>
             <a:r>
               <a:rPr lang="fr-FR" dirty="0" smtClean="0"/>
-              <a:t>Guillaume</a:t>
+              <a:t> </a:t>
+            </a:r>
+            <a:r>
+              <a:rPr lang="fr-FR" dirty="0"/>
+              <a:t>: </a:t>
+            </a:r>
+            <a:r>
+              <a:rPr lang="fr-FR" dirty="0" smtClean="0"/>
+              <a:t>Durée d’utilisation </a:t>
+            </a:r>
+            <a:r>
+              <a:rPr lang="fr-FR" dirty="0" smtClean="0">
+                <a:sym typeface="Wingdings"/>
+              </a:rPr>
+              <a:t> 15min</a:t>
+            </a:r>
+          </a:p>
+          <a:p>
+            <a:pPr lvl="1"/>
+            <a:r>
+              <a:rPr lang="fr-FR" dirty="0" smtClean="0">
+                <a:solidFill>
+                  <a:srgbClr val="FFFF00"/>
+                </a:solidFill>
+              </a:rPr>
+              <a:t>FC6 </a:t>
+            </a:r>
+            <a:r>
+              <a:rPr lang="fr-FR" dirty="0" smtClean="0"/>
+              <a:t>: Sécurité</a:t>
             </a:r>
             <a:endParaRPr lang="fr-FR" dirty="0"/>
           </a:p>
-        </p:txBody>
-      </p:sp>
-      <p:sp>
-        <p:nvSpPr>
-          <p:cNvPr id="8" name="Autre processus 7"/>
-          <p:cNvSpPr/>
-          <p:nvPr/>
-        </p:nvSpPr>
-        <p:spPr>
-          <a:xfrm>
-            <a:off x="2948893" y="3945467"/>
-            <a:ext cx="1882033" cy="762000"/>
-          </a:xfrm>
-          <a:prstGeom prst="flowChartAlternateProcess">
-            <a:avLst/>
-          </a:prstGeom>
-          <a:solidFill>
-            <a:schemeClr val="bg2">
-              <a:lumMod val="75000"/>
-            </a:schemeClr>
-          </a:solidFill>
-        </p:spPr>
-        <p:style>
-          <a:lnRef idx="1">
-            <a:schemeClr val="accent1"/>
-          </a:lnRef>
-          <a:fillRef idx="3">
-            <a:schemeClr val="accent1"/>
-          </a:fillRef>
-          <a:effectRef idx="2">
-            <a:schemeClr val="accent1"/>
-          </a:effectRef>
-          <a:fontRef idx="minor">
-            <a:schemeClr val="lt1"/>
-          </a:fontRef>
-        </p:style>
-        <p:txBody>
-          <a:bodyPr rtlCol="0" anchor="ctr"/>
-          <a:lstStyle/>
-          <a:p>
-            <a:pPr algn="ctr"/>
-            <a:r>
-              <a:rPr lang="fr-FR" dirty="0" smtClean="0"/>
-              <a:t>Thomas</a:t>
-            </a:r>
+          <a:p>
+            <a:pPr lvl="1"/>
             <a:endParaRPr lang="fr-FR" dirty="0"/>
           </a:p>
-        </p:txBody>
-      </p:sp>
-      <p:sp>
-        <p:nvSpPr>
-          <p:cNvPr id="9" name="Autre processus 8"/>
-          <p:cNvSpPr/>
-          <p:nvPr/>
-        </p:nvSpPr>
-        <p:spPr>
-          <a:xfrm>
-            <a:off x="2948893" y="4951385"/>
-            <a:ext cx="1882033" cy="762000"/>
-          </a:xfrm>
-          <a:prstGeom prst="flowChartAlternateProcess">
-            <a:avLst/>
-          </a:prstGeom>
-          <a:solidFill>
-            <a:schemeClr val="bg2">
-              <a:lumMod val="75000"/>
-            </a:schemeClr>
-          </a:solidFill>
-        </p:spPr>
-        <p:style>
-          <a:lnRef idx="1">
-            <a:schemeClr val="accent1"/>
-          </a:lnRef>
-          <a:fillRef idx="3">
-            <a:schemeClr val="accent1"/>
-          </a:fillRef>
-          <a:effectRef idx="2">
-            <a:schemeClr val="accent1"/>
-          </a:effectRef>
-          <a:fontRef idx="minor">
-            <a:schemeClr val="lt1"/>
-          </a:fontRef>
-        </p:style>
-        <p:txBody>
-          <a:bodyPr rtlCol="0" anchor="ctr"/>
-          <a:lstStyle/>
-          <a:p>
-            <a:pPr algn="ctr"/>
-            <a:r>
-              <a:rPr lang="fr-FR" dirty="0" smtClean="0"/>
-              <a:t>Martin</a:t>
-            </a:r>
-            <a:endParaRPr lang="fr-FR" dirty="0"/>
-          </a:p>
-        </p:txBody>
-      </p:sp>
-      <p:sp>
-        <p:nvSpPr>
-          <p:cNvPr id="10" name="Autre processus 9"/>
-          <p:cNvSpPr/>
-          <p:nvPr/>
-        </p:nvSpPr>
-        <p:spPr>
-          <a:xfrm>
-            <a:off x="528259" y="4951385"/>
-            <a:ext cx="1882033" cy="762000"/>
-          </a:xfrm>
-          <a:prstGeom prst="flowChartAlternateProcess">
-            <a:avLst/>
-          </a:prstGeom>
-          <a:solidFill>
-            <a:schemeClr val="bg2">
-              <a:lumMod val="75000"/>
-            </a:schemeClr>
-          </a:solidFill>
-        </p:spPr>
-        <p:style>
-          <a:lnRef idx="1">
-            <a:schemeClr val="accent1"/>
-          </a:lnRef>
-          <a:fillRef idx="3">
-            <a:schemeClr val="accent1"/>
-          </a:fillRef>
-          <a:effectRef idx="2">
-            <a:schemeClr val="accent1"/>
-          </a:effectRef>
-          <a:fontRef idx="minor">
-            <a:schemeClr val="lt1"/>
-          </a:fontRef>
-        </p:style>
-        <p:txBody>
-          <a:bodyPr rtlCol="0" anchor="ctr"/>
-          <a:lstStyle/>
-          <a:p>
-            <a:pPr algn="ctr"/>
-            <a:r>
-              <a:rPr lang="fr-FR" dirty="0" smtClean="0"/>
-              <a:t>Pierre</a:t>
-            </a:r>
-            <a:endParaRPr lang="fr-FR" dirty="0"/>
-          </a:p>
-        </p:txBody>
-      </p:sp>
-      <p:sp>
-        <p:nvSpPr>
-          <p:cNvPr id="11" name="Autre processus 10"/>
-          <p:cNvSpPr/>
-          <p:nvPr/>
-        </p:nvSpPr>
-        <p:spPr>
-          <a:xfrm>
-            <a:off x="528259" y="3945467"/>
-            <a:ext cx="1882033" cy="762000"/>
-          </a:xfrm>
-          <a:prstGeom prst="flowChartAlternateProcess">
-            <a:avLst/>
-          </a:prstGeom>
-          <a:solidFill>
-            <a:schemeClr val="bg2">
-              <a:lumMod val="75000"/>
-            </a:schemeClr>
-          </a:solidFill>
-        </p:spPr>
-        <p:style>
-          <a:lnRef idx="1">
-            <a:schemeClr val="accent1"/>
-          </a:lnRef>
-          <a:fillRef idx="3">
-            <a:schemeClr val="accent1"/>
-          </a:fillRef>
-          <a:effectRef idx="2">
-            <a:schemeClr val="accent1"/>
-          </a:effectRef>
-          <a:fontRef idx="minor">
-            <a:schemeClr val="lt1"/>
-          </a:fontRef>
-        </p:style>
-        <p:txBody>
-          <a:bodyPr rtlCol="0" anchor="ctr"/>
-          <a:lstStyle/>
-          <a:p>
-            <a:pPr algn="ctr"/>
-            <a:r>
-              <a:rPr lang="fr-FR" dirty="0" smtClean="0"/>
-              <a:t>Pierre-jean</a:t>
-            </a:r>
-            <a:endParaRPr lang="fr-FR" dirty="0"/>
-          </a:p>
-        </p:txBody>
-      </p:sp>
-      <p:sp>
-        <p:nvSpPr>
-          <p:cNvPr id="12" name="Autre processus 11"/>
-          <p:cNvSpPr/>
-          <p:nvPr/>
-        </p:nvSpPr>
-        <p:spPr>
-          <a:xfrm>
-            <a:off x="2948893" y="2948770"/>
-            <a:ext cx="1882033" cy="762000"/>
-          </a:xfrm>
-          <a:prstGeom prst="flowChartAlternateProcess">
-            <a:avLst/>
-          </a:prstGeom>
-          <a:solidFill>
-            <a:schemeClr val="bg2">
-              <a:lumMod val="75000"/>
-            </a:schemeClr>
-          </a:solidFill>
-        </p:spPr>
-        <p:style>
-          <a:lnRef idx="1">
-            <a:schemeClr val="accent1"/>
-          </a:lnRef>
-          <a:fillRef idx="3">
-            <a:schemeClr val="accent1"/>
-          </a:fillRef>
-          <a:effectRef idx="2">
-            <a:schemeClr val="accent1"/>
-          </a:effectRef>
-          <a:fontRef idx="minor">
-            <a:schemeClr val="lt1"/>
-          </a:fontRef>
-        </p:style>
-        <p:txBody>
-          <a:bodyPr rtlCol="0" anchor="ctr"/>
-          <a:lstStyle/>
-          <a:p>
-            <a:pPr algn="ctr"/>
-            <a:r>
-              <a:rPr lang="fr-FR" dirty="0" smtClean="0"/>
-              <a:t>Grégory</a:t>
-            </a:r>
-            <a:endParaRPr lang="fr-FR" dirty="0"/>
-          </a:p>
-        </p:txBody>
-      </p:sp>
-      <p:sp>
-        <p:nvSpPr>
-          <p:cNvPr id="13" name="Autre processus 12"/>
-          <p:cNvSpPr/>
-          <p:nvPr/>
-        </p:nvSpPr>
-        <p:spPr>
-          <a:xfrm>
-            <a:off x="531039" y="2948770"/>
-            <a:ext cx="1882033" cy="762000"/>
-          </a:xfrm>
-          <a:prstGeom prst="flowChartAlternateProcess">
-            <a:avLst/>
-          </a:prstGeom>
-          <a:solidFill>
-            <a:schemeClr val="bg2">
-              <a:lumMod val="75000"/>
-            </a:schemeClr>
-          </a:solidFill>
-        </p:spPr>
-        <p:style>
-          <a:lnRef idx="1">
-            <a:schemeClr val="accent1"/>
-          </a:lnRef>
-          <a:fillRef idx="3">
-            <a:schemeClr val="accent1"/>
-          </a:fillRef>
-          <a:effectRef idx="2">
-            <a:schemeClr val="accent1"/>
-          </a:effectRef>
-          <a:fontRef idx="minor">
-            <a:schemeClr val="lt1"/>
-          </a:fontRef>
-        </p:style>
-        <p:txBody>
-          <a:bodyPr rtlCol="0" anchor="ctr"/>
-          <a:lstStyle/>
-          <a:p>
-            <a:pPr algn="ctr"/>
-            <a:r>
-              <a:rPr lang="fr-FR" dirty="0" smtClean="0"/>
-              <a:t>Sylvain</a:t>
-            </a:r>
-            <a:endParaRPr lang="fr-FR" dirty="0"/>
+          <a:p>
+            <a:pPr lvl="1"/>
+            <a:endParaRPr lang="fr-FR" dirty="0" smtClean="0"/>
           </a:p>
         </p:txBody>
       </p:sp>
     </p:spTree>
     <p:extLst>
       <p:ext uri="{BB962C8B-B14F-4D97-AF65-F5344CB8AC3E}">
-        <p14:creationId xmlns:p14="http://schemas.microsoft.com/office/powerpoint/2010/main" val="1623889675"/>
+        <p14:creationId xmlns:p14="http://schemas.microsoft.com/office/powerpoint/2010/main" val="3943592411"/>
+      </p:ext>
+    </p:extLst>
+  </p:cSld>
+  <p:clrMapOvr>
+    <a:masterClrMapping/>
+  </p:clrMapOvr>
+  <p:timing>
+    <p:tnLst>
+      <p:par>
+        <p:cTn xmlns:p14="http://schemas.microsoft.com/office/powerpoint/2010/main" id="1" dur="indefinite" restart="never" nodeType="tmRoot"/>
+      </p:par>
+    </p:tnLst>
+  </p:timing>
+</p:sld>
+</file>
+
+<file path=ppt/slides/slide19.xml><?xml version="1.0" encoding="utf-8"?>
+<p:sld xmlns:a="http://schemas.openxmlformats.org/drawingml/2006/main" xmlns:r="http://schemas.openxmlformats.org/officeDocument/2006/relationships" xmlns:p="http://schemas.openxmlformats.org/presentationml/2006/main">
+  <p:cSld>
+    <p:spTree>
+      <p:nvGrpSpPr>
+        <p:cNvPr id="1" name=""/>
+        <p:cNvGrpSpPr/>
+        <p:nvPr/>
+      </p:nvGrpSpPr>
+      <p:grpSpPr>
+        <a:xfrm>
+          <a:off x="0" y="0"/>
+          <a:ext cx="0" cy="0"/>
+          <a:chOff x="0" y="0"/>
+          <a:chExt cx="0" cy="0"/>
+        </a:xfrm>
+      </p:grpSpPr>
+      <p:sp>
+        <p:nvSpPr>
+          <p:cNvPr id="2" name="Titre 1"/>
+          <p:cNvSpPr>
+            <a:spLocks noGrp="1"/>
+          </p:cNvSpPr>
+          <p:nvPr>
+            <p:ph type="title"/>
+          </p:nvPr>
+        </p:nvSpPr>
+        <p:spPr/>
+        <p:txBody>
+          <a:bodyPr/>
+          <a:lstStyle/>
+          <a:p>
+            <a:pPr algn="ctr"/>
+            <a:r>
+              <a:rPr lang="fr-FR" dirty="0" smtClean="0"/>
+              <a:t>SPEC BASE</a:t>
+            </a:r>
+            <a:endParaRPr lang="fr-FR" dirty="0"/>
+          </a:p>
+        </p:txBody>
+      </p:sp>
+      <p:sp>
+        <p:nvSpPr>
+          <p:cNvPr id="3" name="Espace réservé du contenu 2"/>
+          <p:cNvSpPr>
+            <a:spLocks noGrp="1"/>
+          </p:cNvSpPr>
+          <p:nvPr>
+            <p:ph idx="1"/>
+          </p:nvPr>
+        </p:nvSpPr>
+        <p:spPr/>
+        <p:txBody>
+          <a:bodyPr/>
+          <a:lstStyle/>
+          <a:p>
+            <a:r>
+              <a:rPr lang="fr-FR" dirty="0" smtClean="0">
+                <a:solidFill>
+                  <a:srgbClr val="FF0000"/>
+                </a:solidFill>
+              </a:rPr>
+              <a:t>FP</a:t>
+            </a:r>
+            <a:r>
+              <a:rPr lang="fr-FR" dirty="0" smtClean="0"/>
+              <a:t> : Contr</a:t>
+            </a:r>
+            <a:r>
+              <a:rPr lang="fr-FR" dirty="0" smtClean="0"/>
+              <a:t>ôler le déplacement du Drone</a:t>
+            </a:r>
+          </a:p>
+          <a:p>
+            <a:pPr lvl="1"/>
+            <a:r>
+              <a:rPr lang="fr-FR" dirty="0" smtClean="0">
+                <a:solidFill>
+                  <a:srgbClr val="FFFF00"/>
+                </a:solidFill>
+              </a:rPr>
+              <a:t>FC1</a:t>
+            </a:r>
+            <a:r>
+              <a:rPr lang="fr-FR" dirty="0" smtClean="0"/>
+              <a:t> : Afficher les informations du vol/drone</a:t>
+            </a:r>
+          </a:p>
+          <a:p>
+            <a:pPr lvl="1"/>
+            <a:r>
+              <a:rPr lang="fr-FR" dirty="0" smtClean="0">
+                <a:solidFill>
+                  <a:srgbClr val="FFFF00"/>
+                </a:solidFill>
+              </a:rPr>
+              <a:t>FC2</a:t>
+            </a:r>
+            <a:r>
+              <a:rPr lang="fr-FR" dirty="0" smtClean="0"/>
+              <a:t> : Présenter un encombrement dans une valise</a:t>
+            </a:r>
+          </a:p>
+          <a:p>
+            <a:pPr lvl="1"/>
+            <a:r>
+              <a:rPr lang="fr-FR" dirty="0" smtClean="0">
+                <a:solidFill>
+                  <a:srgbClr val="FFFF00"/>
+                </a:solidFill>
+              </a:rPr>
+              <a:t>FC3</a:t>
+            </a:r>
+            <a:r>
+              <a:rPr lang="fr-FR" dirty="0" smtClean="0"/>
+              <a:t> : Durée d’utilisation </a:t>
+            </a:r>
+            <a:r>
+              <a:rPr lang="fr-FR" dirty="0" smtClean="0">
+                <a:sym typeface="Wingdings"/>
+              </a:rPr>
+              <a:t> 1H</a:t>
+            </a:r>
+            <a:endParaRPr lang="fr-FR" dirty="0" smtClean="0"/>
+          </a:p>
+        </p:txBody>
+      </p:sp>
+      <p:pic>
+        <p:nvPicPr>
+          <p:cNvPr id="4" name="Image 3" descr="Macintosh HD:Users:texierpierre-jean:Desktop:Capture d’écran 2011-12-16 à 14.42.02.png"/>
+          <p:cNvPicPr/>
+          <p:nvPr/>
+        </p:nvPicPr>
+        <p:blipFill>
+          <a:blip r:embed="rId2">
+            <a:extLst>
+              <a:ext uri="{28A0092B-C50C-407E-A947-70E740481C1C}">
+                <a14:useLocalDpi xmlns:a14="http://schemas.microsoft.com/office/drawing/2010/main" val="0"/>
+              </a:ext>
+            </a:extLst>
+          </a:blip>
+          <a:srcRect/>
+          <a:stretch>
+            <a:fillRect/>
+          </a:stretch>
+        </p:blipFill>
+        <p:spPr bwMode="auto">
+          <a:xfrm>
+            <a:off x="8019538" y="234160"/>
+            <a:ext cx="820176" cy="373292"/>
+          </a:xfrm>
+          <a:prstGeom prst="roundRect">
+            <a:avLst>
+              <a:gd name="adj" fmla="val 16667"/>
+            </a:avLst>
+          </a:prstGeom>
+          <a:ln>
+            <a:noFill/>
+          </a:ln>
+          <a:effectLst>
+            <a:outerShdw blurRad="76200" dist="38100" dir="7800000" algn="tl" rotWithShape="0">
+              <a:srgbClr val="000000">
+                <a:alpha val="40000"/>
+              </a:srgbClr>
+            </a:outerShdw>
+          </a:effectLst>
+          <a:scene3d>
+            <a:camera prst="orthographicFront"/>
+            <a:lightRig rig="contrasting" dir="t">
+              <a:rot lat="0" lon="0" rev="4200000"/>
+            </a:lightRig>
+          </a:scene3d>
+          <a:sp3d prstMaterial="plastic">
+            <a:bevelT w="381000" h="114300" prst="relaxedInset"/>
+            <a:contourClr>
+              <a:srgbClr val="969696"/>
+            </a:contourClr>
+          </a:sp3d>
+        </p:spPr>
+      </p:pic>
+    </p:spTree>
+    <p:extLst>
+      <p:ext uri="{BB962C8B-B14F-4D97-AF65-F5344CB8AC3E}">
+        <p14:creationId xmlns:p14="http://schemas.microsoft.com/office/powerpoint/2010/main" val="2609401144"/>
       </p:ext>
     </p:extLst>
   </p:cSld>
@@ -19790,6 +21315,2440 @@
     <p:extLst>
       <p:ext uri="{BB962C8B-B14F-4D97-AF65-F5344CB8AC3E}">
         <p14:creationId xmlns:p14="http://schemas.microsoft.com/office/powerpoint/2010/main" val="3596546165"/>
+      </p:ext>
+    </p:extLst>
+  </p:cSld>
+  <p:clrMapOvr>
+    <a:masterClrMapping/>
+  </p:clrMapOvr>
+  <p:timing>
+    <p:tnLst>
+      <p:par>
+        <p:cTn xmlns:p14="http://schemas.microsoft.com/office/powerpoint/2010/main" id="1" dur="indefinite" restart="never" nodeType="tmRoot"/>
+      </p:par>
+    </p:tnLst>
+  </p:timing>
+</p:sld>
+</file>
+
+<file path=ppt/slides/slide20.xml><?xml version="1.0" encoding="utf-8"?>
+<p:sld xmlns:a="http://schemas.openxmlformats.org/drawingml/2006/main" xmlns:r="http://schemas.openxmlformats.org/officeDocument/2006/relationships" xmlns:p="http://schemas.openxmlformats.org/presentationml/2006/main">
+  <p:cSld>
+    <p:spTree>
+      <p:nvGrpSpPr>
+        <p:cNvPr id="1" name=""/>
+        <p:cNvGrpSpPr/>
+        <p:nvPr/>
+      </p:nvGrpSpPr>
+      <p:grpSpPr>
+        <a:xfrm>
+          <a:off x="0" y="0"/>
+          <a:ext cx="0" cy="0"/>
+          <a:chOff x="0" y="0"/>
+          <a:chExt cx="0" cy="0"/>
+        </a:xfrm>
+      </p:grpSpPr>
+      <p:sp>
+        <p:nvSpPr>
+          <p:cNvPr id="2" name="Titre 1"/>
+          <p:cNvSpPr>
+            <a:spLocks noGrp="1"/>
+          </p:cNvSpPr>
+          <p:nvPr>
+            <p:ph type="title"/>
+          </p:nvPr>
+        </p:nvSpPr>
+        <p:spPr/>
+        <p:txBody>
+          <a:bodyPr/>
+          <a:lstStyle/>
+          <a:p>
+            <a:pPr algn="ctr"/>
+            <a:r>
+              <a:rPr lang="fr-FR" dirty="0" smtClean="0"/>
+              <a:t>SPEC </a:t>
+            </a:r>
+            <a:r>
+              <a:rPr lang="fr-FR" dirty="0" smtClean="0"/>
+              <a:t>BASE SUITE</a:t>
+            </a:r>
+            <a:endParaRPr lang="fr-FR" dirty="0"/>
+          </a:p>
+        </p:txBody>
+      </p:sp>
+      <p:sp>
+        <p:nvSpPr>
+          <p:cNvPr id="3" name="Espace réservé du contenu 2"/>
+          <p:cNvSpPr>
+            <a:spLocks noGrp="1"/>
+          </p:cNvSpPr>
+          <p:nvPr>
+            <p:ph idx="1"/>
+          </p:nvPr>
+        </p:nvSpPr>
+        <p:spPr/>
+        <p:txBody>
+          <a:bodyPr/>
+          <a:lstStyle/>
+          <a:p>
+            <a:r>
+              <a:rPr lang="fr-FR" dirty="0" smtClean="0"/>
+              <a:t>AUTONOMIE {4 fois celle du Drone}</a:t>
+            </a:r>
+          </a:p>
+          <a:p>
+            <a:r>
+              <a:rPr lang="fr-FR" dirty="0" smtClean="0"/>
+              <a:t>Encombrement</a:t>
+            </a:r>
+          </a:p>
+          <a:p>
+            <a:pPr marL="0" indent="0">
+              <a:buNone/>
+            </a:pPr>
+            <a:endParaRPr lang="fr-FR" dirty="0" smtClean="0"/>
+          </a:p>
+        </p:txBody>
+      </p:sp>
+      <p:pic>
+        <p:nvPicPr>
+          <p:cNvPr id="4" name="Image 3" descr="Macintosh HD:Users:texierpierre-jean:Desktop:Capture d’écran 2011-12-16 à 14.42.02.png"/>
+          <p:cNvPicPr/>
+          <p:nvPr/>
+        </p:nvPicPr>
+        <p:blipFill>
+          <a:blip r:embed="rId2">
+            <a:extLst>
+              <a:ext uri="{28A0092B-C50C-407E-A947-70E740481C1C}">
+                <a14:useLocalDpi xmlns:a14="http://schemas.microsoft.com/office/drawing/2010/main" val="0"/>
+              </a:ext>
+            </a:extLst>
+          </a:blip>
+          <a:srcRect/>
+          <a:stretch>
+            <a:fillRect/>
+          </a:stretch>
+        </p:blipFill>
+        <p:spPr bwMode="auto">
+          <a:xfrm>
+            <a:off x="8019538" y="234160"/>
+            <a:ext cx="820176" cy="373292"/>
+          </a:xfrm>
+          <a:prstGeom prst="roundRect">
+            <a:avLst>
+              <a:gd name="adj" fmla="val 16667"/>
+            </a:avLst>
+          </a:prstGeom>
+          <a:ln>
+            <a:noFill/>
+          </a:ln>
+          <a:effectLst>
+            <a:outerShdw blurRad="76200" dist="38100" dir="7800000" algn="tl" rotWithShape="0">
+              <a:srgbClr val="000000">
+                <a:alpha val="40000"/>
+              </a:srgbClr>
+            </a:outerShdw>
+          </a:effectLst>
+          <a:scene3d>
+            <a:camera prst="orthographicFront"/>
+            <a:lightRig rig="contrasting" dir="t">
+              <a:rot lat="0" lon="0" rev="4200000"/>
+            </a:lightRig>
+          </a:scene3d>
+          <a:sp3d prstMaterial="plastic">
+            <a:bevelT w="381000" h="114300" prst="relaxedInset"/>
+            <a:contourClr>
+              <a:srgbClr val="969696"/>
+            </a:contourClr>
+          </a:sp3d>
+        </p:spPr>
+      </p:pic>
+    </p:spTree>
+    <p:extLst>
+      <p:ext uri="{BB962C8B-B14F-4D97-AF65-F5344CB8AC3E}">
+        <p14:creationId xmlns:p14="http://schemas.microsoft.com/office/powerpoint/2010/main" val="34394077"/>
+      </p:ext>
+    </p:extLst>
+  </p:cSld>
+  <p:clrMapOvr>
+    <a:masterClrMapping/>
+  </p:clrMapOvr>
+  <p:timing>
+    <p:tnLst>
+      <p:par>
+        <p:cTn xmlns:p14="http://schemas.microsoft.com/office/powerpoint/2010/main" id="1" dur="indefinite" restart="never" nodeType="tmRoot"/>
+      </p:par>
+    </p:tnLst>
+  </p:timing>
+</p:sld>
+</file>
+
+<file path=ppt/slides/slide21.xml><?xml version="1.0" encoding="utf-8"?>
+<p:sld xmlns:a="http://schemas.openxmlformats.org/drawingml/2006/main" xmlns:r="http://schemas.openxmlformats.org/officeDocument/2006/relationships" xmlns:p="http://schemas.openxmlformats.org/presentationml/2006/main">
+  <p:cSld>
+    <p:spTree>
+      <p:nvGrpSpPr>
+        <p:cNvPr id="1" name=""/>
+        <p:cNvGrpSpPr/>
+        <p:nvPr/>
+      </p:nvGrpSpPr>
+      <p:grpSpPr>
+        <a:xfrm>
+          <a:off x="0" y="0"/>
+          <a:ext cx="0" cy="0"/>
+          <a:chOff x="0" y="0"/>
+          <a:chExt cx="0" cy="0"/>
+        </a:xfrm>
+      </p:grpSpPr>
+      <p:sp>
+        <p:nvSpPr>
+          <p:cNvPr id="2" name="Titre 1"/>
+          <p:cNvSpPr>
+            <a:spLocks noGrp="1"/>
+          </p:cNvSpPr>
+          <p:nvPr>
+            <p:ph type="title"/>
+          </p:nvPr>
+        </p:nvSpPr>
+        <p:spPr/>
+        <p:txBody>
+          <a:bodyPr/>
+          <a:lstStyle/>
+          <a:p>
+            <a:pPr algn="ctr"/>
+            <a:r>
+              <a:rPr lang="fr-FR" dirty="0" smtClean="0"/>
+              <a:t>IHM graphique</a:t>
+            </a:r>
+            <a:endParaRPr lang="fr-FR" dirty="0"/>
+          </a:p>
+        </p:txBody>
+      </p:sp>
+      <p:sp>
+        <p:nvSpPr>
+          <p:cNvPr id="3" name="Espace réservé du contenu 2"/>
+          <p:cNvSpPr>
+            <a:spLocks noGrp="1"/>
+          </p:cNvSpPr>
+          <p:nvPr>
+            <p:ph idx="1"/>
+          </p:nvPr>
+        </p:nvSpPr>
+        <p:spPr/>
+        <p:txBody>
+          <a:bodyPr>
+            <a:normAutofit fontScale="92500" lnSpcReduction="10000"/>
+          </a:bodyPr>
+          <a:lstStyle/>
+          <a:p>
+            <a:r>
+              <a:rPr lang="fr-FR" dirty="0" smtClean="0"/>
+              <a:t>TOUCHSCREEN / </a:t>
+            </a:r>
+            <a:r>
+              <a:rPr lang="fr-FR" dirty="0"/>
+              <a:t>Configurable</a:t>
+            </a:r>
+          </a:p>
+          <a:p>
+            <a:pPr lvl="1"/>
+            <a:r>
+              <a:rPr lang="fr-FR" dirty="0"/>
+              <a:t>Réception </a:t>
+            </a:r>
+            <a:r>
+              <a:rPr lang="fr-FR" dirty="0" smtClean="0"/>
+              <a:t>Informations </a:t>
+            </a:r>
+            <a:r>
+              <a:rPr lang="fr-FR" dirty="0"/>
+              <a:t>Drone</a:t>
+            </a:r>
+          </a:p>
+          <a:p>
+            <a:pPr lvl="2"/>
+            <a:r>
+              <a:rPr lang="fr-FR" dirty="0"/>
+              <a:t>Altitude</a:t>
+            </a:r>
+          </a:p>
+          <a:p>
+            <a:pPr lvl="2"/>
+            <a:r>
+              <a:rPr lang="fr-FR" dirty="0"/>
+              <a:t>Position GPS</a:t>
+            </a:r>
+          </a:p>
+          <a:p>
+            <a:pPr lvl="2"/>
+            <a:r>
+              <a:rPr lang="fr-FR" dirty="0"/>
+              <a:t>Horizon </a:t>
+            </a:r>
+            <a:r>
+              <a:rPr lang="fr-FR" dirty="0" smtClean="0"/>
+              <a:t>Artificiel</a:t>
+            </a:r>
+          </a:p>
+          <a:p>
+            <a:pPr lvl="2"/>
+            <a:r>
+              <a:rPr lang="fr-FR" dirty="0" smtClean="0"/>
+              <a:t>Retour Vidéo</a:t>
+            </a:r>
+            <a:endParaRPr lang="fr-FR" dirty="0"/>
+          </a:p>
+          <a:p>
+            <a:pPr lvl="2"/>
+            <a:r>
+              <a:rPr lang="fr-FR" dirty="0"/>
+              <a:t>Niveau de charge Batterie</a:t>
+            </a:r>
+          </a:p>
+          <a:p>
+            <a:pPr lvl="2"/>
+            <a:r>
+              <a:rPr lang="fr-FR" dirty="0"/>
+              <a:t>Signal RF</a:t>
+            </a:r>
+          </a:p>
+          <a:p>
+            <a:pPr marL="0" indent="0">
+              <a:buNone/>
+            </a:pPr>
+            <a:endParaRPr lang="fr-FR" dirty="0"/>
+          </a:p>
+        </p:txBody>
+      </p:sp>
+      <p:pic>
+        <p:nvPicPr>
+          <p:cNvPr id="5" name="Picture 1028" descr="G:\documentation\OpenGL\ES2.0\presentation\defensescreen.jpg"/>
+          <p:cNvPicPr>
+            <a:picLocks noChangeAspect="1" noChangeArrowheads="1"/>
+          </p:cNvPicPr>
+          <p:nvPr/>
+        </p:nvPicPr>
+        <p:blipFill>
+          <a:blip r:embed="rId2">
+            <a:extLst>
+              <a:ext uri="{28A0092B-C50C-407E-A947-70E740481C1C}">
+                <a14:useLocalDpi xmlns:a14="http://schemas.microsoft.com/office/drawing/2010/main" val="0"/>
+              </a:ext>
+            </a:extLst>
+          </a:blip>
+          <a:srcRect/>
+          <a:stretch>
+            <a:fillRect/>
+          </a:stretch>
+        </p:blipFill>
+        <p:spPr bwMode="auto">
+          <a:xfrm>
+            <a:off x="7097889" y="1384523"/>
+            <a:ext cx="1933930" cy="1420766"/>
+          </a:xfrm>
+          <a:prstGeom prst="rect">
+            <a:avLst/>
+          </a:prstGeom>
+          <a:noFill/>
+          <a:extLst>
+            <a:ext uri="{909E8E84-426E-40dd-AFC4-6F175D3DCCD1}">
+              <a14:hiddenFill xmlns:a14="http://schemas.microsoft.com/office/drawing/2010/main">
+                <a:solidFill>
+                  <a:srgbClr val="FFFFFF"/>
+                </a:solidFill>
+              </a14:hiddenFill>
+            </a:ext>
+          </a:extLst>
+        </p:spPr>
+      </p:pic>
+      <p:pic>
+        <p:nvPicPr>
+          <p:cNvPr id="6" name="Image 5" descr="Macintosh HD:Users:texierpierre-jean:Desktop:Capture d’écran 2011-12-16 à 14.42.02.png"/>
+          <p:cNvPicPr/>
+          <p:nvPr/>
+        </p:nvPicPr>
+        <p:blipFill>
+          <a:blip r:embed="rId3">
+            <a:extLst>
+              <a:ext uri="{28A0092B-C50C-407E-A947-70E740481C1C}">
+                <a14:useLocalDpi xmlns:a14="http://schemas.microsoft.com/office/drawing/2010/main" val="0"/>
+              </a:ext>
+            </a:extLst>
+          </a:blip>
+          <a:srcRect/>
+          <a:stretch>
+            <a:fillRect/>
+          </a:stretch>
+        </p:blipFill>
+        <p:spPr bwMode="auto">
+          <a:xfrm>
+            <a:off x="8019538" y="234160"/>
+            <a:ext cx="820176" cy="373292"/>
+          </a:xfrm>
+          <a:prstGeom prst="roundRect">
+            <a:avLst>
+              <a:gd name="adj" fmla="val 16667"/>
+            </a:avLst>
+          </a:prstGeom>
+          <a:ln>
+            <a:noFill/>
+          </a:ln>
+          <a:effectLst>
+            <a:outerShdw blurRad="76200" dist="38100" dir="7800000" algn="tl" rotWithShape="0">
+              <a:srgbClr val="000000">
+                <a:alpha val="40000"/>
+              </a:srgbClr>
+            </a:outerShdw>
+          </a:effectLst>
+          <a:scene3d>
+            <a:camera prst="orthographicFront"/>
+            <a:lightRig rig="contrasting" dir="t">
+              <a:rot lat="0" lon="0" rev="4200000"/>
+            </a:lightRig>
+          </a:scene3d>
+          <a:sp3d prstMaterial="plastic">
+            <a:bevelT w="381000" h="114300" prst="relaxedInset"/>
+            <a:contourClr>
+              <a:srgbClr val="969696"/>
+            </a:contourClr>
+          </a:sp3d>
+        </p:spPr>
+      </p:pic>
+    </p:spTree>
+    <p:extLst>
+      <p:ext uri="{BB962C8B-B14F-4D97-AF65-F5344CB8AC3E}">
+        <p14:creationId xmlns:p14="http://schemas.microsoft.com/office/powerpoint/2010/main" val="195312519"/>
+      </p:ext>
+    </p:extLst>
+  </p:cSld>
+  <p:clrMapOvr>
+    <a:masterClrMapping/>
+  </p:clrMapOvr>
+  <p:timing>
+    <p:tnLst>
+      <p:par>
+        <p:cTn xmlns:p14="http://schemas.microsoft.com/office/powerpoint/2010/main" id="1" dur="indefinite" restart="never" nodeType="tmRoot"/>
+      </p:par>
+    </p:tnLst>
+  </p:timing>
+</p:sld>
+</file>
+
+<file path=ppt/slides/slide22.xml><?xml version="1.0" encoding="utf-8"?>
+<p:sld xmlns:a="http://schemas.openxmlformats.org/drawingml/2006/main" xmlns:r="http://schemas.openxmlformats.org/officeDocument/2006/relationships" xmlns:p="http://schemas.openxmlformats.org/presentationml/2006/main">
+  <p:cSld>
+    <p:spTree>
+      <p:nvGrpSpPr>
+        <p:cNvPr id="1" name=""/>
+        <p:cNvGrpSpPr/>
+        <p:nvPr/>
+      </p:nvGrpSpPr>
+      <p:grpSpPr>
+        <a:xfrm>
+          <a:off x="0" y="0"/>
+          <a:ext cx="0" cy="0"/>
+          <a:chOff x="0" y="0"/>
+          <a:chExt cx="0" cy="0"/>
+        </a:xfrm>
+      </p:grpSpPr>
+      <p:sp>
+        <p:nvSpPr>
+          <p:cNvPr id="2" name="Titre 1"/>
+          <p:cNvSpPr>
+            <a:spLocks noGrp="1"/>
+          </p:cNvSpPr>
+          <p:nvPr>
+            <p:ph type="title"/>
+          </p:nvPr>
+        </p:nvSpPr>
+        <p:spPr/>
+        <p:txBody>
+          <a:bodyPr/>
+          <a:lstStyle/>
+          <a:p>
+            <a:pPr algn="ctr"/>
+            <a:r>
+              <a:rPr lang="fr-FR" dirty="0" smtClean="0"/>
+              <a:t>Commandes de vol</a:t>
+            </a:r>
+            <a:endParaRPr lang="fr-FR" dirty="0"/>
+          </a:p>
+        </p:txBody>
+      </p:sp>
+      <p:sp>
+        <p:nvSpPr>
+          <p:cNvPr id="3" name="Espace réservé du contenu 2"/>
+          <p:cNvSpPr>
+            <a:spLocks noGrp="1"/>
+          </p:cNvSpPr>
+          <p:nvPr>
+            <p:ph idx="1"/>
+          </p:nvPr>
+        </p:nvSpPr>
+        <p:spPr/>
+        <p:txBody>
+          <a:bodyPr/>
+          <a:lstStyle/>
+          <a:p>
+            <a:r>
+              <a:rPr lang="fr-FR" dirty="0" err="1" smtClean="0"/>
+              <a:t>Joysctick</a:t>
+            </a:r>
+            <a:endParaRPr lang="fr-FR" dirty="0" smtClean="0"/>
+          </a:p>
+          <a:p>
+            <a:r>
+              <a:rPr lang="fr-FR" dirty="0" smtClean="0"/>
+              <a:t>Troll</a:t>
+            </a:r>
+          </a:p>
+          <a:p>
+            <a:r>
+              <a:rPr lang="fr-FR" dirty="0" smtClean="0"/>
+              <a:t>Gestion axe caméra (Vol immersif</a:t>
+            </a:r>
+            <a:r>
+              <a:rPr lang="fr-FR" dirty="0" smtClean="0"/>
+              <a:t>)</a:t>
+            </a:r>
+          </a:p>
+          <a:p>
+            <a:pPr lvl="1"/>
+            <a:r>
+              <a:rPr lang="fr-FR" dirty="0" smtClean="0"/>
+              <a:t>A</a:t>
+            </a:r>
+            <a:r>
+              <a:rPr lang="fr-FR" dirty="0" smtClean="0"/>
+              <a:t>xe vertical</a:t>
+            </a:r>
+            <a:endParaRPr lang="fr-FR" dirty="0" smtClean="0"/>
+          </a:p>
+          <a:p>
+            <a:pPr marL="0" indent="0">
+              <a:buNone/>
+            </a:pPr>
+            <a:endParaRPr lang="fr-FR" dirty="0"/>
+          </a:p>
+        </p:txBody>
+      </p:sp>
+      <p:pic>
+        <p:nvPicPr>
+          <p:cNvPr id="4" name="Image 3" descr="Macintosh HD:Users:texierpierre-jean:Desktop:Capture d’écran 2011-12-16 à 14.42.02.png"/>
+          <p:cNvPicPr/>
+          <p:nvPr/>
+        </p:nvPicPr>
+        <p:blipFill>
+          <a:blip r:embed="rId2">
+            <a:extLst>
+              <a:ext uri="{28A0092B-C50C-407E-A947-70E740481C1C}">
+                <a14:useLocalDpi xmlns:a14="http://schemas.microsoft.com/office/drawing/2010/main" val="0"/>
+              </a:ext>
+            </a:extLst>
+          </a:blip>
+          <a:srcRect/>
+          <a:stretch>
+            <a:fillRect/>
+          </a:stretch>
+        </p:blipFill>
+        <p:spPr bwMode="auto">
+          <a:xfrm>
+            <a:off x="8019538" y="234160"/>
+            <a:ext cx="820176" cy="373292"/>
+          </a:xfrm>
+          <a:prstGeom prst="roundRect">
+            <a:avLst>
+              <a:gd name="adj" fmla="val 16667"/>
+            </a:avLst>
+          </a:prstGeom>
+          <a:ln>
+            <a:noFill/>
+          </a:ln>
+          <a:effectLst>
+            <a:outerShdw blurRad="76200" dist="38100" dir="7800000" algn="tl" rotWithShape="0">
+              <a:srgbClr val="000000">
+                <a:alpha val="40000"/>
+              </a:srgbClr>
+            </a:outerShdw>
+          </a:effectLst>
+          <a:scene3d>
+            <a:camera prst="orthographicFront"/>
+            <a:lightRig rig="contrasting" dir="t">
+              <a:rot lat="0" lon="0" rev="4200000"/>
+            </a:lightRig>
+          </a:scene3d>
+          <a:sp3d prstMaterial="plastic">
+            <a:bevelT w="381000" h="114300" prst="relaxedInset"/>
+            <a:contourClr>
+              <a:srgbClr val="969696"/>
+            </a:contourClr>
+          </a:sp3d>
+        </p:spPr>
+      </p:pic>
+    </p:spTree>
+    <p:extLst>
+      <p:ext uri="{BB962C8B-B14F-4D97-AF65-F5344CB8AC3E}">
+        <p14:creationId xmlns:p14="http://schemas.microsoft.com/office/powerpoint/2010/main" val="3475424005"/>
+      </p:ext>
+    </p:extLst>
+  </p:cSld>
+  <p:clrMapOvr>
+    <a:masterClrMapping/>
+  </p:clrMapOvr>
+  <p:timing>
+    <p:tnLst>
+      <p:par>
+        <p:cTn xmlns:p14="http://schemas.microsoft.com/office/powerpoint/2010/main" id="1" dur="indefinite" restart="never" nodeType="tmRoot"/>
+      </p:par>
+    </p:tnLst>
+  </p:timing>
+</p:sld>
+</file>
+
+<file path=ppt/slides/slide23.xml><?xml version="1.0" encoding="utf-8"?>
+<p:sld xmlns:a="http://schemas.openxmlformats.org/drawingml/2006/main" xmlns:r="http://schemas.openxmlformats.org/officeDocument/2006/relationships" xmlns:p="http://schemas.openxmlformats.org/presentationml/2006/main">
+  <p:cSld>
+    <p:spTree>
+      <p:nvGrpSpPr>
+        <p:cNvPr id="1" name=""/>
+        <p:cNvGrpSpPr/>
+        <p:nvPr/>
+      </p:nvGrpSpPr>
+      <p:grpSpPr>
+        <a:xfrm>
+          <a:off x="0" y="0"/>
+          <a:ext cx="0" cy="0"/>
+          <a:chOff x="0" y="0"/>
+          <a:chExt cx="0" cy="0"/>
+        </a:xfrm>
+      </p:grpSpPr>
+      <p:sp>
+        <p:nvSpPr>
+          <p:cNvPr id="2" name="Titre 1"/>
+          <p:cNvSpPr>
+            <a:spLocks noGrp="1"/>
+          </p:cNvSpPr>
+          <p:nvPr>
+            <p:ph type="title"/>
+          </p:nvPr>
+        </p:nvSpPr>
+        <p:spPr/>
+        <p:txBody>
+          <a:bodyPr/>
+          <a:lstStyle/>
+          <a:p>
+            <a:pPr algn="ctr"/>
+            <a:r>
+              <a:rPr lang="fr-FR" dirty="0" smtClean="0"/>
+              <a:t>FONCTIONNEL 1</a:t>
+            </a:r>
+            <a:r>
+              <a:rPr lang="fr-FR" baseline="30000" dirty="0" smtClean="0"/>
+              <a:t>er</a:t>
+            </a:r>
+            <a:r>
+              <a:rPr lang="fr-FR" dirty="0" smtClean="0"/>
+              <a:t> niveau</a:t>
+            </a:r>
+            <a:endParaRPr lang="fr-FR" dirty="0"/>
+          </a:p>
+        </p:txBody>
+      </p:sp>
+      <p:sp>
+        <p:nvSpPr>
+          <p:cNvPr id="3" name="Espace réservé du contenu 2"/>
+          <p:cNvSpPr>
+            <a:spLocks noGrp="1"/>
+          </p:cNvSpPr>
+          <p:nvPr>
+            <p:ph idx="1"/>
+          </p:nvPr>
+        </p:nvSpPr>
+        <p:spPr/>
+        <p:txBody>
+          <a:bodyPr/>
+          <a:lstStyle/>
+          <a:p>
+            <a:endParaRPr lang="fr-FR"/>
+          </a:p>
+        </p:txBody>
+      </p:sp>
+      <p:pic>
+        <p:nvPicPr>
+          <p:cNvPr id="4" name="Image 3" descr="Macintosh HD:Users:texierpierre-jean:Desktop:Capture d’écran 2011-12-16 à 14.42.02.png"/>
+          <p:cNvPicPr/>
+          <p:nvPr/>
+        </p:nvPicPr>
+        <p:blipFill>
+          <a:blip r:embed="rId2">
+            <a:extLst>
+              <a:ext uri="{28A0092B-C50C-407E-A947-70E740481C1C}">
+                <a14:useLocalDpi xmlns:a14="http://schemas.microsoft.com/office/drawing/2010/main" val="0"/>
+              </a:ext>
+            </a:extLst>
+          </a:blip>
+          <a:srcRect/>
+          <a:stretch>
+            <a:fillRect/>
+          </a:stretch>
+        </p:blipFill>
+        <p:spPr bwMode="auto">
+          <a:xfrm>
+            <a:off x="8019538" y="234160"/>
+            <a:ext cx="820176" cy="373292"/>
+          </a:xfrm>
+          <a:prstGeom prst="roundRect">
+            <a:avLst>
+              <a:gd name="adj" fmla="val 16667"/>
+            </a:avLst>
+          </a:prstGeom>
+          <a:ln>
+            <a:noFill/>
+          </a:ln>
+          <a:effectLst>
+            <a:outerShdw blurRad="76200" dist="38100" dir="7800000" algn="tl" rotWithShape="0">
+              <a:srgbClr val="000000">
+                <a:alpha val="40000"/>
+              </a:srgbClr>
+            </a:outerShdw>
+          </a:effectLst>
+          <a:scene3d>
+            <a:camera prst="orthographicFront"/>
+            <a:lightRig rig="contrasting" dir="t">
+              <a:rot lat="0" lon="0" rev="4200000"/>
+            </a:lightRig>
+          </a:scene3d>
+          <a:sp3d prstMaterial="plastic">
+            <a:bevelT w="381000" h="114300" prst="relaxedInset"/>
+            <a:contourClr>
+              <a:srgbClr val="969696"/>
+            </a:contourClr>
+          </a:sp3d>
+        </p:spPr>
+      </p:pic>
+    </p:spTree>
+    <p:extLst>
+      <p:ext uri="{BB962C8B-B14F-4D97-AF65-F5344CB8AC3E}">
+        <p14:creationId xmlns:p14="http://schemas.microsoft.com/office/powerpoint/2010/main" val="87579684"/>
+      </p:ext>
+    </p:extLst>
+  </p:cSld>
+  <p:clrMapOvr>
+    <a:masterClrMapping/>
+  </p:clrMapOvr>
+  <p:timing>
+    <p:tnLst>
+      <p:par>
+        <p:cTn xmlns:p14="http://schemas.microsoft.com/office/powerpoint/2010/main" id="1" dur="indefinite" restart="never" nodeType="tmRoot"/>
+      </p:par>
+    </p:tnLst>
+  </p:timing>
+</p:sld>
+</file>
+
+<file path=ppt/slides/slide24.xml><?xml version="1.0" encoding="utf-8"?>
+<p:sld xmlns:a="http://schemas.openxmlformats.org/drawingml/2006/main" xmlns:r="http://schemas.openxmlformats.org/officeDocument/2006/relationships" xmlns:p="http://schemas.openxmlformats.org/presentationml/2006/main">
+  <p:cSld>
+    <p:spTree>
+      <p:nvGrpSpPr>
+        <p:cNvPr id="1" name=""/>
+        <p:cNvGrpSpPr/>
+        <p:nvPr/>
+      </p:nvGrpSpPr>
+      <p:grpSpPr>
+        <a:xfrm>
+          <a:off x="0" y="0"/>
+          <a:ext cx="0" cy="0"/>
+          <a:chOff x="0" y="0"/>
+          <a:chExt cx="0" cy="0"/>
+        </a:xfrm>
+      </p:grpSpPr>
+      <p:sp>
+        <p:nvSpPr>
+          <p:cNvPr id="2" name="Titre 1"/>
+          <p:cNvSpPr>
+            <a:spLocks noGrp="1"/>
+          </p:cNvSpPr>
+          <p:nvPr>
+            <p:ph type="title"/>
+          </p:nvPr>
+        </p:nvSpPr>
+        <p:spPr/>
+        <p:txBody>
+          <a:bodyPr/>
+          <a:lstStyle/>
+          <a:p>
+            <a:pPr algn="ctr"/>
+            <a:r>
+              <a:rPr lang="fr-FR" dirty="0" smtClean="0"/>
+              <a:t>FONCTIONNEL 2</a:t>
+            </a:r>
+            <a:r>
+              <a:rPr lang="fr-FR" baseline="30000" dirty="0" smtClean="0"/>
+              <a:t>nd</a:t>
+            </a:r>
+            <a:r>
+              <a:rPr lang="fr-FR" dirty="0" smtClean="0"/>
+              <a:t> degré</a:t>
+            </a:r>
+            <a:endParaRPr lang="fr-FR" dirty="0"/>
+          </a:p>
+        </p:txBody>
+      </p:sp>
+      <p:sp>
+        <p:nvSpPr>
+          <p:cNvPr id="3" name="Espace réservé du contenu 2"/>
+          <p:cNvSpPr>
+            <a:spLocks noGrp="1"/>
+          </p:cNvSpPr>
+          <p:nvPr>
+            <p:ph idx="1"/>
+          </p:nvPr>
+        </p:nvSpPr>
+        <p:spPr/>
+        <p:txBody>
+          <a:bodyPr/>
+          <a:lstStyle/>
+          <a:p>
+            <a:endParaRPr lang="fr-FR"/>
+          </a:p>
+        </p:txBody>
+      </p:sp>
+      <p:pic>
+        <p:nvPicPr>
+          <p:cNvPr id="4" name="Image 3" descr="Macintosh HD:Users:texierpierre-jean:Desktop:Capture d’écran 2011-12-16 à 14.42.02.png"/>
+          <p:cNvPicPr/>
+          <p:nvPr/>
+        </p:nvPicPr>
+        <p:blipFill>
+          <a:blip r:embed="rId2">
+            <a:extLst>
+              <a:ext uri="{28A0092B-C50C-407E-A947-70E740481C1C}">
+                <a14:useLocalDpi xmlns:a14="http://schemas.microsoft.com/office/drawing/2010/main" val="0"/>
+              </a:ext>
+            </a:extLst>
+          </a:blip>
+          <a:srcRect/>
+          <a:stretch>
+            <a:fillRect/>
+          </a:stretch>
+        </p:blipFill>
+        <p:spPr bwMode="auto">
+          <a:xfrm>
+            <a:off x="8019538" y="234160"/>
+            <a:ext cx="820176" cy="373292"/>
+          </a:xfrm>
+          <a:prstGeom prst="roundRect">
+            <a:avLst>
+              <a:gd name="adj" fmla="val 16667"/>
+            </a:avLst>
+          </a:prstGeom>
+          <a:ln>
+            <a:noFill/>
+          </a:ln>
+          <a:effectLst>
+            <a:outerShdw blurRad="76200" dist="38100" dir="7800000" algn="tl" rotWithShape="0">
+              <a:srgbClr val="000000">
+                <a:alpha val="40000"/>
+              </a:srgbClr>
+            </a:outerShdw>
+          </a:effectLst>
+          <a:scene3d>
+            <a:camera prst="orthographicFront"/>
+            <a:lightRig rig="contrasting" dir="t">
+              <a:rot lat="0" lon="0" rev="4200000"/>
+            </a:lightRig>
+          </a:scene3d>
+          <a:sp3d prstMaterial="plastic">
+            <a:bevelT w="381000" h="114300" prst="relaxedInset"/>
+            <a:contourClr>
+              <a:srgbClr val="969696"/>
+            </a:contourClr>
+          </a:sp3d>
+        </p:spPr>
+      </p:pic>
+    </p:spTree>
+    <p:extLst>
+      <p:ext uri="{BB962C8B-B14F-4D97-AF65-F5344CB8AC3E}">
+        <p14:creationId xmlns:p14="http://schemas.microsoft.com/office/powerpoint/2010/main" val="2572504696"/>
+      </p:ext>
+    </p:extLst>
+  </p:cSld>
+  <p:clrMapOvr>
+    <a:masterClrMapping/>
+  </p:clrMapOvr>
+  <p:timing>
+    <p:tnLst>
+      <p:par>
+        <p:cTn xmlns:p14="http://schemas.microsoft.com/office/powerpoint/2010/main" id="1" dur="indefinite" restart="never" nodeType="tmRoot"/>
+      </p:par>
+    </p:tnLst>
+  </p:timing>
+</p:sld>
+</file>
+
+<file path=ppt/slides/slide25.xml><?xml version="1.0" encoding="utf-8"?>
+<p:sld xmlns:a="http://schemas.openxmlformats.org/drawingml/2006/main" xmlns:r="http://schemas.openxmlformats.org/officeDocument/2006/relationships" xmlns:p="http://schemas.openxmlformats.org/presentationml/2006/main">
+  <p:cSld>
+    <p:spTree>
+      <p:nvGrpSpPr>
+        <p:cNvPr id="1" name=""/>
+        <p:cNvGrpSpPr/>
+        <p:nvPr/>
+      </p:nvGrpSpPr>
+      <p:grpSpPr>
+        <a:xfrm>
+          <a:off x="0" y="0"/>
+          <a:ext cx="0" cy="0"/>
+          <a:chOff x="0" y="0"/>
+          <a:chExt cx="0" cy="0"/>
+        </a:xfrm>
+      </p:grpSpPr>
+      <p:sp>
+        <p:nvSpPr>
+          <p:cNvPr id="2" name="Titre 1"/>
+          <p:cNvSpPr>
+            <a:spLocks noGrp="1"/>
+          </p:cNvSpPr>
+          <p:nvPr>
+            <p:ph type="title"/>
+          </p:nvPr>
+        </p:nvSpPr>
+        <p:spPr/>
+        <p:txBody>
+          <a:bodyPr/>
+          <a:lstStyle/>
+          <a:p>
+            <a:pPr algn="ctr"/>
+            <a:r>
+              <a:rPr lang="fr-FR" dirty="0" smtClean="0"/>
+              <a:t>« WBS : </a:t>
+            </a:r>
+            <a:r>
+              <a:rPr lang="fr-FR" dirty="0" err="1" smtClean="0">
+                <a:solidFill>
+                  <a:srgbClr val="FFFF00"/>
+                </a:solidFill>
+              </a:rPr>
+              <a:t>W</a:t>
+            </a:r>
+            <a:r>
+              <a:rPr lang="fr-FR" dirty="0" err="1" smtClean="0"/>
+              <a:t>ork</a:t>
+            </a:r>
+            <a:r>
+              <a:rPr lang="fr-FR" dirty="0" smtClean="0"/>
+              <a:t> </a:t>
+            </a:r>
+            <a:r>
+              <a:rPr lang="fr-FR" dirty="0" smtClean="0">
+                <a:solidFill>
+                  <a:srgbClr val="FFFF00"/>
+                </a:solidFill>
+              </a:rPr>
+              <a:t>B</a:t>
+            </a:r>
+            <a:r>
+              <a:rPr lang="fr-FR" dirty="0" smtClean="0"/>
+              <a:t>reakdown </a:t>
+            </a:r>
+            <a:r>
+              <a:rPr lang="fr-FR" dirty="0" smtClean="0">
+                <a:solidFill>
+                  <a:srgbClr val="FFFF00"/>
+                </a:solidFill>
+              </a:rPr>
+              <a:t>S</a:t>
+            </a:r>
+            <a:r>
+              <a:rPr lang="fr-FR" dirty="0" smtClean="0"/>
+              <a:t>tructure </a:t>
+            </a:r>
+            <a:r>
+              <a:rPr lang="fr-FR" dirty="0" smtClean="0"/>
+              <a:t>»</a:t>
+            </a:r>
+            <a:endParaRPr lang="fr-FR" dirty="0"/>
+          </a:p>
+        </p:txBody>
+      </p:sp>
+      <p:pic>
+        <p:nvPicPr>
+          <p:cNvPr id="4" name="Image 3" descr="Macintosh HD:Users:texierpierre-jean:Desktop:Capture d’écran 2011-12-16 à 14.42.02.png"/>
+          <p:cNvPicPr/>
+          <p:nvPr/>
+        </p:nvPicPr>
+        <p:blipFill>
+          <a:blip r:embed="rId2">
+            <a:extLst>
+              <a:ext uri="{28A0092B-C50C-407E-A947-70E740481C1C}">
+                <a14:useLocalDpi xmlns:a14="http://schemas.microsoft.com/office/drawing/2010/main" val="0"/>
+              </a:ext>
+            </a:extLst>
+          </a:blip>
+          <a:srcRect/>
+          <a:stretch>
+            <a:fillRect/>
+          </a:stretch>
+        </p:blipFill>
+        <p:spPr bwMode="auto">
+          <a:xfrm>
+            <a:off x="8019538" y="234160"/>
+            <a:ext cx="820176" cy="373292"/>
+          </a:xfrm>
+          <a:prstGeom prst="roundRect">
+            <a:avLst>
+              <a:gd name="adj" fmla="val 16667"/>
+            </a:avLst>
+          </a:prstGeom>
+          <a:ln>
+            <a:noFill/>
+          </a:ln>
+          <a:effectLst>
+            <a:outerShdw blurRad="76200" dist="38100" dir="7800000" algn="tl" rotWithShape="0">
+              <a:srgbClr val="000000">
+                <a:alpha val="40000"/>
+              </a:srgbClr>
+            </a:outerShdw>
+          </a:effectLst>
+          <a:scene3d>
+            <a:camera prst="orthographicFront"/>
+            <a:lightRig rig="contrasting" dir="t">
+              <a:rot lat="0" lon="0" rev="4200000"/>
+            </a:lightRig>
+          </a:scene3d>
+          <a:sp3d prstMaterial="plastic">
+            <a:bevelT w="381000" h="114300" prst="relaxedInset"/>
+            <a:contourClr>
+              <a:srgbClr val="969696"/>
+            </a:contourClr>
+          </a:sp3d>
+        </p:spPr>
+      </p:pic>
+    </p:spTree>
+    <p:extLst>
+      <p:ext uri="{BB962C8B-B14F-4D97-AF65-F5344CB8AC3E}">
+        <p14:creationId xmlns:p14="http://schemas.microsoft.com/office/powerpoint/2010/main" val="3183142582"/>
+      </p:ext>
+    </p:extLst>
+  </p:cSld>
+  <p:clrMapOvr>
+    <a:masterClrMapping/>
+  </p:clrMapOvr>
+  <p:timing>
+    <p:tnLst>
+      <p:par>
+        <p:cTn xmlns:p14="http://schemas.microsoft.com/office/powerpoint/2010/main" id="1" dur="indefinite" restart="never" nodeType="tmRoot"/>
+      </p:par>
+    </p:tnLst>
+  </p:timing>
+</p:sld>
+</file>
+
+<file path=ppt/slides/slide26.xml><?xml version="1.0" encoding="utf-8"?>
+<p:sld xmlns:a="http://schemas.openxmlformats.org/drawingml/2006/main" xmlns:r="http://schemas.openxmlformats.org/officeDocument/2006/relationships" xmlns:p="http://schemas.openxmlformats.org/presentationml/2006/main">
+  <p:cSld>
+    <p:spTree>
+      <p:nvGrpSpPr>
+        <p:cNvPr id="1" name=""/>
+        <p:cNvGrpSpPr/>
+        <p:nvPr/>
+      </p:nvGrpSpPr>
+      <p:grpSpPr>
+        <a:xfrm>
+          <a:off x="0" y="0"/>
+          <a:ext cx="0" cy="0"/>
+          <a:chOff x="0" y="0"/>
+          <a:chExt cx="0" cy="0"/>
+        </a:xfrm>
+      </p:grpSpPr>
+      <p:sp>
+        <p:nvSpPr>
+          <p:cNvPr id="2" name="Titre 1"/>
+          <p:cNvSpPr>
+            <a:spLocks noGrp="1"/>
+          </p:cNvSpPr>
+          <p:nvPr>
+            <p:ph type="title"/>
+          </p:nvPr>
+        </p:nvSpPr>
+        <p:spPr/>
+        <p:txBody>
+          <a:bodyPr/>
+          <a:lstStyle/>
+          <a:p>
+            <a:pPr algn="ctr"/>
+            <a:r>
+              <a:rPr lang="fr-FR" dirty="0"/>
+              <a:t>« </a:t>
+            </a:r>
+            <a:r>
+              <a:rPr lang="fr-FR" dirty="0" smtClean="0"/>
+              <a:t>OBS</a:t>
+            </a:r>
+            <a:r>
+              <a:rPr lang="fr-FR" dirty="0"/>
+              <a:t> : </a:t>
+            </a:r>
+            <a:r>
+              <a:rPr lang="fr-FR" dirty="0" err="1" smtClean="0">
+                <a:solidFill>
+                  <a:srgbClr val="FFFF00"/>
+                </a:solidFill>
+              </a:rPr>
+              <a:t>O</a:t>
+            </a:r>
+            <a:r>
+              <a:rPr lang="fr-FR" dirty="0" err="1" smtClean="0"/>
+              <a:t>rganization</a:t>
+            </a:r>
+            <a:r>
+              <a:rPr lang="fr-FR" dirty="0" smtClean="0"/>
+              <a:t> </a:t>
+            </a:r>
+            <a:r>
+              <a:rPr lang="fr-FR" dirty="0" smtClean="0">
+                <a:solidFill>
+                  <a:srgbClr val="FFFF00"/>
+                </a:solidFill>
+              </a:rPr>
+              <a:t>B</a:t>
+            </a:r>
+            <a:r>
+              <a:rPr lang="fr-FR" dirty="0" smtClean="0"/>
+              <a:t>reakdown </a:t>
+            </a:r>
+            <a:r>
+              <a:rPr lang="fr-FR" dirty="0" smtClean="0">
+                <a:solidFill>
+                  <a:srgbClr val="FFFF00"/>
+                </a:solidFill>
+              </a:rPr>
+              <a:t>S</a:t>
+            </a:r>
+            <a:r>
+              <a:rPr lang="fr-FR" dirty="0" smtClean="0"/>
+              <a:t>tructure </a:t>
+            </a:r>
+            <a:r>
+              <a:rPr lang="fr-FR" dirty="0"/>
+              <a:t>»</a:t>
+            </a:r>
+          </a:p>
+        </p:txBody>
+      </p:sp>
+      <p:sp>
+        <p:nvSpPr>
+          <p:cNvPr id="3" name="Espace réservé du contenu 2"/>
+          <p:cNvSpPr>
+            <a:spLocks noGrp="1"/>
+          </p:cNvSpPr>
+          <p:nvPr>
+            <p:ph idx="1"/>
+          </p:nvPr>
+        </p:nvSpPr>
+        <p:spPr/>
+        <p:txBody>
+          <a:bodyPr/>
+          <a:lstStyle/>
+          <a:p>
+            <a:endParaRPr lang="fr-FR"/>
+          </a:p>
+        </p:txBody>
+      </p:sp>
+      <p:pic>
+        <p:nvPicPr>
+          <p:cNvPr id="4" name="Image 3" descr="Macintosh HD:Users:texierpierre-jean:Desktop:Capture d’écran 2011-12-16 à 14.42.02.png"/>
+          <p:cNvPicPr/>
+          <p:nvPr/>
+        </p:nvPicPr>
+        <p:blipFill>
+          <a:blip r:embed="rId2">
+            <a:extLst>
+              <a:ext uri="{28A0092B-C50C-407E-A947-70E740481C1C}">
+                <a14:useLocalDpi xmlns:a14="http://schemas.microsoft.com/office/drawing/2010/main" val="0"/>
+              </a:ext>
+            </a:extLst>
+          </a:blip>
+          <a:srcRect/>
+          <a:stretch>
+            <a:fillRect/>
+          </a:stretch>
+        </p:blipFill>
+        <p:spPr bwMode="auto">
+          <a:xfrm>
+            <a:off x="8019538" y="234160"/>
+            <a:ext cx="820176" cy="373292"/>
+          </a:xfrm>
+          <a:prstGeom prst="roundRect">
+            <a:avLst>
+              <a:gd name="adj" fmla="val 16667"/>
+            </a:avLst>
+          </a:prstGeom>
+          <a:ln>
+            <a:noFill/>
+          </a:ln>
+          <a:effectLst>
+            <a:outerShdw blurRad="76200" dist="38100" dir="7800000" algn="tl" rotWithShape="0">
+              <a:srgbClr val="000000">
+                <a:alpha val="40000"/>
+              </a:srgbClr>
+            </a:outerShdw>
+          </a:effectLst>
+          <a:scene3d>
+            <a:camera prst="orthographicFront"/>
+            <a:lightRig rig="contrasting" dir="t">
+              <a:rot lat="0" lon="0" rev="4200000"/>
+            </a:lightRig>
+          </a:scene3d>
+          <a:sp3d prstMaterial="plastic">
+            <a:bevelT w="381000" h="114300" prst="relaxedInset"/>
+            <a:contourClr>
+              <a:srgbClr val="969696"/>
+            </a:contourClr>
+          </a:sp3d>
+        </p:spPr>
+      </p:pic>
+    </p:spTree>
+    <p:extLst>
+      <p:ext uri="{BB962C8B-B14F-4D97-AF65-F5344CB8AC3E}">
+        <p14:creationId xmlns:p14="http://schemas.microsoft.com/office/powerpoint/2010/main" val="790231734"/>
+      </p:ext>
+    </p:extLst>
+  </p:cSld>
+  <p:clrMapOvr>
+    <a:masterClrMapping/>
+  </p:clrMapOvr>
+  <p:timing>
+    <p:tnLst>
+      <p:par>
+        <p:cTn xmlns:p14="http://schemas.microsoft.com/office/powerpoint/2010/main" id="1" dur="indefinite" restart="never" nodeType="tmRoot"/>
+      </p:par>
+    </p:tnLst>
+  </p:timing>
+</p:sld>
+</file>
+
+<file path=ppt/slides/slide27.xml><?xml version="1.0" encoding="utf-8"?>
+<p:sld xmlns:a="http://schemas.openxmlformats.org/drawingml/2006/main" xmlns:r="http://schemas.openxmlformats.org/officeDocument/2006/relationships" xmlns:p="http://schemas.openxmlformats.org/presentationml/2006/main">
+  <p:cSld>
+    <p:spTree>
+      <p:nvGrpSpPr>
+        <p:cNvPr id="1" name=""/>
+        <p:cNvGrpSpPr/>
+        <p:nvPr/>
+      </p:nvGrpSpPr>
+      <p:grpSpPr>
+        <a:xfrm>
+          <a:off x="0" y="0"/>
+          <a:ext cx="0" cy="0"/>
+          <a:chOff x="0" y="0"/>
+          <a:chExt cx="0" cy="0"/>
+        </a:xfrm>
+      </p:grpSpPr>
+      <p:sp>
+        <p:nvSpPr>
+          <p:cNvPr id="2" name="Titre 1"/>
+          <p:cNvSpPr>
+            <a:spLocks noGrp="1"/>
+          </p:cNvSpPr>
+          <p:nvPr>
+            <p:ph type="title"/>
+          </p:nvPr>
+        </p:nvSpPr>
+        <p:spPr/>
+        <p:txBody>
+          <a:bodyPr/>
+          <a:lstStyle/>
+          <a:p>
+            <a:pPr algn="ctr"/>
+            <a:r>
+              <a:rPr lang="fr-FR" dirty="0" smtClean="0"/>
+              <a:t>« GANTT »</a:t>
+            </a:r>
+            <a:endParaRPr lang="fr-FR" dirty="0"/>
+          </a:p>
+        </p:txBody>
+      </p:sp>
+      <p:sp>
+        <p:nvSpPr>
+          <p:cNvPr id="3" name="Espace réservé du contenu 2"/>
+          <p:cNvSpPr>
+            <a:spLocks noGrp="1"/>
+          </p:cNvSpPr>
+          <p:nvPr>
+            <p:ph idx="1"/>
+          </p:nvPr>
+        </p:nvSpPr>
+        <p:spPr/>
+        <p:txBody>
+          <a:bodyPr/>
+          <a:lstStyle/>
+          <a:p>
+            <a:r>
+              <a:rPr lang="fr-FR" dirty="0" smtClean="0"/>
+              <a:t>Via </a:t>
+            </a:r>
+            <a:r>
+              <a:rPr lang="fr-FR" dirty="0" err="1" smtClean="0"/>
+              <a:t>redmine</a:t>
+            </a:r>
+            <a:endParaRPr lang="fr-FR" dirty="0"/>
+          </a:p>
+        </p:txBody>
+      </p:sp>
+      <p:pic>
+        <p:nvPicPr>
+          <p:cNvPr id="4" name="Image 3" descr="Macintosh HD:Users:texierpierre-jean:Desktop:Capture d’écran 2011-12-16 à 14.42.02.png"/>
+          <p:cNvPicPr/>
+          <p:nvPr/>
+        </p:nvPicPr>
+        <p:blipFill>
+          <a:blip r:embed="rId2">
+            <a:extLst>
+              <a:ext uri="{28A0092B-C50C-407E-A947-70E740481C1C}">
+                <a14:useLocalDpi xmlns:a14="http://schemas.microsoft.com/office/drawing/2010/main" val="0"/>
+              </a:ext>
+            </a:extLst>
+          </a:blip>
+          <a:srcRect/>
+          <a:stretch>
+            <a:fillRect/>
+          </a:stretch>
+        </p:blipFill>
+        <p:spPr bwMode="auto">
+          <a:xfrm>
+            <a:off x="8019538" y="234160"/>
+            <a:ext cx="820176" cy="373292"/>
+          </a:xfrm>
+          <a:prstGeom prst="roundRect">
+            <a:avLst>
+              <a:gd name="adj" fmla="val 16667"/>
+            </a:avLst>
+          </a:prstGeom>
+          <a:ln>
+            <a:noFill/>
+          </a:ln>
+          <a:effectLst>
+            <a:outerShdw blurRad="76200" dist="38100" dir="7800000" algn="tl" rotWithShape="0">
+              <a:srgbClr val="000000">
+                <a:alpha val="40000"/>
+              </a:srgbClr>
+            </a:outerShdw>
+          </a:effectLst>
+          <a:scene3d>
+            <a:camera prst="orthographicFront"/>
+            <a:lightRig rig="contrasting" dir="t">
+              <a:rot lat="0" lon="0" rev="4200000"/>
+            </a:lightRig>
+          </a:scene3d>
+          <a:sp3d prstMaterial="plastic">
+            <a:bevelT w="381000" h="114300" prst="relaxedInset"/>
+            <a:contourClr>
+              <a:srgbClr val="969696"/>
+            </a:contourClr>
+          </a:sp3d>
+        </p:spPr>
+      </p:pic>
+    </p:spTree>
+    <p:extLst>
+      <p:ext uri="{BB962C8B-B14F-4D97-AF65-F5344CB8AC3E}">
+        <p14:creationId xmlns:p14="http://schemas.microsoft.com/office/powerpoint/2010/main" val="392329847"/>
+      </p:ext>
+    </p:extLst>
+  </p:cSld>
+  <p:clrMapOvr>
+    <a:masterClrMapping/>
+  </p:clrMapOvr>
+  <p:timing>
+    <p:tnLst>
+      <p:par>
+        <p:cTn xmlns:p14="http://schemas.microsoft.com/office/powerpoint/2010/main" id="1" dur="indefinite" restart="never" nodeType="tmRoot"/>
+      </p:par>
+    </p:tnLst>
+  </p:timing>
+</p:sld>
+</file>
+
+<file path=ppt/slides/slide28.xml><?xml version="1.0" encoding="utf-8"?>
+<p:sld xmlns:a="http://schemas.openxmlformats.org/drawingml/2006/main" xmlns:r="http://schemas.openxmlformats.org/officeDocument/2006/relationships" xmlns:p="http://schemas.openxmlformats.org/presentationml/2006/main">
+  <p:cSld>
+    <p:spTree>
+      <p:nvGrpSpPr>
+        <p:cNvPr id="1" name=""/>
+        <p:cNvGrpSpPr/>
+        <p:nvPr/>
+      </p:nvGrpSpPr>
+      <p:grpSpPr>
+        <a:xfrm>
+          <a:off x="0" y="0"/>
+          <a:ext cx="0" cy="0"/>
+          <a:chOff x="0" y="0"/>
+          <a:chExt cx="0" cy="0"/>
+        </a:xfrm>
+      </p:grpSpPr>
+      <p:sp>
+        <p:nvSpPr>
+          <p:cNvPr id="2" name="Titre 1"/>
+          <p:cNvSpPr>
+            <a:spLocks noGrp="1"/>
+          </p:cNvSpPr>
+          <p:nvPr>
+            <p:ph type="title"/>
+          </p:nvPr>
+        </p:nvSpPr>
+        <p:spPr/>
+        <p:txBody>
+          <a:bodyPr/>
+          <a:lstStyle/>
+          <a:p>
+            <a:pPr algn="ctr"/>
+            <a:r>
+              <a:rPr lang="fr-FR" dirty="0" smtClean="0"/>
+              <a:t>« PERT »</a:t>
+            </a:r>
+            <a:endParaRPr lang="fr-FR" dirty="0"/>
+          </a:p>
+        </p:txBody>
+      </p:sp>
+      <p:sp>
+        <p:nvSpPr>
+          <p:cNvPr id="3" name="Espace réservé du contenu 2"/>
+          <p:cNvSpPr>
+            <a:spLocks noGrp="1"/>
+          </p:cNvSpPr>
+          <p:nvPr>
+            <p:ph idx="1"/>
+          </p:nvPr>
+        </p:nvSpPr>
+        <p:spPr/>
+        <p:txBody>
+          <a:bodyPr/>
+          <a:lstStyle/>
+          <a:p>
+            <a:r>
+              <a:rPr lang="fr-FR" dirty="0" smtClean="0"/>
+              <a:t>Via GANTT</a:t>
+            </a:r>
+            <a:endParaRPr lang="fr-FR" dirty="0"/>
+          </a:p>
+        </p:txBody>
+      </p:sp>
+      <p:pic>
+        <p:nvPicPr>
+          <p:cNvPr id="4" name="Image 3" descr="Macintosh HD:Users:texierpierre-jean:Desktop:Capture d’écran 2011-12-16 à 14.42.02.png"/>
+          <p:cNvPicPr/>
+          <p:nvPr/>
+        </p:nvPicPr>
+        <p:blipFill>
+          <a:blip r:embed="rId2">
+            <a:extLst>
+              <a:ext uri="{28A0092B-C50C-407E-A947-70E740481C1C}">
+                <a14:useLocalDpi xmlns:a14="http://schemas.microsoft.com/office/drawing/2010/main" val="0"/>
+              </a:ext>
+            </a:extLst>
+          </a:blip>
+          <a:srcRect/>
+          <a:stretch>
+            <a:fillRect/>
+          </a:stretch>
+        </p:blipFill>
+        <p:spPr bwMode="auto">
+          <a:xfrm>
+            <a:off x="8019538" y="221332"/>
+            <a:ext cx="820176" cy="373292"/>
+          </a:xfrm>
+          <a:prstGeom prst="roundRect">
+            <a:avLst>
+              <a:gd name="adj" fmla="val 16667"/>
+            </a:avLst>
+          </a:prstGeom>
+          <a:ln>
+            <a:noFill/>
+          </a:ln>
+          <a:effectLst>
+            <a:outerShdw blurRad="76200" dist="38100" dir="7800000" algn="tl" rotWithShape="0">
+              <a:srgbClr val="000000">
+                <a:alpha val="40000"/>
+              </a:srgbClr>
+            </a:outerShdw>
+          </a:effectLst>
+          <a:scene3d>
+            <a:camera prst="orthographicFront"/>
+            <a:lightRig rig="contrasting" dir="t">
+              <a:rot lat="0" lon="0" rev="4200000"/>
+            </a:lightRig>
+          </a:scene3d>
+          <a:sp3d prstMaterial="plastic">
+            <a:bevelT w="381000" h="114300" prst="relaxedInset"/>
+            <a:contourClr>
+              <a:srgbClr val="969696"/>
+            </a:contourClr>
+          </a:sp3d>
+        </p:spPr>
+      </p:pic>
+    </p:spTree>
+    <p:extLst>
+      <p:ext uri="{BB962C8B-B14F-4D97-AF65-F5344CB8AC3E}">
+        <p14:creationId xmlns:p14="http://schemas.microsoft.com/office/powerpoint/2010/main" val="3228122892"/>
+      </p:ext>
+    </p:extLst>
+  </p:cSld>
+  <p:clrMapOvr>
+    <a:masterClrMapping/>
+  </p:clrMapOvr>
+  <p:timing>
+    <p:tnLst>
+      <p:par>
+        <p:cTn xmlns:p14="http://schemas.microsoft.com/office/powerpoint/2010/main" id="1" dur="indefinite" restart="never" nodeType="tmRoot"/>
+      </p:par>
+    </p:tnLst>
+  </p:timing>
+</p:sld>
+</file>
+
+<file path=ppt/slides/slide29.xml><?xml version="1.0" encoding="utf-8"?>
+<p:sld xmlns:a="http://schemas.openxmlformats.org/drawingml/2006/main" xmlns:r="http://schemas.openxmlformats.org/officeDocument/2006/relationships" xmlns:p="http://schemas.openxmlformats.org/presentationml/2006/main">
+  <p:cSld>
+    <p:spTree>
+      <p:nvGrpSpPr>
+        <p:cNvPr id="1" name=""/>
+        <p:cNvGrpSpPr/>
+        <p:nvPr/>
+      </p:nvGrpSpPr>
+      <p:grpSpPr>
+        <a:xfrm>
+          <a:off x="0" y="0"/>
+          <a:ext cx="0" cy="0"/>
+          <a:chOff x="0" y="0"/>
+          <a:chExt cx="0" cy="0"/>
+        </a:xfrm>
+      </p:grpSpPr>
+      <p:sp>
+        <p:nvSpPr>
+          <p:cNvPr id="2" name="Autre processus 1"/>
+          <p:cNvSpPr/>
+          <p:nvPr/>
+        </p:nvSpPr>
+        <p:spPr>
+          <a:xfrm>
+            <a:off x="823892" y="1461054"/>
+            <a:ext cx="1882033" cy="762000"/>
+          </a:xfrm>
+          <a:prstGeom prst="flowChartAlternateProcess">
+            <a:avLst/>
+          </a:prstGeom>
+          <a:solidFill>
+            <a:srgbClr val="FF6600"/>
+          </a:solidFill>
+        </p:spPr>
+        <p:style>
+          <a:lnRef idx="1">
+            <a:schemeClr val="accent1"/>
+          </a:lnRef>
+          <a:fillRef idx="3">
+            <a:schemeClr val="accent1"/>
+          </a:fillRef>
+          <a:effectRef idx="2">
+            <a:schemeClr val="accent1"/>
+          </a:effectRef>
+          <a:fontRef idx="minor">
+            <a:schemeClr val="lt1"/>
+          </a:fontRef>
+        </p:style>
+        <p:txBody>
+          <a:bodyPr rtlCol="0" anchor="ctr"/>
+          <a:lstStyle/>
+          <a:p>
+            <a:pPr algn="ctr"/>
+            <a:r>
+              <a:rPr lang="fr-FR" dirty="0" smtClean="0"/>
+              <a:t>Cortex A8</a:t>
+            </a:r>
+            <a:endParaRPr lang="fr-FR" dirty="0"/>
+          </a:p>
+        </p:txBody>
+      </p:sp>
+      <p:sp>
+        <p:nvSpPr>
+          <p:cNvPr id="3" name="Autre processus 2"/>
+          <p:cNvSpPr/>
+          <p:nvPr/>
+        </p:nvSpPr>
+        <p:spPr>
+          <a:xfrm>
+            <a:off x="5214388" y="1449740"/>
+            <a:ext cx="1882033" cy="762000"/>
+          </a:xfrm>
+          <a:prstGeom prst="flowChartAlternateProcess">
+            <a:avLst/>
+          </a:prstGeom>
+          <a:solidFill>
+            <a:srgbClr val="FF6600"/>
+          </a:solidFill>
+        </p:spPr>
+        <p:style>
+          <a:lnRef idx="1">
+            <a:schemeClr val="accent1"/>
+          </a:lnRef>
+          <a:fillRef idx="3">
+            <a:schemeClr val="accent1"/>
+          </a:fillRef>
+          <a:effectRef idx="2">
+            <a:schemeClr val="accent1"/>
+          </a:effectRef>
+          <a:fontRef idx="minor">
+            <a:schemeClr val="lt1"/>
+          </a:fontRef>
+        </p:style>
+        <p:txBody>
+          <a:bodyPr rtlCol="0" anchor="ctr"/>
+          <a:lstStyle/>
+          <a:p>
+            <a:pPr algn="ctr"/>
+            <a:r>
+              <a:rPr lang="fr-FR" dirty="0" smtClean="0"/>
+              <a:t>Cortex A9</a:t>
+            </a:r>
+            <a:endParaRPr lang="fr-FR" dirty="0"/>
+          </a:p>
+        </p:txBody>
+      </p:sp>
+      <p:cxnSp>
+        <p:nvCxnSpPr>
+          <p:cNvPr id="4" name="Connecteur droit avec flèche 3"/>
+          <p:cNvCxnSpPr/>
+          <p:nvPr/>
+        </p:nvCxnSpPr>
+        <p:spPr>
+          <a:xfrm>
+            <a:off x="1764909" y="2738585"/>
+            <a:ext cx="526498" cy="0"/>
+          </a:xfrm>
+          <a:prstGeom prst="straightConnector1">
+            <a:avLst/>
+          </a:prstGeom>
+          <a:ln>
+            <a:tailEnd type="arrow"/>
+          </a:ln>
+        </p:spPr>
+        <p:style>
+          <a:lnRef idx="2">
+            <a:schemeClr val="accent1"/>
+          </a:lnRef>
+          <a:fillRef idx="0">
+            <a:schemeClr val="accent1"/>
+          </a:fillRef>
+          <a:effectRef idx="1">
+            <a:schemeClr val="accent1"/>
+          </a:effectRef>
+          <a:fontRef idx="minor">
+            <a:schemeClr val="tx1"/>
+          </a:fontRef>
+        </p:style>
+      </p:cxnSp>
+      <p:sp>
+        <p:nvSpPr>
+          <p:cNvPr id="5" name="Autre processus 4"/>
+          <p:cNvSpPr/>
+          <p:nvPr/>
+        </p:nvSpPr>
+        <p:spPr>
+          <a:xfrm>
+            <a:off x="2296882" y="2440003"/>
+            <a:ext cx="1405743" cy="597164"/>
+          </a:xfrm>
+          <a:prstGeom prst="flowChartAlternateProcess">
+            <a:avLst/>
+          </a:prstGeom>
+          <a:solidFill>
+            <a:schemeClr val="bg2">
+              <a:lumMod val="75000"/>
+            </a:schemeClr>
+          </a:solidFill>
+        </p:spPr>
+        <p:style>
+          <a:lnRef idx="1">
+            <a:schemeClr val="accent1"/>
+          </a:lnRef>
+          <a:fillRef idx="3">
+            <a:schemeClr val="accent1"/>
+          </a:fillRef>
+          <a:effectRef idx="2">
+            <a:schemeClr val="accent1"/>
+          </a:effectRef>
+          <a:fontRef idx="minor">
+            <a:schemeClr val="lt1"/>
+          </a:fontRef>
+        </p:style>
+        <p:txBody>
+          <a:bodyPr rtlCol="0" anchor="ctr"/>
+          <a:lstStyle/>
+          <a:p>
+            <a:pPr algn="ctr"/>
+            <a:r>
+              <a:rPr lang="fr-FR" sz="1400" dirty="0" smtClean="0"/>
+              <a:t>BeagleBone</a:t>
+            </a:r>
+            <a:endParaRPr lang="fr-FR" sz="1400" dirty="0"/>
+          </a:p>
+        </p:txBody>
+      </p:sp>
+      <p:cxnSp>
+        <p:nvCxnSpPr>
+          <p:cNvPr id="6" name="Connecteur droit avec flèche 5"/>
+          <p:cNvCxnSpPr/>
+          <p:nvPr/>
+        </p:nvCxnSpPr>
+        <p:spPr>
+          <a:xfrm>
+            <a:off x="1761503" y="3503499"/>
+            <a:ext cx="526498" cy="0"/>
+          </a:xfrm>
+          <a:prstGeom prst="straightConnector1">
+            <a:avLst/>
+          </a:prstGeom>
+          <a:ln>
+            <a:tailEnd type="arrow"/>
+          </a:ln>
+        </p:spPr>
+        <p:style>
+          <a:lnRef idx="2">
+            <a:schemeClr val="accent1"/>
+          </a:lnRef>
+          <a:fillRef idx="0">
+            <a:schemeClr val="accent1"/>
+          </a:fillRef>
+          <a:effectRef idx="1">
+            <a:schemeClr val="accent1"/>
+          </a:effectRef>
+          <a:fontRef idx="minor">
+            <a:schemeClr val="tx1"/>
+          </a:fontRef>
+        </p:style>
+      </p:cxnSp>
+      <p:cxnSp>
+        <p:nvCxnSpPr>
+          <p:cNvPr id="7" name="Connecteur droit 6"/>
+          <p:cNvCxnSpPr>
+            <a:stCxn id="2" idx="2"/>
+          </p:cNvCxnSpPr>
+          <p:nvPr/>
+        </p:nvCxnSpPr>
+        <p:spPr>
+          <a:xfrm flipH="1">
+            <a:off x="1761503" y="2223054"/>
+            <a:ext cx="3406" cy="1998877"/>
+          </a:xfrm>
+          <a:prstGeom prst="line">
+            <a:avLst/>
+          </a:prstGeom>
+        </p:spPr>
+        <p:style>
+          <a:lnRef idx="2">
+            <a:schemeClr val="accent1"/>
+          </a:lnRef>
+          <a:fillRef idx="0">
+            <a:schemeClr val="accent1"/>
+          </a:fillRef>
+          <a:effectRef idx="1">
+            <a:schemeClr val="accent1"/>
+          </a:effectRef>
+          <a:fontRef idx="minor">
+            <a:schemeClr val="tx1"/>
+          </a:fontRef>
+        </p:style>
+      </p:cxnSp>
+      <p:cxnSp>
+        <p:nvCxnSpPr>
+          <p:cNvPr id="8" name="Connecteur droit avec flèche 7"/>
+          <p:cNvCxnSpPr/>
+          <p:nvPr/>
+        </p:nvCxnSpPr>
+        <p:spPr>
+          <a:xfrm>
+            <a:off x="1761503" y="4221931"/>
+            <a:ext cx="526498" cy="0"/>
+          </a:xfrm>
+          <a:prstGeom prst="straightConnector1">
+            <a:avLst/>
+          </a:prstGeom>
+          <a:ln>
+            <a:tailEnd type="arrow"/>
+          </a:ln>
+        </p:spPr>
+        <p:style>
+          <a:lnRef idx="2">
+            <a:schemeClr val="accent1"/>
+          </a:lnRef>
+          <a:fillRef idx="0">
+            <a:schemeClr val="accent1"/>
+          </a:fillRef>
+          <a:effectRef idx="1">
+            <a:schemeClr val="accent1"/>
+          </a:effectRef>
+          <a:fontRef idx="minor">
+            <a:schemeClr val="tx1"/>
+          </a:fontRef>
+        </p:style>
+      </p:cxnSp>
+      <p:sp>
+        <p:nvSpPr>
+          <p:cNvPr id="9" name="Autre processus 8"/>
+          <p:cNvSpPr/>
+          <p:nvPr/>
+        </p:nvSpPr>
+        <p:spPr>
+          <a:xfrm>
+            <a:off x="2288001" y="3170473"/>
+            <a:ext cx="1405743" cy="597164"/>
+          </a:xfrm>
+          <a:prstGeom prst="flowChartAlternateProcess">
+            <a:avLst/>
+          </a:prstGeom>
+          <a:solidFill>
+            <a:srgbClr val="FF0000"/>
+          </a:solidFill>
+        </p:spPr>
+        <p:style>
+          <a:lnRef idx="1">
+            <a:schemeClr val="accent1"/>
+          </a:lnRef>
+          <a:fillRef idx="3">
+            <a:schemeClr val="accent1"/>
+          </a:fillRef>
+          <a:effectRef idx="2">
+            <a:schemeClr val="accent1"/>
+          </a:effectRef>
+          <a:fontRef idx="minor">
+            <a:schemeClr val="lt1"/>
+          </a:fontRef>
+        </p:style>
+        <p:txBody>
+          <a:bodyPr rtlCol="0" anchor="ctr"/>
+          <a:lstStyle/>
+          <a:p>
+            <a:pPr algn="ctr"/>
+            <a:r>
+              <a:rPr lang="fr-FR" sz="1400" dirty="0" smtClean="0"/>
+              <a:t>Gumstix</a:t>
+            </a:r>
+            <a:endParaRPr lang="fr-FR" sz="1400" dirty="0"/>
+          </a:p>
+        </p:txBody>
+      </p:sp>
+      <p:sp>
+        <p:nvSpPr>
+          <p:cNvPr id="10" name="Autre processus 9"/>
+          <p:cNvSpPr/>
+          <p:nvPr/>
+        </p:nvSpPr>
+        <p:spPr>
+          <a:xfrm>
+            <a:off x="2288001" y="3909546"/>
+            <a:ext cx="1405743" cy="597164"/>
+          </a:xfrm>
+          <a:prstGeom prst="flowChartAlternateProcess">
+            <a:avLst/>
+          </a:prstGeom>
+          <a:solidFill>
+            <a:schemeClr val="bg2">
+              <a:lumMod val="75000"/>
+            </a:schemeClr>
+          </a:solidFill>
+        </p:spPr>
+        <p:style>
+          <a:lnRef idx="1">
+            <a:schemeClr val="accent1"/>
+          </a:lnRef>
+          <a:fillRef idx="3">
+            <a:schemeClr val="accent1"/>
+          </a:fillRef>
+          <a:effectRef idx="2">
+            <a:schemeClr val="accent1"/>
+          </a:effectRef>
+          <a:fontRef idx="minor">
+            <a:schemeClr val="lt1"/>
+          </a:fontRef>
+        </p:style>
+        <p:txBody>
+          <a:bodyPr rtlCol="0" anchor="ctr"/>
+          <a:lstStyle/>
+          <a:p>
+            <a:pPr algn="ctr"/>
+            <a:r>
+              <a:rPr lang="fr-FR" sz="1400" dirty="0" smtClean="0"/>
+              <a:t>IGEPV2</a:t>
+            </a:r>
+            <a:endParaRPr lang="fr-FR" sz="1400" dirty="0"/>
+          </a:p>
+        </p:txBody>
+      </p:sp>
+      <p:cxnSp>
+        <p:nvCxnSpPr>
+          <p:cNvPr id="11" name="Connecteur droit avec flèche 10"/>
+          <p:cNvCxnSpPr/>
+          <p:nvPr/>
+        </p:nvCxnSpPr>
+        <p:spPr>
+          <a:xfrm>
+            <a:off x="6183855" y="2725641"/>
+            <a:ext cx="526498" cy="0"/>
+          </a:xfrm>
+          <a:prstGeom prst="straightConnector1">
+            <a:avLst/>
+          </a:prstGeom>
+          <a:ln>
+            <a:tailEnd type="arrow"/>
+          </a:ln>
+        </p:spPr>
+        <p:style>
+          <a:lnRef idx="2">
+            <a:schemeClr val="accent1"/>
+          </a:lnRef>
+          <a:fillRef idx="0">
+            <a:schemeClr val="accent1"/>
+          </a:fillRef>
+          <a:effectRef idx="1">
+            <a:schemeClr val="accent1"/>
+          </a:effectRef>
+          <a:fontRef idx="minor">
+            <a:schemeClr val="tx1"/>
+          </a:fontRef>
+        </p:style>
+      </p:cxnSp>
+      <p:sp>
+        <p:nvSpPr>
+          <p:cNvPr id="12" name="Autre processus 11"/>
+          <p:cNvSpPr/>
+          <p:nvPr/>
+        </p:nvSpPr>
+        <p:spPr>
+          <a:xfrm>
+            <a:off x="6715828" y="2427059"/>
+            <a:ext cx="1405743" cy="597164"/>
+          </a:xfrm>
+          <a:prstGeom prst="flowChartAlternateProcess">
+            <a:avLst/>
+          </a:prstGeom>
+          <a:solidFill>
+            <a:schemeClr val="bg2">
+              <a:lumMod val="75000"/>
+            </a:schemeClr>
+          </a:solidFill>
+        </p:spPr>
+        <p:style>
+          <a:lnRef idx="1">
+            <a:schemeClr val="accent1"/>
+          </a:lnRef>
+          <a:fillRef idx="3">
+            <a:schemeClr val="accent1"/>
+          </a:fillRef>
+          <a:effectRef idx="2">
+            <a:schemeClr val="accent1"/>
+          </a:effectRef>
+          <a:fontRef idx="minor">
+            <a:schemeClr val="lt1"/>
+          </a:fontRef>
+        </p:style>
+        <p:txBody>
+          <a:bodyPr rtlCol="0" anchor="ctr"/>
+          <a:lstStyle/>
+          <a:p>
+            <a:pPr algn="ctr"/>
+            <a:r>
+              <a:rPr lang="fr-FR" sz="1400" dirty="0" smtClean="0"/>
+              <a:t>Pandaboard ES</a:t>
+            </a:r>
+            <a:endParaRPr lang="fr-FR" sz="1400" dirty="0"/>
+          </a:p>
+        </p:txBody>
+      </p:sp>
+      <p:cxnSp>
+        <p:nvCxnSpPr>
+          <p:cNvPr id="13" name="Connecteur droit avec flèche 12"/>
+          <p:cNvCxnSpPr/>
+          <p:nvPr/>
+        </p:nvCxnSpPr>
+        <p:spPr>
+          <a:xfrm>
+            <a:off x="6180449" y="3490555"/>
+            <a:ext cx="526498" cy="0"/>
+          </a:xfrm>
+          <a:prstGeom prst="straightConnector1">
+            <a:avLst/>
+          </a:prstGeom>
+          <a:ln>
+            <a:tailEnd type="arrow"/>
+          </a:ln>
+        </p:spPr>
+        <p:style>
+          <a:lnRef idx="2">
+            <a:schemeClr val="accent1"/>
+          </a:lnRef>
+          <a:fillRef idx="0">
+            <a:schemeClr val="accent1"/>
+          </a:fillRef>
+          <a:effectRef idx="1">
+            <a:schemeClr val="accent1"/>
+          </a:effectRef>
+          <a:fontRef idx="minor">
+            <a:schemeClr val="tx1"/>
+          </a:fontRef>
+        </p:style>
+      </p:cxnSp>
+      <p:cxnSp>
+        <p:nvCxnSpPr>
+          <p:cNvPr id="14" name="Connecteur droit 13"/>
+          <p:cNvCxnSpPr/>
+          <p:nvPr/>
+        </p:nvCxnSpPr>
+        <p:spPr>
+          <a:xfrm>
+            <a:off x="6183855" y="2210110"/>
+            <a:ext cx="5475" cy="4202764"/>
+          </a:xfrm>
+          <a:prstGeom prst="line">
+            <a:avLst/>
+          </a:prstGeom>
+        </p:spPr>
+        <p:style>
+          <a:lnRef idx="2">
+            <a:schemeClr val="accent1"/>
+          </a:lnRef>
+          <a:fillRef idx="0">
+            <a:schemeClr val="accent1"/>
+          </a:fillRef>
+          <a:effectRef idx="1">
+            <a:schemeClr val="accent1"/>
+          </a:effectRef>
+          <a:fontRef idx="minor">
+            <a:schemeClr val="tx1"/>
+          </a:fontRef>
+        </p:style>
+      </p:cxnSp>
+      <p:cxnSp>
+        <p:nvCxnSpPr>
+          <p:cNvPr id="15" name="Connecteur droit avec flèche 14"/>
+          <p:cNvCxnSpPr/>
+          <p:nvPr/>
+        </p:nvCxnSpPr>
+        <p:spPr>
+          <a:xfrm>
+            <a:off x="6180449" y="4208987"/>
+            <a:ext cx="526498" cy="0"/>
+          </a:xfrm>
+          <a:prstGeom prst="straightConnector1">
+            <a:avLst/>
+          </a:prstGeom>
+          <a:ln>
+            <a:tailEnd type="arrow"/>
+          </a:ln>
+        </p:spPr>
+        <p:style>
+          <a:lnRef idx="2">
+            <a:schemeClr val="accent1"/>
+          </a:lnRef>
+          <a:fillRef idx="0">
+            <a:schemeClr val="accent1"/>
+          </a:fillRef>
+          <a:effectRef idx="1">
+            <a:schemeClr val="accent1"/>
+          </a:effectRef>
+          <a:fontRef idx="minor">
+            <a:schemeClr val="tx1"/>
+          </a:fontRef>
+        </p:style>
+      </p:cxnSp>
+      <p:sp>
+        <p:nvSpPr>
+          <p:cNvPr id="16" name="Autre processus 15"/>
+          <p:cNvSpPr/>
+          <p:nvPr/>
+        </p:nvSpPr>
+        <p:spPr>
+          <a:xfrm>
+            <a:off x="6706947" y="3157529"/>
+            <a:ext cx="1405743" cy="597164"/>
+          </a:xfrm>
+          <a:prstGeom prst="flowChartAlternateProcess">
+            <a:avLst/>
+          </a:prstGeom>
+          <a:solidFill>
+            <a:srgbClr val="FF0000"/>
+          </a:solidFill>
+        </p:spPr>
+        <p:style>
+          <a:lnRef idx="1">
+            <a:schemeClr val="accent1"/>
+          </a:lnRef>
+          <a:fillRef idx="3">
+            <a:schemeClr val="accent1"/>
+          </a:fillRef>
+          <a:effectRef idx="2">
+            <a:schemeClr val="accent1"/>
+          </a:effectRef>
+          <a:fontRef idx="minor">
+            <a:schemeClr val="lt1"/>
+          </a:fontRef>
+        </p:style>
+        <p:txBody>
+          <a:bodyPr rtlCol="0" anchor="ctr"/>
+          <a:lstStyle/>
+          <a:p>
+            <a:pPr algn="ctr"/>
+            <a:r>
+              <a:rPr lang="fr-FR" sz="1400" dirty="0" smtClean="0"/>
+              <a:t>Odroid U2 </a:t>
+            </a:r>
+            <a:endParaRPr lang="fr-FR" sz="1400" dirty="0"/>
+          </a:p>
+        </p:txBody>
+      </p:sp>
+      <p:sp>
+        <p:nvSpPr>
+          <p:cNvPr id="17" name="Autre processus 16"/>
+          <p:cNvSpPr/>
+          <p:nvPr/>
+        </p:nvSpPr>
+        <p:spPr>
+          <a:xfrm>
+            <a:off x="6706947" y="3896602"/>
+            <a:ext cx="1405743" cy="597164"/>
+          </a:xfrm>
+          <a:prstGeom prst="flowChartAlternateProcess">
+            <a:avLst/>
+          </a:prstGeom>
+          <a:solidFill>
+            <a:schemeClr val="bg2">
+              <a:lumMod val="75000"/>
+            </a:schemeClr>
+          </a:solidFill>
+        </p:spPr>
+        <p:style>
+          <a:lnRef idx="1">
+            <a:schemeClr val="accent1"/>
+          </a:lnRef>
+          <a:fillRef idx="3">
+            <a:schemeClr val="accent1"/>
+          </a:fillRef>
+          <a:effectRef idx="2">
+            <a:schemeClr val="accent1"/>
+          </a:effectRef>
+          <a:fontRef idx="minor">
+            <a:schemeClr val="lt1"/>
+          </a:fontRef>
+        </p:style>
+        <p:txBody>
+          <a:bodyPr rtlCol="0" anchor="ctr"/>
+          <a:lstStyle/>
+          <a:p>
+            <a:pPr algn="ctr"/>
+            <a:r>
+              <a:rPr lang="fr-FR" sz="1400" dirty="0" smtClean="0"/>
+              <a:t>UDOO</a:t>
+            </a:r>
+            <a:endParaRPr lang="fr-FR" sz="1400" dirty="0"/>
+          </a:p>
+        </p:txBody>
+      </p:sp>
+      <p:cxnSp>
+        <p:nvCxnSpPr>
+          <p:cNvPr id="18" name="Connecteur droit avec flèche 17"/>
+          <p:cNvCxnSpPr/>
+          <p:nvPr/>
+        </p:nvCxnSpPr>
+        <p:spPr>
+          <a:xfrm>
+            <a:off x="6180449" y="4939418"/>
+            <a:ext cx="526498" cy="0"/>
+          </a:xfrm>
+          <a:prstGeom prst="straightConnector1">
+            <a:avLst/>
+          </a:prstGeom>
+          <a:ln>
+            <a:tailEnd type="arrow"/>
+          </a:ln>
+        </p:spPr>
+        <p:style>
+          <a:lnRef idx="2">
+            <a:schemeClr val="accent1"/>
+          </a:lnRef>
+          <a:fillRef idx="0">
+            <a:schemeClr val="accent1"/>
+          </a:fillRef>
+          <a:effectRef idx="1">
+            <a:schemeClr val="accent1"/>
+          </a:effectRef>
+          <a:fontRef idx="minor">
+            <a:schemeClr val="tx1"/>
+          </a:fontRef>
+        </p:style>
+      </p:cxnSp>
+      <p:sp>
+        <p:nvSpPr>
+          <p:cNvPr id="19" name="Autre processus 18"/>
+          <p:cNvSpPr/>
+          <p:nvPr/>
+        </p:nvSpPr>
+        <p:spPr>
+          <a:xfrm>
+            <a:off x="6706947" y="4646166"/>
+            <a:ext cx="1405743" cy="597164"/>
+          </a:xfrm>
+          <a:prstGeom prst="flowChartAlternateProcess">
+            <a:avLst/>
+          </a:prstGeom>
+          <a:solidFill>
+            <a:schemeClr val="bg2">
+              <a:lumMod val="75000"/>
+            </a:schemeClr>
+          </a:solidFill>
+        </p:spPr>
+        <p:style>
+          <a:lnRef idx="1">
+            <a:schemeClr val="accent1"/>
+          </a:lnRef>
+          <a:fillRef idx="3">
+            <a:schemeClr val="accent1"/>
+          </a:fillRef>
+          <a:effectRef idx="2">
+            <a:schemeClr val="accent1"/>
+          </a:effectRef>
+          <a:fontRef idx="minor">
+            <a:schemeClr val="lt1"/>
+          </a:fontRef>
+        </p:style>
+        <p:txBody>
+          <a:bodyPr rtlCol="0" anchor="ctr"/>
+          <a:lstStyle/>
+          <a:p>
+            <a:pPr algn="ctr"/>
+            <a:r>
+              <a:rPr lang="fr-FR" sz="1400" dirty="0" smtClean="0"/>
+              <a:t>Nitrogen 6x</a:t>
+            </a:r>
+            <a:endParaRPr lang="fr-FR" sz="1400" dirty="0"/>
+          </a:p>
+        </p:txBody>
+      </p:sp>
+      <p:cxnSp>
+        <p:nvCxnSpPr>
+          <p:cNvPr id="20" name="Connecteur droit avec flèche 19"/>
+          <p:cNvCxnSpPr/>
+          <p:nvPr/>
+        </p:nvCxnSpPr>
+        <p:spPr>
+          <a:xfrm>
+            <a:off x="6180449" y="5685032"/>
+            <a:ext cx="526498" cy="0"/>
+          </a:xfrm>
+          <a:prstGeom prst="straightConnector1">
+            <a:avLst/>
+          </a:prstGeom>
+          <a:ln>
+            <a:tailEnd type="arrow"/>
+          </a:ln>
+        </p:spPr>
+        <p:style>
+          <a:lnRef idx="2">
+            <a:schemeClr val="accent1"/>
+          </a:lnRef>
+          <a:fillRef idx="0">
+            <a:schemeClr val="accent1"/>
+          </a:fillRef>
+          <a:effectRef idx="1">
+            <a:schemeClr val="accent1"/>
+          </a:effectRef>
+          <a:fontRef idx="minor">
+            <a:schemeClr val="tx1"/>
+          </a:fontRef>
+        </p:style>
+      </p:cxnSp>
+      <p:sp>
+        <p:nvSpPr>
+          <p:cNvPr id="21" name="Autre processus 20"/>
+          <p:cNvSpPr/>
+          <p:nvPr/>
+        </p:nvSpPr>
+        <p:spPr>
+          <a:xfrm>
+            <a:off x="6706947" y="5391780"/>
+            <a:ext cx="1405743" cy="597164"/>
+          </a:xfrm>
+          <a:prstGeom prst="flowChartAlternateProcess">
+            <a:avLst/>
+          </a:prstGeom>
+          <a:solidFill>
+            <a:schemeClr val="bg2">
+              <a:lumMod val="75000"/>
+            </a:schemeClr>
+          </a:solidFill>
+        </p:spPr>
+        <p:style>
+          <a:lnRef idx="1">
+            <a:schemeClr val="accent1"/>
+          </a:lnRef>
+          <a:fillRef idx="3">
+            <a:schemeClr val="accent1"/>
+          </a:fillRef>
+          <a:effectRef idx="2">
+            <a:schemeClr val="accent1"/>
+          </a:effectRef>
+          <a:fontRef idx="minor">
+            <a:schemeClr val="lt1"/>
+          </a:fontRef>
+        </p:style>
+        <p:txBody>
+          <a:bodyPr rtlCol="0" anchor="ctr"/>
+          <a:lstStyle/>
+          <a:p>
+            <a:pPr algn="ctr"/>
+            <a:r>
+              <a:rPr lang="fr-FR" sz="1400" dirty="0" smtClean="0"/>
+              <a:t>Wandboard</a:t>
+            </a:r>
+            <a:endParaRPr lang="fr-FR" sz="1400" dirty="0"/>
+          </a:p>
+        </p:txBody>
+      </p:sp>
+      <p:cxnSp>
+        <p:nvCxnSpPr>
+          <p:cNvPr id="22" name="Connecteur droit avec flèche 21"/>
+          <p:cNvCxnSpPr/>
+          <p:nvPr/>
+        </p:nvCxnSpPr>
+        <p:spPr>
+          <a:xfrm>
+            <a:off x="6189330" y="6412874"/>
+            <a:ext cx="526498" cy="0"/>
+          </a:xfrm>
+          <a:prstGeom prst="straightConnector1">
+            <a:avLst/>
+          </a:prstGeom>
+          <a:ln>
+            <a:tailEnd type="arrow"/>
+          </a:ln>
+        </p:spPr>
+        <p:style>
+          <a:lnRef idx="2">
+            <a:schemeClr val="accent1"/>
+          </a:lnRef>
+          <a:fillRef idx="0">
+            <a:schemeClr val="accent1"/>
+          </a:fillRef>
+          <a:effectRef idx="1">
+            <a:schemeClr val="accent1"/>
+          </a:effectRef>
+          <a:fontRef idx="minor">
+            <a:schemeClr val="tx1"/>
+          </a:fontRef>
+        </p:style>
+      </p:cxnSp>
+      <p:sp>
+        <p:nvSpPr>
+          <p:cNvPr id="23" name="Autre processus 22"/>
+          <p:cNvSpPr/>
+          <p:nvPr/>
+        </p:nvSpPr>
+        <p:spPr>
+          <a:xfrm>
+            <a:off x="6715828" y="6119622"/>
+            <a:ext cx="1405743" cy="597164"/>
+          </a:xfrm>
+          <a:prstGeom prst="flowChartAlternateProcess">
+            <a:avLst/>
+          </a:prstGeom>
+          <a:solidFill>
+            <a:schemeClr val="bg2">
+              <a:lumMod val="75000"/>
+            </a:schemeClr>
+          </a:solidFill>
+        </p:spPr>
+        <p:style>
+          <a:lnRef idx="1">
+            <a:schemeClr val="accent1"/>
+          </a:lnRef>
+          <a:fillRef idx="3">
+            <a:schemeClr val="accent1"/>
+          </a:fillRef>
+          <a:effectRef idx="2">
+            <a:schemeClr val="accent1"/>
+          </a:effectRef>
+          <a:fontRef idx="minor">
+            <a:schemeClr val="lt1"/>
+          </a:fontRef>
+        </p:style>
+        <p:txBody>
+          <a:bodyPr rtlCol="0" anchor="ctr"/>
+          <a:lstStyle/>
+          <a:p>
+            <a:pPr algn="ctr"/>
+            <a:r>
+              <a:rPr lang="fr-FR" sz="1400" dirty="0" smtClean="0"/>
+              <a:t>iMX53 LOCO</a:t>
+            </a:r>
+            <a:endParaRPr lang="fr-FR" sz="1400" dirty="0"/>
+          </a:p>
+        </p:txBody>
+      </p:sp>
+      <p:pic>
+        <p:nvPicPr>
+          <p:cNvPr id="27" name="Image 26" descr="Macintosh HD:Users:texierpierre-jean:Desktop:Capture d’écran 2011-12-16 à 14.42.02.png"/>
+          <p:cNvPicPr/>
+          <p:nvPr/>
+        </p:nvPicPr>
+        <p:blipFill>
+          <a:blip r:embed="rId2">
+            <a:extLst>
+              <a:ext uri="{28A0092B-C50C-407E-A947-70E740481C1C}">
+                <a14:useLocalDpi xmlns:a14="http://schemas.microsoft.com/office/drawing/2010/main" val="0"/>
+              </a:ext>
+            </a:extLst>
+          </a:blip>
+          <a:srcRect/>
+          <a:stretch>
+            <a:fillRect/>
+          </a:stretch>
+        </p:blipFill>
+        <p:spPr bwMode="auto">
+          <a:xfrm>
+            <a:off x="8019538" y="221332"/>
+            <a:ext cx="820176" cy="373292"/>
+          </a:xfrm>
+          <a:prstGeom prst="roundRect">
+            <a:avLst>
+              <a:gd name="adj" fmla="val 16667"/>
+            </a:avLst>
+          </a:prstGeom>
+          <a:ln>
+            <a:noFill/>
+          </a:ln>
+          <a:effectLst>
+            <a:outerShdw blurRad="76200" dist="38100" dir="7800000" algn="tl" rotWithShape="0">
+              <a:srgbClr val="000000">
+                <a:alpha val="40000"/>
+              </a:srgbClr>
+            </a:outerShdw>
+          </a:effectLst>
+          <a:scene3d>
+            <a:camera prst="orthographicFront"/>
+            <a:lightRig rig="contrasting" dir="t">
+              <a:rot lat="0" lon="0" rev="4200000"/>
+            </a:lightRig>
+          </a:scene3d>
+          <a:sp3d prstMaterial="plastic">
+            <a:bevelT w="381000" h="114300" prst="relaxedInset"/>
+            <a:contourClr>
+              <a:srgbClr val="969696"/>
+            </a:contourClr>
+          </a:sp3d>
+        </p:spPr>
+      </p:pic>
+    </p:spTree>
+    <p:extLst>
+      <p:ext uri="{BB962C8B-B14F-4D97-AF65-F5344CB8AC3E}">
+        <p14:creationId xmlns:p14="http://schemas.microsoft.com/office/powerpoint/2010/main" val="4030162054"/>
       </p:ext>
     </p:extLst>
   </p:cSld>
@@ -20028,6 +23987,88 @@
       </p:par>
     </p:tnLst>
   </p:timing>
+</p:sld>
+</file>
+
+<file path=ppt/slides/slide30.xml><?xml version="1.0" encoding="utf-8"?>
+<p:sld xmlns:a="http://schemas.openxmlformats.org/drawingml/2006/main" xmlns:r="http://schemas.openxmlformats.org/officeDocument/2006/relationships" xmlns:p="http://schemas.openxmlformats.org/presentationml/2006/main">
+  <p:cSld>
+    <p:spTree>
+      <p:nvGrpSpPr>
+        <p:cNvPr id="1" name=""/>
+        <p:cNvGrpSpPr/>
+        <p:nvPr/>
+      </p:nvGrpSpPr>
+      <p:grpSpPr>
+        <a:xfrm>
+          <a:off x="0" y="0"/>
+          <a:ext cx="0" cy="0"/>
+          <a:chOff x="0" y="0"/>
+          <a:chExt cx="0" cy="0"/>
+        </a:xfrm>
+      </p:grpSpPr>
+      <p:sp>
+        <p:nvSpPr>
+          <p:cNvPr id="2" name="Titre 1"/>
+          <p:cNvSpPr>
+            <a:spLocks noGrp="1"/>
+          </p:cNvSpPr>
+          <p:nvPr>
+            <p:ph type="title"/>
+          </p:nvPr>
+        </p:nvSpPr>
+        <p:spPr/>
+        <p:txBody>
+          <a:bodyPr/>
+          <a:lstStyle/>
+          <a:p>
+            <a:pPr algn="ctr"/>
+            <a:r>
+              <a:rPr lang="fr-FR" dirty="0" smtClean="0"/>
+              <a:t>« TRAITEMENT »</a:t>
+            </a:r>
+            <a:endParaRPr lang="fr-FR" dirty="0"/>
+          </a:p>
+        </p:txBody>
+      </p:sp>
+      <p:sp>
+        <p:nvSpPr>
+          <p:cNvPr id="3" name="Espace réservé du contenu 2"/>
+          <p:cNvSpPr>
+            <a:spLocks noGrp="1"/>
+          </p:cNvSpPr>
+          <p:nvPr>
+            <p:ph idx="1"/>
+          </p:nvPr>
+        </p:nvSpPr>
+        <p:spPr/>
+        <p:txBody>
+          <a:bodyPr/>
+          <a:lstStyle/>
+          <a:p>
+            <a:r>
+              <a:rPr lang="fr-FR" dirty="0" smtClean="0"/>
+              <a:t>Flux vidéo</a:t>
+            </a:r>
+          </a:p>
+          <a:p>
+            <a:pPr marL="0" indent="0">
+              <a:buNone/>
+            </a:pPr>
+            <a:endParaRPr lang="fr-FR" dirty="0"/>
+          </a:p>
+        </p:txBody>
+      </p:sp>
+    </p:spTree>
+    <p:extLst>
+      <p:ext uri="{BB962C8B-B14F-4D97-AF65-F5344CB8AC3E}">
+        <p14:creationId xmlns:p14="http://schemas.microsoft.com/office/powerpoint/2010/main" val="4175648770"/>
+      </p:ext>
+    </p:extLst>
+  </p:cSld>
+  <p:clrMapOvr>
+    <a:masterClrMapping/>
+  </p:clrMapOvr>
 </p:sld>
 </file>
 
@@ -20181,7 +24222,7 @@
       </p:pic>
       <p:pic>
         <p:nvPicPr>
-          <p:cNvPr id="9" name="Image 8" descr="Capture d’écran 2013-09-20 à 08.22.54.png"/>
+          <p:cNvPr id="3" name="Image 2" descr="Capture d’écran 2013-09-25 à 19.42.02.png"/>
           <p:cNvPicPr>
             <a:picLocks noChangeAspect="1"/>
           </p:cNvPicPr>
@@ -20201,8 +24242,8 @@
         </p:blipFill>
         <p:spPr>
           <a:xfrm>
-            <a:off x="392800" y="2941994"/>
-            <a:ext cx="8469084" cy="3605562"/>
+            <a:off x="0" y="3122685"/>
+            <a:ext cx="9144000" cy="3412208"/>
           </a:xfrm>
           <a:prstGeom prst="rect">
             <a:avLst/>
@@ -20300,255 +24341,6 @@
           </a:p>
         </p:txBody>
       </p:sp>
-    </p:spTree>
-    <p:extLst>
-      <p:ext uri="{BB962C8B-B14F-4D97-AF65-F5344CB8AC3E}">
-        <p14:creationId xmlns:p14="http://schemas.microsoft.com/office/powerpoint/2010/main" val="1087901547"/>
-      </p:ext>
-    </p:extLst>
-  </p:cSld>
-  <p:clrMapOvr>
-    <a:masterClrMapping/>
-  </p:clrMapOvr>
-  <p:timing>
-    <p:tnLst>
-      <p:par>
-        <p:cTn xmlns:p14="http://schemas.microsoft.com/office/powerpoint/2010/main" id="1" dur="indefinite" restart="never" nodeType="tmRoot"/>
-      </p:par>
-    </p:tnLst>
-  </p:timing>
-</p:sld>
-</file>
-
-<file path=ppt/slides/slide6.xml><?xml version="1.0" encoding="utf-8"?>
-<p:sld xmlns:a="http://schemas.openxmlformats.org/drawingml/2006/main" xmlns:r="http://schemas.openxmlformats.org/officeDocument/2006/relationships" xmlns:p="http://schemas.openxmlformats.org/presentationml/2006/main">
-  <p:cSld>
-    <p:spTree>
-      <p:nvGrpSpPr>
-        <p:cNvPr id="1" name=""/>
-        <p:cNvGrpSpPr/>
-        <p:nvPr/>
-      </p:nvGrpSpPr>
-      <p:grpSpPr>
-        <a:xfrm>
-          <a:off x="0" y="0"/>
-          <a:ext cx="0" cy="0"/>
-          <a:chOff x="0" y="0"/>
-          <a:chExt cx="0" cy="0"/>
-        </a:xfrm>
-      </p:grpSpPr>
-      <p:sp>
-        <p:nvSpPr>
-          <p:cNvPr id="2" name="Titre 1"/>
-          <p:cNvSpPr>
-            <a:spLocks noGrp="1"/>
-          </p:cNvSpPr>
-          <p:nvPr>
-            <p:ph type="title"/>
-          </p:nvPr>
-        </p:nvSpPr>
-        <p:spPr/>
-        <p:txBody>
-          <a:bodyPr/>
-          <a:lstStyle/>
-          <a:p>
-            <a:pPr algn="ctr"/>
-            <a:r>
-              <a:rPr lang="fr-FR" dirty="0" smtClean="0"/>
-              <a:t>« GANTT »</a:t>
-            </a:r>
-            <a:endParaRPr lang="fr-FR" dirty="0"/>
-          </a:p>
-        </p:txBody>
-      </p:sp>
-      <p:sp>
-        <p:nvSpPr>
-          <p:cNvPr id="3" name="Espace réservé du contenu 2"/>
-          <p:cNvSpPr>
-            <a:spLocks noGrp="1"/>
-          </p:cNvSpPr>
-          <p:nvPr>
-            <p:ph idx="1"/>
-          </p:nvPr>
-        </p:nvSpPr>
-        <p:spPr/>
-        <p:txBody>
-          <a:bodyPr/>
-          <a:lstStyle/>
-          <a:p>
-            <a:r>
-              <a:rPr lang="fr-FR" dirty="0" smtClean="0"/>
-              <a:t>Via </a:t>
-            </a:r>
-            <a:r>
-              <a:rPr lang="fr-FR" dirty="0" err="1" smtClean="0"/>
-              <a:t>redmine</a:t>
-            </a:r>
-            <a:endParaRPr lang="fr-FR" dirty="0"/>
-          </a:p>
-        </p:txBody>
-      </p:sp>
-    </p:spTree>
-    <p:extLst>
-      <p:ext uri="{BB962C8B-B14F-4D97-AF65-F5344CB8AC3E}">
-        <p14:creationId xmlns:p14="http://schemas.microsoft.com/office/powerpoint/2010/main" val="2406702058"/>
-      </p:ext>
-    </p:extLst>
-  </p:cSld>
-  <p:clrMapOvr>
-    <a:masterClrMapping/>
-  </p:clrMapOvr>
-  <p:timing>
-    <p:tnLst>
-      <p:par>
-        <p:cTn xmlns:p14="http://schemas.microsoft.com/office/powerpoint/2010/main" id="1" dur="indefinite" restart="never" nodeType="tmRoot"/>
-      </p:par>
-    </p:tnLst>
-  </p:timing>
-</p:sld>
-</file>
-
-<file path=ppt/slides/slide7.xml><?xml version="1.0" encoding="utf-8"?>
-<p:sld xmlns:a="http://schemas.openxmlformats.org/drawingml/2006/main" xmlns:r="http://schemas.openxmlformats.org/officeDocument/2006/relationships" xmlns:p="http://schemas.openxmlformats.org/presentationml/2006/main">
-  <p:cSld>
-    <p:spTree>
-      <p:nvGrpSpPr>
-        <p:cNvPr id="1" name=""/>
-        <p:cNvGrpSpPr/>
-        <p:nvPr/>
-      </p:nvGrpSpPr>
-      <p:grpSpPr>
-        <a:xfrm>
-          <a:off x="0" y="0"/>
-          <a:ext cx="0" cy="0"/>
-          <a:chOff x="0" y="0"/>
-          <a:chExt cx="0" cy="0"/>
-        </a:xfrm>
-      </p:grpSpPr>
-      <p:sp>
-        <p:nvSpPr>
-          <p:cNvPr id="2" name="Titre 1"/>
-          <p:cNvSpPr>
-            <a:spLocks noGrp="1"/>
-          </p:cNvSpPr>
-          <p:nvPr>
-            <p:ph type="title"/>
-          </p:nvPr>
-        </p:nvSpPr>
-        <p:spPr/>
-        <p:txBody>
-          <a:bodyPr/>
-          <a:lstStyle/>
-          <a:p>
-            <a:pPr algn="ctr"/>
-            <a:r>
-              <a:rPr lang="fr-FR" dirty="0" smtClean="0"/>
-              <a:t>« PERT »</a:t>
-            </a:r>
-            <a:endParaRPr lang="fr-FR" dirty="0"/>
-          </a:p>
-        </p:txBody>
-      </p:sp>
-      <p:sp>
-        <p:nvSpPr>
-          <p:cNvPr id="3" name="Espace réservé du contenu 2"/>
-          <p:cNvSpPr>
-            <a:spLocks noGrp="1"/>
-          </p:cNvSpPr>
-          <p:nvPr>
-            <p:ph idx="1"/>
-          </p:nvPr>
-        </p:nvSpPr>
-        <p:spPr/>
-        <p:txBody>
-          <a:bodyPr/>
-          <a:lstStyle/>
-          <a:p>
-            <a:r>
-              <a:rPr lang="fr-FR" dirty="0" smtClean="0"/>
-              <a:t>Via GANTT</a:t>
-            </a:r>
-            <a:endParaRPr lang="fr-FR" dirty="0"/>
-          </a:p>
-        </p:txBody>
-      </p:sp>
-    </p:spTree>
-    <p:extLst>
-      <p:ext uri="{BB962C8B-B14F-4D97-AF65-F5344CB8AC3E}">
-        <p14:creationId xmlns:p14="http://schemas.microsoft.com/office/powerpoint/2010/main" val="2581129535"/>
-      </p:ext>
-    </p:extLst>
-  </p:cSld>
-  <p:clrMapOvr>
-    <a:masterClrMapping/>
-  </p:clrMapOvr>
-  <p:timing>
-    <p:tnLst>
-      <p:par>
-        <p:cTn xmlns:p14="http://schemas.microsoft.com/office/powerpoint/2010/main" id="1" dur="indefinite" restart="never" nodeType="tmRoot"/>
-      </p:par>
-    </p:tnLst>
-  </p:timing>
-</p:sld>
-</file>
-
-<file path=ppt/slides/slide8.xml><?xml version="1.0" encoding="utf-8"?>
-<p:sld xmlns:a="http://schemas.openxmlformats.org/drawingml/2006/main" xmlns:r="http://schemas.openxmlformats.org/officeDocument/2006/relationships" xmlns:p="http://schemas.openxmlformats.org/presentationml/2006/main">
-  <p:cSld>
-    <p:spTree>
-      <p:nvGrpSpPr>
-        <p:cNvPr id="1" name=""/>
-        <p:cNvGrpSpPr/>
-        <p:nvPr/>
-      </p:nvGrpSpPr>
-      <p:grpSpPr>
-        <a:xfrm>
-          <a:off x="0" y="0"/>
-          <a:ext cx="0" cy="0"/>
-          <a:chOff x="0" y="0"/>
-          <a:chExt cx="0" cy="0"/>
-        </a:xfrm>
-      </p:grpSpPr>
-      <p:sp>
-        <p:nvSpPr>
-          <p:cNvPr id="2" name="Titre 1"/>
-          <p:cNvSpPr>
-            <a:spLocks noGrp="1"/>
-          </p:cNvSpPr>
-          <p:nvPr>
-            <p:ph type="title"/>
-          </p:nvPr>
-        </p:nvSpPr>
-        <p:spPr/>
-        <p:txBody>
-          <a:bodyPr/>
-          <a:lstStyle/>
-          <a:p>
-            <a:pPr algn="ctr"/>
-            <a:r>
-              <a:rPr lang="fr-FR" dirty="0" smtClean="0"/>
-              <a:t>« WBS </a:t>
-            </a:r>
-            <a:r>
-              <a:rPr lang="fr-FR" dirty="0" smtClean="0"/>
-              <a:t>: </a:t>
-            </a:r>
-            <a:r>
-              <a:rPr lang="fr-FR" dirty="0" err="1" smtClean="0"/>
-              <a:t>Work</a:t>
-            </a:r>
-            <a:r>
-              <a:rPr lang="fr-FR" dirty="0" smtClean="0"/>
-              <a:t> </a:t>
-            </a:r>
-            <a:r>
-              <a:rPr lang="fr-FR" smtClean="0"/>
-              <a:t>breakdown structure »</a:t>
-            </a:r>
-            <a:endParaRPr lang="fr-FR" dirty="0"/>
-          </a:p>
-        </p:txBody>
-      </p:sp>
       <p:pic>
         <p:nvPicPr>
           <p:cNvPr id="4" name="Image 3" descr="Macintosh HD:Users:texierpierre-jean:Desktop:Capture d’écran 2011-12-16 à 14.42.02.png"/>
@@ -20556,7 +24348,7 @@
           <p:nvPr/>
         </p:nvPicPr>
         <p:blipFill>
-          <a:blip r:embed="rId2">
+          <a:blip r:embed="rId3">
             <a:extLst>
               <a:ext uri="{28A0092B-C50C-407E-A947-70E740481C1C}">
                 <a14:useLocalDpi xmlns:a14="http://schemas.microsoft.com/office/drawing/2010/main" val="0"/>
@@ -20602,145 +24394,10 @@
           </a:sp3d>
         </p:spPr>
       </p:pic>
-      <p:sp>
-        <p:nvSpPr>
-          <p:cNvPr id="6" name="Autre processus 5"/>
-          <p:cNvSpPr/>
-          <p:nvPr/>
-        </p:nvSpPr>
-        <p:spPr>
-          <a:xfrm>
-            <a:off x="3698406" y="2998432"/>
-            <a:ext cx="1882033" cy="762000"/>
-          </a:xfrm>
-          <a:prstGeom prst="flowChartAlternateProcess">
-            <a:avLst/>
-          </a:prstGeom>
-          <a:solidFill>
-            <a:srgbClr val="FF6600"/>
-          </a:solidFill>
-        </p:spPr>
-        <p:style>
-          <a:lnRef idx="1">
-            <a:schemeClr val="accent1"/>
-          </a:lnRef>
-          <a:fillRef idx="3">
-            <a:schemeClr val="accent1"/>
-          </a:fillRef>
-          <a:effectRef idx="2">
-            <a:schemeClr val="accent1"/>
-          </a:effectRef>
-          <a:fontRef idx="minor">
-            <a:schemeClr val="lt1"/>
-          </a:fontRef>
-        </p:style>
-        <p:txBody>
-          <a:bodyPr rtlCol="0" anchor="ctr"/>
-          <a:lstStyle/>
-          <a:p>
-            <a:pPr algn="ctr"/>
-            <a:r>
-              <a:rPr lang="fr-FR" dirty="0" err="1" smtClean="0"/>
-              <a:t>Drône</a:t>
-            </a:r>
-            <a:endParaRPr lang="fr-FR" dirty="0"/>
-          </a:p>
-        </p:txBody>
-      </p:sp>
-      <p:sp>
-        <p:nvSpPr>
-          <p:cNvPr id="7" name="Autre processus 6"/>
-          <p:cNvSpPr/>
-          <p:nvPr/>
-        </p:nvSpPr>
-        <p:spPr>
-          <a:xfrm>
-            <a:off x="813189" y="4061473"/>
-            <a:ext cx="1882033" cy="762000"/>
-          </a:xfrm>
-          <a:prstGeom prst="flowChartAlternateProcess">
-            <a:avLst/>
-          </a:prstGeom>
-          <a:solidFill>
-            <a:srgbClr val="FF6600"/>
-          </a:solidFill>
-        </p:spPr>
-        <p:style>
-          <a:lnRef idx="1">
-            <a:schemeClr val="accent1"/>
-          </a:lnRef>
-          <a:fillRef idx="3">
-            <a:schemeClr val="accent1"/>
-          </a:fillRef>
-          <a:effectRef idx="2">
-            <a:schemeClr val="accent1"/>
-          </a:effectRef>
-          <a:fontRef idx="minor">
-            <a:schemeClr val="lt1"/>
-          </a:fontRef>
-        </p:style>
-        <p:txBody>
-          <a:bodyPr rtlCol="0" anchor="ctr"/>
-          <a:lstStyle/>
-          <a:p>
-            <a:pPr algn="ctr"/>
-            <a:r>
-              <a:rPr lang="fr-FR" dirty="0" smtClean="0"/>
-              <a:t>BASE</a:t>
-            </a:r>
-            <a:endParaRPr lang="fr-FR" dirty="0"/>
-          </a:p>
-        </p:txBody>
-      </p:sp>
-      <p:sp>
-        <p:nvSpPr>
-          <p:cNvPr id="8" name="Autre processus 7"/>
-          <p:cNvSpPr/>
-          <p:nvPr/>
-        </p:nvSpPr>
-        <p:spPr>
-          <a:xfrm>
-            <a:off x="6547592" y="4061473"/>
-            <a:ext cx="1882033" cy="762000"/>
-          </a:xfrm>
-          <a:prstGeom prst="flowChartAlternateProcess">
-            <a:avLst/>
-          </a:prstGeom>
-          <a:solidFill>
-            <a:srgbClr val="FF6600"/>
-          </a:solidFill>
-        </p:spPr>
-        <p:style>
-          <a:lnRef idx="1">
-            <a:schemeClr val="accent1"/>
-          </a:lnRef>
-          <a:fillRef idx="3">
-            <a:schemeClr val="accent1"/>
-          </a:fillRef>
-          <a:effectRef idx="2">
-            <a:schemeClr val="accent1"/>
-          </a:effectRef>
-          <a:fontRef idx="minor">
-            <a:schemeClr val="lt1"/>
-          </a:fontRef>
-        </p:style>
-        <p:txBody>
-          <a:bodyPr rtlCol="0" anchor="ctr"/>
-          <a:lstStyle/>
-          <a:p>
-            <a:pPr algn="ctr"/>
-            <a:r>
-              <a:rPr lang="fr-FR" dirty="0" smtClean="0"/>
-              <a:t>VOL</a:t>
-            </a:r>
-            <a:endParaRPr lang="fr-FR" dirty="0"/>
-          </a:p>
-        </p:txBody>
-      </p:sp>
     </p:spTree>
     <p:extLst>
       <p:ext uri="{BB962C8B-B14F-4D97-AF65-F5344CB8AC3E}">
-        <p14:creationId xmlns:p14="http://schemas.microsoft.com/office/powerpoint/2010/main" val="47302799"/>
+        <p14:creationId xmlns:p14="http://schemas.microsoft.com/office/powerpoint/2010/main" val="1087901547"/>
       </p:ext>
     </p:extLst>
   </p:cSld>
@@ -20757,7 +24414,7 @@
 </p:sld>
 </file>
 
-<file path=ppt/slides/slide9.xml><?xml version="1.0" encoding="utf-8"?>
+<file path=ppt/slides/slide6.xml><?xml version="1.0" encoding="utf-8"?>
 <p:sld xmlns:a="http://schemas.openxmlformats.org/drawingml/2006/main" xmlns:r="http://schemas.openxmlformats.org/officeDocument/2006/relationships" xmlns:p="http://schemas.openxmlformats.org/presentationml/2006/main">
   <p:cSld>
     <p:spTree>
@@ -21398,6 +25055,59 @@
           </a:p>
         </p:txBody>
       </p:sp>
+      <p:pic>
+        <p:nvPicPr>
+          <p:cNvPr id="17" name="Image 16" descr="Macintosh HD:Users:texierpierre-jean:Desktop:Capture d’écran 2011-12-16 à 14.42.02.png"/>
+          <p:cNvPicPr/>
+          <p:nvPr/>
+        </p:nvPicPr>
+        <p:blipFill>
+          <a:blip r:embed="rId2">
+            <a:extLst>
+              <a:ext uri="{28A0092B-C50C-407E-A947-70E740481C1C}">
+                <a14:useLocalDpi xmlns:a14="http://schemas.microsoft.com/office/drawing/2010/main" val="0"/>
+              </a:ext>
+            </a:extLst>
+          </a:blip>
+          <a:srcRect/>
+          <a:stretch>
+            <a:fillRect/>
+          </a:stretch>
+        </p:blipFill>
+        <p:spPr bwMode="auto">
+          <a:xfrm>
+            <a:off x="8019538" y="234160"/>
+            <a:ext cx="820176" cy="373292"/>
+          </a:xfrm>
+          <a:prstGeom prst="roundRect">
+            <a:avLst>
+              <a:gd name="adj" fmla="val 16667"/>
+            </a:avLst>
+          </a:prstGeom>
+          <a:ln>
+            <a:noFill/>
+          </a:ln>
+          <a:effectLst>
+            <a:outerShdw blurRad="76200" dist="38100" dir="7800000" algn="tl" rotWithShape="0">
+              <a:srgbClr val="000000">
+                <a:alpha val="40000"/>
+              </a:srgbClr>
+            </a:outerShdw>
+          </a:effectLst>
+          <a:scene3d>
+            <a:camera prst="orthographicFront"/>
+            <a:lightRig rig="contrasting" dir="t">
+              <a:rot lat="0" lon="0" rev="4200000"/>
+            </a:lightRig>
+          </a:scene3d>
+          <a:sp3d prstMaterial="plastic">
+            <a:bevelT w="381000" h="114300" prst="relaxedInset"/>
+            <a:contourClr>
+              <a:srgbClr val="969696"/>
+            </a:contourClr>
+          </a:sp3d>
+        </p:spPr>
+      </p:pic>
     </p:spTree>
     <p:extLst>
       <p:ext uri="{BB962C8B-B14F-4D97-AF65-F5344CB8AC3E}">
@@ -21643,6 +25353,1357 @@
 </p:sld>
 </file>
 
+<file path=ppt/slides/slide7.xml><?xml version="1.0" encoding="utf-8"?>
+<p:sld xmlns:a="http://schemas.openxmlformats.org/drawingml/2006/main" xmlns:r="http://schemas.openxmlformats.org/officeDocument/2006/relationships" xmlns:p="http://schemas.openxmlformats.org/presentationml/2006/main">
+  <p:cSld>
+    <p:spTree>
+      <p:nvGrpSpPr>
+        <p:cNvPr id="1" name=""/>
+        <p:cNvGrpSpPr/>
+        <p:nvPr/>
+      </p:nvGrpSpPr>
+      <p:grpSpPr>
+        <a:xfrm>
+          <a:off x="0" y="0"/>
+          <a:ext cx="0" cy="0"/>
+          <a:chOff x="0" y="0"/>
+          <a:chExt cx="0" cy="0"/>
+        </a:xfrm>
+      </p:grpSpPr>
+      <p:sp>
+        <p:nvSpPr>
+          <p:cNvPr id="2" name="Titre 1"/>
+          <p:cNvSpPr>
+            <a:spLocks noGrp="1"/>
+          </p:cNvSpPr>
+          <p:nvPr>
+            <p:ph type="title"/>
+          </p:nvPr>
+        </p:nvSpPr>
+        <p:spPr/>
+        <p:txBody>
+          <a:bodyPr/>
+          <a:lstStyle/>
+          <a:p>
+            <a:pPr algn="ctr"/>
+            <a:r>
+              <a:rPr lang="fr-FR" dirty="0" smtClean="0"/>
+              <a:t>PARTIE « BASE »</a:t>
+            </a:r>
+            <a:endParaRPr lang="fr-FR" dirty="0"/>
+          </a:p>
+        </p:txBody>
+      </p:sp>
+      <p:sp>
+        <p:nvSpPr>
+          <p:cNvPr id="3" name="Espace réservé du contenu 2"/>
+          <p:cNvSpPr>
+            <a:spLocks noGrp="1"/>
+          </p:cNvSpPr>
+          <p:nvPr>
+            <p:ph idx="1"/>
+          </p:nvPr>
+        </p:nvSpPr>
+        <p:spPr/>
+        <p:txBody>
+          <a:bodyPr>
+            <a:normAutofit fontScale="92500" lnSpcReduction="10000"/>
+          </a:bodyPr>
+          <a:lstStyle/>
+          <a:p>
+            <a:r>
+              <a:rPr lang="fr-FR" dirty="0" smtClean="0"/>
+              <a:t>IHM tactile </a:t>
+            </a:r>
+          </a:p>
+          <a:p>
+            <a:pPr lvl="2"/>
+            <a:r>
+              <a:rPr lang="fr-FR" dirty="0" smtClean="0"/>
+              <a:t>Configuration des informations pertinentes :</a:t>
+            </a:r>
+          </a:p>
+          <a:p>
+            <a:pPr lvl="3"/>
+            <a:r>
+              <a:rPr lang="fr-FR" dirty="0" smtClean="0"/>
+              <a:t>Niveau de charge batterie</a:t>
+            </a:r>
+          </a:p>
+          <a:p>
+            <a:pPr lvl="3"/>
+            <a:r>
+              <a:rPr lang="fr-FR" dirty="0" smtClean="0"/>
+              <a:t>PFD</a:t>
+            </a:r>
+          </a:p>
+          <a:p>
+            <a:pPr lvl="3"/>
+            <a:r>
+              <a:rPr lang="fr-FR" dirty="0" smtClean="0"/>
+              <a:t>…</a:t>
+            </a:r>
+          </a:p>
+          <a:p>
+            <a:r>
+              <a:rPr lang="fr-FR" dirty="0" smtClean="0"/>
+              <a:t>Gestion de vol </a:t>
+            </a:r>
+          </a:p>
+          <a:p>
+            <a:pPr lvl="2"/>
+            <a:r>
+              <a:rPr lang="fr-FR" dirty="0" smtClean="0"/>
+              <a:t>Joystick (PS3 ?)</a:t>
+            </a:r>
+          </a:p>
+          <a:p>
+            <a:pPr lvl="2"/>
+            <a:r>
+              <a:rPr lang="fr-FR" dirty="0" smtClean="0"/>
+              <a:t>« Manche à balai »</a:t>
+            </a:r>
+            <a:endParaRPr lang="fr-FR" dirty="0"/>
+          </a:p>
+        </p:txBody>
+      </p:sp>
+      <p:pic>
+        <p:nvPicPr>
+          <p:cNvPr id="4" name="Picture 1028" descr="G:\documentation\OpenGL\ES2.0\presentation\defensescreen.jpg"/>
+          <p:cNvPicPr>
+            <a:picLocks noChangeAspect="1" noChangeArrowheads="1"/>
+          </p:cNvPicPr>
+          <p:nvPr/>
+        </p:nvPicPr>
+        <p:blipFill>
+          <a:blip r:embed="rId2">
+            <a:extLst>
+              <a:ext uri="{28A0092B-C50C-407E-A947-70E740481C1C}">
+                <a14:useLocalDpi xmlns:a14="http://schemas.microsoft.com/office/drawing/2010/main" val="0"/>
+              </a:ext>
+            </a:extLst>
+          </a:blip>
+          <a:srcRect/>
+          <a:stretch>
+            <a:fillRect/>
+          </a:stretch>
+        </p:blipFill>
+        <p:spPr bwMode="auto">
+          <a:xfrm>
+            <a:off x="5387328" y="4105136"/>
+            <a:ext cx="3531602" cy="2594500"/>
+          </a:xfrm>
+          <a:prstGeom prst="rect">
+            <a:avLst/>
+          </a:prstGeom>
+          <a:noFill/>
+          <a:extLst>
+            <a:ext uri="{909E8E84-426E-40dd-AFC4-6F175D3DCCD1}">
+              <a14:hiddenFill xmlns:a14="http://schemas.microsoft.com/office/drawing/2010/main">
+                <a:solidFill>
+                  <a:srgbClr val="FFFFFF"/>
+                </a:solidFill>
+              </a14:hiddenFill>
+            </a:ext>
+          </a:extLst>
+        </p:spPr>
+      </p:pic>
+      <p:pic>
+        <p:nvPicPr>
+          <p:cNvPr id="5" name="Image 4" descr="Macintosh HD:Users:texierpierre-jean:Desktop:Capture d’écran 2011-12-16 à 14.42.02.png"/>
+          <p:cNvPicPr/>
+          <p:nvPr/>
+        </p:nvPicPr>
+        <p:blipFill>
+          <a:blip r:embed="rId3">
+            <a:extLst>
+              <a:ext uri="{28A0092B-C50C-407E-A947-70E740481C1C}">
+                <a14:useLocalDpi xmlns:a14="http://schemas.microsoft.com/office/drawing/2010/main" val="0"/>
+              </a:ext>
+            </a:extLst>
+          </a:blip>
+          <a:srcRect/>
+          <a:stretch>
+            <a:fillRect/>
+          </a:stretch>
+        </p:blipFill>
+        <p:spPr bwMode="auto">
+          <a:xfrm>
+            <a:off x="8019538" y="234160"/>
+            <a:ext cx="820176" cy="373292"/>
+          </a:xfrm>
+          <a:prstGeom prst="roundRect">
+            <a:avLst>
+              <a:gd name="adj" fmla="val 16667"/>
+            </a:avLst>
+          </a:prstGeom>
+          <a:ln>
+            <a:noFill/>
+          </a:ln>
+          <a:effectLst>
+            <a:outerShdw blurRad="76200" dist="38100" dir="7800000" algn="tl" rotWithShape="0">
+              <a:srgbClr val="000000">
+                <a:alpha val="40000"/>
+              </a:srgbClr>
+            </a:outerShdw>
+          </a:effectLst>
+          <a:scene3d>
+            <a:camera prst="orthographicFront"/>
+            <a:lightRig rig="contrasting" dir="t">
+              <a:rot lat="0" lon="0" rev="4200000"/>
+            </a:lightRig>
+          </a:scene3d>
+          <a:sp3d prstMaterial="plastic">
+            <a:bevelT w="381000" h="114300" prst="relaxedInset"/>
+            <a:contourClr>
+              <a:srgbClr val="969696"/>
+            </a:contourClr>
+          </a:sp3d>
+        </p:spPr>
+      </p:pic>
+    </p:spTree>
+    <p:extLst>
+      <p:ext uri="{BB962C8B-B14F-4D97-AF65-F5344CB8AC3E}">
+        <p14:creationId xmlns:p14="http://schemas.microsoft.com/office/powerpoint/2010/main" val="1113203639"/>
+      </p:ext>
+    </p:extLst>
+  </p:cSld>
+  <p:clrMapOvr>
+    <a:masterClrMapping/>
+  </p:clrMapOvr>
+  <p:timing>
+    <p:tnLst>
+      <p:par>
+        <p:cTn xmlns:p14="http://schemas.microsoft.com/office/powerpoint/2010/main" id="1" dur="indefinite" restart="never" nodeType="tmRoot"/>
+      </p:par>
+    </p:tnLst>
+  </p:timing>
+</p:sld>
+</file>
+
+<file path=ppt/slides/slide8.xml><?xml version="1.0" encoding="utf-8"?>
+<p:sld xmlns:a="http://schemas.openxmlformats.org/drawingml/2006/main" xmlns:r="http://schemas.openxmlformats.org/officeDocument/2006/relationships" xmlns:p="http://schemas.openxmlformats.org/presentationml/2006/main">
+  <p:cSld>
+    <p:spTree>
+      <p:nvGrpSpPr>
+        <p:cNvPr id="1" name=""/>
+        <p:cNvGrpSpPr/>
+        <p:nvPr/>
+      </p:nvGrpSpPr>
+      <p:grpSpPr>
+        <a:xfrm>
+          <a:off x="0" y="0"/>
+          <a:ext cx="0" cy="0"/>
+          <a:chOff x="0" y="0"/>
+          <a:chExt cx="0" cy="0"/>
+        </a:xfrm>
+      </p:grpSpPr>
+      <p:sp>
+        <p:nvSpPr>
+          <p:cNvPr id="3" name="Espace réservé du contenu 2"/>
+          <p:cNvSpPr txBox="1">
+            <a:spLocks/>
+          </p:cNvSpPr>
+          <p:nvPr/>
+        </p:nvSpPr>
+        <p:spPr>
+          <a:xfrm>
+            <a:off x="712788" y="1438286"/>
+            <a:ext cx="8126926" cy="5236269"/>
+          </a:xfrm>
+          <a:prstGeom prst="rect">
+            <a:avLst/>
+          </a:prstGeom>
+        </p:spPr>
+        <p:txBody>
+          <a:bodyPr>
+            <a:normAutofit fontScale="77500" lnSpcReduction="20000"/>
+          </a:bodyPr>
+          <a:lstStyle>
+            <a:lvl1pPr marL="342900" indent="-342900" algn="l" defTabSz="914400" rtl="0" eaLnBrk="1" latinLnBrk="0" hangingPunct="1">
+              <a:spcBef>
+                <a:spcPts val="0"/>
+              </a:spcBef>
+              <a:spcAft>
+                <a:spcPts val="2000"/>
+              </a:spcAft>
+              <a:buFontTx/>
+              <a:buBlip>
+                <a:blip r:embed="rId2"/>
+              </a:buBlip>
+              <a:defRPr sz="2400" kern="1200">
+                <a:solidFill>
+                  <a:schemeClr val="bg1"/>
+                </a:solidFill>
+                <a:effectLst>
+                  <a:outerShdw blurRad="38100" dist="38100" dir="2700000" algn="tl">
+                    <a:srgbClr val="000000">
+                      <a:alpha val="43137"/>
+                    </a:srgbClr>
+                  </a:outerShdw>
+                </a:effectLst>
+                <a:latin typeface="+mn-lt"/>
+                <a:ea typeface="+mn-ea"/>
+                <a:cs typeface="+mn-cs"/>
+              </a:defRPr>
+            </a:lvl1pPr>
+            <a:lvl2pPr marL="631825" indent="-282575" algn="l" defTabSz="914400" rtl="0" eaLnBrk="1" latinLnBrk="0" hangingPunct="1">
+              <a:spcBef>
+                <a:spcPts val="0"/>
+              </a:spcBef>
+              <a:spcAft>
+                <a:spcPts val="1000"/>
+              </a:spcAft>
+              <a:buFontTx/>
+              <a:buBlip>
+                <a:blip r:embed="rId2"/>
+              </a:buBlip>
+              <a:defRPr sz="2200" kern="1200">
+                <a:solidFill>
+                  <a:schemeClr val="bg1"/>
+                </a:solidFill>
+                <a:effectLst>
+                  <a:outerShdw blurRad="38100" dist="38100" dir="2700000" algn="tl">
+                    <a:srgbClr val="000000">
+                      <a:alpha val="43137"/>
+                    </a:srgbClr>
+                  </a:outerShdw>
+                </a:effectLst>
+                <a:latin typeface="+mn-lt"/>
+                <a:ea typeface="+mn-ea"/>
+                <a:cs typeface="+mn-cs"/>
+              </a:defRPr>
+            </a:lvl2pPr>
+            <a:lvl3pPr marL="914400" indent="-282575" algn="l" defTabSz="914400" rtl="0" eaLnBrk="1" latinLnBrk="0" hangingPunct="1">
+              <a:spcBef>
+                <a:spcPts val="0"/>
+              </a:spcBef>
+              <a:spcAft>
+                <a:spcPts val="1000"/>
+              </a:spcAft>
+              <a:buFontTx/>
+              <a:buBlip>
+                <a:blip r:embed="rId2"/>
+              </a:buBlip>
+              <a:defRPr sz="2000" kern="1200">
+                <a:solidFill>
+                  <a:schemeClr val="bg1"/>
+                </a:solidFill>
+                <a:effectLst>
+                  <a:outerShdw blurRad="38100" dist="38100" dir="2700000" algn="tl">
+                    <a:srgbClr val="000000">
+                      <a:alpha val="43137"/>
+                    </a:srgbClr>
+                  </a:outerShdw>
+                </a:effectLst>
+                <a:latin typeface="+mn-lt"/>
+                <a:ea typeface="+mn-ea"/>
+                <a:cs typeface="+mn-cs"/>
+              </a:defRPr>
+            </a:lvl3pPr>
+            <a:lvl4pPr marL="1196975" indent="-282575" algn="l" defTabSz="914400" rtl="0" eaLnBrk="1" latinLnBrk="0" hangingPunct="1">
+              <a:spcBef>
+                <a:spcPts val="0"/>
+              </a:spcBef>
+              <a:spcAft>
+                <a:spcPts val="1000"/>
+              </a:spcAft>
+              <a:buFontTx/>
+              <a:buBlip>
+                <a:blip r:embed="rId2"/>
+              </a:buBlip>
+              <a:defRPr sz="1800" kern="1200">
+                <a:solidFill>
+                  <a:schemeClr val="bg1"/>
+                </a:solidFill>
+                <a:effectLst>
+                  <a:outerShdw blurRad="38100" dist="38100" dir="2700000" algn="tl">
+                    <a:srgbClr val="000000">
+                      <a:alpha val="43137"/>
+                    </a:srgbClr>
+                  </a:outerShdw>
+                </a:effectLst>
+                <a:latin typeface="+mn-lt"/>
+                <a:ea typeface="+mn-ea"/>
+                <a:cs typeface="+mn-cs"/>
+              </a:defRPr>
+            </a:lvl4pPr>
+            <a:lvl5pPr marL="1492250" indent="-295275" algn="l" defTabSz="914400" rtl="0" eaLnBrk="1" latinLnBrk="0" hangingPunct="1">
+              <a:spcBef>
+                <a:spcPts val="0"/>
+              </a:spcBef>
+              <a:spcAft>
+                <a:spcPts val="1000"/>
+              </a:spcAft>
+              <a:buFontTx/>
+              <a:buBlip>
+                <a:blip r:embed="rId2"/>
+              </a:buBlip>
+              <a:defRPr sz="1800" kern="1200">
+                <a:solidFill>
+                  <a:schemeClr val="bg1"/>
+                </a:solidFill>
+                <a:effectLst>
+                  <a:outerShdw blurRad="38100" dist="38100" dir="2700000" algn="tl">
+                    <a:srgbClr val="000000">
+                      <a:alpha val="43137"/>
+                    </a:srgbClr>
+                  </a:outerShdw>
+                </a:effectLst>
+                <a:latin typeface="+mn-lt"/>
+                <a:ea typeface="+mn-ea"/>
+                <a:cs typeface="+mn-cs"/>
+              </a:defRPr>
+            </a:lvl5pPr>
+            <a:lvl6pPr marL="1774825" indent="-288925" algn="l" defTabSz="914400" rtl="0" eaLnBrk="1" latinLnBrk="0" hangingPunct="1">
+              <a:spcBef>
+                <a:spcPts val="0"/>
+              </a:spcBef>
+              <a:spcAft>
+                <a:spcPts val="600"/>
+              </a:spcAft>
+              <a:buFontTx/>
+              <a:buBlip>
+                <a:blip r:embed="rId2"/>
+              </a:buBlip>
+              <a:defRPr lang="en-US" sz="1800" kern="1200" dirty="0" smtClean="0">
+                <a:solidFill>
+                  <a:schemeClr val="bg1"/>
+                </a:solidFill>
+                <a:effectLst>
+                  <a:outerShdw blurRad="38100" dist="38100" dir="2700000" algn="tl">
+                    <a:srgbClr val="000000">
+                      <a:alpha val="43137"/>
+                    </a:srgbClr>
+                  </a:outerShdw>
+                </a:effectLst>
+                <a:latin typeface="+mn-lt"/>
+                <a:ea typeface="+mn-ea"/>
+                <a:cs typeface="+mn-cs"/>
+              </a:defRPr>
+            </a:lvl6pPr>
+            <a:lvl7pPr marL="2055813" indent="-288925" algn="l" defTabSz="914400" rtl="0" eaLnBrk="1" latinLnBrk="0" hangingPunct="1">
+              <a:spcBef>
+                <a:spcPts val="0"/>
+              </a:spcBef>
+              <a:spcAft>
+                <a:spcPts val="600"/>
+              </a:spcAft>
+              <a:buFontTx/>
+              <a:buBlip>
+                <a:blip r:embed="rId2"/>
+              </a:buBlip>
+              <a:defRPr lang="en-US" sz="1800" kern="1200" dirty="0" smtClean="0">
+                <a:solidFill>
+                  <a:schemeClr val="bg1"/>
+                </a:solidFill>
+                <a:effectLst>
+                  <a:outerShdw blurRad="38100" dist="38100" dir="2700000" algn="tl">
+                    <a:srgbClr val="000000">
+                      <a:alpha val="43137"/>
+                    </a:srgbClr>
+                  </a:outerShdw>
+                </a:effectLst>
+                <a:latin typeface="+mn-lt"/>
+                <a:ea typeface="+mn-ea"/>
+                <a:cs typeface="+mn-cs"/>
+              </a:defRPr>
+            </a:lvl7pPr>
+            <a:lvl8pPr marL="2344738" indent="-288925" algn="l" defTabSz="914400" rtl="0" eaLnBrk="1" latinLnBrk="0" hangingPunct="1">
+              <a:spcBef>
+                <a:spcPts val="0"/>
+              </a:spcBef>
+              <a:spcAft>
+                <a:spcPts val="600"/>
+              </a:spcAft>
+              <a:buFontTx/>
+              <a:buBlip>
+                <a:blip r:embed="rId2"/>
+              </a:buBlip>
+              <a:defRPr lang="en-US" sz="1800" kern="1200" dirty="0" smtClean="0">
+                <a:solidFill>
+                  <a:schemeClr val="bg1"/>
+                </a:solidFill>
+                <a:effectLst>
+                  <a:outerShdw blurRad="38100" dist="38100" dir="2700000" algn="tl">
+                    <a:srgbClr val="000000">
+                      <a:alpha val="43137"/>
+                    </a:srgbClr>
+                  </a:outerShdw>
+                </a:effectLst>
+                <a:latin typeface="+mn-lt"/>
+                <a:ea typeface="+mn-ea"/>
+                <a:cs typeface="+mn-cs"/>
+              </a:defRPr>
+            </a:lvl8pPr>
+            <a:lvl9pPr marL="2625725" indent="-288925" algn="l" defTabSz="914400" rtl="0" eaLnBrk="1" latinLnBrk="0" hangingPunct="1">
+              <a:spcBef>
+                <a:spcPts val="0"/>
+              </a:spcBef>
+              <a:spcAft>
+                <a:spcPts val="600"/>
+              </a:spcAft>
+              <a:buFontTx/>
+              <a:buBlip>
+                <a:blip r:embed="rId2"/>
+              </a:buBlip>
+              <a:defRPr lang="en-US" sz="1800" kern="1200" dirty="0">
+                <a:solidFill>
+                  <a:schemeClr val="bg1"/>
+                </a:solidFill>
+                <a:effectLst>
+                  <a:outerShdw blurRad="38100" dist="38100" dir="2700000" algn="tl">
+                    <a:srgbClr val="000000">
+                      <a:alpha val="43137"/>
+                    </a:srgbClr>
+                  </a:outerShdw>
+                </a:effectLst>
+                <a:latin typeface="+mn-lt"/>
+                <a:ea typeface="+mn-ea"/>
+                <a:cs typeface="+mn-cs"/>
+              </a:defRPr>
+            </a:lvl9pPr>
+          </a:lstStyle>
+          <a:p>
+            <a:pPr marL="342900" lvl="1" indent="-342900">
+              <a:spcAft>
+                <a:spcPts val="2000"/>
+              </a:spcAft>
+            </a:pPr>
+            <a:r>
+              <a:rPr lang="fr-FR" dirty="0" smtClean="0"/>
+              <a:t>ARCHITECTURE : </a:t>
+            </a:r>
+            <a:r>
+              <a:rPr lang="fr-FR" b="1" i="1" dirty="0">
+                <a:solidFill>
+                  <a:schemeClr val="tx1"/>
+                </a:solidFill>
+              </a:rPr>
+              <a:t>ARM CORTEX </a:t>
+            </a:r>
+            <a:r>
+              <a:rPr lang="fr-FR" b="1" i="1" dirty="0" smtClean="0">
+                <a:solidFill>
+                  <a:schemeClr val="tx1"/>
+                </a:solidFill>
+              </a:rPr>
+              <a:t>A (8, 9 ,15)</a:t>
+            </a:r>
+          </a:p>
+          <a:p>
+            <a:pPr marL="342900" lvl="1" indent="-342900">
+              <a:spcAft>
+                <a:spcPts val="2000"/>
+              </a:spcAft>
+            </a:pPr>
+            <a:endParaRPr lang="fr-FR" b="1" i="1" dirty="0" smtClean="0">
+              <a:solidFill>
+                <a:schemeClr val="tx1"/>
+              </a:solidFill>
+            </a:endParaRPr>
+          </a:p>
+          <a:p>
+            <a:pPr marL="342900" lvl="1" indent="-342900">
+              <a:spcAft>
+                <a:spcPts val="2000"/>
+              </a:spcAft>
+            </a:pPr>
+            <a:endParaRPr lang="fr-FR" b="1" i="1" dirty="0" smtClean="0">
+              <a:solidFill>
+                <a:schemeClr val="tx1"/>
+              </a:solidFill>
+            </a:endParaRPr>
+          </a:p>
+          <a:p>
+            <a:pPr marL="0" lvl="1" indent="0">
+              <a:spcAft>
+                <a:spcPts val="2000"/>
+              </a:spcAft>
+              <a:buNone/>
+            </a:pPr>
+            <a:endParaRPr lang="fr-FR" b="1" i="1" dirty="0">
+              <a:solidFill>
+                <a:schemeClr val="tx1"/>
+              </a:solidFill>
+            </a:endParaRPr>
+          </a:p>
+          <a:p>
+            <a:pPr marL="342900" lvl="1" indent="-342900">
+              <a:spcAft>
+                <a:spcPts val="2000"/>
+              </a:spcAft>
+            </a:pPr>
+            <a:endParaRPr lang="fr-FR" b="1" i="1" dirty="0" smtClean="0">
+              <a:solidFill>
+                <a:schemeClr val="tx1"/>
+              </a:solidFill>
+            </a:endParaRPr>
+          </a:p>
+          <a:p>
+            <a:pPr marL="342900" lvl="1" indent="-342900">
+              <a:spcAft>
+                <a:spcPts val="2000"/>
+              </a:spcAft>
+            </a:pPr>
+            <a:endParaRPr lang="fr-FR" b="1" i="1" dirty="0" smtClean="0">
+              <a:solidFill>
+                <a:schemeClr val="tx1"/>
+              </a:solidFill>
+            </a:endParaRPr>
+          </a:p>
+          <a:p>
+            <a:pPr marL="342900" lvl="1" indent="-342900">
+              <a:spcAft>
+                <a:spcPts val="2000"/>
+              </a:spcAft>
+            </a:pPr>
+            <a:r>
+              <a:rPr lang="fr-FR" dirty="0" smtClean="0"/>
+              <a:t>CONSTRUCTION SYSTEME MINIMALISTE :</a:t>
+            </a:r>
+          </a:p>
+          <a:p>
+            <a:pPr marL="625475" lvl="2" indent="-342900">
+              <a:spcAft>
+                <a:spcPts val="2000"/>
+              </a:spcAft>
+            </a:pPr>
+            <a:r>
+              <a:rPr lang="fr-FR" dirty="0" smtClean="0">
+                <a:solidFill>
+                  <a:srgbClr val="FFFFFF"/>
+                </a:solidFill>
+              </a:rPr>
+              <a:t>BUILDROOT </a:t>
+            </a:r>
+            <a:r>
+              <a:rPr lang="fr-FR" dirty="0" smtClean="0">
+                <a:solidFill>
+                  <a:srgbClr val="FFFFFF"/>
+                </a:solidFill>
+                <a:sym typeface="Wingdings"/>
+              </a:rPr>
+              <a:t> TEST RAPIDE</a:t>
+            </a:r>
+          </a:p>
+          <a:p>
+            <a:pPr marL="908050" lvl="3" indent="-342900">
+              <a:spcAft>
+                <a:spcPts val="2000"/>
+              </a:spcAft>
+            </a:pPr>
+            <a:r>
+              <a:rPr lang="fr-FR" dirty="0" smtClean="0">
+                <a:solidFill>
+                  <a:srgbClr val="FFFFFF"/>
+                </a:solidFill>
+                <a:sym typeface="Wingdings"/>
+              </a:rPr>
+              <a:t>Du BOOTLOADER au ROOTFS</a:t>
+            </a:r>
+          </a:p>
+          <a:p>
+            <a:pPr marL="1203325" lvl="4" indent="-342900">
+              <a:spcAft>
+                <a:spcPts val="2000"/>
+              </a:spcAft>
+            </a:pPr>
+            <a:r>
+              <a:rPr lang="fr-FR" dirty="0" err="1" smtClean="0">
+                <a:solidFill>
+                  <a:srgbClr val="FFFFFF"/>
+                </a:solidFill>
+                <a:sym typeface="Wingdings"/>
+              </a:rPr>
+              <a:t>Qt</a:t>
+            </a:r>
+            <a:r>
+              <a:rPr lang="fr-FR" dirty="0" smtClean="0">
+                <a:solidFill>
+                  <a:srgbClr val="FFFFFF"/>
+                </a:solidFill>
+                <a:sym typeface="Wingdings"/>
+              </a:rPr>
+              <a:t> </a:t>
+            </a:r>
+            <a:r>
+              <a:rPr lang="fr-FR" dirty="0" err="1" smtClean="0">
+                <a:solidFill>
+                  <a:srgbClr val="FFFFFF"/>
+                </a:solidFill>
+                <a:sym typeface="Wingdings"/>
+              </a:rPr>
+              <a:t>embedded</a:t>
+            </a:r>
+            <a:endParaRPr lang="fr-FR" dirty="0">
+              <a:solidFill>
+                <a:srgbClr val="FFFFFF"/>
+              </a:solidFill>
+              <a:sym typeface="Wingdings"/>
+            </a:endParaRPr>
+          </a:p>
+          <a:p>
+            <a:pPr marL="625475" lvl="2" indent="-342900">
+              <a:spcAft>
+                <a:spcPts val="2000"/>
+              </a:spcAft>
+            </a:pPr>
+            <a:r>
+              <a:rPr lang="fr-FR" dirty="0" smtClean="0">
+                <a:solidFill>
+                  <a:srgbClr val="FFFFFF"/>
+                </a:solidFill>
+                <a:sym typeface="Wingdings"/>
+              </a:rPr>
+              <a:t>QEMU?</a:t>
+            </a:r>
+            <a:endParaRPr lang="fr-FR" dirty="0">
+              <a:solidFill>
+                <a:srgbClr val="FFFFFF"/>
+              </a:solidFill>
+            </a:endParaRPr>
+          </a:p>
+          <a:p>
+            <a:pPr marL="342900" lvl="1" indent="-342900">
+              <a:spcAft>
+                <a:spcPts val="2000"/>
+              </a:spcAft>
+            </a:pPr>
+            <a:endParaRPr lang="fr-FR" b="1" i="1" dirty="0">
+              <a:solidFill>
+                <a:schemeClr val="tx1"/>
+              </a:solidFill>
+            </a:endParaRPr>
+          </a:p>
+          <a:p>
+            <a:pPr marL="342900" lvl="1" indent="-342900">
+              <a:spcAft>
+                <a:spcPts val="2000"/>
+              </a:spcAft>
+            </a:pPr>
+            <a:endParaRPr lang="fr-FR" b="1" i="1" dirty="0" smtClean="0">
+              <a:solidFill>
+                <a:schemeClr val="tx1"/>
+              </a:solidFill>
+            </a:endParaRPr>
+          </a:p>
+          <a:p>
+            <a:pPr marL="0" lvl="1" indent="0">
+              <a:spcAft>
+                <a:spcPts val="2000"/>
+              </a:spcAft>
+              <a:buNone/>
+            </a:pPr>
+            <a:endParaRPr lang="fr-FR" dirty="0">
+              <a:solidFill>
+                <a:srgbClr val="FFFFFF"/>
+              </a:solidFill>
+            </a:endParaRPr>
+          </a:p>
+          <a:p>
+            <a:pPr lvl="1"/>
+            <a:endParaRPr lang="fr-FR" dirty="0" smtClean="0"/>
+          </a:p>
+        </p:txBody>
+      </p:sp>
+      <p:pic>
+        <p:nvPicPr>
+          <p:cNvPr id="4" name="Image 3"/>
+          <p:cNvPicPr>
+            <a:picLocks noChangeAspect="1"/>
+          </p:cNvPicPr>
+          <p:nvPr/>
+        </p:nvPicPr>
+        <p:blipFill>
+          <a:blip r:embed="rId3"/>
+          <a:stretch>
+            <a:fillRect/>
+          </a:stretch>
+        </p:blipFill>
+        <p:spPr>
+          <a:xfrm>
+            <a:off x="1044363" y="2350877"/>
+            <a:ext cx="1899073" cy="581445"/>
+          </a:xfrm>
+          <a:prstGeom prst="rect">
+            <a:avLst/>
+          </a:prstGeom>
+        </p:spPr>
+      </p:pic>
+      <p:pic>
+        <p:nvPicPr>
+          <p:cNvPr id="5" name="Image 4"/>
+          <p:cNvPicPr>
+            <a:picLocks noChangeAspect="1"/>
+          </p:cNvPicPr>
+          <p:nvPr/>
+        </p:nvPicPr>
+        <p:blipFill>
+          <a:blip r:embed="rId4"/>
+          <a:stretch>
+            <a:fillRect/>
+          </a:stretch>
+        </p:blipFill>
+        <p:spPr>
+          <a:xfrm>
+            <a:off x="3865360" y="2350878"/>
+            <a:ext cx="1739587" cy="575402"/>
+          </a:xfrm>
+          <a:prstGeom prst="rect">
+            <a:avLst/>
+          </a:prstGeom>
+        </p:spPr>
+      </p:pic>
+      <p:pic>
+        <p:nvPicPr>
+          <p:cNvPr id="6" name="Image 5"/>
+          <p:cNvPicPr>
+            <a:picLocks noChangeAspect="1"/>
+          </p:cNvPicPr>
+          <p:nvPr/>
+        </p:nvPicPr>
+        <p:blipFill>
+          <a:blip r:embed="rId5"/>
+          <a:stretch>
+            <a:fillRect/>
+          </a:stretch>
+        </p:blipFill>
+        <p:spPr>
+          <a:xfrm>
+            <a:off x="6568625" y="2350878"/>
+            <a:ext cx="1659077" cy="582209"/>
+          </a:xfrm>
+          <a:prstGeom prst="rect">
+            <a:avLst/>
+          </a:prstGeom>
+        </p:spPr>
+      </p:pic>
+      <p:pic>
+        <p:nvPicPr>
+          <p:cNvPr id="7" name="Image 6" descr="Macintosh HD:Users:texierpierre-jean:Desktop:Capture d’écran 2011-12-16 à 14.42.02.png"/>
+          <p:cNvPicPr/>
+          <p:nvPr/>
+        </p:nvPicPr>
+        <p:blipFill>
+          <a:blip r:embed="rId6">
+            <a:extLst>
+              <a:ext uri="{28A0092B-C50C-407E-A947-70E740481C1C}">
+                <a14:useLocalDpi xmlns:a14="http://schemas.microsoft.com/office/drawing/2010/main" val="0"/>
+              </a:ext>
+            </a:extLst>
+          </a:blip>
+          <a:srcRect/>
+          <a:stretch>
+            <a:fillRect/>
+          </a:stretch>
+        </p:blipFill>
+        <p:spPr bwMode="auto">
+          <a:xfrm>
+            <a:off x="8019538" y="234160"/>
+            <a:ext cx="820176" cy="373292"/>
+          </a:xfrm>
+          <a:prstGeom prst="roundRect">
+            <a:avLst>
+              <a:gd name="adj" fmla="val 16667"/>
+            </a:avLst>
+          </a:prstGeom>
+          <a:ln>
+            <a:noFill/>
+          </a:ln>
+          <a:effectLst>
+            <a:outerShdw blurRad="76200" dist="38100" dir="7800000" algn="tl" rotWithShape="0">
+              <a:srgbClr val="000000">
+                <a:alpha val="40000"/>
+              </a:srgbClr>
+            </a:outerShdw>
+          </a:effectLst>
+          <a:scene3d>
+            <a:camera prst="orthographicFront"/>
+            <a:lightRig rig="contrasting" dir="t">
+              <a:rot lat="0" lon="0" rev="4200000"/>
+            </a:lightRig>
+          </a:scene3d>
+          <a:sp3d prstMaterial="plastic">
+            <a:bevelT w="381000" h="114300" prst="relaxedInset"/>
+            <a:contourClr>
+              <a:srgbClr val="969696"/>
+            </a:contourClr>
+          </a:sp3d>
+        </p:spPr>
+      </p:pic>
+      <p:pic>
+        <p:nvPicPr>
+          <p:cNvPr id="8" name="Image 2"/>
+          <p:cNvPicPr>
+            <a:picLocks noChangeAspect="1"/>
+          </p:cNvPicPr>
+          <p:nvPr/>
+        </p:nvPicPr>
+        <p:blipFill>
+          <a:blip r:embed="rId7">
+            <a:extLst>
+              <a:ext uri="{28A0092B-C50C-407E-A947-70E740481C1C}">
+                <a14:useLocalDpi xmlns:a14="http://schemas.microsoft.com/office/drawing/2010/main" val="0"/>
+              </a:ext>
+            </a:extLst>
+          </a:blip>
+          <a:srcRect/>
+          <a:stretch>
+            <a:fillRect/>
+          </a:stretch>
+        </p:blipFill>
+        <p:spPr bwMode="auto">
+          <a:xfrm>
+            <a:off x="4104042" y="3148254"/>
+            <a:ext cx="873413" cy="873413"/>
+          </a:xfrm>
+          <a:prstGeom prst="rect">
+            <a:avLst/>
+          </a:prstGeom>
+          <a:noFill/>
+          <a:ln>
+            <a:noFill/>
+          </a:ln>
+          <a:extLst>
+            <a:ext uri="{909E8E84-426E-40dd-AFC4-6F175D3DCCD1}">
+              <a14:hiddenFill xmlns:a14="http://schemas.microsoft.com/office/drawing/2010/main">
+                <a:solidFill>
+                  <a:srgbClr val="FFFFFF"/>
+                </a:solidFill>
+              </a14:hiddenFill>
+            </a:ext>
+            <a:ext uri="{91240B29-F687-4f45-9708-019B960494DF}">
+              <a14:hiddenLine xmlns:a14="http://schemas.microsoft.com/office/drawing/2010/main" w="9525">
+                <a:solidFill>
+                  <a:srgbClr val="000000"/>
+                </a:solidFill>
+                <a:miter lim="800000"/>
+                <a:headEnd/>
+                <a:tailEnd/>
+              </a14:hiddenLine>
+            </a:ext>
+          </a:extLst>
+        </p:spPr>
+      </p:pic>
+    </p:spTree>
+    <p:extLst>
+      <p:ext uri="{BB962C8B-B14F-4D97-AF65-F5344CB8AC3E}">
+        <p14:creationId xmlns:p14="http://schemas.microsoft.com/office/powerpoint/2010/main" val="1994183363"/>
+      </p:ext>
+    </p:extLst>
+  </p:cSld>
+  <p:clrMapOvr>
+    <a:masterClrMapping/>
+  </p:clrMapOvr>
+  <p:timing>
+    <p:tnLst>
+      <p:par>
+        <p:cTn xmlns:p14="http://schemas.microsoft.com/office/powerpoint/2010/main" id="1" dur="indefinite" restart="never" nodeType="tmRoot"/>
+      </p:par>
+    </p:tnLst>
+  </p:timing>
+</p:sld>
+</file>
+
+<file path=ppt/slides/slide9.xml><?xml version="1.0" encoding="utf-8"?>
+<p:sld xmlns:a="http://schemas.openxmlformats.org/drawingml/2006/main" xmlns:r="http://schemas.openxmlformats.org/officeDocument/2006/relationships" xmlns:p="http://schemas.openxmlformats.org/presentationml/2006/main">
+  <p:cSld>
+    <p:spTree>
+      <p:nvGrpSpPr>
+        <p:cNvPr id="1" name=""/>
+        <p:cNvGrpSpPr/>
+        <p:nvPr/>
+      </p:nvGrpSpPr>
+      <p:grpSpPr>
+        <a:xfrm>
+          <a:off x="0" y="0"/>
+          <a:ext cx="0" cy="0"/>
+          <a:chOff x="0" y="0"/>
+          <a:chExt cx="0" cy="0"/>
+        </a:xfrm>
+      </p:grpSpPr>
+      <p:sp>
+        <p:nvSpPr>
+          <p:cNvPr id="2" name="Titre 1"/>
+          <p:cNvSpPr>
+            <a:spLocks noGrp="1"/>
+          </p:cNvSpPr>
+          <p:nvPr>
+            <p:ph type="title"/>
+          </p:nvPr>
+        </p:nvSpPr>
+        <p:spPr/>
+        <p:txBody>
+          <a:bodyPr/>
+          <a:lstStyle/>
+          <a:p>
+            <a:pPr algn="ctr"/>
+            <a:r>
+              <a:rPr lang="fr-FR" dirty="0" smtClean="0"/>
+              <a:t>Taches - Base</a:t>
+            </a:r>
+            <a:endParaRPr lang="fr-FR" dirty="0"/>
+          </a:p>
+        </p:txBody>
+      </p:sp>
+      <p:sp>
+        <p:nvSpPr>
+          <p:cNvPr id="3" name="Espace réservé du contenu 2"/>
+          <p:cNvSpPr>
+            <a:spLocks noGrp="1"/>
+          </p:cNvSpPr>
+          <p:nvPr>
+            <p:ph idx="1"/>
+          </p:nvPr>
+        </p:nvSpPr>
+        <p:spPr>
+          <a:xfrm>
+            <a:off x="712788" y="3012142"/>
+            <a:ext cx="8246572" cy="3388658"/>
+          </a:xfrm>
+        </p:spPr>
+        <p:txBody>
+          <a:bodyPr>
+            <a:normAutofit fontScale="55000" lnSpcReduction="20000"/>
+          </a:bodyPr>
+          <a:lstStyle/>
+          <a:p>
+            <a:r>
+              <a:rPr lang="fr-FR" dirty="0" smtClean="0"/>
+              <a:t>Choix architecture</a:t>
+            </a:r>
+          </a:p>
+          <a:p>
+            <a:pPr lvl="1"/>
+            <a:r>
+              <a:rPr lang="fr-FR" dirty="0" smtClean="0"/>
+              <a:t>Cross-</a:t>
+            </a:r>
+            <a:r>
+              <a:rPr lang="fr-FR" dirty="0" err="1" smtClean="0"/>
+              <a:t>tool</a:t>
+            </a:r>
+            <a:r>
+              <a:rPr lang="fr-FR" dirty="0" smtClean="0"/>
+              <a:t> </a:t>
+            </a:r>
+            <a:r>
+              <a:rPr lang="fr-FR" dirty="0" err="1" smtClean="0"/>
+              <a:t>chain</a:t>
+            </a:r>
+            <a:r>
+              <a:rPr lang="fr-FR" dirty="0" smtClean="0"/>
+              <a:t> </a:t>
+            </a:r>
+            <a:r>
+              <a:rPr lang="fr-FR" dirty="0" smtClean="0">
+                <a:sym typeface="Wingdings"/>
+              </a:rPr>
+              <a:t> </a:t>
+            </a:r>
+            <a:r>
+              <a:rPr lang="fr-FR" dirty="0" err="1" smtClean="0">
+                <a:sym typeface="Wingdings"/>
+              </a:rPr>
+              <a:t>Glibc</a:t>
+            </a:r>
+            <a:r>
+              <a:rPr lang="fr-FR" dirty="0" smtClean="0">
+                <a:sym typeface="Wingdings"/>
+              </a:rPr>
+              <a:t>  </a:t>
+            </a:r>
+            <a:r>
+              <a:rPr lang="fr-FR" dirty="0" err="1" smtClean="0">
+                <a:sym typeface="Wingdings"/>
+              </a:rPr>
+              <a:t>crosstool</a:t>
+            </a:r>
+            <a:r>
+              <a:rPr lang="fr-FR" dirty="0" err="1">
+                <a:sym typeface="Wingdings"/>
+              </a:rPr>
+              <a:t>-</a:t>
+            </a:r>
+            <a:r>
+              <a:rPr lang="fr-FR" dirty="0" err="1" smtClean="0">
+                <a:sym typeface="Wingdings"/>
+              </a:rPr>
+              <a:t>ng</a:t>
+            </a:r>
+            <a:r>
+              <a:rPr lang="fr-FR" dirty="0" smtClean="0">
+                <a:sym typeface="Wingdings"/>
+              </a:rPr>
+              <a:t> ? </a:t>
+            </a:r>
+            <a:r>
+              <a:rPr lang="fr-FR" dirty="0" err="1" smtClean="0">
+                <a:sym typeface="Wingdings"/>
+              </a:rPr>
+              <a:t>Linaro</a:t>
+            </a:r>
+            <a:r>
+              <a:rPr lang="fr-FR" dirty="0" smtClean="0">
+                <a:sym typeface="Wingdings"/>
+              </a:rPr>
+              <a:t> ?</a:t>
+            </a:r>
+            <a:endParaRPr lang="fr-FR" dirty="0" smtClean="0"/>
+          </a:p>
+          <a:p>
+            <a:pPr lvl="1"/>
+            <a:r>
+              <a:rPr lang="fr-FR" dirty="0" err="1" smtClean="0"/>
+              <a:t>Bootloader</a:t>
+            </a:r>
+            <a:r>
+              <a:rPr lang="fr-FR" dirty="0" smtClean="0"/>
+              <a:t> (u-boot/</a:t>
+            </a:r>
+            <a:r>
+              <a:rPr lang="fr-FR" dirty="0" err="1" smtClean="0"/>
+              <a:t>barebox</a:t>
+            </a:r>
+            <a:r>
+              <a:rPr lang="fr-FR" dirty="0" smtClean="0"/>
+              <a:t>) </a:t>
+            </a:r>
+            <a:r>
+              <a:rPr lang="fr-FR" dirty="0" smtClean="0">
+                <a:sym typeface="Wingdings"/>
+              </a:rPr>
+              <a:t> logo ESTEI au démarrage </a:t>
+            </a:r>
+            <a:endParaRPr lang="fr-FR" dirty="0" smtClean="0"/>
+          </a:p>
+          <a:p>
+            <a:pPr lvl="1"/>
+            <a:r>
+              <a:rPr lang="fr-FR" dirty="0" smtClean="0"/>
+              <a:t>Kernel </a:t>
+            </a:r>
+          </a:p>
+          <a:p>
+            <a:pPr lvl="3"/>
+            <a:r>
+              <a:rPr lang="fr-FR" dirty="0" smtClean="0"/>
+              <a:t>ajout des inputs = </a:t>
+            </a:r>
+            <a:r>
+              <a:rPr lang="fr-FR" dirty="0" err="1" smtClean="0"/>
+              <a:t>gamepad</a:t>
+            </a:r>
+            <a:r>
+              <a:rPr lang="fr-FR" dirty="0" smtClean="0"/>
+              <a:t> (6dof) / </a:t>
+            </a:r>
+            <a:r>
+              <a:rPr lang="fr-FR" dirty="0" err="1" smtClean="0"/>
+              <a:t>touchscreenLCD</a:t>
+            </a:r>
+            <a:r>
+              <a:rPr lang="fr-FR" dirty="0" smtClean="0"/>
+              <a:t> / </a:t>
+            </a:r>
+            <a:r>
+              <a:rPr lang="fr-FR" dirty="0" err="1" smtClean="0"/>
+              <a:t>FrameBuffer</a:t>
+            </a:r>
+            <a:endParaRPr lang="fr-FR" dirty="0" smtClean="0"/>
+          </a:p>
+          <a:p>
+            <a:pPr lvl="4"/>
+            <a:r>
+              <a:rPr lang="fr-FR" dirty="0" smtClean="0"/>
+              <a:t>Joystick interface et </a:t>
+            </a:r>
+            <a:r>
+              <a:rPr lang="fr-FR" dirty="0" err="1" smtClean="0"/>
+              <a:t>event</a:t>
+            </a:r>
+            <a:r>
+              <a:rPr lang="fr-FR" dirty="0" smtClean="0"/>
+              <a:t> interface</a:t>
+            </a:r>
+            <a:endParaRPr lang="fr-FR" dirty="0"/>
+          </a:p>
+          <a:p>
+            <a:pPr lvl="3"/>
+            <a:r>
+              <a:rPr lang="fr-FR" dirty="0" smtClean="0"/>
+              <a:t>Du support NFS </a:t>
+            </a:r>
+          </a:p>
+          <a:p>
+            <a:pPr lvl="3"/>
+            <a:r>
+              <a:rPr lang="fr-FR" dirty="0" smtClean="0"/>
+              <a:t>Du serveur TFTP</a:t>
+            </a:r>
+          </a:p>
+          <a:p>
+            <a:pPr lvl="3"/>
+            <a:r>
+              <a:rPr lang="fr-FR" dirty="0" smtClean="0"/>
+              <a:t>Du wifi</a:t>
+            </a:r>
+          </a:p>
+          <a:p>
+            <a:pPr lvl="1"/>
+            <a:r>
+              <a:rPr lang="fr-FR" dirty="0" err="1" smtClean="0"/>
+              <a:t>Rootfs</a:t>
+            </a:r>
+            <a:r>
+              <a:rPr lang="fr-FR" dirty="0" smtClean="0"/>
+              <a:t> </a:t>
+            </a:r>
+            <a:r>
+              <a:rPr lang="fr-FR" dirty="0" smtClean="0">
+                <a:sym typeface="Wingdings"/>
+              </a:rPr>
+              <a:t> (c)</a:t>
+            </a:r>
+            <a:r>
+              <a:rPr lang="fr-FR" dirty="0" err="1" smtClean="0">
+                <a:sym typeface="Wingdings"/>
+              </a:rPr>
+              <a:t>debootstrap</a:t>
+            </a:r>
+            <a:r>
+              <a:rPr lang="fr-FR" dirty="0" smtClean="0">
+                <a:sym typeface="Wingdings"/>
+              </a:rPr>
+              <a:t> = Debian --- Busybox</a:t>
+            </a:r>
+          </a:p>
+          <a:p>
+            <a:pPr lvl="2"/>
+            <a:r>
+              <a:rPr lang="fr-FR" dirty="0" err="1" smtClean="0">
+                <a:sym typeface="Wingdings"/>
+              </a:rPr>
+              <a:t>Inittab</a:t>
+            </a:r>
+            <a:r>
+              <a:rPr lang="fr-FR" dirty="0" smtClean="0">
+                <a:sym typeface="Wingdings"/>
+              </a:rPr>
+              <a:t>, </a:t>
+            </a:r>
+            <a:r>
+              <a:rPr lang="fr-FR" dirty="0" err="1" smtClean="0">
+                <a:sym typeface="Wingdings"/>
+              </a:rPr>
+              <a:t>fstab</a:t>
+            </a:r>
+            <a:r>
+              <a:rPr lang="fr-FR" dirty="0" smtClean="0">
+                <a:sym typeface="Wingdings"/>
+              </a:rPr>
+              <a:t>, interfaces, </a:t>
+            </a:r>
+            <a:r>
+              <a:rPr lang="fr-FR" dirty="0" err="1" smtClean="0">
+                <a:sym typeface="Wingdings"/>
+              </a:rPr>
+              <a:t>hostname</a:t>
+            </a:r>
+            <a:r>
+              <a:rPr lang="fr-FR" dirty="0" smtClean="0">
+                <a:sym typeface="Wingdings"/>
+              </a:rPr>
+              <a:t>, …</a:t>
+            </a:r>
+          </a:p>
+          <a:p>
+            <a:pPr lvl="1"/>
+            <a:r>
+              <a:rPr lang="fr-FR" dirty="0" smtClean="0">
+                <a:sym typeface="Wingdings"/>
+              </a:rPr>
+              <a:t>Cross-compilation de </a:t>
+            </a:r>
+            <a:r>
+              <a:rPr lang="fr-FR" dirty="0" err="1" smtClean="0">
+                <a:sym typeface="Wingdings"/>
+              </a:rPr>
+              <a:t>Qtembedded</a:t>
+            </a:r>
+            <a:r>
+              <a:rPr lang="fr-FR" dirty="0" smtClean="0">
+                <a:sym typeface="Wingdings"/>
+              </a:rPr>
+              <a:t>, </a:t>
+            </a:r>
+            <a:r>
+              <a:rPr lang="fr-FR" dirty="0" err="1" smtClean="0">
+                <a:sym typeface="Wingdings"/>
+              </a:rPr>
+              <a:t>dropbear</a:t>
+            </a:r>
+            <a:r>
+              <a:rPr lang="fr-FR" dirty="0" smtClean="0">
+                <a:sym typeface="Wingdings"/>
+              </a:rPr>
+              <a:t> et </a:t>
+            </a:r>
+            <a:r>
+              <a:rPr lang="fr-FR" dirty="0" err="1" smtClean="0">
+                <a:sym typeface="Wingdings"/>
+              </a:rPr>
+              <a:t>tslib</a:t>
+            </a:r>
+            <a:endParaRPr lang="fr-FR" dirty="0"/>
+          </a:p>
+        </p:txBody>
+      </p:sp>
+      <p:pic>
+        <p:nvPicPr>
+          <p:cNvPr id="5" name="Image 4"/>
+          <p:cNvPicPr>
+            <a:picLocks noChangeAspect="1"/>
+          </p:cNvPicPr>
+          <p:nvPr/>
+        </p:nvPicPr>
+        <p:blipFill>
+          <a:blip r:embed="rId2"/>
+          <a:stretch>
+            <a:fillRect/>
+          </a:stretch>
+        </p:blipFill>
+        <p:spPr>
+          <a:xfrm>
+            <a:off x="5362599" y="5470232"/>
+            <a:ext cx="712652" cy="504071"/>
+          </a:xfrm>
+          <a:prstGeom prst="rect">
+            <a:avLst/>
+          </a:prstGeom>
+        </p:spPr>
+      </p:pic>
+    </p:spTree>
+    <p:extLst>
+      <p:ext uri="{BB962C8B-B14F-4D97-AF65-F5344CB8AC3E}">
+        <p14:creationId xmlns:p14="http://schemas.microsoft.com/office/powerpoint/2010/main" val="331828917"/>
+      </p:ext>
+    </p:extLst>
+  </p:cSld>
+  <p:clrMapOvr>
+    <a:masterClrMapping/>
+  </p:clrMapOvr>
+  <p:timing>
+    <p:tnLst>
+      <p:par>
+        <p:cTn xmlns:p14="http://schemas.microsoft.com/office/powerpoint/2010/main" id="1" dur="indefinite" restart="never" nodeType="tmRoot"/>
+      </p:par>
+    </p:tnLst>
+  </p:timing>
+</p:sld>
+</file>
+
 <file path=ppt/theme/theme1.xml><?xml version="1.0" encoding="utf-8"?>
 <a:theme xmlns:a="http://schemas.openxmlformats.org/drawingml/2006/main" name="Ciel">
   <a:themeElements>

--- a/cr/CR_lundi_23_09_13.pptx
+++ b/cr/CR_lundi_23_09_13.pptx
@@ -34,7 +34,10 @@
     <p:sldId id="292" r:id="rId28"/>
     <p:sldId id="293" r:id="rId29"/>
     <p:sldId id="295" r:id="rId30"/>
-    <p:sldId id="296" r:id="rId31"/>
+    <p:sldId id="298" r:id="rId31"/>
+    <p:sldId id="299" r:id="rId32"/>
+    <p:sldId id="296" r:id="rId33"/>
+    <p:sldId id="297" r:id="rId34"/>
   </p:sldIdLst>
   <p:sldSz cx="9144000" cy="6858000" type="screen4x3"/>
   <p:notesSz cx="6858000" cy="9144000"/>
@@ -4802,7 +4805,7 @@
           <a:p>
             <a:fld id="{7A6B8A3B-B4A8-0B47-A7EB-81B6CDAFFFC7}" type="datetimeFigureOut">
               <a:rPr lang="fr-FR" smtClean="0"/>
-              <a:t>30/09/13</a:t>
+              <a:t>05/10/13</a:t>
             </a:fld>
             <a:endParaRPr lang="fr-FR"/>
           </a:p>
@@ -5176,7 +5179,7 @@
           <a:p>
             <a:fld id="{7A6B8A3B-B4A8-0B47-A7EB-81B6CDAFFFC7}" type="datetimeFigureOut">
               <a:rPr lang="fr-FR" smtClean="0"/>
-              <a:t>30/09/13</a:t>
+              <a:t>05/10/13</a:t>
             </a:fld>
             <a:endParaRPr lang="fr-FR"/>
           </a:p>
@@ -5553,7 +5556,7 @@
           <a:p>
             <a:fld id="{7A6B8A3B-B4A8-0B47-A7EB-81B6CDAFFFC7}" type="datetimeFigureOut">
               <a:rPr lang="fr-FR" smtClean="0"/>
-              <a:t>30/09/13</a:t>
+              <a:t>05/10/13</a:t>
             </a:fld>
             <a:endParaRPr lang="fr-FR"/>
           </a:p>
@@ -6062,7 +6065,7 @@
           <a:p>
             <a:fld id="{7A6B8A3B-B4A8-0B47-A7EB-81B6CDAFFFC7}" type="datetimeFigureOut">
               <a:rPr lang="fr-FR" smtClean="0"/>
-              <a:t>30/09/13</a:t>
+              <a:t>05/10/13</a:t>
             </a:fld>
             <a:endParaRPr lang="fr-FR"/>
           </a:p>
@@ -6303,7 +6306,7 @@
           <a:p>
             <a:fld id="{7A6B8A3B-B4A8-0B47-A7EB-81B6CDAFFFC7}" type="datetimeFigureOut">
               <a:rPr lang="fr-FR" smtClean="0"/>
-              <a:t>30/09/13</a:t>
+              <a:t>05/10/13</a:t>
             </a:fld>
             <a:endParaRPr lang="fr-FR"/>
           </a:p>
@@ -6534,7 +6537,7 @@
           <a:p>
             <a:fld id="{7A6B8A3B-B4A8-0B47-A7EB-81B6CDAFFFC7}" type="datetimeFigureOut">
               <a:rPr lang="fr-FR" smtClean="0"/>
-              <a:t>30/09/13</a:t>
+              <a:t>05/10/13</a:t>
             </a:fld>
             <a:endParaRPr lang="fr-FR"/>
           </a:p>
@@ -13890,7 +13893,7 @@
           <a:p>
             <a:fld id="{7A6B8A3B-B4A8-0B47-A7EB-81B6CDAFFFC7}" type="datetimeFigureOut">
               <a:rPr lang="fr-FR" smtClean="0"/>
-              <a:t>30/09/13</a:t>
+              <a:t>05/10/13</a:t>
             </a:fld>
             <a:endParaRPr lang="fr-FR"/>
           </a:p>
@@ -14427,7 +14430,7 @@
           <a:p>
             <a:fld id="{7A6B8A3B-B4A8-0B47-A7EB-81B6CDAFFFC7}" type="datetimeFigureOut">
               <a:rPr lang="fr-FR" smtClean="0"/>
-              <a:t>30/09/13</a:t>
+              <a:t>05/10/13</a:t>
             </a:fld>
             <a:endParaRPr lang="fr-FR"/>
           </a:p>
@@ -14602,7 +14605,7 @@
           <a:p>
             <a:fld id="{7A6B8A3B-B4A8-0B47-A7EB-81B6CDAFFFC7}" type="datetimeFigureOut">
               <a:rPr lang="fr-FR" smtClean="0"/>
-              <a:t>30/09/13</a:t>
+              <a:t>05/10/13</a:t>
             </a:fld>
             <a:endParaRPr lang="fr-FR"/>
           </a:p>
@@ -14692,7 +14695,7 @@
           <a:p>
             <a:fld id="{7A6B8A3B-B4A8-0B47-A7EB-81B6CDAFFFC7}" type="datetimeFigureOut">
               <a:rPr lang="fr-FR" smtClean="0"/>
-              <a:t>30/09/13</a:t>
+              <a:t>05/10/13</a:t>
             </a:fld>
             <a:endParaRPr lang="fr-FR"/>
           </a:p>
@@ -15028,7 +15031,7 @@
           <a:p>
             <a:fld id="{7A6B8A3B-B4A8-0B47-A7EB-81B6CDAFFFC7}" type="datetimeFigureOut">
               <a:rPr lang="fr-FR" smtClean="0"/>
-              <a:t>30/09/13</a:t>
+              <a:t>05/10/13</a:t>
             </a:fld>
             <a:endParaRPr lang="fr-FR"/>
           </a:p>
@@ -16448,7 +16451,7 @@
           <a:p>
             <a:fld id="{7A6B8A3B-B4A8-0B47-A7EB-81B6CDAFFFC7}" type="datetimeFigureOut">
               <a:rPr lang="fr-FR" smtClean="0"/>
-              <a:t>30/09/13</a:t>
+              <a:t>05/10/13</a:t>
             </a:fld>
             <a:endParaRPr lang="fr-FR"/>
           </a:p>
@@ -20137,17 +20140,8 @@
           <a:p>
             <a:r>
               <a:rPr lang="fr-FR" dirty="0" smtClean="0"/>
-              <a:t>Taux horaire : </a:t>
-            </a:r>
-            <a:r>
-              <a:rPr lang="fr-FR" dirty="0" smtClean="0"/>
-              <a:t>minimum (SMIC =  9,43 euros</a:t>
-            </a:r>
-            <a:r>
-              <a:rPr lang="fr-FR" dirty="0" smtClean="0"/>
-              <a:t>)</a:t>
-            </a:r>
-            <a:endParaRPr lang="fr-FR" dirty="0" smtClean="0"/>
+              <a:t>Taux horaire : minimum (SMIC =  9,43 euros)</a:t>
+            </a:r>
           </a:p>
           <a:p>
             <a:r>
@@ -20788,7 +20782,6 @@
               <a:rPr lang="fr-FR" dirty="0" smtClean="0"/>
               <a:t> : VOLER</a:t>
             </a:r>
-            <a:endParaRPr lang="fr-FR" dirty="0" smtClean="0"/>
           </a:p>
           <a:p>
             <a:pPr lvl="1"/>
@@ -21000,11 +20993,7 @@
             </a:r>
             <a:r>
               <a:rPr lang="fr-FR" dirty="0" smtClean="0"/>
-              <a:t> : Contr</a:t>
-            </a:r>
-            <a:r>
-              <a:rPr lang="fr-FR" dirty="0" smtClean="0"/>
-              <a:t>ôler le déplacement du Drone</a:t>
+              <a:t> : Contrôler le déplacement du Drone</a:t>
             </a:r>
           </a:p>
           <a:p>
@@ -21366,11 +21355,7 @@
             <a:pPr algn="ctr"/>
             <a:r>
               <a:rPr lang="fr-FR" dirty="0" smtClean="0"/>
-              <a:t>SPEC </a:t>
-            </a:r>
-            <a:r>
-              <a:rPr lang="fr-FR" dirty="0" smtClean="0"/>
-              <a:t>BASE SUITE</a:t>
+              <a:t>SPEC BASE SUITE</a:t>
             </a:r>
             <a:endParaRPr lang="fr-FR" dirty="0"/>
           </a:p>
@@ -21805,24 +21790,15 @@
           <a:p>
             <a:r>
               <a:rPr lang="fr-FR" dirty="0" smtClean="0"/>
-              <a:t>Gestion axe caméra (Vol immersif</a:t>
-            </a:r>
+              <a:t>Gestion axe caméra (Vol immersif)</a:t>
+            </a:r>
+          </a:p>
+          <a:p>
+            <a:pPr lvl="1"/>
             <a:r>
               <a:rPr lang="fr-FR" dirty="0" smtClean="0"/>
-              <a:t>)</a:t>
-            </a:r>
-          </a:p>
-          <a:p>
-            <a:pPr lvl="1"/>
-            <a:r>
-              <a:rPr lang="fr-FR" dirty="0" smtClean="0"/>
-              <a:t>A</a:t>
-            </a:r>
-            <a:r>
-              <a:rPr lang="fr-FR" dirty="0" smtClean="0"/>
-              <a:t>xe vertical</a:t>
-            </a:r>
-            <a:endParaRPr lang="fr-FR" dirty="0" smtClean="0"/>
+              <a:t>Axe vertical</a:t>
+            </a:r>
           </a:p>
           <a:p>
             <a:pPr marL="0" indent="0">
@@ -22262,11 +22238,7 @@
             </a:r>
             <a:r>
               <a:rPr lang="fr-FR" dirty="0" smtClean="0"/>
-              <a:t>tructure </a:t>
-            </a:r>
-            <a:r>
-              <a:rPr lang="fr-FR" dirty="0" smtClean="0"/>
-              <a:t>»</a:t>
+              <a:t>tructure »</a:t>
             </a:r>
             <a:endParaRPr lang="fr-FR" dirty="0"/>
           </a:p>
@@ -24022,6 +23994,836 @@
           <a:bodyPr/>
           <a:lstStyle/>
           <a:p>
+            <a:r>
+              <a:rPr lang="fr-FR" dirty="0" smtClean="0"/>
+              <a:t>CHOIX ?</a:t>
+            </a:r>
+            <a:endParaRPr lang="fr-FR" dirty="0"/>
+          </a:p>
+        </p:txBody>
+      </p:sp>
+      <p:sp>
+        <p:nvSpPr>
+          <p:cNvPr id="4" name="Espace réservé du contenu 2"/>
+          <p:cNvSpPr txBox="1">
+            <a:spLocks/>
+          </p:cNvSpPr>
+          <p:nvPr/>
+        </p:nvSpPr>
+        <p:spPr>
+          <a:xfrm>
+            <a:off x="712788" y="3012142"/>
+            <a:ext cx="7716838" cy="3388658"/>
+          </a:xfrm>
+          <a:prstGeom prst="rect">
+            <a:avLst/>
+          </a:prstGeom>
+        </p:spPr>
+        <p:txBody>
+          <a:bodyPr/>
+          <a:lstStyle>
+            <a:lvl1pPr marL="342900" indent="-342900" algn="l" defTabSz="914400" rtl="0" eaLnBrk="1" latinLnBrk="0" hangingPunct="1">
+              <a:spcBef>
+                <a:spcPts val="0"/>
+              </a:spcBef>
+              <a:spcAft>
+                <a:spcPts val="2000"/>
+              </a:spcAft>
+              <a:buFontTx/>
+              <a:buBlip>
+                <a:blip r:embed="rId2"/>
+              </a:buBlip>
+              <a:defRPr sz="2400" kern="1200">
+                <a:solidFill>
+                  <a:schemeClr val="bg1"/>
+                </a:solidFill>
+                <a:effectLst>
+                  <a:outerShdw blurRad="38100" dist="38100" dir="2700000" algn="tl">
+                    <a:srgbClr val="000000">
+                      <a:alpha val="43137"/>
+                    </a:srgbClr>
+                  </a:outerShdw>
+                </a:effectLst>
+                <a:latin typeface="+mn-lt"/>
+                <a:ea typeface="+mn-ea"/>
+                <a:cs typeface="+mn-cs"/>
+              </a:defRPr>
+            </a:lvl1pPr>
+            <a:lvl2pPr marL="631825" indent="-282575" algn="l" defTabSz="914400" rtl="0" eaLnBrk="1" latinLnBrk="0" hangingPunct="1">
+              <a:spcBef>
+                <a:spcPts val="0"/>
+              </a:spcBef>
+              <a:spcAft>
+                <a:spcPts val="1000"/>
+              </a:spcAft>
+              <a:buFontTx/>
+              <a:buBlip>
+                <a:blip r:embed="rId2"/>
+              </a:buBlip>
+              <a:defRPr sz="2200" kern="1200">
+                <a:solidFill>
+                  <a:schemeClr val="bg1"/>
+                </a:solidFill>
+                <a:effectLst>
+                  <a:outerShdw blurRad="38100" dist="38100" dir="2700000" algn="tl">
+                    <a:srgbClr val="000000">
+                      <a:alpha val="43137"/>
+                    </a:srgbClr>
+                  </a:outerShdw>
+                </a:effectLst>
+                <a:latin typeface="+mn-lt"/>
+                <a:ea typeface="+mn-ea"/>
+                <a:cs typeface="+mn-cs"/>
+              </a:defRPr>
+            </a:lvl2pPr>
+            <a:lvl3pPr marL="914400" indent="-282575" algn="l" defTabSz="914400" rtl="0" eaLnBrk="1" latinLnBrk="0" hangingPunct="1">
+              <a:spcBef>
+                <a:spcPts val="0"/>
+              </a:spcBef>
+              <a:spcAft>
+                <a:spcPts val="1000"/>
+              </a:spcAft>
+              <a:buFontTx/>
+              <a:buBlip>
+                <a:blip r:embed="rId2"/>
+              </a:buBlip>
+              <a:defRPr sz="2000" kern="1200">
+                <a:solidFill>
+                  <a:schemeClr val="bg1"/>
+                </a:solidFill>
+                <a:effectLst>
+                  <a:outerShdw blurRad="38100" dist="38100" dir="2700000" algn="tl">
+                    <a:srgbClr val="000000">
+                      <a:alpha val="43137"/>
+                    </a:srgbClr>
+                  </a:outerShdw>
+                </a:effectLst>
+                <a:latin typeface="+mn-lt"/>
+                <a:ea typeface="+mn-ea"/>
+                <a:cs typeface="+mn-cs"/>
+              </a:defRPr>
+            </a:lvl3pPr>
+            <a:lvl4pPr marL="1196975" indent="-282575" algn="l" defTabSz="914400" rtl="0" eaLnBrk="1" latinLnBrk="0" hangingPunct="1">
+              <a:spcBef>
+                <a:spcPts val="0"/>
+              </a:spcBef>
+              <a:spcAft>
+                <a:spcPts val="1000"/>
+              </a:spcAft>
+              <a:buFontTx/>
+              <a:buBlip>
+                <a:blip r:embed="rId2"/>
+              </a:buBlip>
+              <a:defRPr sz="1800" kern="1200">
+                <a:solidFill>
+                  <a:schemeClr val="bg1"/>
+                </a:solidFill>
+                <a:effectLst>
+                  <a:outerShdw blurRad="38100" dist="38100" dir="2700000" algn="tl">
+                    <a:srgbClr val="000000">
+                      <a:alpha val="43137"/>
+                    </a:srgbClr>
+                  </a:outerShdw>
+                </a:effectLst>
+                <a:latin typeface="+mn-lt"/>
+                <a:ea typeface="+mn-ea"/>
+                <a:cs typeface="+mn-cs"/>
+              </a:defRPr>
+            </a:lvl4pPr>
+            <a:lvl5pPr marL="1492250" indent="-295275" algn="l" defTabSz="914400" rtl="0" eaLnBrk="1" latinLnBrk="0" hangingPunct="1">
+              <a:spcBef>
+                <a:spcPts val="0"/>
+              </a:spcBef>
+              <a:spcAft>
+                <a:spcPts val="1000"/>
+              </a:spcAft>
+              <a:buFontTx/>
+              <a:buBlip>
+                <a:blip r:embed="rId2"/>
+              </a:buBlip>
+              <a:defRPr sz="1800" kern="1200">
+                <a:solidFill>
+                  <a:schemeClr val="bg1"/>
+                </a:solidFill>
+                <a:effectLst>
+                  <a:outerShdw blurRad="38100" dist="38100" dir="2700000" algn="tl">
+                    <a:srgbClr val="000000">
+                      <a:alpha val="43137"/>
+                    </a:srgbClr>
+                  </a:outerShdw>
+                </a:effectLst>
+                <a:latin typeface="+mn-lt"/>
+                <a:ea typeface="+mn-ea"/>
+                <a:cs typeface="+mn-cs"/>
+              </a:defRPr>
+            </a:lvl5pPr>
+            <a:lvl6pPr marL="1774825" indent="-288925" algn="l" defTabSz="914400" rtl="0" eaLnBrk="1" latinLnBrk="0" hangingPunct="1">
+              <a:spcBef>
+                <a:spcPts val="0"/>
+              </a:spcBef>
+              <a:spcAft>
+                <a:spcPts val="600"/>
+              </a:spcAft>
+              <a:buFontTx/>
+              <a:buBlip>
+                <a:blip r:embed="rId2"/>
+              </a:buBlip>
+              <a:defRPr lang="en-US" sz="1800" kern="1200" dirty="0" smtClean="0">
+                <a:solidFill>
+                  <a:schemeClr val="bg1"/>
+                </a:solidFill>
+                <a:effectLst>
+                  <a:outerShdw blurRad="38100" dist="38100" dir="2700000" algn="tl">
+                    <a:srgbClr val="000000">
+                      <a:alpha val="43137"/>
+                    </a:srgbClr>
+                  </a:outerShdw>
+                </a:effectLst>
+                <a:latin typeface="+mn-lt"/>
+                <a:ea typeface="+mn-ea"/>
+                <a:cs typeface="+mn-cs"/>
+              </a:defRPr>
+            </a:lvl6pPr>
+            <a:lvl7pPr marL="2055813" indent="-288925" algn="l" defTabSz="914400" rtl="0" eaLnBrk="1" latinLnBrk="0" hangingPunct="1">
+              <a:spcBef>
+                <a:spcPts val="0"/>
+              </a:spcBef>
+              <a:spcAft>
+                <a:spcPts val="600"/>
+              </a:spcAft>
+              <a:buFontTx/>
+              <a:buBlip>
+                <a:blip r:embed="rId2"/>
+              </a:buBlip>
+              <a:defRPr lang="en-US" sz="1800" kern="1200" dirty="0" smtClean="0">
+                <a:solidFill>
+                  <a:schemeClr val="bg1"/>
+                </a:solidFill>
+                <a:effectLst>
+                  <a:outerShdw blurRad="38100" dist="38100" dir="2700000" algn="tl">
+                    <a:srgbClr val="000000">
+                      <a:alpha val="43137"/>
+                    </a:srgbClr>
+                  </a:outerShdw>
+                </a:effectLst>
+                <a:latin typeface="+mn-lt"/>
+                <a:ea typeface="+mn-ea"/>
+                <a:cs typeface="+mn-cs"/>
+              </a:defRPr>
+            </a:lvl7pPr>
+            <a:lvl8pPr marL="2344738" indent="-288925" algn="l" defTabSz="914400" rtl="0" eaLnBrk="1" latinLnBrk="0" hangingPunct="1">
+              <a:spcBef>
+                <a:spcPts val="0"/>
+              </a:spcBef>
+              <a:spcAft>
+                <a:spcPts val="600"/>
+              </a:spcAft>
+              <a:buFontTx/>
+              <a:buBlip>
+                <a:blip r:embed="rId2"/>
+              </a:buBlip>
+              <a:defRPr lang="en-US" sz="1800" kern="1200" dirty="0" smtClean="0">
+                <a:solidFill>
+                  <a:schemeClr val="bg1"/>
+                </a:solidFill>
+                <a:effectLst>
+                  <a:outerShdw blurRad="38100" dist="38100" dir="2700000" algn="tl">
+                    <a:srgbClr val="000000">
+                      <a:alpha val="43137"/>
+                    </a:srgbClr>
+                  </a:outerShdw>
+                </a:effectLst>
+                <a:latin typeface="+mn-lt"/>
+                <a:ea typeface="+mn-ea"/>
+                <a:cs typeface="+mn-cs"/>
+              </a:defRPr>
+            </a:lvl8pPr>
+            <a:lvl9pPr marL="2625725" indent="-288925" algn="l" defTabSz="914400" rtl="0" eaLnBrk="1" latinLnBrk="0" hangingPunct="1">
+              <a:spcBef>
+                <a:spcPts val="0"/>
+              </a:spcBef>
+              <a:spcAft>
+                <a:spcPts val="600"/>
+              </a:spcAft>
+              <a:buFontTx/>
+              <a:buBlip>
+                <a:blip r:embed="rId2"/>
+              </a:buBlip>
+              <a:defRPr lang="en-US" sz="1800" kern="1200" dirty="0">
+                <a:solidFill>
+                  <a:schemeClr val="bg1"/>
+                </a:solidFill>
+                <a:effectLst>
+                  <a:outerShdw blurRad="38100" dist="38100" dir="2700000" algn="tl">
+                    <a:srgbClr val="000000">
+                      <a:alpha val="43137"/>
+                    </a:srgbClr>
+                  </a:outerShdw>
+                </a:effectLst>
+                <a:latin typeface="+mn-lt"/>
+                <a:ea typeface="+mn-ea"/>
+                <a:cs typeface="+mn-cs"/>
+              </a:defRPr>
+            </a:lvl9pPr>
+          </a:lstStyle>
+          <a:p>
+            <a:r>
+              <a:rPr lang="fr-FR" dirty="0" smtClean="0"/>
+              <a:t>iMX53 LOCO</a:t>
+            </a:r>
+          </a:p>
+          <a:p>
+            <a:pPr lvl="1"/>
+            <a:r>
+              <a:rPr lang="fr-FR" dirty="0" smtClean="0"/>
+              <a:t>U-boot </a:t>
+            </a:r>
+            <a:r>
+              <a:rPr lang="fr-FR" dirty="0" err="1" smtClean="0"/>
+              <a:t>dispo</a:t>
+            </a:r>
+            <a:endParaRPr lang="fr-FR" dirty="0" smtClean="0"/>
+          </a:p>
+          <a:p>
+            <a:pPr lvl="1"/>
+            <a:r>
+              <a:rPr lang="fr-FR" dirty="0" err="1" smtClean="0"/>
+              <a:t>Barebox</a:t>
+            </a:r>
+            <a:r>
+              <a:rPr lang="fr-FR" dirty="0" smtClean="0"/>
+              <a:t> </a:t>
+            </a:r>
+            <a:r>
+              <a:rPr lang="fr-FR" dirty="0" err="1" smtClean="0"/>
+              <a:t>dispo</a:t>
+            </a:r>
+            <a:endParaRPr lang="fr-FR" dirty="0" smtClean="0"/>
+          </a:p>
+          <a:p>
+            <a:pPr lvl="1"/>
+            <a:r>
+              <a:rPr lang="fr-FR" dirty="0" smtClean="0"/>
+              <a:t>Kernel </a:t>
+            </a:r>
+            <a:r>
+              <a:rPr lang="fr-FR" dirty="0" err="1" smtClean="0"/>
+              <a:t>mainline</a:t>
+            </a:r>
+            <a:r>
+              <a:rPr lang="fr-FR" dirty="0" smtClean="0"/>
+              <a:t> </a:t>
+            </a:r>
+            <a:r>
+              <a:rPr lang="fr-FR" dirty="0" err="1" smtClean="0"/>
+              <a:t>Dispo</a:t>
+            </a:r>
+            <a:endParaRPr lang="fr-FR" dirty="0" smtClean="0"/>
+          </a:p>
+          <a:p>
+            <a:r>
+              <a:rPr lang="fr-FR" dirty="0" err="1" smtClean="0"/>
+              <a:t>Olimex</a:t>
+            </a:r>
+            <a:r>
+              <a:rPr lang="fr-FR" dirty="0" smtClean="0"/>
+              <a:t> A20 </a:t>
+            </a:r>
+            <a:r>
+              <a:rPr lang="nl-NL" sz="1100" dirty="0">
+                <a:hlinkClick r:id="rId3"/>
+              </a:rPr>
+              <a:t>http://olimex.wordpress.com/2013/09/18/</a:t>
+            </a:r>
+            <a:r>
+              <a:rPr lang="nl-NL" sz="1100">
+                <a:hlinkClick r:id="rId3"/>
+              </a:rPr>
+              <a:t>7795</a:t>
+            </a:r>
+            <a:r>
+              <a:rPr lang="nl-NL" sz="1100" smtClean="0">
+                <a:hlinkClick r:id="rId3"/>
+              </a:rPr>
+              <a:t>/</a:t>
+            </a:r>
+            <a:endParaRPr lang="fr-FR" dirty="0" smtClean="0"/>
+          </a:p>
+          <a:p>
+            <a:pPr lvl="1"/>
+            <a:r>
+              <a:rPr lang="fr-FR" dirty="0" smtClean="0"/>
+              <a:t>Rien de </a:t>
+            </a:r>
+            <a:r>
+              <a:rPr lang="fr-FR" dirty="0" err="1" smtClean="0"/>
+              <a:t>dispo</a:t>
+            </a:r>
+            <a:r>
+              <a:rPr lang="fr-FR" dirty="0" smtClean="0"/>
+              <a:t> en </a:t>
+            </a:r>
+            <a:r>
+              <a:rPr lang="fr-FR" dirty="0" err="1" smtClean="0"/>
+              <a:t>Mainline</a:t>
+            </a:r>
+            <a:r>
+              <a:rPr lang="fr-FR" dirty="0" smtClean="0"/>
+              <a:t> (</a:t>
+            </a:r>
+            <a:r>
+              <a:rPr lang="fr-FR" dirty="0" err="1" smtClean="0"/>
+              <a:t>sunxi</a:t>
+            </a:r>
+            <a:r>
+              <a:rPr lang="fr-FR" dirty="0" smtClean="0"/>
+              <a:t>) par contre peu cher avec un LCDTS </a:t>
+            </a:r>
+          </a:p>
+        </p:txBody>
+      </p:sp>
+    </p:spTree>
+    <p:extLst>
+      <p:ext uri="{BB962C8B-B14F-4D97-AF65-F5344CB8AC3E}">
+        <p14:creationId xmlns:p14="http://schemas.microsoft.com/office/powerpoint/2010/main" val="1716003934"/>
+      </p:ext>
+    </p:extLst>
+  </p:cSld>
+  <p:clrMapOvr>
+    <a:masterClrMapping/>
+  </p:clrMapOvr>
+  <p:timing>
+    <p:tnLst>
+      <p:par>
+        <p:cTn xmlns:p14="http://schemas.microsoft.com/office/powerpoint/2010/main" id="1" dur="indefinite" restart="never" nodeType="tmRoot"/>
+      </p:par>
+    </p:tnLst>
+  </p:timing>
+</p:sld>
+</file>
+
+<file path=ppt/slides/slide31.xml><?xml version="1.0" encoding="utf-8"?>
+<p:sld xmlns:a="http://schemas.openxmlformats.org/drawingml/2006/main" xmlns:r="http://schemas.openxmlformats.org/officeDocument/2006/relationships" xmlns:p="http://schemas.openxmlformats.org/presentationml/2006/main">
+  <p:cSld>
+    <p:spTree>
+      <p:nvGrpSpPr>
+        <p:cNvPr id="1" name=""/>
+        <p:cNvGrpSpPr/>
+        <p:nvPr/>
+      </p:nvGrpSpPr>
+      <p:grpSpPr>
+        <a:xfrm>
+          <a:off x="0" y="0"/>
+          <a:ext cx="0" cy="0"/>
+          <a:chOff x="0" y="0"/>
+          <a:chExt cx="0" cy="0"/>
+        </a:xfrm>
+      </p:grpSpPr>
+      <p:sp>
+        <p:nvSpPr>
+          <p:cNvPr id="2" name="Titre 1"/>
+          <p:cNvSpPr>
+            <a:spLocks noGrp="1"/>
+          </p:cNvSpPr>
+          <p:nvPr>
+            <p:ph type="title"/>
+          </p:nvPr>
+        </p:nvSpPr>
+        <p:spPr/>
+        <p:txBody>
+          <a:bodyPr/>
+          <a:lstStyle/>
+          <a:p>
+            <a:pPr algn="ctr"/>
+            <a:r>
+              <a:rPr lang="fr-FR" dirty="0" err="1" smtClean="0"/>
+              <a:t>Olinuxino</a:t>
+            </a:r>
+            <a:r>
+              <a:rPr lang="fr-FR" dirty="0" smtClean="0"/>
+              <a:t> A20 = </a:t>
+            </a:r>
+            <a:r>
+              <a:rPr lang="fr-FR" smtClean="0"/>
+              <a:t>dev sous git</a:t>
+            </a:r>
+            <a:endParaRPr lang="fr-FR" dirty="0"/>
+          </a:p>
+        </p:txBody>
+      </p:sp>
+      <p:sp>
+        <p:nvSpPr>
+          <p:cNvPr id="4" name="Espace réservé du contenu 2"/>
+          <p:cNvSpPr txBox="1">
+            <a:spLocks/>
+          </p:cNvSpPr>
+          <p:nvPr/>
+        </p:nvSpPr>
+        <p:spPr>
+          <a:xfrm>
+            <a:off x="712788" y="3012142"/>
+            <a:ext cx="7716838" cy="3388658"/>
+          </a:xfrm>
+          <a:prstGeom prst="rect">
+            <a:avLst/>
+          </a:prstGeom>
+        </p:spPr>
+        <p:txBody>
+          <a:bodyPr/>
+          <a:lstStyle>
+            <a:lvl1pPr marL="342900" indent="-342900" algn="l" defTabSz="914400" rtl="0" eaLnBrk="1" latinLnBrk="0" hangingPunct="1">
+              <a:spcBef>
+                <a:spcPts val="0"/>
+              </a:spcBef>
+              <a:spcAft>
+                <a:spcPts val="2000"/>
+              </a:spcAft>
+              <a:buFontTx/>
+              <a:buBlip>
+                <a:blip r:embed="rId2"/>
+              </a:buBlip>
+              <a:defRPr sz="2400" kern="1200">
+                <a:solidFill>
+                  <a:schemeClr val="bg1"/>
+                </a:solidFill>
+                <a:effectLst>
+                  <a:outerShdw blurRad="38100" dist="38100" dir="2700000" algn="tl">
+                    <a:srgbClr val="000000">
+                      <a:alpha val="43137"/>
+                    </a:srgbClr>
+                  </a:outerShdw>
+                </a:effectLst>
+                <a:latin typeface="+mn-lt"/>
+                <a:ea typeface="+mn-ea"/>
+                <a:cs typeface="+mn-cs"/>
+              </a:defRPr>
+            </a:lvl1pPr>
+            <a:lvl2pPr marL="631825" indent="-282575" algn="l" defTabSz="914400" rtl="0" eaLnBrk="1" latinLnBrk="0" hangingPunct="1">
+              <a:spcBef>
+                <a:spcPts val="0"/>
+              </a:spcBef>
+              <a:spcAft>
+                <a:spcPts val="1000"/>
+              </a:spcAft>
+              <a:buFontTx/>
+              <a:buBlip>
+                <a:blip r:embed="rId2"/>
+              </a:buBlip>
+              <a:defRPr sz="2200" kern="1200">
+                <a:solidFill>
+                  <a:schemeClr val="bg1"/>
+                </a:solidFill>
+                <a:effectLst>
+                  <a:outerShdw blurRad="38100" dist="38100" dir="2700000" algn="tl">
+                    <a:srgbClr val="000000">
+                      <a:alpha val="43137"/>
+                    </a:srgbClr>
+                  </a:outerShdw>
+                </a:effectLst>
+                <a:latin typeface="+mn-lt"/>
+                <a:ea typeface="+mn-ea"/>
+                <a:cs typeface="+mn-cs"/>
+              </a:defRPr>
+            </a:lvl2pPr>
+            <a:lvl3pPr marL="914400" indent="-282575" algn="l" defTabSz="914400" rtl="0" eaLnBrk="1" latinLnBrk="0" hangingPunct="1">
+              <a:spcBef>
+                <a:spcPts val="0"/>
+              </a:spcBef>
+              <a:spcAft>
+                <a:spcPts val="1000"/>
+              </a:spcAft>
+              <a:buFontTx/>
+              <a:buBlip>
+                <a:blip r:embed="rId2"/>
+              </a:buBlip>
+              <a:defRPr sz="2000" kern="1200">
+                <a:solidFill>
+                  <a:schemeClr val="bg1"/>
+                </a:solidFill>
+                <a:effectLst>
+                  <a:outerShdw blurRad="38100" dist="38100" dir="2700000" algn="tl">
+                    <a:srgbClr val="000000">
+                      <a:alpha val="43137"/>
+                    </a:srgbClr>
+                  </a:outerShdw>
+                </a:effectLst>
+                <a:latin typeface="+mn-lt"/>
+                <a:ea typeface="+mn-ea"/>
+                <a:cs typeface="+mn-cs"/>
+              </a:defRPr>
+            </a:lvl3pPr>
+            <a:lvl4pPr marL="1196975" indent="-282575" algn="l" defTabSz="914400" rtl="0" eaLnBrk="1" latinLnBrk="0" hangingPunct="1">
+              <a:spcBef>
+                <a:spcPts val="0"/>
+              </a:spcBef>
+              <a:spcAft>
+                <a:spcPts val="1000"/>
+              </a:spcAft>
+              <a:buFontTx/>
+              <a:buBlip>
+                <a:blip r:embed="rId2"/>
+              </a:buBlip>
+              <a:defRPr sz="1800" kern="1200">
+                <a:solidFill>
+                  <a:schemeClr val="bg1"/>
+                </a:solidFill>
+                <a:effectLst>
+                  <a:outerShdw blurRad="38100" dist="38100" dir="2700000" algn="tl">
+                    <a:srgbClr val="000000">
+                      <a:alpha val="43137"/>
+                    </a:srgbClr>
+                  </a:outerShdw>
+                </a:effectLst>
+                <a:latin typeface="+mn-lt"/>
+                <a:ea typeface="+mn-ea"/>
+                <a:cs typeface="+mn-cs"/>
+              </a:defRPr>
+            </a:lvl4pPr>
+            <a:lvl5pPr marL="1492250" indent="-295275" algn="l" defTabSz="914400" rtl="0" eaLnBrk="1" latinLnBrk="0" hangingPunct="1">
+              <a:spcBef>
+                <a:spcPts val="0"/>
+              </a:spcBef>
+              <a:spcAft>
+                <a:spcPts val="1000"/>
+              </a:spcAft>
+              <a:buFontTx/>
+              <a:buBlip>
+                <a:blip r:embed="rId2"/>
+              </a:buBlip>
+              <a:defRPr sz="1800" kern="1200">
+                <a:solidFill>
+                  <a:schemeClr val="bg1"/>
+                </a:solidFill>
+                <a:effectLst>
+                  <a:outerShdw blurRad="38100" dist="38100" dir="2700000" algn="tl">
+                    <a:srgbClr val="000000">
+                      <a:alpha val="43137"/>
+                    </a:srgbClr>
+                  </a:outerShdw>
+                </a:effectLst>
+                <a:latin typeface="+mn-lt"/>
+                <a:ea typeface="+mn-ea"/>
+                <a:cs typeface="+mn-cs"/>
+              </a:defRPr>
+            </a:lvl5pPr>
+            <a:lvl6pPr marL="1774825" indent="-288925" algn="l" defTabSz="914400" rtl="0" eaLnBrk="1" latinLnBrk="0" hangingPunct="1">
+              <a:spcBef>
+                <a:spcPts val="0"/>
+              </a:spcBef>
+              <a:spcAft>
+                <a:spcPts val="600"/>
+              </a:spcAft>
+              <a:buFontTx/>
+              <a:buBlip>
+                <a:blip r:embed="rId2"/>
+              </a:buBlip>
+              <a:defRPr lang="en-US" sz="1800" kern="1200" dirty="0" smtClean="0">
+                <a:solidFill>
+                  <a:schemeClr val="bg1"/>
+                </a:solidFill>
+                <a:effectLst>
+                  <a:outerShdw blurRad="38100" dist="38100" dir="2700000" algn="tl">
+                    <a:srgbClr val="000000">
+                      <a:alpha val="43137"/>
+                    </a:srgbClr>
+                  </a:outerShdw>
+                </a:effectLst>
+                <a:latin typeface="+mn-lt"/>
+                <a:ea typeface="+mn-ea"/>
+                <a:cs typeface="+mn-cs"/>
+              </a:defRPr>
+            </a:lvl6pPr>
+            <a:lvl7pPr marL="2055813" indent="-288925" algn="l" defTabSz="914400" rtl="0" eaLnBrk="1" latinLnBrk="0" hangingPunct="1">
+              <a:spcBef>
+                <a:spcPts val="0"/>
+              </a:spcBef>
+              <a:spcAft>
+                <a:spcPts val="600"/>
+              </a:spcAft>
+              <a:buFontTx/>
+              <a:buBlip>
+                <a:blip r:embed="rId2"/>
+              </a:buBlip>
+              <a:defRPr lang="en-US" sz="1800" kern="1200" dirty="0" smtClean="0">
+                <a:solidFill>
+                  <a:schemeClr val="bg1"/>
+                </a:solidFill>
+                <a:effectLst>
+                  <a:outerShdw blurRad="38100" dist="38100" dir="2700000" algn="tl">
+                    <a:srgbClr val="000000">
+                      <a:alpha val="43137"/>
+                    </a:srgbClr>
+                  </a:outerShdw>
+                </a:effectLst>
+                <a:latin typeface="+mn-lt"/>
+                <a:ea typeface="+mn-ea"/>
+                <a:cs typeface="+mn-cs"/>
+              </a:defRPr>
+            </a:lvl7pPr>
+            <a:lvl8pPr marL="2344738" indent="-288925" algn="l" defTabSz="914400" rtl="0" eaLnBrk="1" latinLnBrk="0" hangingPunct="1">
+              <a:spcBef>
+                <a:spcPts val="0"/>
+              </a:spcBef>
+              <a:spcAft>
+                <a:spcPts val="600"/>
+              </a:spcAft>
+              <a:buFontTx/>
+              <a:buBlip>
+                <a:blip r:embed="rId2"/>
+              </a:buBlip>
+              <a:defRPr lang="en-US" sz="1800" kern="1200" dirty="0" smtClean="0">
+                <a:solidFill>
+                  <a:schemeClr val="bg1"/>
+                </a:solidFill>
+                <a:effectLst>
+                  <a:outerShdw blurRad="38100" dist="38100" dir="2700000" algn="tl">
+                    <a:srgbClr val="000000">
+                      <a:alpha val="43137"/>
+                    </a:srgbClr>
+                  </a:outerShdw>
+                </a:effectLst>
+                <a:latin typeface="+mn-lt"/>
+                <a:ea typeface="+mn-ea"/>
+                <a:cs typeface="+mn-cs"/>
+              </a:defRPr>
+            </a:lvl8pPr>
+            <a:lvl9pPr marL="2625725" indent="-288925" algn="l" defTabSz="914400" rtl="0" eaLnBrk="1" latinLnBrk="0" hangingPunct="1">
+              <a:spcBef>
+                <a:spcPts val="0"/>
+              </a:spcBef>
+              <a:spcAft>
+                <a:spcPts val="600"/>
+              </a:spcAft>
+              <a:buFontTx/>
+              <a:buBlip>
+                <a:blip r:embed="rId2"/>
+              </a:buBlip>
+              <a:defRPr lang="en-US" sz="1800" kern="1200" dirty="0">
+                <a:solidFill>
+                  <a:schemeClr val="bg1"/>
+                </a:solidFill>
+                <a:effectLst>
+                  <a:outerShdw blurRad="38100" dist="38100" dir="2700000" algn="tl">
+                    <a:srgbClr val="000000">
+                      <a:alpha val="43137"/>
+                    </a:srgbClr>
+                  </a:outerShdw>
+                </a:effectLst>
+                <a:latin typeface="+mn-lt"/>
+                <a:ea typeface="+mn-ea"/>
+                <a:cs typeface="+mn-cs"/>
+              </a:defRPr>
+            </a:lvl9pPr>
+          </a:lstStyle>
+          <a:p>
+            <a:r>
+              <a:rPr lang="fr-FR" dirty="0" smtClean="0"/>
+              <a:t>Kernel 3.4</a:t>
+            </a:r>
+          </a:p>
+          <a:p>
+            <a:r>
+              <a:rPr lang="fr-FR" dirty="0" err="1" smtClean="0"/>
+              <a:t>U</a:t>
+            </a:r>
+            <a:r>
+              <a:rPr lang="fr-FR" dirty="0" err="1" smtClean="0"/>
+              <a:t>boot</a:t>
+            </a:r>
+            <a:r>
+              <a:rPr lang="fr-FR" dirty="0" smtClean="0"/>
+              <a:t> </a:t>
+            </a:r>
+            <a:r>
+              <a:rPr lang="fr-FR" dirty="0" smtClean="0">
+                <a:sym typeface="Wingdings"/>
+              </a:rPr>
+              <a:t> </a:t>
+            </a:r>
+            <a:r>
+              <a:rPr lang="fr-FR" dirty="0" err="1" smtClean="0">
+                <a:sym typeface="Wingdings"/>
+              </a:rPr>
+              <a:t>sunxi</a:t>
+            </a:r>
+            <a:endParaRPr lang="fr-FR" dirty="0" smtClean="0">
+              <a:sym typeface="Wingdings"/>
+            </a:endParaRPr>
+          </a:p>
+          <a:p>
+            <a:r>
+              <a:rPr lang="fr-FR" dirty="0" smtClean="0">
+                <a:sym typeface="Wingdings"/>
+              </a:rPr>
+              <a:t>Kernel  </a:t>
+            </a:r>
+            <a:r>
+              <a:rPr lang="fr-FR" dirty="0" err="1" smtClean="0">
+                <a:sym typeface="Wingdings"/>
+              </a:rPr>
+              <a:t>sunxi</a:t>
+            </a:r>
+            <a:endParaRPr lang="fr-FR" dirty="0" smtClean="0">
+              <a:sym typeface="Wingdings"/>
+            </a:endParaRPr>
+          </a:p>
+          <a:p>
+            <a:pPr lvl="1"/>
+            <a:r>
+              <a:rPr lang="fr-FR" dirty="0" smtClean="0">
+                <a:sym typeface="Wingdings"/>
+              </a:rPr>
+              <a:t>sun7i_defconfig</a:t>
+            </a:r>
+            <a:endParaRPr lang="fr-FR" dirty="0" smtClean="0"/>
+          </a:p>
+        </p:txBody>
+      </p:sp>
+    </p:spTree>
+    <p:extLst>
+      <p:ext uri="{BB962C8B-B14F-4D97-AF65-F5344CB8AC3E}">
+        <p14:creationId xmlns:p14="http://schemas.microsoft.com/office/powerpoint/2010/main" val="713090099"/>
+      </p:ext>
+    </p:extLst>
+  </p:cSld>
+  <p:clrMapOvr>
+    <a:masterClrMapping/>
+  </p:clrMapOvr>
+</p:sld>
+</file>
+
+<file path=ppt/slides/slide32.xml><?xml version="1.0" encoding="utf-8"?>
+<p:sld xmlns:a="http://schemas.openxmlformats.org/drawingml/2006/main" xmlns:r="http://schemas.openxmlformats.org/officeDocument/2006/relationships" xmlns:p="http://schemas.openxmlformats.org/presentationml/2006/main">
+  <p:cSld>
+    <p:spTree>
+      <p:nvGrpSpPr>
+        <p:cNvPr id="1" name=""/>
+        <p:cNvGrpSpPr/>
+        <p:nvPr/>
+      </p:nvGrpSpPr>
+      <p:grpSpPr>
+        <a:xfrm>
+          <a:off x="0" y="0"/>
+          <a:ext cx="0" cy="0"/>
+          <a:chOff x="0" y="0"/>
+          <a:chExt cx="0" cy="0"/>
+        </a:xfrm>
+      </p:grpSpPr>
+      <p:sp>
+        <p:nvSpPr>
+          <p:cNvPr id="2" name="Titre 1"/>
+          <p:cNvSpPr>
+            <a:spLocks noGrp="1"/>
+          </p:cNvSpPr>
+          <p:nvPr>
+            <p:ph type="title"/>
+          </p:nvPr>
+        </p:nvSpPr>
+        <p:spPr/>
+        <p:txBody>
+          <a:bodyPr/>
+          <a:lstStyle/>
+          <a:p>
             <a:pPr algn="ctr"/>
             <a:r>
               <a:rPr lang="fr-FR" dirty="0" smtClean="0"/>
@@ -24069,6 +24871,142 @@
   <p:clrMapOvr>
     <a:masterClrMapping/>
   </p:clrMapOvr>
+  <p:timing>
+    <p:tnLst>
+      <p:par>
+        <p:cTn xmlns:p14="http://schemas.microsoft.com/office/powerpoint/2010/main" id="1" dur="indefinite" restart="never" nodeType="tmRoot"/>
+      </p:par>
+    </p:tnLst>
+  </p:timing>
+</p:sld>
+</file>
+
+<file path=ppt/slides/slide33.xml><?xml version="1.0" encoding="utf-8"?>
+<p:sld xmlns:a="http://schemas.openxmlformats.org/drawingml/2006/main" xmlns:r="http://schemas.openxmlformats.org/officeDocument/2006/relationships" xmlns:p="http://schemas.openxmlformats.org/presentationml/2006/main">
+  <p:cSld>
+    <p:spTree>
+      <p:nvGrpSpPr>
+        <p:cNvPr id="1" name=""/>
+        <p:cNvGrpSpPr/>
+        <p:nvPr/>
+      </p:nvGrpSpPr>
+      <p:grpSpPr>
+        <a:xfrm>
+          <a:off x="0" y="0"/>
+          <a:ext cx="0" cy="0"/>
+          <a:chOff x="0" y="0"/>
+          <a:chExt cx="0" cy="0"/>
+        </a:xfrm>
+      </p:grpSpPr>
+      <p:sp>
+        <p:nvSpPr>
+          <p:cNvPr id="2" name="Titre 1"/>
+          <p:cNvSpPr>
+            <a:spLocks noGrp="1"/>
+          </p:cNvSpPr>
+          <p:nvPr>
+            <p:ph type="title"/>
+          </p:nvPr>
+        </p:nvSpPr>
+        <p:spPr/>
+        <p:txBody>
+          <a:bodyPr/>
+          <a:lstStyle/>
+          <a:p>
+            <a:r>
+              <a:rPr lang="fr-FR" dirty="0" smtClean="0"/>
+              <a:t>Drone</a:t>
+            </a:r>
+            <a:endParaRPr lang="fr-FR" dirty="0"/>
+          </a:p>
+        </p:txBody>
+      </p:sp>
+      <p:sp>
+        <p:nvSpPr>
+          <p:cNvPr id="5" name="Espace réservé du contenu 4"/>
+          <p:cNvSpPr>
+            <a:spLocks noGrp="1"/>
+          </p:cNvSpPr>
+          <p:nvPr>
+            <p:ph idx="1"/>
+          </p:nvPr>
+        </p:nvSpPr>
+        <p:spPr/>
+        <p:txBody>
+          <a:bodyPr>
+            <a:normAutofit fontScale="85000" lnSpcReduction="20000"/>
+          </a:bodyPr>
+          <a:lstStyle/>
+          <a:p>
+            <a:r>
+              <a:rPr lang="fr-FR" dirty="0" smtClean="0"/>
+              <a:t>Secteur : Commercialiser une solution drone a de clients finaux</a:t>
+            </a:r>
+          </a:p>
+          <a:p>
+            <a:endParaRPr lang="fr-FR" dirty="0"/>
+          </a:p>
+          <a:p>
+            <a:r>
+              <a:rPr lang="fr-FR" dirty="0" smtClean="0">
+                <a:sym typeface="Wingdings"/>
+              </a:rPr>
+              <a:t> ergonomie avancée </a:t>
+            </a:r>
+          </a:p>
+          <a:p>
+            <a:endParaRPr lang="fr-FR" dirty="0">
+              <a:sym typeface="Wingdings"/>
+            </a:endParaRPr>
+          </a:p>
+          <a:p>
+            <a:r>
+              <a:rPr lang="fr-FR" dirty="0" smtClean="0">
+                <a:sym typeface="Wingdings"/>
+              </a:rPr>
+              <a:t>R</a:t>
+            </a:r>
+            <a:r>
+              <a:rPr lang="fr-FR" dirty="0" smtClean="0">
+                <a:sym typeface="Wingdings"/>
+              </a:rPr>
+              <a:t>ôle = Améliorer l’usage du drone</a:t>
+            </a:r>
+          </a:p>
+          <a:p>
+            <a:r>
+              <a:rPr lang="fr-FR" dirty="0" smtClean="0">
+                <a:sym typeface="Wingdings"/>
+              </a:rPr>
+              <a:t>DIY</a:t>
+            </a:r>
+            <a:endParaRPr lang="fr-FR" dirty="0" smtClean="0"/>
+          </a:p>
+          <a:p>
+            <a:endParaRPr lang="fr-FR" dirty="0"/>
+          </a:p>
+          <a:p>
+            <a:endParaRPr lang="fr-FR" dirty="0"/>
+          </a:p>
+        </p:txBody>
+      </p:sp>
+    </p:spTree>
+    <p:extLst>
+      <p:ext uri="{BB962C8B-B14F-4D97-AF65-F5344CB8AC3E}">
+        <p14:creationId xmlns:p14="http://schemas.microsoft.com/office/powerpoint/2010/main" val="2726402853"/>
+      </p:ext>
+    </p:extLst>
+  </p:cSld>
+  <p:clrMapOvr>
+    <a:masterClrMapping/>
+  </p:clrMapOvr>
+  <p:timing>
+    <p:tnLst>
+      <p:par>
+        <p:cTn xmlns:p14="http://schemas.microsoft.com/office/powerpoint/2010/main" id="1" dur="indefinite" restart="never" nodeType="tmRoot"/>
+      </p:par>
+    </p:tnLst>
+  </p:timing>
 </p:sld>
 </file>
 
@@ -24431,50 +25369,6 @@
           <a:chExt cx="0" cy="0"/>
         </a:xfrm>
       </p:grpSpPr>
-      <p:sp>
-        <p:nvSpPr>
-          <p:cNvPr id="22" name="Rectangle 21"/>
-          <p:cNvSpPr/>
-          <p:nvPr/>
-        </p:nvSpPr>
-        <p:spPr>
-          <a:xfrm>
-            <a:off x="324556" y="2875844"/>
-            <a:ext cx="8650111" cy="3770489"/>
-          </a:xfrm>
-          <a:prstGeom prst="rect">
-            <a:avLst/>
-          </a:prstGeom>
-          <a:solidFill>
-            <a:schemeClr val="bg2">
-              <a:lumMod val="40000"/>
-              <a:lumOff val="60000"/>
-            </a:schemeClr>
-          </a:solidFill>
-        </p:spPr>
-        <p:style>
-          <a:lnRef idx="1">
-            <a:schemeClr val="accent1"/>
-          </a:lnRef>
-          <a:fillRef idx="3">
-            <a:schemeClr val="accent1"/>
-          </a:fillRef>
-          <a:effectRef idx="2">
-            <a:schemeClr val="accent1"/>
-          </a:effectRef>
-          <a:fontRef idx="minor">
-            <a:schemeClr val="lt1"/>
-          </a:fontRef>
-        </p:style>
-        <p:txBody>
-          <a:bodyPr rtlCol="0" anchor="ctr"/>
-          <a:lstStyle/>
-          <a:p>
-            <a:pPr algn="ctr"/>
-            <a:endParaRPr lang="fr-FR"/>
-          </a:p>
-        </p:txBody>
-      </p:sp>
       <p:cxnSp>
         <p:nvCxnSpPr>
           <p:cNvPr id="12" name="Connecteur droit 11"/>
